--- a/CRS2025_R_workshop.pptx
+++ b/CRS2025_R_workshop.pptx
@@ -5,7 +5,7 @@
     <p:sldMasterId id="2147483648" r:id="rId1"/>
   </p:sldMasterIdLst>
   <p:notesMasterIdLst>
-    <p:notesMasterId r:id="rId38"/>
+    <p:notesMasterId r:id="rId40"/>
   </p:notesMasterIdLst>
   <p:sldIdLst>
     <p:sldId id="256" r:id="rId2"/>
@@ -30,20 +30,22 @@
     <p:sldId id="261" r:id="rId21"/>
     <p:sldId id="262" r:id="rId22"/>
     <p:sldId id="263" r:id="rId23"/>
-    <p:sldId id="278" r:id="rId24"/>
-    <p:sldId id="279" r:id="rId25"/>
-    <p:sldId id="280" r:id="rId26"/>
-    <p:sldId id="281" r:id="rId27"/>
-    <p:sldId id="282" r:id="rId28"/>
-    <p:sldId id="283" r:id="rId29"/>
-    <p:sldId id="284" r:id="rId30"/>
-    <p:sldId id="289" r:id="rId31"/>
-    <p:sldId id="285" r:id="rId32"/>
-    <p:sldId id="286" r:id="rId33"/>
-    <p:sldId id="290" r:id="rId34"/>
-    <p:sldId id="291" r:id="rId35"/>
-    <p:sldId id="287" r:id="rId36"/>
-    <p:sldId id="288" r:id="rId37"/>
+    <p:sldId id="293" r:id="rId24"/>
+    <p:sldId id="278" r:id="rId25"/>
+    <p:sldId id="279" r:id="rId26"/>
+    <p:sldId id="292" r:id="rId27"/>
+    <p:sldId id="280" r:id="rId28"/>
+    <p:sldId id="281" r:id="rId29"/>
+    <p:sldId id="282" r:id="rId30"/>
+    <p:sldId id="283" r:id="rId31"/>
+    <p:sldId id="284" r:id="rId32"/>
+    <p:sldId id="289" r:id="rId33"/>
+    <p:sldId id="285" r:id="rId34"/>
+    <p:sldId id="286" r:id="rId35"/>
+    <p:sldId id="290" r:id="rId36"/>
+    <p:sldId id="291" r:id="rId37"/>
+    <p:sldId id="287" r:id="rId38"/>
+    <p:sldId id="288" r:id="rId39"/>
   </p:sldIdLst>
   <p:sldSz cx="12192000" cy="6858000"/>
   <p:notesSz cx="6858000" cy="9144000"/>
@@ -153,7 +155,7 @@
 <file path=ppt/revisionInfo.xml><?xml version="1.0" encoding="utf-8"?>
 <p1510:revInfo xmlns:a="http://schemas.openxmlformats.org/drawingml/2006/main" xmlns:r="http://schemas.openxmlformats.org/officeDocument/2006/relationships" xmlns:p1510="http://schemas.microsoft.com/office/powerpoint/2015/10/main">
   <p1510:revLst>
-    <p1510:client id="{C72B12E2-8B72-408E-9488-1053D10929C0}" v="6718" dt="2025-07-06T00:39:18.578"/>
+    <p1510:client id="{C72B12E2-8B72-408E-9488-1053D10929C0}" v="6998" dt="2025-07-17T15:29:45.957"/>
   </p1510:revLst>
 </p1510:revInfo>
 </file>
@@ -163,7 +165,7 @@
   <pc:docChgLst>
     <pc:chgData name="Matthew Cserhati" userId="6030ab49dea5dda3" providerId="LiveId" clId="{C72B12E2-8B72-408E-9488-1053D10929C0}"/>
     <pc:docChg chg="undo custSel addSld delSld modSld sldOrd">
-      <pc:chgData name="Matthew Cserhati" userId="6030ab49dea5dda3" providerId="LiveId" clId="{C72B12E2-8B72-408E-9488-1053D10929C0}" dt="2025-07-06T00:39:57.308" v="8962" actId="14100"/>
+      <pc:chgData name="Matthew Cserhati" userId="6030ab49dea5dda3" providerId="LiveId" clId="{C72B12E2-8B72-408E-9488-1053D10929C0}" dt="2025-07-17T15:29:45.957" v="10269" actId="20577"/>
       <pc:docMkLst>
         <pc:docMk/>
       </pc:docMkLst>
@@ -207,7 +209,7 @@
         </pc:picChg>
       </pc:sldChg>
       <pc:sldChg chg="modSp new mod modAnim">
-        <pc:chgData name="Matthew Cserhati" userId="6030ab49dea5dda3" providerId="LiveId" clId="{C72B12E2-8B72-408E-9488-1053D10929C0}" dt="2025-06-30T18:13:58.302" v="3540" actId="20577"/>
+        <pc:chgData name="Matthew Cserhati" userId="6030ab49dea5dda3" providerId="LiveId" clId="{C72B12E2-8B72-408E-9488-1053D10929C0}" dt="2025-07-06T04:27:18.044" v="8984" actId="20577"/>
         <pc:sldMkLst>
           <pc:docMk/>
           <pc:sldMk cId="791580756" sldId="257"/>
@@ -221,7 +223,7 @@
           </ac:spMkLst>
         </pc:spChg>
         <pc:spChg chg="mod">
-          <ac:chgData name="Matthew Cserhati" userId="6030ab49dea5dda3" providerId="LiveId" clId="{C72B12E2-8B72-408E-9488-1053D10929C0}" dt="2025-06-30T18:13:58.302" v="3540" actId="20577"/>
+          <ac:chgData name="Matthew Cserhati" userId="6030ab49dea5dda3" providerId="LiveId" clId="{C72B12E2-8B72-408E-9488-1053D10929C0}" dt="2025-07-06T04:27:18.044" v="8984" actId="20577"/>
           <ac:spMkLst>
             <pc:docMk/>
             <pc:sldMk cId="791580756" sldId="257"/>
@@ -230,7 +232,7 @@
         </pc:spChg>
       </pc:sldChg>
       <pc:sldChg chg="modSp new mod modAnim">
-        <pc:chgData name="Matthew Cserhati" userId="6030ab49dea5dda3" providerId="LiveId" clId="{C72B12E2-8B72-408E-9488-1053D10929C0}" dt="2025-06-30T23:48:44.844" v="4413" actId="20577"/>
+        <pc:chgData name="Matthew Cserhati" userId="6030ab49dea5dda3" providerId="LiveId" clId="{C72B12E2-8B72-408E-9488-1053D10929C0}" dt="2025-07-16T20:09:17.408" v="8987" actId="113"/>
         <pc:sldMkLst>
           <pc:docMk/>
           <pc:sldMk cId="1964236184" sldId="258"/>
@@ -244,7 +246,7 @@
           </ac:spMkLst>
         </pc:spChg>
         <pc:spChg chg="mod">
-          <ac:chgData name="Matthew Cserhati" userId="6030ab49dea5dda3" providerId="LiveId" clId="{C72B12E2-8B72-408E-9488-1053D10929C0}" dt="2025-06-30T23:48:44.844" v="4413" actId="20577"/>
+          <ac:chgData name="Matthew Cserhati" userId="6030ab49dea5dda3" providerId="LiveId" clId="{C72B12E2-8B72-408E-9488-1053D10929C0}" dt="2025-07-16T20:09:17.408" v="8987" actId="113"/>
           <ac:spMkLst>
             <pc:docMk/>
             <pc:sldMk cId="1964236184" sldId="258"/>
@@ -268,7 +270,7 @@
         </pc:spChg>
       </pc:sldChg>
       <pc:sldChg chg="modSp new mod modAnim">
-        <pc:chgData name="Matthew Cserhati" userId="6030ab49dea5dda3" providerId="LiveId" clId="{C72B12E2-8B72-408E-9488-1053D10929C0}" dt="2025-06-30T05:39:25.076" v="1156"/>
+        <pc:chgData name="Matthew Cserhati" userId="6030ab49dea5dda3" providerId="LiveId" clId="{C72B12E2-8B72-408E-9488-1053D10929C0}" dt="2025-07-16T23:22:31.783" v="9058" actId="20577"/>
         <pc:sldMkLst>
           <pc:docMk/>
           <pc:sldMk cId="4013473816" sldId="260"/>
@@ -282,7 +284,7 @@
           </ac:spMkLst>
         </pc:spChg>
         <pc:spChg chg="mod">
-          <ac:chgData name="Matthew Cserhati" userId="6030ab49dea5dda3" providerId="LiveId" clId="{C72B12E2-8B72-408E-9488-1053D10929C0}" dt="2025-06-30T05:39:22.376" v="1155" actId="20577"/>
+          <ac:chgData name="Matthew Cserhati" userId="6030ab49dea5dda3" providerId="LiveId" clId="{C72B12E2-8B72-408E-9488-1053D10929C0}" dt="2025-07-16T23:22:31.783" v="9058" actId="20577"/>
           <ac:spMkLst>
             <pc:docMk/>
             <pc:sldMk cId="4013473816" sldId="260"/>
@@ -291,13 +293,13 @@
         </pc:spChg>
       </pc:sldChg>
       <pc:sldChg chg="addSp delSp modSp new mod modAnim">
-        <pc:chgData name="Matthew Cserhati" userId="6030ab49dea5dda3" providerId="LiveId" clId="{C72B12E2-8B72-408E-9488-1053D10929C0}" dt="2025-06-30T05:43:11.688" v="1472" actId="20577"/>
+        <pc:chgData name="Matthew Cserhati" userId="6030ab49dea5dda3" providerId="LiveId" clId="{C72B12E2-8B72-408E-9488-1053D10929C0}" dt="2025-07-16T20:11:07.140" v="9002" actId="20577"/>
         <pc:sldMkLst>
           <pc:docMk/>
           <pc:sldMk cId="155755927" sldId="261"/>
         </pc:sldMkLst>
         <pc:spChg chg="mod">
-          <ac:chgData name="Matthew Cserhati" userId="6030ab49dea5dda3" providerId="LiveId" clId="{C72B12E2-8B72-408E-9488-1053D10929C0}" dt="2025-06-30T05:39:44.074" v="1171" actId="122"/>
+          <ac:chgData name="Matthew Cserhati" userId="6030ab49dea5dda3" providerId="LiveId" clId="{C72B12E2-8B72-408E-9488-1053D10929C0}" dt="2025-07-16T20:11:07.140" v="9002" actId="20577"/>
           <ac:spMkLst>
             <pc:docMk/>
             <pc:sldMk cId="155755927" sldId="261"/>
@@ -329,7 +331,7 @@
         </pc:picChg>
       </pc:sldChg>
       <pc:sldChg chg="modSp new mod modAnim">
-        <pc:chgData name="Matthew Cserhati" userId="6030ab49dea5dda3" providerId="LiveId" clId="{C72B12E2-8B72-408E-9488-1053D10929C0}" dt="2025-07-02T03:42:49.711" v="5235" actId="20577"/>
+        <pc:chgData name="Matthew Cserhati" userId="6030ab49dea5dda3" providerId="LiveId" clId="{C72B12E2-8B72-408E-9488-1053D10929C0}" dt="2025-07-17T15:10:03.746" v="9161" actId="20577"/>
         <pc:sldMkLst>
           <pc:docMk/>
           <pc:sldMk cId="3654245885" sldId="263"/>
@@ -343,7 +345,7 @@
           </ac:spMkLst>
         </pc:spChg>
         <pc:spChg chg="mod">
-          <ac:chgData name="Matthew Cserhati" userId="6030ab49dea5dda3" providerId="LiveId" clId="{C72B12E2-8B72-408E-9488-1053D10929C0}" dt="2025-07-02T03:42:49.711" v="5235" actId="20577"/>
+          <ac:chgData name="Matthew Cserhati" userId="6030ab49dea5dda3" providerId="LiveId" clId="{C72B12E2-8B72-408E-9488-1053D10929C0}" dt="2025-07-17T15:10:03.746" v="9161" actId="20577"/>
           <ac:spMkLst>
             <pc:docMk/>
             <pc:sldMk cId="3654245885" sldId="263"/>
@@ -351,8 +353,8 @@
           </ac:spMkLst>
         </pc:spChg>
       </pc:sldChg>
-      <pc:sldChg chg="addSp delSp modSp new mod">
-        <pc:chgData name="Matthew Cserhati" userId="6030ab49dea5dda3" providerId="LiveId" clId="{C72B12E2-8B72-408E-9488-1053D10929C0}" dt="2025-06-30T17:52:30.047" v="1546" actId="20577"/>
+      <pc:sldChg chg="addSp delSp modSp new mod modAnim">
+        <pc:chgData name="Matthew Cserhati" userId="6030ab49dea5dda3" providerId="LiveId" clId="{C72B12E2-8B72-408E-9488-1053D10929C0}" dt="2025-07-16T20:09:50.350" v="8993"/>
         <pc:sldMkLst>
           <pc:docMk/>
           <pc:sldMk cId="3030415187" sldId="264"/>
@@ -363,6 +365,14 @@
             <pc:docMk/>
             <pc:sldMk cId="3030415187" sldId="264"/>
             <ac:spMk id="2" creationId="{C8EBF179-1AA4-DDD4-E2AE-C92BFA83D641}"/>
+          </ac:spMkLst>
+        </pc:spChg>
+        <pc:spChg chg="add mod">
+          <ac:chgData name="Matthew Cserhati" userId="6030ab49dea5dda3" providerId="LiveId" clId="{C72B12E2-8B72-408E-9488-1053D10929C0}" dt="2025-07-16T20:09:47.433" v="8992" actId="207"/>
+          <ac:spMkLst>
+            <pc:docMk/>
+            <pc:sldMk cId="3030415187" sldId="264"/>
+            <ac:spMk id="3" creationId="{B87CCCBD-D59B-5295-05E5-82F42E5E5FC1}"/>
           </ac:spMkLst>
         </pc:spChg>
         <pc:spChg chg="add mod">
@@ -383,7 +393,7 @@
         </pc:picChg>
       </pc:sldChg>
       <pc:sldChg chg="addSp modSp new mod modAnim">
-        <pc:chgData name="Matthew Cserhati" userId="6030ab49dea5dda3" providerId="LiveId" clId="{C72B12E2-8B72-408E-9488-1053D10929C0}" dt="2025-06-30T17:56:34.549" v="1844" actId="1076"/>
+        <pc:chgData name="Matthew Cserhati" userId="6030ab49dea5dda3" providerId="LiveId" clId="{C72B12E2-8B72-408E-9488-1053D10929C0}" dt="2025-07-16T20:10:22.475" v="8999"/>
         <pc:sldMkLst>
           <pc:docMk/>
           <pc:sldMk cId="3417793990" sldId="265"/>
@@ -397,7 +407,7 @@
           </ac:spMkLst>
         </pc:spChg>
         <pc:spChg chg="mod">
-          <ac:chgData name="Matthew Cserhati" userId="6030ab49dea5dda3" providerId="LiveId" clId="{C72B12E2-8B72-408E-9488-1053D10929C0}" dt="2025-06-30T17:55:47.999" v="1837" actId="20577"/>
+          <ac:chgData name="Matthew Cserhati" userId="6030ab49dea5dda3" providerId="LiveId" clId="{C72B12E2-8B72-408E-9488-1053D10929C0}" dt="2025-07-16T20:10:22.475" v="8999"/>
           <ac:spMkLst>
             <pc:docMk/>
             <pc:sldMk cId="3417793990" sldId="265"/>
@@ -414,13 +424,13 @@
         </pc:picChg>
       </pc:sldChg>
       <pc:sldChg chg="modSp new mod">
-        <pc:chgData name="Matthew Cserhati" userId="6030ab49dea5dda3" providerId="LiveId" clId="{C72B12E2-8B72-408E-9488-1053D10929C0}" dt="2025-06-30T17:57:03.730" v="1890" actId="1076"/>
+        <pc:chgData name="Matthew Cserhati" userId="6030ab49dea5dda3" providerId="LiveId" clId="{C72B12E2-8B72-408E-9488-1053D10929C0}" dt="2025-07-16T20:10:33.155" v="9000" actId="20577"/>
         <pc:sldMkLst>
           <pc:docMk/>
           <pc:sldMk cId="1473990073" sldId="266"/>
         </pc:sldMkLst>
         <pc:spChg chg="mod">
-          <ac:chgData name="Matthew Cserhati" userId="6030ab49dea5dda3" providerId="LiveId" clId="{C72B12E2-8B72-408E-9488-1053D10929C0}" dt="2025-06-30T17:57:03.730" v="1890" actId="1076"/>
+          <ac:chgData name="Matthew Cserhati" userId="6030ab49dea5dda3" providerId="LiveId" clId="{C72B12E2-8B72-408E-9488-1053D10929C0}" dt="2025-07-16T20:10:33.155" v="9000" actId="20577"/>
           <ac:spMkLst>
             <pc:docMk/>
             <pc:sldMk cId="1473990073" sldId="266"/>
@@ -566,7 +576,7 @@
         </pc:spChg>
       </pc:sldChg>
       <pc:sldChg chg="modSp new mod modAnim">
-        <pc:chgData name="Matthew Cserhati" userId="6030ab49dea5dda3" providerId="LiveId" clId="{C72B12E2-8B72-408E-9488-1053D10929C0}" dt="2025-06-30T18:18:59.568" v="3799" actId="20577"/>
+        <pc:chgData name="Matthew Cserhati" userId="6030ab49dea5dda3" providerId="LiveId" clId="{C72B12E2-8B72-408E-9488-1053D10929C0}" dt="2025-07-16T23:22:00.210" v="9042"/>
         <pc:sldMkLst>
           <pc:docMk/>
           <pc:sldMk cId="365574372" sldId="273"/>
@@ -580,7 +590,7 @@
           </ac:spMkLst>
         </pc:spChg>
         <pc:spChg chg="mod">
-          <ac:chgData name="Matthew Cserhati" userId="6030ab49dea5dda3" providerId="LiveId" clId="{C72B12E2-8B72-408E-9488-1053D10929C0}" dt="2025-06-30T18:18:59.568" v="3799" actId="20577"/>
+          <ac:chgData name="Matthew Cserhati" userId="6030ab49dea5dda3" providerId="LiveId" clId="{C72B12E2-8B72-408E-9488-1053D10929C0}" dt="2025-07-16T23:21:54.900" v="9041" actId="15"/>
           <ac:spMkLst>
             <pc:docMk/>
             <pc:sldMk cId="365574372" sldId="273"/>
@@ -635,7 +645,7 @@
         </pc:spChg>
       </pc:sldChg>
       <pc:sldChg chg="modSp new mod">
-        <pc:chgData name="Matthew Cserhati" userId="6030ab49dea5dda3" providerId="LiveId" clId="{C72B12E2-8B72-408E-9488-1053D10929C0}" dt="2025-07-01T00:11:49.410" v="4606" actId="20577"/>
+        <pc:chgData name="Matthew Cserhati" userId="6030ab49dea5dda3" providerId="LiveId" clId="{C72B12E2-8B72-408E-9488-1053D10929C0}" dt="2025-07-06T03:46:04.467" v="8963" actId="14100"/>
         <pc:sldMkLst>
           <pc:docMk/>
           <pc:sldMk cId="3247776772" sldId="276"/>
@@ -649,7 +659,7 @@
           </ac:spMkLst>
         </pc:spChg>
         <pc:spChg chg="mod">
-          <ac:chgData name="Matthew Cserhati" userId="6030ab49dea5dda3" providerId="LiveId" clId="{C72B12E2-8B72-408E-9488-1053D10929C0}" dt="2025-07-01T00:11:49.410" v="4606" actId="20577"/>
+          <ac:chgData name="Matthew Cserhati" userId="6030ab49dea5dda3" providerId="LiveId" clId="{C72B12E2-8B72-408E-9488-1053D10929C0}" dt="2025-07-06T03:46:04.467" v="8963" actId="14100"/>
           <ac:spMkLst>
             <pc:docMk/>
             <pc:sldMk cId="3247776772" sldId="276"/>
@@ -681,13 +691,13 @@
         </pc:spChg>
       </pc:sldChg>
       <pc:sldChg chg="modSp add modAnim">
-        <pc:chgData name="Matthew Cserhati" userId="6030ab49dea5dda3" providerId="LiveId" clId="{C72B12E2-8B72-408E-9488-1053D10929C0}" dt="2025-07-02T03:45:55.608" v="5559" actId="115"/>
+        <pc:chgData name="Matthew Cserhati" userId="6030ab49dea5dda3" providerId="LiveId" clId="{C72B12E2-8B72-408E-9488-1053D10929C0}" dt="2025-07-16T20:11:25.555" v="9003" actId="20577"/>
         <pc:sldMkLst>
           <pc:docMk/>
           <pc:sldMk cId="3230275172" sldId="278"/>
         </pc:sldMkLst>
         <pc:spChg chg="mod">
-          <ac:chgData name="Matthew Cserhati" userId="6030ab49dea5dda3" providerId="LiveId" clId="{C72B12E2-8B72-408E-9488-1053D10929C0}" dt="2025-07-02T03:45:55.608" v="5559" actId="115"/>
+          <ac:chgData name="Matthew Cserhati" userId="6030ab49dea5dda3" providerId="LiveId" clId="{C72B12E2-8B72-408E-9488-1053D10929C0}" dt="2025-07-16T20:11:25.555" v="9003" actId="20577"/>
           <ac:spMkLst>
             <pc:docMk/>
             <pc:sldMk cId="3230275172" sldId="278"/>
@@ -696,13 +706,13 @@
         </pc:spChg>
       </pc:sldChg>
       <pc:sldChg chg="addSp modSp add mod modAnim modNotesTx">
-        <pc:chgData name="Matthew Cserhati" userId="6030ab49dea5dda3" providerId="LiveId" clId="{C72B12E2-8B72-408E-9488-1053D10929C0}" dt="2025-07-02T03:50:04.057" v="5975" actId="20577"/>
+        <pc:chgData name="Matthew Cserhati" userId="6030ab49dea5dda3" providerId="LiveId" clId="{C72B12E2-8B72-408E-9488-1053D10929C0}" dt="2025-07-17T15:09:51.153" v="9153" actId="27636"/>
         <pc:sldMkLst>
           <pc:docMk/>
           <pc:sldMk cId="976196401" sldId="279"/>
         </pc:sldMkLst>
         <pc:spChg chg="mod">
-          <ac:chgData name="Matthew Cserhati" userId="6030ab49dea5dda3" providerId="LiveId" clId="{C72B12E2-8B72-408E-9488-1053D10929C0}" dt="2025-07-02T03:50:04.057" v="5975" actId="20577"/>
+          <ac:chgData name="Matthew Cserhati" userId="6030ab49dea5dda3" providerId="LiveId" clId="{C72B12E2-8B72-408E-9488-1053D10929C0}" dt="2025-07-17T15:09:51.153" v="9153" actId="27636"/>
           <ac:spMkLst>
             <pc:docMk/>
             <pc:sldMk cId="976196401" sldId="279"/>
@@ -1082,6 +1092,620 @@
           </ac:picMkLst>
         </pc:picChg>
       </pc:sldChg>
+      <pc:sldChg chg="addSp modSp new mod">
+        <pc:chgData name="Matthew Cserhati" userId="6030ab49dea5dda3" providerId="LiveId" clId="{C72B12E2-8B72-408E-9488-1053D10929C0}" dt="2025-07-17T15:08:31.938" v="9151" actId="1076"/>
+        <pc:sldMkLst>
+          <pc:docMk/>
+          <pc:sldMk cId="4249583569" sldId="292"/>
+        </pc:sldMkLst>
+        <pc:picChg chg="add mod">
+          <ac:chgData name="Matthew Cserhati" userId="6030ab49dea5dda3" providerId="LiveId" clId="{C72B12E2-8B72-408E-9488-1053D10929C0}" dt="2025-07-17T15:08:31.938" v="9151" actId="1076"/>
+          <ac:picMkLst>
+            <pc:docMk/>
+            <pc:sldMk cId="4249583569" sldId="292"/>
+            <ac:picMk id="3" creationId="{4E3D3F8F-8391-C9F4-BC08-8E97EA125552}"/>
+          </ac:picMkLst>
+        </pc:picChg>
+      </pc:sldChg>
+      <pc:sldChg chg="addSp delSp modSp new mod modAnim">
+        <pc:chgData name="Matthew Cserhati" userId="6030ab49dea5dda3" providerId="LiveId" clId="{C72B12E2-8B72-408E-9488-1053D10929C0}" dt="2025-07-17T15:29:45.957" v="10269" actId="20577"/>
+        <pc:sldMkLst>
+          <pc:docMk/>
+          <pc:sldMk cId="482133926" sldId="293"/>
+        </pc:sldMkLst>
+        <pc:spChg chg="add del mod">
+          <ac:chgData name="Matthew Cserhati" userId="6030ab49dea5dda3" providerId="LiveId" clId="{C72B12E2-8B72-408E-9488-1053D10929C0}" dt="2025-07-17T15:11:17.028" v="9196" actId="478"/>
+          <ac:spMkLst>
+            <pc:docMk/>
+            <pc:sldMk cId="482133926" sldId="293"/>
+            <ac:spMk id="8" creationId="{4A2F8267-1FE8-9CEA-64D9-32FB46EE8865}"/>
+          </ac:spMkLst>
+        </pc:spChg>
+        <pc:spChg chg="add">
+          <ac:chgData name="Matthew Cserhati" userId="6030ab49dea5dda3" providerId="LiveId" clId="{C72B12E2-8B72-408E-9488-1053D10929C0}" dt="2025-07-17T15:11:43.777" v="9199" actId="11529"/>
+          <ac:spMkLst>
+            <pc:docMk/>
+            <pc:sldMk cId="482133926" sldId="293"/>
+            <ac:spMk id="11" creationId="{D7B28C09-D766-5E3C-417C-FF84E500ED42}"/>
+          </ac:spMkLst>
+        </pc:spChg>
+        <pc:spChg chg="add mod">
+          <ac:chgData name="Matthew Cserhati" userId="6030ab49dea5dda3" providerId="LiveId" clId="{C72B12E2-8B72-408E-9488-1053D10929C0}" dt="2025-07-17T15:21:39.397" v="9556" actId="164"/>
+          <ac:spMkLst>
+            <pc:docMk/>
+            <pc:sldMk cId="482133926" sldId="293"/>
+            <ac:spMk id="12" creationId="{6A805E51-50FD-9770-0872-A14B594398B3}"/>
+          </ac:spMkLst>
+        </pc:spChg>
+        <pc:spChg chg="add mod">
+          <ac:chgData name="Matthew Cserhati" userId="6030ab49dea5dda3" providerId="LiveId" clId="{C72B12E2-8B72-408E-9488-1053D10929C0}" dt="2025-07-17T15:21:39.397" v="9556" actId="164"/>
+          <ac:spMkLst>
+            <pc:docMk/>
+            <pc:sldMk cId="482133926" sldId="293"/>
+            <ac:spMk id="13" creationId="{C17667D8-E7B9-448E-E80F-5074AEDFA21B}"/>
+          </ac:spMkLst>
+        </pc:spChg>
+        <pc:spChg chg="add mod">
+          <ac:chgData name="Matthew Cserhati" userId="6030ab49dea5dda3" providerId="LiveId" clId="{C72B12E2-8B72-408E-9488-1053D10929C0}" dt="2025-07-17T15:12:04.902" v="9284" actId="1038"/>
+          <ac:spMkLst>
+            <pc:docMk/>
+            <pc:sldMk cId="482133926" sldId="293"/>
+            <ac:spMk id="14" creationId="{05BC7CD0-2AF4-505F-69E9-B6C1C0B598BF}"/>
+          </ac:spMkLst>
+        </pc:spChg>
+        <pc:spChg chg="add mod">
+          <ac:chgData name="Matthew Cserhati" userId="6030ab49dea5dda3" providerId="LiveId" clId="{C72B12E2-8B72-408E-9488-1053D10929C0}" dt="2025-07-17T15:21:39.397" v="9556" actId="164"/>
+          <ac:spMkLst>
+            <pc:docMk/>
+            <pc:sldMk cId="482133926" sldId="293"/>
+            <ac:spMk id="15" creationId="{70848C83-FAB8-B41F-B98D-FBF2E3D86966}"/>
+          </ac:spMkLst>
+        </pc:spChg>
+        <pc:spChg chg="add mod">
+          <ac:chgData name="Matthew Cserhati" userId="6030ab49dea5dda3" providerId="LiveId" clId="{C72B12E2-8B72-408E-9488-1053D10929C0}" dt="2025-07-17T15:21:39.397" v="9556" actId="164"/>
+          <ac:spMkLst>
+            <pc:docMk/>
+            <pc:sldMk cId="482133926" sldId="293"/>
+            <ac:spMk id="16" creationId="{B9F521AD-6134-D079-6F9B-F9144BA335C4}"/>
+          </ac:spMkLst>
+        </pc:spChg>
+        <pc:spChg chg="add mod">
+          <ac:chgData name="Matthew Cserhati" userId="6030ab49dea5dda3" providerId="LiveId" clId="{C72B12E2-8B72-408E-9488-1053D10929C0}" dt="2025-07-17T15:21:39.397" v="9556" actId="164"/>
+          <ac:spMkLst>
+            <pc:docMk/>
+            <pc:sldMk cId="482133926" sldId="293"/>
+            <ac:spMk id="17" creationId="{7BCC8F91-E8DE-AFBC-2AB4-4C78C9A42FE8}"/>
+          </ac:spMkLst>
+        </pc:spChg>
+        <pc:spChg chg="add mod">
+          <ac:chgData name="Matthew Cserhati" userId="6030ab49dea5dda3" providerId="LiveId" clId="{C72B12E2-8B72-408E-9488-1053D10929C0}" dt="2025-07-17T15:21:39.397" v="9556" actId="164"/>
+          <ac:spMkLst>
+            <pc:docMk/>
+            <pc:sldMk cId="482133926" sldId="293"/>
+            <ac:spMk id="18" creationId="{273C2006-E8C4-B698-B6B0-33229CDE0976}"/>
+          </ac:spMkLst>
+        </pc:spChg>
+        <pc:spChg chg="add mod">
+          <ac:chgData name="Matthew Cserhati" userId="6030ab49dea5dda3" providerId="LiveId" clId="{C72B12E2-8B72-408E-9488-1053D10929C0}" dt="2025-07-17T15:12:18.014" v="9404" actId="1038"/>
+          <ac:spMkLst>
+            <pc:docMk/>
+            <pc:sldMk cId="482133926" sldId="293"/>
+            <ac:spMk id="19" creationId="{95985B43-01F4-44CC-9F1A-FAAC523E04F0}"/>
+          </ac:spMkLst>
+        </pc:spChg>
+        <pc:spChg chg="add mod">
+          <ac:chgData name="Matthew Cserhati" userId="6030ab49dea5dda3" providerId="LiveId" clId="{C72B12E2-8B72-408E-9488-1053D10929C0}" dt="2025-07-17T15:21:39.397" v="9556" actId="164"/>
+          <ac:spMkLst>
+            <pc:docMk/>
+            <pc:sldMk cId="482133926" sldId="293"/>
+            <ac:spMk id="20" creationId="{A2BFF1A3-60E2-3BBE-EB50-EAC107D30F1A}"/>
+          </ac:spMkLst>
+        </pc:spChg>
+        <pc:spChg chg="add mod">
+          <ac:chgData name="Matthew Cserhati" userId="6030ab49dea5dda3" providerId="LiveId" clId="{C72B12E2-8B72-408E-9488-1053D10929C0}" dt="2025-07-17T15:12:42.514" v="9555" actId="1036"/>
+          <ac:spMkLst>
+            <pc:docMk/>
+            <pc:sldMk cId="482133926" sldId="293"/>
+            <ac:spMk id="21" creationId="{C144DD94-EA83-27EF-528B-B0BA00C95DA1}"/>
+          </ac:spMkLst>
+        </pc:spChg>
+        <pc:spChg chg="add mod">
+          <ac:chgData name="Matthew Cserhati" userId="6030ab49dea5dda3" providerId="LiveId" clId="{C72B12E2-8B72-408E-9488-1053D10929C0}" dt="2025-07-17T15:21:39.397" v="9556" actId="164"/>
+          <ac:spMkLst>
+            <pc:docMk/>
+            <pc:sldMk cId="482133926" sldId="293"/>
+            <ac:spMk id="22" creationId="{858785DA-7D79-F431-0879-11C89ECA0C43}"/>
+          </ac:spMkLst>
+        </pc:spChg>
+        <pc:spChg chg="add mod">
+          <ac:chgData name="Matthew Cserhati" userId="6030ab49dea5dda3" providerId="LiveId" clId="{C72B12E2-8B72-408E-9488-1053D10929C0}" dt="2025-07-17T15:21:39.397" v="9556" actId="164"/>
+          <ac:spMkLst>
+            <pc:docMk/>
+            <pc:sldMk cId="482133926" sldId="293"/>
+            <ac:spMk id="23" creationId="{A8F25755-7966-B295-1937-3DABA2E72146}"/>
+          </ac:spMkLst>
+        </pc:spChg>
+        <pc:spChg chg="add mod">
+          <ac:chgData name="Matthew Cserhati" userId="6030ab49dea5dda3" providerId="LiveId" clId="{C72B12E2-8B72-408E-9488-1053D10929C0}" dt="2025-07-17T15:21:39.397" v="9556" actId="164"/>
+          <ac:spMkLst>
+            <pc:docMk/>
+            <pc:sldMk cId="482133926" sldId="293"/>
+            <ac:spMk id="24" creationId="{F97F0BD5-F960-CFBE-6C99-C6B19509AB8E}"/>
+          </ac:spMkLst>
+        </pc:spChg>
+        <pc:spChg chg="add mod">
+          <ac:chgData name="Matthew Cserhati" userId="6030ab49dea5dda3" providerId="LiveId" clId="{C72B12E2-8B72-408E-9488-1053D10929C0}" dt="2025-07-17T15:12:38.943" v="9553" actId="1038"/>
+          <ac:spMkLst>
+            <pc:docMk/>
+            <pc:sldMk cId="482133926" sldId="293"/>
+            <ac:spMk id="25" creationId="{874691BE-5506-C9FD-61E9-99640AAC6483}"/>
+          </ac:spMkLst>
+        </pc:spChg>
+        <pc:spChg chg="mod">
+          <ac:chgData name="Matthew Cserhati" userId="6030ab49dea5dda3" providerId="LiveId" clId="{C72B12E2-8B72-408E-9488-1053D10929C0}" dt="2025-07-17T15:21:54.614" v="9558"/>
+          <ac:spMkLst>
+            <pc:docMk/>
+            <pc:sldMk cId="482133926" sldId="293"/>
+            <ac:spMk id="32" creationId="{E05DA055-2A43-36B1-4181-9D8FFE3F4DEF}"/>
+          </ac:spMkLst>
+        </pc:spChg>
+        <pc:spChg chg="mod">
+          <ac:chgData name="Matthew Cserhati" userId="6030ab49dea5dda3" providerId="LiveId" clId="{C72B12E2-8B72-408E-9488-1053D10929C0}" dt="2025-07-17T15:21:54.614" v="9558"/>
+          <ac:spMkLst>
+            <pc:docMk/>
+            <pc:sldMk cId="482133926" sldId="293"/>
+            <ac:spMk id="34" creationId="{EB018BDD-83A5-6E44-6A68-E2D77AAC56FC}"/>
+          </ac:spMkLst>
+        </pc:spChg>
+        <pc:spChg chg="mod">
+          <ac:chgData name="Matthew Cserhati" userId="6030ab49dea5dda3" providerId="LiveId" clId="{C72B12E2-8B72-408E-9488-1053D10929C0}" dt="2025-07-17T15:21:54.614" v="9558"/>
+          <ac:spMkLst>
+            <pc:docMk/>
+            <pc:sldMk cId="482133926" sldId="293"/>
+            <ac:spMk id="35" creationId="{4A2582FE-D853-0082-8E5B-60A079E80B73}"/>
+          </ac:spMkLst>
+        </pc:spChg>
+        <pc:spChg chg="mod">
+          <ac:chgData name="Matthew Cserhati" userId="6030ab49dea5dda3" providerId="LiveId" clId="{C72B12E2-8B72-408E-9488-1053D10929C0}" dt="2025-07-17T15:21:54.614" v="9558"/>
+          <ac:spMkLst>
+            <pc:docMk/>
+            <pc:sldMk cId="482133926" sldId="293"/>
+            <ac:spMk id="36" creationId="{BBE829DF-F66D-A695-7C8E-46ED5C7D16E2}"/>
+          </ac:spMkLst>
+        </pc:spChg>
+        <pc:spChg chg="mod">
+          <ac:chgData name="Matthew Cserhati" userId="6030ab49dea5dda3" providerId="LiveId" clId="{C72B12E2-8B72-408E-9488-1053D10929C0}" dt="2025-07-17T15:21:54.614" v="9558"/>
+          <ac:spMkLst>
+            <pc:docMk/>
+            <pc:sldMk cId="482133926" sldId="293"/>
+            <ac:spMk id="37" creationId="{0C0D9FEF-831B-94EB-1EDB-8D66E5DB1925}"/>
+          </ac:spMkLst>
+        </pc:spChg>
+        <pc:spChg chg="mod">
+          <ac:chgData name="Matthew Cserhati" userId="6030ab49dea5dda3" providerId="LiveId" clId="{C72B12E2-8B72-408E-9488-1053D10929C0}" dt="2025-07-17T15:21:54.614" v="9558"/>
+          <ac:spMkLst>
+            <pc:docMk/>
+            <pc:sldMk cId="482133926" sldId="293"/>
+            <ac:spMk id="40" creationId="{02C38F47-12CD-CD6D-6E83-6C144E2D8153}"/>
+          </ac:spMkLst>
+        </pc:spChg>
+        <pc:spChg chg="mod">
+          <ac:chgData name="Matthew Cserhati" userId="6030ab49dea5dda3" providerId="LiveId" clId="{C72B12E2-8B72-408E-9488-1053D10929C0}" dt="2025-07-17T15:21:54.614" v="9558"/>
+          <ac:spMkLst>
+            <pc:docMk/>
+            <pc:sldMk cId="482133926" sldId="293"/>
+            <ac:spMk id="41" creationId="{0B0287BE-59B4-E8CC-13ED-7CC247EFE650}"/>
+          </ac:spMkLst>
+        </pc:spChg>
+        <pc:spChg chg="mod">
+          <ac:chgData name="Matthew Cserhati" userId="6030ab49dea5dda3" providerId="LiveId" clId="{C72B12E2-8B72-408E-9488-1053D10929C0}" dt="2025-07-17T15:21:54.614" v="9558"/>
+          <ac:spMkLst>
+            <pc:docMk/>
+            <pc:sldMk cId="482133926" sldId="293"/>
+            <ac:spMk id="42" creationId="{F147A18A-2C5D-46DD-0A18-7CC32201C6D3}"/>
+          </ac:spMkLst>
+        </pc:spChg>
+        <pc:spChg chg="mod">
+          <ac:chgData name="Matthew Cserhati" userId="6030ab49dea5dda3" providerId="LiveId" clId="{C72B12E2-8B72-408E-9488-1053D10929C0}" dt="2025-07-17T15:21:54.614" v="9558"/>
+          <ac:spMkLst>
+            <pc:docMk/>
+            <pc:sldMk cId="482133926" sldId="293"/>
+            <ac:spMk id="43" creationId="{A4C94CC7-E81C-76FC-86D4-FE38491A976A}"/>
+          </ac:spMkLst>
+        </pc:spChg>
+        <pc:spChg chg="mod">
+          <ac:chgData name="Matthew Cserhati" userId="6030ab49dea5dda3" providerId="LiveId" clId="{C72B12E2-8B72-408E-9488-1053D10929C0}" dt="2025-07-17T15:21:54.614" v="9558"/>
+          <ac:spMkLst>
+            <pc:docMk/>
+            <pc:sldMk cId="482133926" sldId="293"/>
+            <ac:spMk id="44" creationId="{B90B205A-AE25-370C-9BA1-2FA21BA470C6}"/>
+          </ac:spMkLst>
+        </pc:spChg>
+        <pc:spChg chg="add mod">
+          <ac:chgData name="Matthew Cserhati" userId="6030ab49dea5dda3" providerId="LiveId" clId="{C72B12E2-8B72-408E-9488-1053D10929C0}" dt="2025-07-17T15:24:37.463" v="9632" actId="208"/>
+          <ac:spMkLst>
+            <pc:docMk/>
+            <pc:sldMk cId="482133926" sldId="293"/>
+            <ac:spMk id="45" creationId="{35D1E7E0-C6C8-DC1F-769A-4214B452631F}"/>
+          </ac:spMkLst>
+        </pc:spChg>
+        <pc:spChg chg="add mod">
+          <ac:chgData name="Matthew Cserhati" userId="6030ab49dea5dda3" providerId="LiveId" clId="{C72B12E2-8B72-408E-9488-1053D10929C0}" dt="2025-07-17T15:28:33.370" v="10213" actId="1076"/>
+          <ac:spMkLst>
+            <pc:docMk/>
+            <pc:sldMk cId="482133926" sldId="293"/>
+            <ac:spMk id="46" creationId="{05928508-292B-8340-34F8-4CDCD12A1E90}"/>
+          </ac:spMkLst>
+        </pc:spChg>
+        <pc:spChg chg="mod">
+          <ac:chgData name="Matthew Cserhati" userId="6030ab49dea5dda3" providerId="LiveId" clId="{C72B12E2-8B72-408E-9488-1053D10929C0}" dt="2025-07-17T15:23:03.126" v="9609"/>
+          <ac:spMkLst>
+            <pc:docMk/>
+            <pc:sldMk cId="482133926" sldId="293"/>
+            <ac:spMk id="50" creationId="{169E870B-970A-19BF-0254-FB8AF311D188}"/>
+          </ac:spMkLst>
+        </pc:spChg>
+        <pc:spChg chg="mod">
+          <ac:chgData name="Matthew Cserhati" userId="6030ab49dea5dda3" providerId="LiveId" clId="{C72B12E2-8B72-408E-9488-1053D10929C0}" dt="2025-07-17T15:23:03.126" v="9609"/>
+          <ac:spMkLst>
+            <pc:docMk/>
+            <pc:sldMk cId="482133926" sldId="293"/>
+            <ac:spMk id="51" creationId="{1DF490C6-4E6A-876B-FA63-98513A05B696}"/>
+          </ac:spMkLst>
+        </pc:spChg>
+        <pc:spChg chg="mod">
+          <ac:chgData name="Matthew Cserhati" userId="6030ab49dea5dda3" providerId="LiveId" clId="{C72B12E2-8B72-408E-9488-1053D10929C0}" dt="2025-07-17T15:23:03.126" v="9609"/>
+          <ac:spMkLst>
+            <pc:docMk/>
+            <pc:sldMk cId="482133926" sldId="293"/>
+            <ac:spMk id="52" creationId="{5BFB4349-0C02-5A15-6C2A-36BC65D15EC9}"/>
+          </ac:spMkLst>
+        </pc:spChg>
+        <pc:spChg chg="mod">
+          <ac:chgData name="Matthew Cserhati" userId="6030ab49dea5dda3" providerId="LiveId" clId="{C72B12E2-8B72-408E-9488-1053D10929C0}" dt="2025-07-17T15:23:03.126" v="9609"/>
+          <ac:spMkLst>
+            <pc:docMk/>
+            <pc:sldMk cId="482133926" sldId="293"/>
+            <ac:spMk id="53" creationId="{EC2BB670-7F63-683A-2391-18B2B30AFEBE}"/>
+          </ac:spMkLst>
+        </pc:spChg>
+        <pc:spChg chg="mod">
+          <ac:chgData name="Matthew Cserhati" userId="6030ab49dea5dda3" providerId="LiveId" clId="{C72B12E2-8B72-408E-9488-1053D10929C0}" dt="2025-07-17T15:23:03.126" v="9609"/>
+          <ac:spMkLst>
+            <pc:docMk/>
+            <pc:sldMk cId="482133926" sldId="293"/>
+            <ac:spMk id="54" creationId="{803DE35E-F3F3-F65F-97C6-38A66C3D1081}"/>
+          </ac:spMkLst>
+        </pc:spChg>
+        <pc:spChg chg="mod">
+          <ac:chgData name="Matthew Cserhati" userId="6030ab49dea5dda3" providerId="LiveId" clId="{C72B12E2-8B72-408E-9488-1053D10929C0}" dt="2025-07-17T15:23:03.126" v="9609"/>
+          <ac:spMkLst>
+            <pc:docMk/>
+            <pc:sldMk cId="482133926" sldId="293"/>
+            <ac:spMk id="56" creationId="{DFC198BE-CC76-02B6-03CD-AB3E09CE8605}"/>
+          </ac:spMkLst>
+        </pc:spChg>
+        <pc:spChg chg="mod">
+          <ac:chgData name="Matthew Cserhati" userId="6030ab49dea5dda3" providerId="LiveId" clId="{C72B12E2-8B72-408E-9488-1053D10929C0}" dt="2025-07-17T15:23:03.126" v="9609"/>
+          <ac:spMkLst>
+            <pc:docMk/>
+            <pc:sldMk cId="482133926" sldId="293"/>
+            <ac:spMk id="61" creationId="{94FBDADA-47E6-627C-F0FF-5E0CA8AD0D70}"/>
+          </ac:spMkLst>
+        </pc:spChg>
+        <pc:spChg chg="mod">
+          <ac:chgData name="Matthew Cserhati" userId="6030ab49dea5dda3" providerId="LiveId" clId="{C72B12E2-8B72-408E-9488-1053D10929C0}" dt="2025-07-17T15:23:03.126" v="9609"/>
+          <ac:spMkLst>
+            <pc:docMk/>
+            <pc:sldMk cId="482133926" sldId="293"/>
+            <ac:spMk id="62" creationId="{B92FD061-67C4-F9EB-4B02-6553BD05502B}"/>
+          </ac:spMkLst>
+        </pc:spChg>
+        <pc:spChg chg="mod">
+          <ac:chgData name="Matthew Cserhati" userId="6030ab49dea5dda3" providerId="LiveId" clId="{C72B12E2-8B72-408E-9488-1053D10929C0}" dt="2025-07-17T15:23:03.126" v="9609"/>
+          <ac:spMkLst>
+            <pc:docMk/>
+            <pc:sldMk cId="482133926" sldId="293"/>
+            <ac:spMk id="64" creationId="{9BC77490-48E2-EA33-EA96-933F0AD1CB11}"/>
+          </ac:spMkLst>
+        </pc:spChg>
+        <pc:spChg chg="add mod">
+          <ac:chgData name="Matthew Cserhati" userId="6030ab49dea5dda3" providerId="LiveId" clId="{C72B12E2-8B72-408E-9488-1053D10929C0}" dt="2025-07-17T15:28:22.879" v="10198" actId="1076"/>
+          <ac:spMkLst>
+            <pc:docMk/>
+            <pc:sldMk cId="482133926" sldId="293"/>
+            <ac:spMk id="65" creationId="{BD5EF6B9-CAE6-0F94-4A86-4F46F8633C52}"/>
+          </ac:spMkLst>
+        </pc:spChg>
+        <pc:spChg chg="add mod">
+          <ac:chgData name="Matthew Cserhati" userId="6030ab49dea5dda3" providerId="LiveId" clId="{C72B12E2-8B72-408E-9488-1053D10929C0}" dt="2025-07-17T15:25:09.159" v="9635" actId="208"/>
+          <ac:spMkLst>
+            <pc:docMk/>
+            <pc:sldMk cId="482133926" sldId="293"/>
+            <ac:spMk id="66" creationId="{4EEA2C47-0ABE-9F1D-4B55-92A7BF795B49}"/>
+          </ac:spMkLst>
+        </pc:spChg>
+        <pc:spChg chg="add mod">
+          <ac:chgData name="Matthew Cserhati" userId="6030ab49dea5dda3" providerId="LiveId" clId="{C72B12E2-8B72-408E-9488-1053D10929C0}" dt="2025-07-17T15:25:11.687" v="9636"/>
+          <ac:spMkLst>
+            <pc:docMk/>
+            <pc:sldMk cId="482133926" sldId="293"/>
+            <ac:spMk id="67" creationId="{2C1CF2D5-AC3E-DD87-85A6-304EAE825CC8}"/>
+          </ac:spMkLst>
+        </pc:spChg>
+        <pc:spChg chg="add mod">
+          <ac:chgData name="Matthew Cserhati" userId="6030ab49dea5dda3" providerId="LiveId" clId="{C72B12E2-8B72-408E-9488-1053D10929C0}" dt="2025-07-17T15:25:18.464" v="9674" actId="1038"/>
+          <ac:spMkLst>
+            <pc:docMk/>
+            <pc:sldMk cId="482133926" sldId="293"/>
+            <ac:spMk id="68" creationId="{58CA3BCF-A10F-CA8A-DFB5-EB60967464D6}"/>
+          </ac:spMkLst>
+        </pc:spChg>
+        <pc:spChg chg="add mod">
+          <ac:chgData name="Matthew Cserhati" userId="6030ab49dea5dda3" providerId="LiveId" clId="{C72B12E2-8B72-408E-9488-1053D10929C0}" dt="2025-07-17T15:25:21.698" v="9697" actId="1038"/>
+          <ac:spMkLst>
+            <pc:docMk/>
+            <pc:sldMk cId="482133926" sldId="293"/>
+            <ac:spMk id="69" creationId="{5261B55A-A356-D201-6EB7-49BDF14821AF}"/>
+          </ac:spMkLst>
+        </pc:spChg>
+        <pc:spChg chg="add mod">
+          <ac:chgData name="Matthew Cserhati" userId="6030ab49dea5dda3" providerId="LiveId" clId="{C72B12E2-8B72-408E-9488-1053D10929C0}" dt="2025-07-17T15:25:25.548" v="9735" actId="1038"/>
+          <ac:spMkLst>
+            <pc:docMk/>
+            <pc:sldMk cId="482133926" sldId="293"/>
+            <ac:spMk id="70" creationId="{1CBAD2B0-F52C-661F-1E00-1B320DB80319}"/>
+          </ac:spMkLst>
+        </pc:spChg>
+        <pc:spChg chg="add mod">
+          <ac:chgData name="Matthew Cserhati" userId="6030ab49dea5dda3" providerId="LiveId" clId="{C72B12E2-8B72-408E-9488-1053D10929C0}" dt="2025-07-17T15:25:30.855" v="9789" actId="1038"/>
+          <ac:spMkLst>
+            <pc:docMk/>
+            <pc:sldMk cId="482133926" sldId="293"/>
+            <ac:spMk id="71" creationId="{A8367773-2A6E-43FB-5169-5B2F30870E80}"/>
+          </ac:spMkLst>
+        </pc:spChg>
+        <pc:spChg chg="add mod">
+          <ac:chgData name="Matthew Cserhati" userId="6030ab49dea5dda3" providerId="LiveId" clId="{C72B12E2-8B72-408E-9488-1053D10929C0}" dt="2025-07-17T15:25:34.378" v="9827" actId="1036"/>
+          <ac:spMkLst>
+            <pc:docMk/>
+            <pc:sldMk cId="482133926" sldId="293"/>
+            <ac:spMk id="72" creationId="{E912F87A-FFFF-48CC-B0EE-39028EC5FD90}"/>
+          </ac:spMkLst>
+        </pc:spChg>
+        <pc:spChg chg="add mod">
+          <ac:chgData name="Matthew Cserhati" userId="6030ab49dea5dda3" providerId="LiveId" clId="{C72B12E2-8B72-408E-9488-1053D10929C0}" dt="2025-07-17T15:25:38.295" v="9874" actId="1038"/>
+          <ac:spMkLst>
+            <pc:docMk/>
+            <pc:sldMk cId="482133926" sldId="293"/>
+            <ac:spMk id="73" creationId="{6237EB41-DC2F-27C0-F362-EBF9F1B98EA1}"/>
+          </ac:spMkLst>
+        </pc:spChg>
+        <pc:spChg chg="add mod">
+          <ac:chgData name="Matthew Cserhati" userId="6030ab49dea5dda3" providerId="LiveId" clId="{C72B12E2-8B72-408E-9488-1053D10929C0}" dt="2025-07-17T15:25:44.673" v="9936" actId="1038"/>
+          <ac:spMkLst>
+            <pc:docMk/>
+            <pc:sldMk cId="482133926" sldId="293"/>
+            <ac:spMk id="74" creationId="{1C9E08E0-38DF-29CE-C64F-FADD79743E5A}"/>
+          </ac:spMkLst>
+        </pc:spChg>
+        <pc:spChg chg="add mod">
+          <ac:chgData name="Matthew Cserhati" userId="6030ab49dea5dda3" providerId="LiveId" clId="{C72B12E2-8B72-408E-9488-1053D10929C0}" dt="2025-07-17T15:25:49.521" v="9959" actId="20577"/>
+          <ac:spMkLst>
+            <pc:docMk/>
+            <pc:sldMk cId="482133926" sldId="293"/>
+            <ac:spMk id="75" creationId="{2D347732-D987-00CF-461C-A33F4B91E873}"/>
+          </ac:spMkLst>
+        </pc:spChg>
+        <pc:spChg chg="add mod">
+          <ac:chgData name="Matthew Cserhati" userId="6030ab49dea5dda3" providerId="LiveId" clId="{C72B12E2-8B72-408E-9488-1053D10929C0}" dt="2025-07-17T15:25:53.274" v="9994" actId="1035"/>
+          <ac:spMkLst>
+            <pc:docMk/>
+            <pc:sldMk cId="482133926" sldId="293"/>
+            <ac:spMk id="76" creationId="{60E92D8D-B356-3734-704F-0B8D6B632EEF}"/>
+          </ac:spMkLst>
+        </pc:spChg>
+        <pc:spChg chg="add mod">
+          <ac:chgData name="Matthew Cserhati" userId="6030ab49dea5dda3" providerId="LiveId" clId="{C72B12E2-8B72-408E-9488-1053D10929C0}" dt="2025-07-17T15:25:57.994" v="10038" actId="1037"/>
+          <ac:spMkLst>
+            <pc:docMk/>
+            <pc:sldMk cId="482133926" sldId="293"/>
+            <ac:spMk id="77" creationId="{63A2B4AB-DA28-7082-3EC0-B4CEC0F546D3}"/>
+          </ac:spMkLst>
+        </pc:spChg>
+        <pc:spChg chg="add mod">
+          <ac:chgData name="Matthew Cserhati" userId="6030ab49dea5dda3" providerId="LiveId" clId="{C72B12E2-8B72-408E-9488-1053D10929C0}" dt="2025-07-17T15:26:02.223" v="10090" actId="1035"/>
+          <ac:spMkLst>
+            <pc:docMk/>
+            <pc:sldMk cId="482133926" sldId="293"/>
+            <ac:spMk id="78" creationId="{54C99188-9978-35D6-87E2-74A71A43EEEB}"/>
+          </ac:spMkLst>
+        </pc:spChg>
+        <pc:spChg chg="add mod">
+          <ac:chgData name="Matthew Cserhati" userId="6030ab49dea5dda3" providerId="LiveId" clId="{C72B12E2-8B72-408E-9488-1053D10929C0}" dt="2025-07-17T15:26:08.281" v="10140" actId="1035"/>
+          <ac:spMkLst>
+            <pc:docMk/>
+            <pc:sldMk cId="482133926" sldId="293"/>
+            <ac:spMk id="79" creationId="{4526681B-F838-CD9E-52A8-55966F69CC60}"/>
+          </ac:spMkLst>
+        </pc:spChg>
+        <pc:spChg chg="add mod">
+          <ac:chgData name="Matthew Cserhati" userId="6030ab49dea5dda3" providerId="LiveId" clId="{C72B12E2-8B72-408E-9488-1053D10929C0}" dt="2025-07-17T15:26:13.980" v="10181" actId="1035"/>
+          <ac:spMkLst>
+            <pc:docMk/>
+            <pc:sldMk cId="482133926" sldId="293"/>
+            <ac:spMk id="80" creationId="{2D76C7A6-BC44-586A-581C-3930570AF93D}"/>
+          </ac:spMkLst>
+        </pc:spChg>
+        <pc:spChg chg="mod">
+          <ac:chgData name="Matthew Cserhati" userId="6030ab49dea5dda3" providerId="LiveId" clId="{C72B12E2-8B72-408E-9488-1053D10929C0}" dt="2025-07-17T15:27:55.320" v="10187"/>
+          <ac:spMkLst>
+            <pc:docMk/>
+            <pc:sldMk cId="482133926" sldId="293"/>
+            <ac:spMk id="84" creationId="{1886EE23-7059-F17C-F2CC-1C3DE88D57C1}"/>
+          </ac:spMkLst>
+        </pc:spChg>
+        <pc:spChg chg="mod">
+          <ac:chgData name="Matthew Cserhati" userId="6030ab49dea5dda3" providerId="LiveId" clId="{C72B12E2-8B72-408E-9488-1053D10929C0}" dt="2025-07-17T15:27:55.320" v="10187"/>
+          <ac:spMkLst>
+            <pc:docMk/>
+            <pc:sldMk cId="482133926" sldId="293"/>
+            <ac:spMk id="85" creationId="{50A1B102-6C8B-54AB-D130-28A1AD520970}"/>
+          </ac:spMkLst>
+        </pc:spChg>
+        <pc:spChg chg="mod">
+          <ac:chgData name="Matthew Cserhati" userId="6030ab49dea5dda3" providerId="LiveId" clId="{C72B12E2-8B72-408E-9488-1053D10929C0}" dt="2025-07-17T15:27:55.320" v="10187"/>
+          <ac:spMkLst>
+            <pc:docMk/>
+            <pc:sldMk cId="482133926" sldId="293"/>
+            <ac:spMk id="88" creationId="{25E6052A-F2DA-9790-E997-B3BC581A82ED}"/>
+          </ac:spMkLst>
+        </pc:spChg>
+        <pc:spChg chg="mod">
+          <ac:chgData name="Matthew Cserhati" userId="6030ab49dea5dda3" providerId="LiveId" clId="{C72B12E2-8B72-408E-9488-1053D10929C0}" dt="2025-07-17T15:27:55.320" v="10187"/>
+          <ac:spMkLst>
+            <pc:docMk/>
+            <pc:sldMk cId="482133926" sldId="293"/>
+            <ac:spMk id="89" creationId="{03735336-D86B-A582-AD1E-47C737713568}"/>
+          </ac:spMkLst>
+        </pc:spChg>
+        <pc:spChg chg="mod">
+          <ac:chgData name="Matthew Cserhati" userId="6030ab49dea5dda3" providerId="LiveId" clId="{C72B12E2-8B72-408E-9488-1053D10929C0}" dt="2025-07-17T15:27:55.320" v="10187"/>
+          <ac:spMkLst>
+            <pc:docMk/>
+            <pc:sldMk cId="482133926" sldId="293"/>
+            <ac:spMk id="91" creationId="{B1425961-7282-984F-6F05-1113B7B0CBC9}"/>
+          </ac:spMkLst>
+        </pc:spChg>
+        <pc:spChg chg="mod">
+          <ac:chgData name="Matthew Cserhati" userId="6030ab49dea5dda3" providerId="LiveId" clId="{C72B12E2-8B72-408E-9488-1053D10929C0}" dt="2025-07-17T15:27:55.320" v="10187"/>
+          <ac:spMkLst>
+            <pc:docMk/>
+            <pc:sldMk cId="482133926" sldId="293"/>
+            <ac:spMk id="92" creationId="{A7AE7FDD-B082-8CE6-5C85-28E8233848EB}"/>
+          </ac:spMkLst>
+        </pc:spChg>
+        <pc:spChg chg="mod">
+          <ac:chgData name="Matthew Cserhati" userId="6030ab49dea5dda3" providerId="LiveId" clId="{C72B12E2-8B72-408E-9488-1053D10929C0}" dt="2025-07-17T15:27:55.320" v="10187"/>
+          <ac:spMkLst>
+            <pc:docMk/>
+            <pc:sldMk cId="482133926" sldId="293"/>
+            <ac:spMk id="93" creationId="{013EC409-3593-8EDD-D141-E35F8D707284}"/>
+          </ac:spMkLst>
+        </pc:spChg>
+        <pc:spChg chg="mod">
+          <ac:chgData name="Matthew Cserhati" userId="6030ab49dea5dda3" providerId="LiveId" clId="{C72B12E2-8B72-408E-9488-1053D10929C0}" dt="2025-07-17T15:27:55.320" v="10187"/>
+          <ac:spMkLst>
+            <pc:docMk/>
+            <pc:sldMk cId="482133926" sldId="293"/>
+            <ac:spMk id="94" creationId="{899B42A2-2B2E-BE80-C5AC-0627ACC5CE27}"/>
+          </ac:spMkLst>
+        </pc:spChg>
+        <pc:spChg chg="mod">
+          <ac:chgData name="Matthew Cserhati" userId="6030ab49dea5dda3" providerId="LiveId" clId="{C72B12E2-8B72-408E-9488-1053D10929C0}" dt="2025-07-17T15:27:55.320" v="10187"/>
+          <ac:spMkLst>
+            <pc:docMk/>
+            <pc:sldMk cId="482133926" sldId="293"/>
+            <ac:spMk id="95" creationId="{89E0360C-1E1D-030A-E129-39AC846BD11F}"/>
+          </ac:spMkLst>
+        </pc:spChg>
+        <pc:spChg chg="mod">
+          <ac:chgData name="Matthew Cserhati" userId="6030ab49dea5dda3" providerId="LiveId" clId="{C72B12E2-8B72-408E-9488-1053D10929C0}" dt="2025-07-17T15:27:55.320" v="10187"/>
+          <ac:spMkLst>
+            <pc:docMk/>
+            <pc:sldMk cId="482133926" sldId="293"/>
+            <ac:spMk id="97" creationId="{AB299AF4-B058-F51A-9063-FA750C6CB32C}"/>
+          </ac:spMkLst>
+        </pc:spChg>
+        <pc:spChg chg="add mod">
+          <ac:chgData name="Matthew Cserhati" userId="6030ab49dea5dda3" providerId="LiveId" clId="{C72B12E2-8B72-408E-9488-1053D10929C0}" dt="2025-07-17T15:29:01.023" v="10218" actId="688"/>
+          <ac:spMkLst>
+            <pc:docMk/>
+            <pc:sldMk cId="482133926" sldId="293"/>
+            <ac:spMk id="99" creationId="{0193AB04-5879-BBDE-A245-1C8A9AD5B292}"/>
+          </ac:spMkLst>
+        </pc:spChg>
+        <pc:spChg chg="add mod">
+          <ac:chgData name="Matthew Cserhati" userId="6030ab49dea5dda3" providerId="LiveId" clId="{C72B12E2-8B72-408E-9488-1053D10929C0}" dt="2025-07-17T15:29:04.726" v="10220" actId="1076"/>
+          <ac:spMkLst>
+            <pc:docMk/>
+            <pc:sldMk cId="482133926" sldId="293"/>
+            <ac:spMk id="100" creationId="{3CC38174-CE88-FC24-A7CC-3BB850B45523}"/>
+          </ac:spMkLst>
+        </pc:spChg>
+        <pc:spChg chg="add mod">
+          <ac:chgData name="Matthew Cserhati" userId="6030ab49dea5dda3" providerId="LiveId" clId="{C72B12E2-8B72-408E-9488-1053D10929C0}" dt="2025-07-17T15:29:08.454" v="10222" actId="1076"/>
+          <ac:spMkLst>
+            <pc:docMk/>
+            <pc:sldMk cId="482133926" sldId="293"/>
+            <ac:spMk id="101" creationId="{D362BCF0-DA43-79F6-F979-2C03693D255D}"/>
+          </ac:spMkLst>
+        </pc:spChg>
+        <pc:spChg chg="add mod">
+          <ac:chgData name="Matthew Cserhati" userId="6030ab49dea5dda3" providerId="LiveId" clId="{C72B12E2-8B72-408E-9488-1053D10929C0}" dt="2025-07-17T15:29:14.559" v="10225" actId="14100"/>
+          <ac:spMkLst>
+            <pc:docMk/>
+            <pc:sldMk cId="482133926" sldId="293"/>
+            <ac:spMk id="102" creationId="{6D7BB073-6A4B-D27A-3D8A-0B6F106CA79F}"/>
+          </ac:spMkLst>
+        </pc:spChg>
+        <pc:spChg chg="add mod">
+          <ac:chgData name="Matthew Cserhati" userId="6030ab49dea5dda3" providerId="LiveId" clId="{C72B12E2-8B72-408E-9488-1053D10929C0}" dt="2025-07-17T15:29:45.957" v="10269" actId="20577"/>
+          <ac:spMkLst>
+            <pc:docMk/>
+            <pc:sldMk cId="482133926" sldId="293"/>
+            <ac:spMk id="103" creationId="{EC3F4772-064C-4A93-52C7-CCB17E10235A}"/>
+          </ac:spMkLst>
+        </pc:spChg>
+        <pc:grpChg chg="mod">
+          <ac:chgData name="Matthew Cserhati" userId="6030ab49dea5dda3" providerId="LiveId" clId="{C72B12E2-8B72-408E-9488-1053D10929C0}" dt="2025-07-17T15:23:28.741" v="9620" actId="1076"/>
+          <ac:grpSpMkLst>
+            <pc:docMk/>
+            <pc:sldMk cId="482133926" sldId="293"/>
+            <ac:grpSpMk id="26" creationId="{BC401959-495C-79BB-BD45-6DFB5E18CF9A}"/>
+          </ac:grpSpMkLst>
+        </pc:grpChg>
+        <pc:grpChg chg="mod">
+          <ac:chgData name="Matthew Cserhati" userId="6030ab49dea5dda3" providerId="LiveId" clId="{C72B12E2-8B72-408E-9488-1053D10929C0}" dt="2025-07-17T15:28:27.972" v="10212" actId="1035"/>
+          <ac:grpSpMkLst>
+            <pc:docMk/>
+            <pc:sldMk cId="482133926" sldId="293"/>
+            <ac:grpSpMk id="27" creationId="{FB3F3C75-A3A9-44FD-6E90-EADD2959BFA4}"/>
+          </ac:grpSpMkLst>
+        </pc:grpChg>
+        <pc:grpChg chg="mod">
+          <ac:chgData name="Matthew Cserhati" userId="6030ab49dea5dda3" providerId="LiveId" clId="{C72B12E2-8B72-408E-9488-1053D10929C0}" dt="2025-07-17T15:23:54.688" v="9624" actId="1076"/>
+          <ac:grpSpMkLst>
+            <pc:docMk/>
+            <pc:sldMk cId="482133926" sldId="293"/>
+            <ac:grpSpMk id="47" creationId="{BB6305E9-E3F2-00DF-4D2A-D7C959D12AE3}"/>
+          </ac:grpSpMkLst>
+        </pc:grpChg>
+        <pc:grpChg chg="mod">
+          <ac:chgData name="Matthew Cserhati" userId="6030ab49dea5dda3" providerId="LiveId" clId="{C72B12E2-8B72-408E-9488-1053D10929C0}" dt="2025-07-17T15:28:39.086" v="10214" actId="1076"/>
+          <ac:grpSpMkLst>
+            <pc:docMk/>
+            <pc:sldMk cId="482133926" sldId="293"/>
+            <ac:grpSpMk id="81" creationId="{C50D73CF-9565-F7F5-EDBF-15D7BA152161}"/>
+          </ac:grpSpMkLst>
+        </pc:grpChg>
+        <pc:cxnChg chg="add mod">
+          <ac:chgData name="Matthew Cserhati" userId="6030ab49dea5dda3" providerId="LiveId" clId="{C72B12E2-8B72-408E-9488-1053D10929C0}" dt="2025-07-17T15:11:36.279" v="9198" actId="14100"/>
+          <ac:cxnSpMkLst>
+            <pc:docMk/>
+            <pc:sldMk cId="482133926" sldId="293"/>
+            <ac:cxnSpMk id="3" creationId="{AF712538-B61C-D60C-886E-BAE53FE6DE28}"/>
+          </ac:cxnSpMkLst>
+        </pc:cxnChg>
+        <pc:cxnChg chg="add mod">
+          <ac:chgData name="Matthew Cserhati" userId="6030ab49dea5dda3" providerId="LiveId" clId="{C72B12E2-8B72-408E-9488-1053D10929C0}" dt="2025-07-17T15:11:32.023" v="9197" actId="14100"/>
+          <ac:cxnSpMkLst>
+            <pc:docMk/>
+            <pc:sldMk cId="482133926" sldId="293"/>
+            <ac:cxnSpMk id="4" creationId="{D7307ACE-20C9-2EA4-8508-35CB1E2E9B15}"/>
+          </ac:cxnSpMkLst>
+        </pc:cxnChg>
+      </pc:sldChg>
     </pc:docChg>
   </pc:docChgLst>
 </pc:chgInfo>
@@ -1169,7 +1793,7 @@
           <a:p>
             <a:fld id="{9EE88898-85D7-45AF-B6F3-230B3CF59E47}" type="datetimeFigureOut">
               <a:rPr lang="en-US" smtClean="0"/>
-              <a:t>7/5/2025</a:t>
+              <a:t>7/17/2025</a:t>
             </a:fld>
             <a:endParaRPr lang="en-US"/>
           </a:p>
@@ -1585,7 +2209,7 @@
           <a:p>
             <a:fld id="{8B77D003-7B34-481F-AFEB-BEF1612679CB}" type="slidenum">
               <a:rPr lang="en-US" smtClean="0"/>
-              <a:t>24</a:t>
+              <a:t>25</a:t>
             </a:fld>
             <a:endParaRPr lang="en-US"/>
           </a:p>
@@ -1751,7 +2375,7 @@
           <a:p>
             <a:fld id="{A96D1AFE-3D21-47B6-AAC4-7E75F0B46B27}" type="datetimeFigureOut">
               <a:rPr lang="en-US" smtClean="0"/>
-              <a:t>7/5/2025</a:t>
+              <a:t>7/17/2025</a:t>
             </a:fld>
             <a:endParaRPr lang="en-US"/>
           </a:p>
@@ -1949,7 +2573,7 @@
           <a:p>
             <a:fld id="{A96D1AFE-3D21-47B6-AAC4-7E75F0B46B27}" type="datetimeFigureOut">
               <a:rPr lang="en-US" smtClean="0"/>
-              <a:t>7/5/2025</a:t>
+              <a:t>7/17/2025</a:t>
             </a:fld>
             <a:endParaRPr lang="en-US"/>
           </a:p>
@@ -2157,7 +2781,7 @@
           <a:p>
             <a:fld id="{A96D1AFE-3D21-47B6-AAC4-7E75F0B46B27}" type="datetimeFigureOut">
               <a:rPr lang="en-US" smtClean="0"/>
-              <a:t>7/5/2025</a:t>
+              <a:t>7/17/2025</a:t>
             </a:fld>
             <a:endParaRPr lang="en-US"/>
           </a:p>
@@ -2355,7 +2979,7 @@
           <a:p>
             <a:fld id="{A96D1AFE-3D21-47B6-AAC4-7E75F0B46B27}" type="datetimeFigureOut">
               <a:rPr lang="en-US" smtClean="0"/>
-              <a:t>7/5/2025</a:t>
+              <a:t>7/17/2025</a:t>
             </a:fld>
             <a:endParaRPr lang="en-US"/>
           </a:p>
@@ -2630,7 +3254,7 @@
           <a:p>
             <a:fld id="{A96D1AFE-3D21-47B6-AAC4-7E75F0B46B27}" type="datetimeFigureOut">
               <a:rPr lang="en-US" smtClean="0"/>
-              <a:t>7/5/2025</a:t>
+              <a:t>7/17/2025</a:t>
             </a:fld>
             <a:endParaRPr lang="en-US"/>
           </a:p>
@@ -2895,7 +3519,7 @@
           <a:p>
             <a:fld id="{A96D1AFE-3D21-47B6-AAC4-7E75F0B46B27}" type="datetimeFigureOut">
               <a:rPr lang="en-US" smtClean="0"/>
-              <a:t>7/5/2025</a:t>
+              <a:t>7/17/2025</a:t>
             </a:fld>
             <a:endParaRPr lang="en-US"/>
           </a:p>
@@ -3307,7 +3931,7 @@
           <a:p>
             <a:fld id="{A96D1AFE-3D21-47B6-AAC4-7E75F0B46B27}" type="datetimeFigureOut">
               <a:rPr lang="en-US" smtClean="0"/>
-              <a:t>7/5/2025</a:t>
+              <a:t>7/17/2025</a:t>
             </a:fld>
             <a:endParaRPr lang="en-US"/>
           </a:p>
@@ -3448,7 +4072,7 @@
           <a:p>
             <a:fld id="{A96D1AFE-3D21-47B6-AAC4-7E75F0B46B27}" type="datetimeFigureOut">
               <a:rPr lang="en-US" smtClean="0"/>
-              <a:t>7/5/2025</a:t>
+              <a:t>7/17/2025</a:t>
             </a:fld>
             <a:endParaRPr lang="en-US"/>
           </a:p>
@@ -3561,7 +4185,7 @@
           <a:p>
             <a:fld id="{A96D1AFE-3D21-47B6-AAC4-7E75F0B46B27}" type="datetimeFigureOut">
               <a:rPr lang="en-US" smtClean="0"/>
-              <a:t>7/5/2025</a:t>
+              <a:t>7/17/2025</a:t>
             </a:fld>
             <a:endParaRPr lang="en-US"/>
           </a:p>
@@ -3872,7 +4496,7 @@
           <a:p>
             <a:fld id="{A96D1AFE-3D21-47B6-AAC4-7E75F0B46B27}" type="datetimeFigureOut">
               <a:rPr lang="en-US" smtClean="0"/>
-              <a:t>7/5/2025</a:t>
+              <a:t>7/17/2025</a:t>
             </a:fld>
             <a:endParaRPr lang="en-US"/>
           </a:p>
@@ -4160,7 +4784,7 @@
           <a:p>
             <a:fld id="{A96D1AFE-3D21-47B6-AAC4-7E75F0B46B27}" type="datetimeFigureOut">
               <a:rPr lang="en-US" smtClean="0"/>
-              <a:t>7/5/2025</a:t>
+              <a:t>7/17/2025</a:t>
             </a:fld>
             <a:endParaRPr lang="en-US"/>
           </a:p>
@@ -4401,7 +5025,7 @@
           <a:p>
             <a:fld id="{A96D1AFE-3D21-47B6-AAC4-7E75F0B46B27}" type="datetimeFigureOut">
               <a:rPr lang="en-US" smtClean="0"/>
-              <a:t>7/5/2025</a:t>
+              <a:t>7/17/2025</a:t>
             </a:fld>
             <a:endParaRPr lang="en-US"/>
           </a:p>
@@ -5876,22 +6500,31 @@
           <a:p>
             <a:r>
               <a:rPr lang="en-US" dirty="0"/>
-              <a:t>For this you have to download, install and then load these packages.</a:t>
-            </a:r>
-          </a:p>
-          <a:p>
+              <a:t>For this you must download, install and then load these packages.</a:t>
+            </a:r>
+          </a:p>
+          <a:p>
+            <a:r>
+              <a:rPr lang="en-US" dirty="0"/>
+              <a:t>You can do this in several ways:</a:t>
+            </a:r>
+          </a:p>
+          <a:p>
+            <a:pPr lvl="1"/>
             <a:r>
               <a:rPr lang="en-US" dirty="0"/>
               <a:t>Download via Internet</a:t>
             </a:r>
           </a:p>
           <a:p>
+            <a:pPr lvl="1"/>
             <a:r>
               <a:rPr lang="en-US" dirty="0"/>
               <a:t>From a package file on the desktop</a:t>
             </a:r>
           </a:p>
           <a:p>
+            <a:pPr lvl="1"/>
             <a:r>
               <a:rPr lang="en-US" dirty="0"/>
               <a:t>Using </a:t>
@@ -6147,6 +6780,55 @@
                                           <p:spTgt spid="3">
                                             <p:txEl>
                                               <p:pRg st="4" end="4"/>
+                                            </p:txEl>
+                                          </p:spTgt>
+                                        </p:tgtEl>
+                                        <p:attrNameLst>
+                                          <p:attrName>style.visibility</p:attrName>
+                                        </p:attrNameLst>
+                                      </p:cBhvr>
+                                      <p:to>
+                                        <p:strVal val="visible"/>
+                                      </p:to>
+                                    </p:set>
+                                  </p:childTnLst>
+                                </p:cTn>
+                              </p:par>
+                            </p:childTnLst>
+                          </p:cTn>
+                        </p:par>
+                      </p:childTnLst>
+                    </p:cTn>
+                  </p:par>
+                  <p:par>
+                    <p:cTn id="23" fill="hold">
+                      <p:stCondLst>
+                        <p:cond delay="indefinite"/>
+                      </p:stCondLst>
+                      <p:childTnLst>
+                        <p:par>
+                          <p:cTn id="24" fill="hold">
+                            <p:stCondLst>
+                              <p:cond delay="0"/>
+                            </p:stCondLst>
+                            <p:childTnLst>
+                              <p:par>
+                                <p:cTn id="25" presetID="1" presetClass="entr" presetSubtype="0" fill="hold" grpId="0" nodeType="clickEffect">
+                                  <p:stCondLst>
+                                    <p:cond delay="0"/>
+                                  </p:stCondLst>
+                                  <p:childTnLst>
+                                    <p:set>
+                                      <p:cBhvr>
+                                        <p:cTn id="26" dur="1" fill="hold">
+                                          <p:stCondLst>
+                                            <p:cond delay="0"/>
+                                          </p:stCondLst>
+                                        </p:cTn>
+                                        <p:tgtEl>
+                                          <p:spTgt spid="3">
+                                            <p:txEl>
+                                              <p:pRg st="5" end="5"/>
                                             </p:txEl>
                                           </p:spTgt>
                                         </p:tgtEl>
@@ -6710,7 +7392,12 @@
             <p:ph idx="1"/>
           </p:nvPr>
         </p:nvSpPr>
-        <p:spPr/>
+        <p:spPr>
+          <a:xfrm>
+            <a:off x="838199" y="1825625"/>
+            <a:ext cx="10738449" cy="4351338"/>
+          </a:xfrm>
+        </p:spPr>
         <p:txBody>
           <a:bodyPr/>
           <a:lstStyle/>
@@ -7897,7 +8584,7 @@
           <a:p>
             <a:r>
               <a:rPr lang="en-US" dirty="0"/>
-              <a:t>Code data frame:</a:t>
+              <a:t>Code data frame columns:</a:t>
             </a:r>
           </a:p>
           <a:p>
@@ -7917,7 +8604,7 @@
           <a:p>
             <a:r>
               <a:rPr lang="en-US" dirty="0"/>
-              <a:t>Hybridization data frame:</a:t>
+              <a:t>Hybridization data frame columns:</a:t>
             </a:r>
           </a:p>
           <a:p>
@@ -8449,6 +9136,22 @@
           <a:lstStyle/>
           <a:p>
             <a:r>
+              <a:rPr lang="en-US"/>
+              <a:t>Workshop files at </a:t>
+            </a:r>
+            <a:r>
+              <a:rPr lang="en-US">
+                <a:hlinkClick r:id="rId2"/>
+              </a:rPr>
+              <a:t>https://github.com/csmatyi/crs2025</a:t>
+            </a:r>
+            <a:r>
+              <a:rPr lang="en-US"/>
+              <a:t> </a:t>
+            </a:r>
+          </a:p>
+          <a:p>
+            <a:r>
               <a:rPr lang="en-US" dirty="0"/>
               <a:t>What is the R programming language?</a:t>
             </a:r>
@@ -8887,6 +9590,55 @@
                       </p:childTnLst>
                     </p:cTn>
                   </p:par>
+                  <p:par>
+                    <p:cTn id="31" fill="hold">
+                      <p:stCondLst>
+                        <p:cond delay="indefinite"/>
+                      </p:stCondLst>
+                      <p:childTnLst>
+                        <p:par>
+                          <p:cTn id="32" fill="hold">
+                            <p:stCondLst>
+                              <p:cond delay="0"/>
+                            </p:stCondLst>
+                            <p:childTnLst>
+                              <p:par>
+                                <p:cTn id="33" presetID="1" presetClass="entr" presetSubtype="0" fill="hold" grpId="0" nodeType="clickEffect">
+                                  <p:stCondLst>
+                                    <p:cond delay="0"/>
+                                  </p:stCondLst>
+                                  <p:childTnLst>
+                                    <p:set>
+                                      <p:cBhvr>
+                                        <p:cTn id="34" dur="1" fill="hold">
+                                          <p:stCondLst>
+                                            <p:cond delay="0"/>
+                                          </p:stCondLst>
+                                        </p:cTn>
+                                        <p:tgtEl>
+                                          <p:spTgt spid="3">
+                                            <p:txEl>
+                                              <p:pRg st="7" end="7"/>
+                                            </p:txEl>
+                                          </p:spTgt>
+                                        </p:tgtEl>
+                                        <p:attrNameLst>
+                                          <p:attrName>style.visibility</p:attrName>
+                                        </p:attrNameLst>
+                                      </p:cBhvr>
+                                      <p:to>
+                                        <p:strVal val="visible"/>
+                                      </p:to>
+                                    </p:set>
+                                  </p:childTnLst>
+                                </p:cTn>
+                              </p:par>
+                            </p:childTnLst>
+                          </p:cTn>
+                        </p:par>
+                      </p:childTnLst>
+                    </p:cTn>
+                  </p:par>
                 </p:childTnLst>
               </p:cTn>
               <p:prevCondLst>
@@ -8958,10 +9710,7 @@
               <a:rPr lang="en-US" dirty="0" err="1"/>
               <a:t>Hybridogram</a:t>
             </a:r>
-            <a:r>
-              <a:rPr lang="en-US" dirty="0"/>
-              <a:t> 2</a:t>
-            </a:r>
+            <a:endParaRPr lang="en-US" dirty="0"/>
           </a:p>
         </p:txBody>
       </p:sp>
@@ -9695,7 +10444,9 @@
         </p:nvSpPr>
         <p:spPr/>
         <p:txBody>
-          <a:bodyPr/>
+          <a:bodyPr>
+            <a:normAutofit/>
+          </a:bodyPr>
           <a:lstStyle/>
           <a:p>
             <a:r>
@@ -9714,6 +10465,29 @@
               <a:rPr lang="en-US" dirty="0"/>
               <a:t>Provide a cutoff value x, where 0 (0%) &lt; x &lt; 1 (100%) similarity, and those species will belong to the same component which are more than x% similar to one another.</a:t>
             </a:r>
+          </a:p>
+          <a:p>
+            <a:r>
+              <a:rPr lang="en-US" dirty="0"/>
+              <a:t>At 0% all species are in the </a:t>
+            </a:r>
+            <a:r>
+              <a:rPr lang="en-US" u="sng" dirty="0"/>
+              <a:t>same</a:t>
+            </a:r>
+            <a:r>
+              <a:rPr lang="en-US" dirty="0"/>
+              <a:t> kind (low criterion, same group)</a:t>
+            </a:r>
+          </a:p>
+          <a:p>
+            <a:r>
+              <a:rPr lang="en-US" dirty="0"/>
+              <a:t>At 100% every species forms its own kind! (tight criterion)</a:t>
+            </a:r>
+          </a:p>
+          <a:p>
+            <a:endParaRPr lang="en-US" dirty="0"/>
           </a:p>
         </p:txBody>
       </p:sp>
@@ -9882,6 +10656,104 @@
                       </p:childTnLst>
                     </p:cTn>
                   </p:par>
+                  <p:par>
+                    <p:cTn id="15" fill="hold">
+                      <p:stCondLst>
+                        <p:cond delay="indefinite"/>
+                      </p:stCondLst>
+                      <p:childTnLst>
+                        <p:par>
+                          <p:cTn id="16" fill="hold">
+                            <p:stCondLst>
+                              <p:cond delay="0"/>
+                            </p:stCondLst>
+                            <p:childTnLst>
+                              <p:par>
+                                <p:cTn id="17" presetID="1" presetClass="entr" presetSubtype="0" fill="hold" nodeType="clickEffect">
+                                  <p:stCondLst>
+                                    <p:cond delay="0"/>
+                                  </p:stCondLst>
+                                  <p:childTnLst>
+                                    <p:set>
+                                      <p:cBhvr>
+                                        <p:cTn id="18" dur="1" fill="hold">
+                                          <p:stCondLst>
+                                            <p:cond delay="0"/>
+                                          </p:stCondLst>
+                                        </p:cTn>
+                                        <p:tgtEl>
+                                          <p:spTgt spid="3">
+                                            <p:txEl>
+                                              <p:pRg st="3" end="3"/>
+                                            </p:txEl>
+                                          </p:spTgt>
+                                        </p:tgtEl>
+                                        <p:attrNameLst>
+                                          <p:attrName>style.visibility</p:attrName>
+                                        </p:attrNameLst>
+                                      </p:cBhvr>
+                                      <p:to>
+                                        <p:strVal val="visible"/>
+                                      </p:to>
+                                    </p:set>
+                                  </p:childTnLst>
+                                </p:cTn>
+                              </p:par>
+                            </p:childTnLst>
+                          </p:cTn>
+                        </p:par>
+                      </p:childTnLst>
+                    </p:cTn>
+                  </p:par>
+                  <p:par>
+                    <p:cTn id="19" fill="hold">
+                      <p:stCondLst>
+                        <p:cond delay="indefinite"/>
+                      </p:stCondLst>
+                      <p:childTnLst>
+                        <p:par>
+                          <p:cTn id="20" fill="hold">
+                            <p:stCondLst>
+                              <p:cond delay="0"/>
+                            </p:stCondLst>
+                            <p:childTnLst>
+                              <p:par>
+                                <p:cTn id="21" presetID="1" presetClass="entr" presetSubtype="0" fill="hold" nodeType="clickEffect">
+                                  <p:stCondLst>
+                                    <p:cond delay="0"/>
+                                  </p:stCondLst>
+                                  <p:childTnLst>
+                                    <p:set>
+                                      <p:cBhvr>
+                                        <p:cTn id="22" dur="1" fill="hold">
+                                          <p:stCondLst>
+                                            <p:cond delay="0"/>
+                                          </p:stCondLst>
+                                        </p:cTn>
+                                        <p:tgtEl>
+                                          <p:spTgt spid="3">
+                                            <p:txEl>
+                                              <p:pRg st="4" end="4"/>
+                                            </p:txEl>
+                                          </p:spTgt>
+                                        </p:tgtEl>
+                                        <p:attrNameLst>
+                                          <p:attrName>style.visibility</p:attrName>
+                                        </p:attrNameLst>
+                                      </p:cBhvr>
+                                      <p:to>
+                                        <p:strVal val="visible"/>
+                                      </p:to>
+                                    </p:set>
+                                  </p:childTnLst>
+                                </p:cTn>
+                              </p:par>
+                            </p:childTnLst>
+                          </p:cTn>
+                        </p:par>
+                      </p:childTnLst>
+                    </p:cTn>
+                  </p:par>
                 </p:childTnLst>
               </p:cTn>
               <p:prevCondLst>
@@ -9908,6 +10780,5300 @@
 </file>
 
 <file path=ppt/slides/slide23.xml><?xml version="1.0" encoding="utf-8"?>
+<p:sld xmlns:a="http://schemas.openxmlformats.org/drawingml/2006/main" xmlns:r="http://schemas.openxmlformats.org/officeDocument/2006/relationships" xmlns:p="http://schemas.openxmlformats.org/presentationml/2006/main">
+  <p:cSld>
+    <p:spTree>
+      <p:nvGrpSpPr>
+        <p:cNvPr id="1" name=""/>
+        <p:cNvGrpSpPr/>
+        <p:nvPr/>
+      </p:nvGrpSpPr>
+      <p:grpSpPr>
+        <a:xfrm>
+          <a:off x="0" y="0"/>
+          <a:ext cx="0" cy="0"/>
+          <a:chOff x="0" y="0"/>
+          <a:chExt cx="0" cy="0"/>
+        </a:xfrm>
+      </p:grpSpPr>
+      <p:grpSp>
+        <p:nvGrpSpPr>
+          <p:cNvPr id="26" name="Group 25">
+            <a:extLst>
+              <a:ext uri="{FF2B5EF4-FFF2-40B4-BE49-F238E27FC236}">
+                <a16:creationId xmlns:a16="http://schemas.microsoft.com/office/drawing/2014/main" id="{BC401959-495C-79BB-BD45-6DFB5E18CF9A}"/>
+              </a:ext>
+            </a:extLst>
+          </p:cNvPr>
+          <p:cNvGrpSpPr/>
+          <p:nvPr/>
+        </p:nvGrpSpPr>
+        <p:grpSpPr>
+          <a:xfrm>
+            <a:off x="2700067" y="422684"/>
+            <a:ext cx="2794959" cy="2605178"/>
+            <a:chOff x="586596" y="2415396"/>
+            <a:chExt cx="2794959" cy="2605178"/>
+          </a:xfrm>
+        </p:grpSpPr>
+        <p:cxnSp>
+          <p:nvCxnSpPr>
+            <p:cNvPr id="3" name="Straight Arrow Connector 2">
+              <a:extLst>
+                <a:ext uri="{FF2B5EF4-FFF2-40B4-BE49-F238E27FC236}">
+                  <a16:creationId xmlns:a16="http://schemas.microsoft.com/office/drawing/2014/main" id="{AF712538-B61C-D60C-886E-BAE53FE6DE28}"/>
+                </a:ext>
+              </a:extLst>
+            </p:cNvPr>
+            <p:cNvCxnSpPr>
+              <a:cxnSpLocks/>
+            </p:cNvCxnSpPr>
+            <p:nvPr/>
+          </p:nvCxnSpPr>
+          <p:spPr>
+            <a:xfrm flipV="1">
+              <a:off x="586596" y="2415396"/>
+              <a:ext cx="0" cy="2605178"/>
+            </a:xfrm>
+            <a:prstGeom prst="straightConnector1">
+              <a:avLst/>
+            </a:prstGeom>
+            <a:ln>
+              <a:tailEnd type="triangle"/>
+            </a:ln>
+          </p:spPr>
+          <p:style>
+            <a:lnRef idx="2">
+              <a:schemeClr val="dk1"/>
+            </a:lnRef>
+            <a:fillRef idx="0">
+              <a:schemeClr val="dk1"/>
+            </a:fillRef>
+            <a:effectRef idx="1">
+              <a:schemeClr val="dk1"/>
+            </a:effectRef>
+            <a:fontRef idx="minor">
+              <a:schemeClr val="tx1"/>
+            </a:fontRef>
+          </p:style>
+        </p:cxnSp>
+        <p:cxnSp>
+          <p:nvCxnSpPr>
+            <p:cNvPr id="4" name="Straight Arrow Connector 3">
+              <a:extLst>
+                <a:ext uri="{FF2B5EF4-FFF2-40B4-BE49-F238E27FC236}">
+                  <a16:creationId xmlns:a16="http://schemas.microsoft.com/office/drawing/2014/main" id="{D7307ACE-20C9-2EA4-8508-35CB1E2E9B15}"/>
+                </a:ext>
+              </a:extLst>
+            </p:cNvPr>
+            <p:cNvCxnSpPr>
+              <a:cxnSpLocks/>
+            </p:cNvCxnSpPr>
+            <p:nvPr/>
+          </p:nvCxnSpPr>
+          <p:spPr>
+            <a:xfrm>
+              <a:off x="586596" y="5020574"/>
+              <a:ext cx="2794959" cy="0"/>
+            </a:xfrm>
+            <a:prstGeom prst="straightConnector1">
+              <a:avLst/>
+            </a:prstGeom>
+            <a:ln>
+              <a:tailEnd type="triangle"/>
+            </a:ln>
+          </p:spPr>
+          <p:style>
+            <a:lnRef idx="2">
+              <a:schemeClr val="dk1"/>
+            </a:lnRef>
+            <a:fillRef idx="0">
+              <a:schemeClr val="dk1"/>
+            </a:fillRef>
+            <a:effectRef idx="1">
+              <a:schemeClr val="dk1"/>
+            </a:effectRef>
+            <a:fontRef idx="minor">
+              <a:schemeClr val="tx1"/>
+            </a:fontRef>
+          </p:style>
+        </p:cxnSp>
+        <p:sp>
+          <p:nvSpPr>
+            <p:cNvPr id="11" name="Oval 10">
+              <a:extLst>
+                <a:ext uri="{FF2B5EF4-FFF2-40B4-BE49-F238E27FC236}">
+                  <a16:creationId xmlns:a16="http://schemas.microsoft.com/office/drawing/2014/main" id="{D7B28C09-D766-5E3C-417C-FF84E500ED42}"/>
+                </a:ext>
+              </a:extLst>
+            </p:cNvPr>
+            <p:cNvSpPr/>
+            <p:nvPr/>
+          </p:nvSpPr>
+          <p:spPr>
+            <a:xfrm>
+              <a:off x="1017917" y="2725947"/>
+              <a:ext cx="138023" cy="172522"/>
+            </a:xfrm>
+            <a:prstGeom prst="ellipse">
+              <a:avLst/>
+            </a:prstGeom>
+          </p:spPr>
+          <p:style>
+            <a:lnRef idx="2">
+              <a:schemeClr val="accent1">
+                <a:shade val="15000"/>
+              </a:schemeClr>
+            </a:lnRef>
+            <a:fillRef idx="1">
+              <a:schemeClr val="accent1"/>
+            </a:fillRef>
+            <a:effectRef idx="0">
+              <a:schemeClr val="accent1"/>
+            </a:effectRef>
+            <a:fontRef idx="minor">
+              <a:schemeClr val="lt1"/>
+            </a:fontRef>
+          </p:style>
+          <p:txBody>
+            <a:bodyPr rtlCol="0" anchor="ctr"/>
+            <a:lstStyle/>
+            <a:p>
+              <a:pPr algn="ctr"/>
+              <a:endParaRPr lang="en-US"/>
+            </a:p>
+          </p:txBody>
+        </p:sp>
+        <p:sp>
+          <p:nvSpPr>
+            <p:cNvPr id="12" name="Oval 11">
+              <a:extLst>
+                <a:ext uri="{FF2B5EF4-FFF2-40B4-BE49-F238E27FC236}">
+                  <a16:creationId xmlns:a16="http://schemas.microsoft.com/office/drawing/2014/main" id="{6A805E51-50FD-9770-0872-A14B594398B3}"/>
+                </a:ext>
+              </a:extLst>
+            </p:cNvPr>
+            <p:cNvSpPr/>
+            <p:nvPr/>
+          </p:nvSpPr>
+          <p:spPr>
+            <a:xfrm>
+              <a:off x="1170317" y="2878347"/>
+              <a:ext cx="138023" cy="172522"/>
+            </a:xfrm>
+            <a:prstGeom prst="ellipse">
+              <a:avLst/>
+            </a:prstGeom>
+          </p:spPr>
+          <p:style>
+            <a:lnRef idx="2">
+              <a:schemeClr val="accent1">
+                <a:shade val="15000"/>
+              </a:schemeClr>
+            </a:lnRef>
+            <a:fillRef idx="1">
+              <a:schemeClr val="accent1"/>
+            </a:fillRef>
+            <a:effectRef idx="0">
+              <a:schemeClr val="accent1"/>
+            </a:effectRef>
+            <a:fontRef idx="minor">
+              <a:schemeClr val="lt1"/>
+            </a:fontRef>
+          </p:style>
+          <p:txBody>
+            <a:bodyPr rtlCol="0" anchor="ctr"/>
+            <a:lstStyle/>
+            <a:p>
+              <a:pPr algn="ctr"/>
+              <a:endParaRPr lang="en-US"/>
+            </a:p>
+          </p:txBody>
+        </p:sp>
+        <p:sp>
+          <p:nvSpPr>
+            <p:cNvPr id="13" name="Oval 12">
+              <a:extLst>
+                <a:ext uri="{FF2B5EF4-FFF2-40B4-BE49-F238E27FC236}">
+                  <a16:creationId xmlns:a16="http://schemas.microsoft.com/office/drawing/2014/main" id="{C17667D8-E7B9-448E-E80F-5074AEDFA21B}"/>
+                </a:ext>
+              </a:extLst>
+            </p:cNvPr>
+            <p:cNvSpPr/>
+            <p:nvPr/>
+          </p:nvSpPr>
+          <p:spPr>
+            <a:xfrm>
+              <a:off x="925902" y="3013493"/>
+              <a:ext cx="138023" cy="172522"/>
+            </a:xfrm>
+            <a:prstGeom prst="ellipse">
+              <a:avLst/>
+            </a:prstGeom>
+          </p:spPr>
+          <p:style>
+            <a:lnRef idx="2">
+              <a:schemeClr val="accent1">
+                <a:shade val="15000"/>
+              </a:schemeClr>
+            </a:lnRef>
+            <a:fillRef idx="1">
+              <a:schemeClr val="accent1"/>
+            </a:fillRef>
+            <a:effectRef idx="0">
+              <a:schemeClr val="accent1"/>
+            </a:effectRef>
+            <a:fontRef idx="minor">
+              <a:schemeClr val="lt1"/>
+            </a:fontRef>
+          </p:style>
+          <p:txBody>
+            <a:bodyPr rtlCol="0" anchor="ctr"/>
+            <a:lstStyle/>
+            <a:p>
+              <a:pPr algn="ctr"/>
+              <a:endParaRPr lang="en-US"/>
+            </a:p>
+          </p:txBody>
+        </p:sp>
+        <p:sp>
+          <p:nvSpPr>
+            <p:cNvPr id="14" name="Oval 13">
+              <a:extLst>
+                <a:ext uri="{FF2B5EF4-FFF2-40B4-BE49-F238E27FC236}">
+                  <a16:creationId xmlns:a16="http://schemas.microsoft.com/office/drawing/2014/main" id="{05BC7CD0-2AF4-505F-69E9-B6C1C0B598BF}"/>
+                </a:ext>
+              </a:extLst>
+            </p:cNvPr>
+            <p:cNvSpPr/>
+            <p:nvPr/>
+          </p:nvSpPr>
+          <p:spPr>
+            <a:xfrm>
+              <a:off x="1253706" y="4134927"/>
+              <a:ext cx="138023" cy="172522"/>
+            </a:xfrm>
+            <a:prstGeom prst="ellipse">
+              <a:avLst/>
+            </a:prstGeom>
+          </p:spPr>
+          <p:style>
+            <a:lnRef idx="2">
+              <a:schemeClr val="accent1">
+                <a:shade val="15000"/>
+              </a:schemeClr>
+            </a:lnRef>
+            <a:fillRef idx="1">
+              <a:schemeClr val="accent1"/>
+            </a:fillRef>
+            <a:effectRef idx="0">
+              <a:schemeClr val="accent1"/>
+            </a:effectRef>
+            <a:fontRef idx="minor">
+              <a:schemeClr val="lt1"/>
+            </a:fontRef>
+          </p:style>
+          <p:txBody>
+            <a:bodyPr rtlCol="0" anchor="ctr"/>
+            <a:lstStyle/>
+            <a:p>
+              <a:pPr algn="ctr"/>
+              <a:endParaRPr lang="en-US"/>
+            </a:p>
+          </p:txBody>
+        </p:sp>
+        <p:sp>
+          <p:nvSpPr>
+            <p:cNvPr id="15" name="Oval 14">
+              <a:extLst>
+                <a:ext uri="{FF2B5EF4-FFF2-40B4-BE49-F238E27FC236}">
+                  <a16:creationId xmlns:a16="http://schemas.microsoft.com/office/drawing/2014/main" id="{70848C83-FAB8-B41F-B98D-FBF2E3D86966}"/>
+                </a:ext>
+              </a:extLst>
+            </p:cNvPr>
+            <p:cNvSpPr/>
+            <p:nvPr/>
+          </p:nvSpPr>
+          <p:spPr>
+            <a:xfrm>
+              <a:off x="1406106" y="4408098"/>
+              <a:ext cx="138023" cy="172522"/>
+            </a:xfrm>
+            <a:prstGeom prst="ellipse">
+              <a:avLst/>
+            </a:prstGeom>
+          </p:spPr>
+          <p:style>
+            <a:lnRef idx="2">
+              <a:schemeClr val="accent1">
+                <a:shade val="15000"/>
+              </a:schemeClr>
+            </a:lnRef>
+            <a:fillRef idx="1">
+              <a:schemeClr val="accent1"/>
+            </a:fillRef>
+            <a:effectRef idx="0">
+              <a:schemeClr val="accent1"/>
+            </a:effectRef>
+            <a:fontRef idx="minor">
+              <a:schemeClr val="lt1"/>
+            </a:fontRef>
+          </p:style>
+          <p:txBody>
+            <a:bodyPr rtlCol="0" anchor="ctr"/>
+            <a:lstStyle/>
+            <a:p>
+              <a:pPr algn="ctr"/>
+              <a:endParaRPr lang="en-US"/>
+            </a:p>
+          </p:txBody>
+        </p:sp>
+        <p:sp>
+          <p:nvSpPr>
+            <p:cNvPr id="16" name="Oval 15">
+              <a:extLst>
+                <a:ext uri="{FF2B5EF4-FFF2-40B4-BE49-F238E27FC236}">
+                  <a16:creationId xmlns:a16="http://schemas.microsoft.com/office/drawing/2014/main" id="{B9F521AD-6134-D079-6F9B-F9144BA335C4}"/>
+                </a:ext>
+              </a:extLst>
+            </p:cNvPr>
+            <p:cNvSpPr/>
+            <p:nvPr/>
+          </p:nvSpPr>
+          <p:spPr>
+            <a:xfrm>
+              <a:off x="923025" y="4287327"/>
+              <a:ext cx="138023" cy="172522"/>
+            </a:xfrm>
+            <a:prstGeom prst="ellipse">
+              <a:avLst/>
+            </a:prstGeom>
+          </p:spPr>
+          <p:style>
+            <a:lnRef idx="2">
+              <a:schemeClr val="accent1">
+                <a:shade val="15000"/>
+              </a:schemeClr>
+            </a:lnRef>
+            <a:fillRef idx="1">
+              <a:schemeClr val="accent1"/>
+            </a:fillRef>
+            <a:effectRef idx="0">
+              <a:schemeClr val="accent1"/>
+            </a:effectRef>
+            <a:fontRef idx="minor">
+              <a:schemeClr val="lt1"/>
+            </a:fontRef>
+          </p:style>
+          <p:txBody>
+            <a:bodyPr rtlCol="0" anchor="ctr"/>
+            <a:lstStyle/>
+            <a:p>
+              <a:pPr algn="ctr"/>
+              <a:endParaRPr lang="en-US"/>
+            </a:p>
+          </p:txBody>
+        </p:sp>
+        <p:sp>
+          <p:nvSpPr>
+            <p:cNvPr id="17" name="Oval 16">
+              <a:extLst>
+                <a:ext uri="{FF2B5EF4-FFF2-40B4-BE49-F238E27FC236}">
+                  <a16:creationId xmlns:a16="http://schemas.microsoft.com/office/drawing/2014/main" id="{7BCC8F91-E8DE-AFBC-2AB4-4C78C9A42FE8}"/>
+                </a:ext>
+              </a:extLst>
+            </p:cNvPr>
+            <p:cNvSpPr/>
+            <p:nvPr/>
+          </p:nvSpPr>
+          <p:spPr>
+            <a:xfrm>
+              <a:off x="2751826" y="4287327"/>
+              <a:ext cx="138023" cy="172522"/>
+            </a:xfrm>
+            <a:prstGeom prst="ellipse">
+              <a:avLst/>
+            </a:prstGeom>
+          </p:spPr>
+          <p:style>
+            <a:lnRef idx="2">
+              <a:schemeClr val="accent1">
+                <a:shade val="15000"/>
+              </a:schemeClr>
+            </a:lnRef>
+            <a:fillRef idx="1">
+              <a:schemeClr val="accent1"/>
+            </a:fillRef>
+            <a:effectRef idx="0">
+              <a:schemeClr val="accent1"/>
+            </a:effectRef>
+            <a:fontRef idx="minor">
+              <a:schemeClr val="lt1"/>
+            </a:fontRef>
+          </p:style>
+          <p:txBody>
+            <a:bodyPr rtlCol="0" anchor="ctr"/>
+            <a:lstStyle/>
+            <a:p>
+              <a:pPr algn="ctr"/>
+              <a:endParaRPr lang="en-US"/>
+            </a:p>
+          </p:txBody>
+        </p:sp>
+        <p:sp>
+          <p:nvSpPr>
+            <p:cNvPr id="18" name="Oval 17">
+              <a:extLst>
+                <a:ext uri="{FF2B5EF4-FFF2-40B4-BE49-F238E27FC236}">
+                  <a16:creationId xmlns:a16="http://schemas.microsoft.com/office/drawing/2014/main" id="{273C2006-E8C4-B698-B6B0-33229CDE0976}"/>
+                </a:ext>
+              </a:extLst>
+            </p:cNvPr>
+            <p:cNvSpPr/>
+            <p:nvPr/>
+          </p:nvSpPr>
+          <p:spPr>
+            <a:xfrm>
+              <a:off x="2389516" y="3890512"/>
+              <a:ext cx="138023" cy="172522"/>
+            </a:xfrm>
+            <a:prstGeom prst="ellipse">
+              <a:avLst/>
+            </a:prstGeom>
+          </p:spPr>
+          <p:style>
+            <a:lnRef idx="2">
+              <a:schemeClr val="accent1">
+                <a:shade val="15000"/>
+              </a:schemeClr>
+            </a:lnRef>
+            <a:fillRef idx="1">
+              <a:schemeClr val="accent1"/>
+            </a:fillRef>
+            <a:effectRef idx="0">
+              <a:schemeClr val="accent1"/>
+            </a:effectRef>
+            <a:fontRef idx="minor">
+              <a:schemeClr val="lt1"/>
+            </a:fontRef>
+          </p:style>
+          <p:txBody>
+            <a:bodyPr rtlCol="0" anchor="ctr"/>
+            <a:lstStyle/>
+            <a:p>
+              <a:pPr algn="ctr"/>
+              <a:endParaRPr lang="en-US"/>
+            </a:p>
+          </p:txBody>
+        </p:sp>
+        <p:sp>
+          <p:nvSpPr>
+            <p:cNvPr id="19" name="Oval 18">
+              <a:extLst>
+                <a:ext uri="{FF2B5EF4-FFF2-40B4-BE49-F238E27FC236}">
+                  <a16:creationId xmlns:a16="http://schemas.microsoft.com/office/drawing/2014/main" id="{95985B43-01F4-44CC-9F1A-FAAC523E04F0}"/>
+                </a:ext>
+              </a:extLst>
+            </p:cNvPr>
+            <p:cNvSpPr/>
+            <p:nvPr/>
+          </p:nvSpPr>
+          <p:spPr>
+            <a:xfrm>
+              <a:off x="2527539" y="2820837"/>
+              <a:ext cx="138023" cy="172522"/>
+            </a:xfrm>
+            <a:prstGeom prst="ellipse">
+              <a:avLst/>
+            </a:prstGeom>
+          </p:spPr>
+          <p:style>
+            <a:lnRef idx="2">
+              <a:schemeClr val="accent1">
+                <a:shade val="15000"/>
+              </a:schemeClr>
+            </a:lnRef>
+            <a:fillRef idx="1">
+              <a:schemeClr val="accent1"/>
+            </a:fillRef>
+            <a:effectRef idx="0">
+              <a:schemeClr val="accent1"/>
+            </a:effectRef>
+            <a:fontRef idx="minor">
+              <a:schemeClr val="lt1"/>
+            </a:fontRef>
+          </p:style>
+          <p:txBody>
+            <a:bodyPr rtlCol="0" anchor="ctr"/>
+            <a:lstStyle/>
+            <a:p>
+              <a:pPr algn="ctr"/>
+              <a:endParaRPr lang="en-US"/>
+            </a:p>
+          </p:txBody>
+        </p:sp>
+        <p:sp>
+          <p:nvSpPr>
+            <p:cNvPr id="20" name="Oval 19">
+              <a:extLst>
+                <a:ext uri="{FF2B5EF4-FFF2-40B4-BE49-F238E27FC236}">
+                  <a16:creationId xmlns:a16="http://schemas.microsoft.com/office/drawing/2014/main" id="{A2BFF1A3-60E2-3BBE-EB50-EAC107D30F1A}"/>
+                </a:ext>
+              </a:extLst>
+            </p:cNvPr>
+            <p:cNvSpPr/>
+            <p:nvPr/>
+          </p:nvSpPr>
+          <p:spPr>
+            <a:xfrm>
+              <a:off x="2406769" y="4287327"/>
+              <a:ext cx="138023" cy="172522"/>
+            </a:xfrm>
+            <a:prstGeom prst="ellipse">
+              <a:avLst/>
+            </a:prstGeom>
+          </p:spPr>
+          <p:style>
+            <a:lnRef idx="2">
+              <a:schemeClr val="accent1">
+                <a:shade val="15000"/>
+              </a:schemeClr>
+            </a:lnRef>
+            <a:fillRef idx="1">
+              <a:schemeClr val="accent1"/>
+            </a:fillRef>
+            <a:effectRef idx="0">
+              <a:schemeClr val="accent1"/>
+            </a:effectRef>
+            <a:fontRef idx="minor">
+              <a:schemeClr val="lt1"/>
+            </a:fontRef>
+          </p:style>
+          <p:txBody>
+            <a:bodyPr rtlCol="0" anchor="ctr"/>
+            <a:lstStyle/>
+            <a:p>
+              <a:pPr algn="ctr"/>
+              <a:endParaRPr lang="en-US"/>
+            </a:p>
+          </p:txBody>
+        </p:sp>
+        <p:sp>
+          <p:nvSpPr>
+            <p:cNvPr id="21" name="Oval 20">
+              <a:extLst>
+                <a:ext uri="{FF2B5EF4-FFF2-40B4-BE49-F238E27FC236}">
+                  <a16:creationId xmlns:a16="http://schemas.microsoft.com/office/drawing/2014/main" id="{C144DD94-EA83-27EF-528B-B0BA00C95DA1}"/>
+                </a:ext>
+              </a:extLst>
+            </p:cNvPr>
+            <p:cNvSpPr/>
+            <p:nvPr/>
+          </p:nvSpPr>
+          <p:spPr>
+            <a:xfrm>
+              <a:off x="1199070" y="4339086"/>
+              <a:ext cx="138023" cy="172522"/>
+            </a:xfrm>
+            <a:prstGeom prst="ellipse">
+              <a:avLst/>
+            </a:prstGeom>
+          </p:spPr>
+          <p:style>
+            <a:lnRef idx="2">
+              <a:schemeClr val="accent1">
+                <a:shade val="15000"/>
+              </a:schemeClr>
+            </a:lnRef>
+            <a:fillRef idx="1">
+              <a:schemeClr val="accent1"/>
+            </a:fillRef>
+            <a:effectRef idx="0">
+              <a:schemeClr val="accent1"/>
+            </a:effectRef>
+            <a:fontRef idx="minor">
+              <a:schemeClr val="lt1"/>
+            </a:fontRef>
+          </p:style>
+          <p:txBody>
+            <a:bodyPr rtlCol="0" anchor="ctr"/>
+            <a:lstStyle/>
+            <a:p>
+              <a:pPr algn="ctr"/>
+              <a:endParaRPr lang="en-US"/>
+            </a:p>
+          </p:txBody>
+        </p:sp>
+        <p:sp>
+          <p:nvSpPr>
+            <p:cNvPr id="22" name="Oval 21">
+              <a:extLst>
+                <a:ext uri="{FF2B5EF4-FFF2-40B4-BE49-F238E27FC236}">
+                  <a16:creationId xmlns:a16="http://schemas.microsoft.com/office/drawing/2014/main" id="{858785DA-7D79-F431-0879-11C89ECA0C43}"/>
+                </a:ext>
+              </a:extLst>
+            </p:cNvPr>
+            <p:cNvSpPr/>
+            <p:nvPr/>
+          </p:nvSpPr>
+          <p:spPr>
+            <a:xfrm>
+              <a:off x="2751826" y="3994027"/>
+              <a:ext cx="138023" cy="172522"/>
+            </a:xfrm>
+            <a:prstGeom prst="ellipse">
+              <a:avLst/>
+            </a:prstGeom>
+          </p:spPr>
+          <p:style>
+            <a:lnRef idx="2">
+              <a:schemeClr val="accent1">
+                <a:shade val="15000"/>
+              </a:schemeClr>
+            </a:lnRef>
+            <a:fillRef idx="1">
+              <a:schemeClr val="accent1"/>
+            </a:fillRef>
+            <a:effectRef idx="0">
+              <a:schemeClr val="accent1"/>
+            </a:effectRef>
+            <a:fontRef idx="minor">
+              <a:schemeClr val="lt1"/>
+            </a:fontRef>
+          </p:style>
+          <p:txBody>
+            <a:bodyPr rtlCol="0" anchor="ctr"/>
+            <a:lstStyle/>
+            <a:p>
+              <a:pPr algn="ctr"/>
+              <a:endParaRPr lang="en-US"/>
+            </a:p>
+          </p:txBody>
+        </p:sp>
+        <p:sp>
+          <p:nvSpPr>
+            <p:cNvPr id="23" name="Oval 22">
+              <a:extLst>
+                <a:ext uri="{FF2B5EF4-FFF2-40B4-BE49-F238E27FC236}">
+                  <a16:creationId xmlns:a16="http://schemas.microsoft.com/office/drawing/2014/main" id="{A8F25755-7966-B295-1937-3DABA2E72146}"/>
+                </a:ext>
+              </a:extLst>
+            </p:cNvPr>
+            <p:cNvSpPr/>
+            <p:nvPr/>
+          </p:nvSpPr>
+          <p:spPr>
+            <a:xfrm>
+              <a:off x="1406106" y="2648309"/>
+              <a:ext cx="138023" cy="172522"/>
+            </a:xfrm>
+            <a:prstGeom prst="ellipse">
+              <a:avLst/>
+            </a:prstGeom>
+          </p:spPr>
+          <p:style>
+            <a:lnRef idx="2">
+              <a:schemeClr val="accent1">
+                <a:shade val="15000"/>
+              </a:schemeClr>
+            </a:lnRef>
+            <a:fillRef idx="1">
+              <a:schemeClr val="accent1"/>
+            </a:fillRef>
+            <a:effectRef idx="0">
+              <a:schemeClr val="accent1"/>
+            </a:effectRef>
+            <a:fontRef idx="minor">
+              <a:schemeClr val="lt1"/>
+            </a:fontRef>
+          </p:style>
+          <p:txBody>
+            <a:bodyPr rtlCol="0" anchor="ctr"/>
+            <a:lstStyle/>
+            <a:p>
+              <a:pPr algn="ctr"/>
+              <a:endParaRPr lang="en-US"/>
+            </a:p>
+          </p:txBody>
+        </p:sp>
+        <p:sp>
+          <p:nvSpPr>
+            <p:cNvPr id="24" name="Oval 23">
+              <a:extLst>
+                <a:ext uri="{FF2B5EF4-FFF2-40B4-BE49-F238E27FC236}">
+                  <a16:creationId xmlns:a16="http://schemas.microsoft.com/office/drawing/2014/main" id="{F97F0BD5-F960-CFBE-6C99-C6B19509AB8E}"/>
+                </a:ext>
+              </a:extLst>
+            </p:cNvPr>
+            <p:cNvSpPr/>
+            <p:nvPr/>
+          </p:nvSpPr>
+          <p:spPr>
+            <a:xfrm>
+              <a:off x="2044462" y="3010619"/>
+              <a:ext cx="138023" cy="172522"/>
+            </a:xfrm>
+            <a:prstGeom prst="ellipse">
+              <a:avLst/>
+            </a:prstGeom>
+          </p:spPr>
+          <p:style>
+            <a:lnRef idx="2">
+              <a:schemeClr val="accent1">
+                <a:shade val="15000"/>
+              </a:schemeClr>
+            </a:lnRef>
+            <a:fillRef idx="1">
+              <a:schemeClr val="accent1"/>
+            </a:fillRef>
+            <a:effectRef idx="0">
+              <a:schemeClr val="accent1"/>
+            </a:effectRef>
+            <a:fontRef idx="minor">
+              <a:schemeClr val="lt1"/>
+            </a:fontRef>
+          </p:style>
+          <p:txBody>
+            <a:bodyPr rtlCol="0" anchor="ctr"/>
+            <a:lstStyle/>
+            <a:p>
+              <a:pPr algn="ctr"/>
+              <a:endParaRPr lang="en-US"/>
+            </a:p>
+          </p:txBody>
+        </p:sp>
+        <p:sp>
+          <p:nvSpPr>
+            <p:cNvPr id="25" name="Oval 24">
+              <a:extLst>
+                <a:ext uri="{FF2B5EF4-FFF2-40B4-BE49-F238E27FC236}">
+                  <a16:creationId xmlns:a16="http://schemas.microsoft.com/office/drawing/2014/main" id="{874691BE-5506-C9FD-61E9-99640AAC6483}"/>
+                </a:ext>
+              </a:extLst>
+            </p:cNvPr>
+            <p:cNvSpPr/>
+            <p:nvPr/>
+          </p:nvSpPr>
+          <p:spPr>
+            <a:xfrm>
+              <a:off x="1492371" y="4201062"/>
+              <a:ext cx="138023" cy="172522"/>
+            </a:xfrm>
+            <a:prstGeom prst="ellipse">
+              <a:avLst/>
+            </a:prstGeom>
+          </p:spPr>
+          <p:style>
+            <a:lnRef idx="2">
+              <a:schemeClr val="accent1">
+                <a:shade val="15000"/>
+              </a:schemeClr>
+            </a:lnRef>
+            <a:fillRef idx="1">
+              <a:schemeClr val="accent1"/>
+            </a:fillRef>
+            <a:effectRef idx="0">
+              <a:schemeClr val="accent1"/>
+            </a:effectRef>
+            <a:fontRef idx="minor">
+              <a:schemeClr val="lt1"/>
+            </a:fontRef>
+          </p:style>
+          <p:txBody>
+            <a:bodyPr rtlCol="0" anchor="ctr"/>
+            <a:lstStyle/>
+            <a:p>
+              <a:pPr algn="ctr"/>
+              <a:endParaRPr lang="en-US"/>
+            </a:p>
+          </p:txBody>
+        </p:sp>
+      </p:grpSp>
+      <p:grpSp>
+        <p:nvGrpSpPr>
+          <p:cNvPr id="27" name="Group 26">
+            <a:extLst>
+              <a:ext uri="{FF2B5EF4-FFF2-40B4-BE49-F238E27FC236}">
+                <a16:creationId xmlns:a16="http://schemas.microsoft.com/office/drawing/2014/main" id="{FB3F3C75-A3A9-44FD-6E90-EADD2959BFA4}"/>
+              </a:ext>
+            </a:extLst>
+          </p:cNvPr>
+          <p:cNvGrpSpPr/>
+          <p:nvPr/>
+        </p:nvGrpSpPr>
+        <p:grpSpPr>
+          <a:xfrm>
+            <a:off x="7896044" y="465813"/>
+            <a:ext cx="2794959" cy="2605178"/>
+            <a:chOff x="586596" y="2415396"/>
+            <a:chExt cx="2794959" cy="2605178"/>
+          </a:xfrm>
+        </p:grpSpPr>
+        <p:cxnSp>
+          <p:nvCxnSpPr>
+            <p:cNvPr id="28" name="Straight Arrow Connector 27">
+              <a:extLst>
+                <a:ext uri="{FF2B5EF4-FFF2-40B4-BE49-F238E27FC236}">
+                  <a16:creationId xmlns:a16="http://schemas.microsoft.com/office/drawing/2014/main" id="{5B2F91F0-682B-EE2C-450E-257E45AFFD5E}"/>
+                </a:ext>
+              </a:extLst>
+            </p:cNvPr>
+            <p:cNvCxnSpPr>
+              <a:cxnSpLocks/>
+            </p:cNvCxnSpPr>
+            <p:nvPr/>
+          </p:nvCxnSpPr>
+          <p:spPr>
+            <a:xfrm flipV="1">
+              <a:off x="586596" y="2415396"/>
+              <a:ext cx="0" cy="2605178"/>
+            </a:xfrm>
+            <a:prstGeom prst="straightConnector1">
+              <a:avLst/>
+            </a:prstGeom>
+            <a:ln>
+              <a:tailEnd type="triangle"/>
+            </a:ln>
+          </p:spPr>
+          <p:style>
+            <a:lnRef idx="2">
+              <a:schemeClr val="dk1"/>
+            </a:lnRef>
+            <a:fillRef idx="0">
+              <a:schemeClr val="dk1"/>
+            </a:fillRef>
+            <a:effectRef idx="1">
+              <a:schemeClr val="dk1"/>
+            </a:effectRef>
+            <a:fontRef idx="minor">
+              <a:schemeClr val="tx1"/>
+            </a:fontRef>
+          </p:style>
+        </p:cxnSp>
+        <p:cxnSp>
+          <p:nvCxnSpPr>
+            <p:cNvPr id="29" name="Straight Arrow Connector 28">
+              <a:extLst>
+                <a:ext uri="{FF2B5EF4-FFF2-40B4-BE49-F238E27FC236}">
+                  <a16:creationId xmlns:a16="http://schemas.microsoft.com/office/drawing/2014/main" id="{2F4CD2B7-A60E-B690-5F31-1C189E57F076}"/>
+                </a:ext>
+              </a:extLst>
+            </p:cNvPr>
+            <p:cNvCxnSpPr>
+              <a:cxnSpLocks/>
+            </p:cNvCxnSpPr>
+            <p:nvPr/>
+          </p:nvCxnSpPr>
+          <p:spPr>
+            <a:xfrm>
+              <a:off x="586596" y="5020574"/>
+              <a:ext cx="2794959" cy="0"/>
+            </a:xfrm>
+            <a:prstGeom prst="straightConnector1">
+              <a:avLst/>
+            </a:prstGeom>
+            <a:ln>
+              <a:tailEnd type="triangle"/>
+            </a:ln>
+          </p:spPr>
+          <p:style>
+            <a:lnRef idx="2">
+              <a:schemeClr val="dk1"/>
+            </a:lnRef>
+            <a:fillRef idx="0">
+              <a:schemeClr val="dk1"/>
+            </a:fillRef>
+            <a:effectRef idx="1">
+              <a:schemeClr val="dk1"/>
+            </a:effectRef>
+            <a:fontRef idx="minor">
+              <a:schemeClr val="tx1"/>
+            </a:fontRef>
+          </p:style>
+        </p:cxnSp>
+        <p:sp>
+          <p:nvSpPr>
+            <p:cNvPr id="30" name="Oval 29">
+              <a:extLst>
+                <a:ext uri="{FF2B5EF4-FFF2-40B4-BE49-F238E27FC236}">
+                  <a16:creationId xmlns:a16="http://schemas.microsoft.com/office/drawing/2014/main" id="{0DEA65B4-E2EB-2330-B45E-B9D72E4337C2}"/>
+                </a:ext>
+              </a:extLst>
+            </p:cNvPr>
+            <p:cNvSpPr/>
+            <p:nvPr/>
+          </p:nvSpPr>
+          <p:spPr>
+            <a:xfrm>
+              <a:off x="1017917" y="2725947"/>
+              <a:ext cx="138023" cy="172522"/>
+            </a:xfrm>
+            <a:prstGeom prst="ellipse">
+              <a:avLst/>
+            </a:prstGeom>
+          </p:spPr>
+          <p:style>
+            <a:lnRef idx="2">
+              <a:schemeClr val="accent1">
+                <a:shade val="15000"/>
+              </a:schemeClr>
+            </a:lnRef>
+            <a:fillRef idx="1">
+              <a:schemeClr val="accent1"/>
+            </a:fillRef>
+            <a:effectRef idx="0">
+              <a:schemeClr val="accent1"/>
+            </a:effectRef>
+            <a:fontRef idx="minor">
+              <a:schemeClr val="lt1"/>
+            </a:fontRef>
+          </p:style>
+          <p:txBody>
+            <a:bodyPr rtlCol="0" anchor="ctr"/>
+            <a:lstStyle/>
+            <a:p>
+              <a:pPr algn="ctr"/>
+              <a:endParaRPr lang="en-US"/>
+            </a:p>
+          </p:txBody>
+        </p:sp>
+        <p:sp>
+          <p:nvSpPr>
+            <p:cNvPr id="31" name="Oval 30">
+              <a:extLst>
+                <a:ext uri="{FF2B5EF4-FFF2-40B4-BE49-F238E27FC236}">
+                  <a16:creationId xmlns:a16="http://schemas.microsoft.com/office/drawing/2014/main" id="{D26748E6-E835-1410-91DA-8D129532E1D9}"/>
+                </a:ext>
+              </a:extLst>
+            </p:cNvPr>
+            <p:cNvSpPr/>
+            <p:nvPr/>
+          </p:nvSpPr>
+          <p:spPr>
+            <a:xfrm>
+              <a:off x="1170317" y="2878347"/>
+              <a:ext cx="138023" cy="172522"/>
+            </a:xfrm>
+            <a:prstGeom prst="ellipse">
+              <a:avLst/>
+            </a:prstGeom>
+          </p:spPr>
+          <p:style>
+            <a:lnRef idx="2">
+              <a:schemeClr val="accent1">
+                <a:shade val="15000"/>
+              </a:schemeClr>
+            </a:lnRef>
+            <a:fillRef idx="1">
+              <a:schemeClr val="accent1"/>
+            </a:fillRef>
+            <a:effectRef idx="0">
+              <a:schemeClr val="accent1"/>
+            </a:effectRef>
+            <a:fontRef idx="minor">
+              <a:schemeClr val="lt1"/>
+            </a:fontRef>
+          </p:style>
+          <p:txBody>
+            <a:bodyPr rtlCol="0" anchor="ctr"/>
+            <a:lstStyle/>
+            <a:p>
+              <a:pPr algn="ctr"/>
+              <a:endParaRPr lang="en-US"/>
+            </a:p>
+          </p:txBody>
+        </p:sp>
+        <p:sp>
+          <p:nvSpPr>
+            <p:cNvPr id="32" name="Oval 31">
+              <a:extLst>
+                <a:ext uri="{FF2B5EF4-FFF2-40B4-BE49-F238E27FC236}">
+                  <a16:creationId xmlns:a16="http://schemas.microsoft.com/office/drawing/2014/main" id="{E05DA055-2A43-36B1-4181-9D8FFE3F4DEF}"/>
+                </a:ext>
+              </a:extLst>
+            </p:cNvPr>
+            <p:cNvSpPr/>
+            <p:nvPr/>
+          </p:nvSpPr>
+          <p:spPr>
+            <a:xfrm>
+              <a:off x="925902" y="3013493"/>
+              <a:ext cx="138023" cy="172522"/>
+            </a:xfrm>
+            <a:prstGeom prst="ellipse">
+              <a:avLst/>
+            </a:prstGeom>
+          </p:spPr>
+          <p:style>
+            <a:lnRef idx="2">
+              <a:schemeClr val="accent1">
+                <a:shade val="15000"/>
+              </a:schemeClr>
+            </a:lnRef>
+            <a:fillRef idx="1">
+              <a:schemeClr val="accent1"/>
+            </a:fillRef>
+            <a:effectRef idx="0">
+              <a:schemeClr val="accent1"/>
+            </a:effectRef>
+            <a:fontRef idx="minor">
+              <a:schemeClr val="lt1"/>
+            </a:fontRef>
+          </p:style>
+          <p:txBody>
+            <a:bodyPr rtlCol="0" anchor="ctr"/>
+            <a:lstStyle/>
+            <a:p>
+              <a:pPr algn="ctr"/>
+              <a:endParaRPr lang="en-US"/>
+            </a:p>
+          </p:txBody>
+        </p:sp>
+        <p:sp>
+          <p:nvSpPr>
+            <p:cNvPr id="33" name="Oval 32">
+              <a:extLst>
+                <a:ext uri="{FF2B5EF4-FFF2-40B4-BE49-F238E27FC236}">
+                  <a16:creationId xmlns:a16="http://schemas.microsoft.com/office/drawing/2014/main" id="{287CD28A-3F84-64E3-E351-8CC1EDF71116}"/>
+                </a:ext>
+              </a:extLst>
+            </p:cNvPr>
+            <p:cNvSpPr/>
+            <p:nvPr/>
+          </p:nvSpPr>
+          <p:spPr>
+            <a:xfrm>
+              <a:off x="1253706" y="4134927"/>
+              <a:ext cx="138023" cy="172522"/>
+            </a:xfrm>
+            <a:prstGeom prst="ellipse">
+              <a:avLst/>
+            </a:prstGeom>
+          </p:spPr>
+          <p:style>
+            <a:lnRef idx="2">
+              <a:schemeClr val="accent1">
+                <a:shade val="15000"/>
+              </a:schemeClr>
+            </a:lnRef>
+            <a:fillRef idx="1">
+              <a:schemeClr val="accent1"/>
+            </a:fillRef>
+            <a:effectRef idx="0">
+              <a:schemeClr val="accent1"/>
+            </a:effectRef>
+            <a:fontRef idx="minor">
+              <a:schemeClr val="lt1"/>
+            </a:fontRef>
+          </p:style>
+          <p:txBody>
+            <a:bodyPr rtlCol="0" anchor="ctr"/>
+            <a:lstStyle/>
+            <a:p>
+              <a:pPr algn="ctr"/>
+              <a:endParaRPr lang="en-US"/>
+            </a:p>
+          </p:txBody>
+        </p:sp>
+        <p:sp>
+          <p:nvSpPr>
+            <p:cNvPr id="34" name="Oval 33">
+              <a:extLst>
+                <a:ext uri="{FF2B5EF4-FFF2-40B4-BE49-F238E27FC236}">
+                  <a16:creationId xmlns:a16="http://schemas.microsoft.com/office/drawing/2014/main" id="{EB018BDD-83A5-6E44-6A68-E2D77AAC56FC}"/>
+                </a:ext>
+              </a:extLst>
+            </p:cNvPr>
+            <p:cNvSpPr/>
+            <p:nvPr/>
+          </p:nvSpPr>
+          <p:spPr>
+            <a:xfrm>
+              <a:off x="1406106" y="4408098"/>
+              <a:ext cx="138023" cy="172522"/>
+            </a:xfrm>
+            <a:prstGeom prst="ellipse">
+              <a:avLst/>
+            </a:prstGeom>
+          </p:spPr>
+          <p:style>
+            <a:lnRef idx="2">
+              <a:schemeClr val="accent1">
+                <a:shade val="15000"/>
+              </a:schemeClr>
+            </a:lnRef>
+            <a:fillRef idx="1">
+              <a:schemeClr val="accent1"/>
+            </a:fillRef>
+            <a:effectRef idx="0">
+              <a:schemeClr val="accent1"/>
+            </a:effectRef>
+            <a:fontRef idx="minor">
+              <a:schemeClr val="lt1"/>
+            </a:fontRef>
+          </p:style>
+          <p:txBody>
+            <a:bodyPr rtlCol="0" anchor="ctr"/>
+            <a:lstStyle/>
+            <a:p>
+              <a:pPr algn="ctr"/>
+              <a:endParaRPr lang="en-US"/>
+            </a:p>
+          </p:txBody>
+        </p:sp>
+        <p:sp>
+          <p:nvSpPr>
+            <p:cNvPr id="35" name="Oval 34">
+              <a:extLst>
+                <a:ext uri="{FF2B5EF4-FFF2-40B4-BE49-F238E27FC236}">
+                  <a16:creationId xmlns:a16="http://schemas.microsoft.com/office/drawing/2014/main" id="{4A2582FE-D853-0082-8E5B-60A079E80B73}"/>
+                </a:ext>
+              </a:extLst>
+            </p:cNvPr>
+            <p:cNvSpPr/>
+            <p:nvPr/>
+          </p:nvSpPr>
+          <p:spPr>
+            <a:xfrm>
+              <a:off x="923025" y="4287327"/>
+              <a:ext cx="138023" cy="172522"/>
+            </a:xfrm>
+            <a:prstGeom prst="ellipse">
+              <a:avLst/>
+            </a:prstGeom>
+          </p:spPr>
+          <p:style>
+            <a:lnRef idx="2">
+              <a:schemeClr val="accent1">
+                <a:shade val="15000"/>
+              </a:schemeClr>
+            </a:lnRef>
+            <a:fillRef idx="1">
+              <a:schemeClr val="accent1"/>
+            </a:fillRef>
+            <a:effectRef idx="0">
+              <a:schemeClr val="accent1"/>
+            </a:effectRef>
+            <a:fontRef idx="minor">
+              <a:schemeClr val="lt1"/>
+            </a:fontRef>
+          </p:style>
+          <p:txBody>
+            <a:bodyPr rtlCol="0" anchor="ctr"/>
+            <a:lstStyle/>
+            <a:p>
+              <a:pPr algn="ctr"/>
+              <a:endParaRPr lang="en-US"/>
+            </a:p>
+          </p:txBody>
+        </p:sp>
+        <p:sp>
+          <p:nvSpPr>
+            <p:cNvPr id="36" name="Oval 35">
+              <a:extLst>
+                <a:ext uri="{FF2B5EF4-FFF2-40B4-BE49-F238E27FC236}">
+                  <a16:creationId xmlns:a16="http://schemas.microsoft.com/office/drawing/2014/main" id="{BBE829DF-F66D-A695-7C8E-46ED5C7D16E2}"/>
+                </a:ext>
+              </a:extLst>
+            </p:cNvPr>
+            <p:cNvSpPr/>
+            <p:nvPr/>
+          </p:nvSpPr>
+          <p:spPr>
+            <a:xfrm>
+              <a:off x="2751826" y="4287327"/>
+              <a:ext cx="138023" cy="172522"/>
+            </a:xfrm>
+            <a:prstGeom prst="ellipse">
+              <a:avLst/>
+            </a:prstGeom>
+          </p:spPr>
+          <p:style>
+            <a:lnRef idx="2">
+              <a:schemeClr val="accent1">
+                <a:shade val="15000"/>
+              </a:schemeClr>
+            </a:lnRef>
+            <a:fillRef idx="1">
+              <a:schemeClr val="accent1"/>
+            </a:fillRef>
+            <a:effectRef idx="0">
+              <a:schemeClr val="accent1"/>
+            </a:effectRef>
+            <a:fontRef idx="minor">
+              <a:schemeClr val="lt1"/>
+            </a:fontRef>
+          </p:style>
+          <p:txBody>
+            <a:bodyPr rtlCol="0" anchor="ctr"/>
+            <a:lstStyle/>
+            <a:p>
+              <a:pPr algn="ctr"/>
+              <a:endParaRPr lang="en-US"/>
+            </a:p>
+          </p:txBody>
+        </p:sp>
+        <p:sp>
+          <p:nvSpPr>
+            <p:cNvPr id="37" name="Oval 36">
+              <a:extLst>
+                <a:ext uri="{FF2B5EF4-FFF2-40B4-BE49-F238E27FC236}">
+                  <a16:creationId xmlns:a16="http://schemas.microsoft.com/office/drawing/2014/main" id="{0C0D9FEF-831B-94EB-1EDB-8D66E5DB1925}"/>
+                </a:ext>
+              </a:extLst>
+            </p:cNvPr>
+            <p:cNvSpPr/>
+            <p:nvPr/>
+          </p:nvSpPr>
+          <p:spPr>
+            <a:xfrm>
+              <a:off x="2389516" y="3890512"/>
+              <a:ext cx="138023" cy="172522"/>
+            </a:xfrm>
+            <a:prstGeom prst="ellipse">
+              <a:avLst/>
+            </a:prstGeom>
+          </p:spPr>
+          <p:style>
+            <a:lnRef idx="2">
+              <a:schemeClr val="accent1">
+                <a:shade val="15000"/>
+              </a:schemeClr>
+            </a:lnRef>
+            <a:fillRef idx="1">
+              <a:schemeClr val="accent1"/>
+            </a:fillRef>
+            <a:effectRef idx="0">
+              <a:schemeClr val="accent1"/>
+            </a:effectRef>
+            <a:fontRef idx="minor">
+              <a:schemeClr val="lt1"/>
+            </a:fontRef>
+          </p:style>
+          <p:txBody>
+            <a:bodyPr rtlCol="0" anchor="ctr"/>
+            <a:lstStyle/>
+            <a:p>
+              <a:pPr algn="ctr"/>
+              <a:endParaRPr lang="en-US"/>
+            </a:p>
+          </p:txBody>
+        </p:sp>
+        <p:sp>
+          <p:nvSpPr>
+            <p:cNvPr id="38" name="Oval 37">
+              <a:extLst>
+                <a:ext uri="{FF2B5EF4-FFF2-40B4-BE49-F238E27FC236}">
+                  <a16:creationId xmlns:a16="http://schemas.microsoft.com/office/drawing/2014/main" id="{C1035A4F-DB13-1CE3-8098-C39F61251673}"/>
+                </a:ext>
+              </a:extLst>
+            </p:cNvPr>
+            <p:cNvSpPr/>
+            <p:nvPr/>
+          </p:nvSpPr>
+          <p:spPr>
+            <a:xfrm>
+              <a:off x="2527539" y="2820837"/>
+              <a:ext cx="138023" cy="172522"/>
+            </a:xfrm>
+            <a:prstGeom prst="ellipse">
+              <a:avLst/>
+            </a:prstGeom>
+          </p:spPr>
+          <p:style>
+            <a:lnRef idx="2">
+              <a:schemeClr val="accent1">
+                <a:shade val="15000"/>
+              </a:schemeClr>
+            </a:lnRef>
+            <a:fillRef idx="1">
+              <a:schemeClr val="accent1"/>
+            </a:fillRef>
+            <a:effectRef idx="0">
+              <a:schemeClr val="accent1"/>
+            </a:effectRef>
+            <a:fontRef idx="minor">
+              <a:schemeClr val="lt1"/>
+            </a:fontRef>
+          </p:style>
+          <p:txBody>
+            <a:bodyPr rtlCol="0" anchor="ctr"/>
+            <a:lstStyle/>
+            <a:p>
+              <a:pPr algn="ctr"/>
+              <a:endParaRPr lang="en-US"/>
+            </a:p>
+          </p:txBody>
+        </p:sp>
+        <p:sp>
+          <p:nvSpPr>
+            <p:cNvPr id="39" name="Oval 38">
+              <a:extLst>
+                <a:ext uri="{FF2B5EF4-FFF2-40B4-BE49-F238E27FC236}">
+                  <a16:creationId xmlns:a16="http://schemas.microsoft.com/office/drawing/2014/main" id="{475F5B51-7714-D1CC-E18C-E986A85504B7}"/>
+                </a:ext>
+              </a:extLst>
+            </p:cNvPr>
+            <p:cNvSpPr/>
+            <p:nvPr/>
+          </p:nvSpPr>
+          <p:spPr>
+            <a:xfrm>
+              <a:off x="2406769" y="4287327"/>
+              <a:ext cx="138023" cy="172522"/>
+            </a:xfrm>
+            <a:prstGeom prst="ellipse">
+              <a:avLst/>
+            </a:prstGeom>
+          </p:spPr>
+          <p:style>
+            <a:lnRef idx="2">
+              <a:schemeClr val="accent1">
+                <a:shade val="15000"/>
+              </a:schemeClr>
+            </a:lnRef>
+            <a:fillRef idx="1">
+              <a:schemeClr val="accent1"/>
+            </a:fillRef>
+            <a:effectRef idx="0">
+              <a:schemeClr val="accent1"/>
+            </a:effectRef>
+            <a:fontRef idx="minor">
+              <a:schemeClr val="lt1"/>
+            </a:fontRef>
+          </p:style>
+          <p:txBody>
+            <a:bodyPr rtlCol="0" anchor="ctr"/>
+            <a:lstStyle/>
+            <a:p>
+              <a:pPr algn="ctr"/>
+              <a:endParaRPr lang="en-US"/>
+            </a:p>
+          </p:txBody>
+        </p:sp>
+        <p:sp>
+          <p:nvSpPr>
+            <p:cNvPr id="40" name="Oval 39">
+              <a:extLst>
+                <a:ext uri="{FF2B5EF4-FFF2-40B4-BE49-F238E27FC236}">
+                  <a16:creationId xmlns:a16="http://schemas.microsoft.com/office/drawing/2014/main" id="{02C38F47-12CD-CD6D-6E83-6C144E2D8153}"/>
+                </a:ext>
+              </a:extLst>
+            </p:cNvPr>
+            <p:cNvSpPr/>
+            <p:nvPr/>
+          </p:nvSpPr>
+          <p:spPr>
+            <a:xfrm>
+              <a:off x="1199070" y="4339086"/>
+              <a:ext cx="138023" cy="172522"/>
+            </a:xfrm>
+            <a:prstGeom prst="ellipse">
+              <a:avLst/>
+            </a:prstGeom>
+          </p:spPr>
+          <p:style>
+            <a:lnRef idx="2">
+              <a:schemeClr val="accent1">
+                <a:shade val="15000"/>
+              </a:schemeClr>
+            </a:lnRef>
+            <a:fillRef idx="1">
+              <a:schemeClr val="accent1"/>
+            </a:fillRef>
+            <a:effectRef idx="0">
+              <a:schemeClr val="accent1"/>
+            </a:effectRef>
+            <a:fontRef idx="minor">
+              <a:schemeClr val="lt1"/>
+            </a:fontRef>
+          </p:style>
+          <p:txBody>
+            <a:bodyPr rtlCol="0" anchor="ctr"/>
+            <a:lstStyle/>
+            <a:p>
+              <a:pPr algn="ctr"/>
+              <a:endParaRPr lang="en-US"/>
+            </a:p>
+          </p:txBody>
+        </p:sp>
+        <p:sp>
+          <p:nvSpPr>
+            <p:cNvPr id="41" name="Oval 40">
+              <a:extLst>
+                <a:ext uri="{FF2B5EF4-FFF2-40B4-BE49-F238E27FC236}">
+                  <a16:creationId xmlns:a16="http://schemas.microsoft.com/office/drawing/2014/main" id="{0B0287BE-59B4-E8CC-13ED-7CC247EFE650}"/>
+                </a:ext>
+              </a:extLst>
+            </p:cNvPr>
+            <p:cNvSpPr/>
+            <p:nvPr/>
+          </p:nvSpPr>
+          <p:spPr>
+            <a:xfrm>
+              <a:off x="2751826" y="3994027"/>
+              <a:ext cx="138023" cy="172522"/>
+            </a:xfrm>
+            <a:prstGeom prst="ellipse">
+              <a:avLst/>
+            </a:prstGeom>
+          </p:spPr>
+          <p:style>
+            <a:lnRef idx="2">
+              <a:schemeClr val="accent1">
+                <a:shade val="15000"/>
+              </a:schemeClr>
+            </a:lnRef>
+            <a:fillRef idx="1">
+              <a:schemeClr val="accent1"/>
+            </a:fillRef>
+            <a:effectRef idx="0">
+              <a:schemeClr val="accent1"/>
+            </a:effectRef>
+            <a:fontRef idx="minor">
+              <a:schemeClr val="lt1"/>
+            </a:fontRef>
+          </p:style>
+          <p:txBody>
+            <a:bodyPr rtlCol="0" anchor="ctr"/>
+            <a:lstStyle/>
+            <a:p>
+              <a:pPr algn="ctr"/>
+              <a:endParaRPr lang="en-US"/>
+            </a:p>
+          </p:txBody>
+        </p:sp>
+        <p:sp>
+          <p:nvSpPr>
+            <p:cNvPr id="42" name="Oval 41">
+              <a:extLst>
+                <a:ext uri="{FF2B5EF4-FFF2-40B4-BE49-F238E27FC236}">
+                  <a16:creationId xmlns:a16="http://schemas.microsoft.com/office/drawing/2014/main" id="{F147A18A-2C5D-46DD-0A18-7CC32201C6D3}"/>
+                </a:ext>
+              </a:extLst>
+            </p:cNvPr>
+            <p:cNvSpPr/>
+            <p:nvPr/>
+          </p:nvSpPr>
+          <p:spPr>
+            <a:xfrm>
+              <a:off x="1406106" y="2648309"/>
+              <a:ext cx="138023" cy="172522"/>
+            </a:xfrm>
+            <a:prstGeom prst="ellipse">
+              <a:avLst/>
+            </a:prstGeom>
+          </p:spPr>
+          <p:style>
+            <a:lnRef idx="2">
+              <a:schemeClr val="accent1">
+                <a:shade val="15000"/>
+              </a:schemeClr>
+            </a:lnRef>
+            <a:fillRef idx="1">
+              <a:schemeClr val="accent1"/>
+            </a:fillRef>
+            <a:effectRef idx="0">
+              <a:schemeClr val="accent1"/>
+            </a:effectRef>
+            <a:fontRef idx="minor">
+              <a:schemeClr val="lt1"/>
+            </a:fontRef>
+          </p:style>
+          <p:txBody>
+            <a:bodyPr rtlCol="0" anchor="ctr"/>
+            <a:lstStyle/>
+            <a:p>
+              <a:pPr algn="ctr"/>
+              <a:endParaRPr lang="en-US"/>
+            </a:p>
+          </p:txBody>
+        </p:sp>
+        <p:sp>
+          <p:nvSpPr>
+            <p:cNvPr id="43" name="Oval 42">
+              <a:extLst>
+                <a:ext uri="{FF2B5EF4-FFF2-40B4-BE49-F238E27FC236}">
+                  <a16:creationId xmlns:a16="http://schemas.microsoft.com/office/drawing/2014/main" id="{A4C94CC7-E81C-76FC-86D4-FE38491A976A}"/>
+                </a:ext>
+              </a:extLst>
+            </p:cNvPr>
+            <p:cNvSpPr/>
+            <p:nvPr/>
+          </p:nvSpPr>
+          <p:spPr>
+            <a:xfrm>
+              <a:off x="2044462" y="3010619"/>
+              <a:ext cx="138023" cy="172522"/>
+            </a:xfrm>
+            <a:prstGeom prst="ellipse">
+              <a:avLst/>
+            </a:prstGeom>
+          </p:spPr>
+          <p:style>
+            <a:lnRef idx="2">
+              <a:schemeClr val="accent1">
+                <a:shade val="15000"/>
+              </a:schemeClr>
+            </a:lnRef>
+            <a:fillRef idx="1">
+              <a:schemeClr val="accent1"/>
+            </a:fillRef>
+            <a:effectRef idx="0">
+              <a:schemeClr val="accent1"/>
+            </a:effectRef>
+            <a:fontRef idx="minor">
+              <a:schemeClr val="lt1"/>
+            </a:fontRef>
+          </p:style>
+          <p:txBody>
+            <a:bodyPr rtlCol="0" anchor="ctr"/>
+            <a:lstStyle/>
+            <a:p>
+              <a:pPr algn="ctr"/>
+              <a:endParaRPr lang="en-US"/>
+            </a:p>
+          </p:txBody>
+        </p:sp>
+        <p:sp>
+          <p:nvSpPr>
+            <p:cNvPr id="44" name="Oval 43">
+              <a:extLst>
+                <a:ext uri="{FF2B5EF4-FFF2-40B4-BE49-F238E27FC236}">
+                  <a16:creationId xmlns:a16="http://schemas.microsoft.com/office/drawing/2014/main" id="{B90B205A-AE25-370C-9BA1-2FA21BA470C6}"/>
+                </a:ext>
+              </a:extLst>
+            </p:cNvPr>
+            <p:cNvSpPr/>
+            <p:nvPr/>
+          </p:nvSpPr>
+          <p:spPr>
+            <a:xfrm>
+              <a:off x="1492371" y="4201062"/>
+              <a:ext cx="138023" cy="172522"/>
+            </a:xfrm>
+            <a:prstGeom prst="ellipse">
+              <a:avLst/>
+            </a:prstGeom>
+          </p:spPr>
+          <p:style>
+            <a:lnRef idx="2">
+              <a:schemeClr val="accent1">
+                <a:shade val="15000"/>
+              </a:schemeClr>
+            </a:lnRef>
+            <a:fillRef idx="1">
+              <a:schemeClr val="accent1"/>
+            </a:fillRef>
+            <a:effectRef idx="0">
+              <a:schemeClr val="accent1"/>
+            </a:effectRef>
+            <a:fontRef idx="minor">
+              <a:schemeClr val="lt1"/>
+            </a:fontRef>
+          </p:style>
+          <p:txBody>
+            <a:bodyPr rtlCol="0" anchor="ctr"/>
+            <a:lstStyle/>
+            <a:p>
+              <a:pPr algn="ctr"/>
+              <a:endParaRPr lang="en-US"/>
+            </a:p>
+          </p:txBody>
+        </p:sp>
+      </p:grpSp>
+      <p:sp>
+        <p:nvSpPr>
+          <p:cNvPr id="45" name="Oval 44">
+            <a:extLst>
+              <a:ext uri="{FF2B5EF4-FFF2-40B4-BE49-F238E27FC236}">
+                <a16:creationId xmlns:a16="http://schemas.microsoft.com/office/drawing/2014/main" id="{35D1E7E0-C6C8-DC1F-769A-4214B452631F}"/>
+              </a:ext>
+            </a:extLst>
+          </p:cNvPr>
+          <p:cNvSpPr/>
+          <p:nvPr/>
+        </p:nvSpPr>
+        <p:spPr>
+          <a:xfrm>
+            <a:off x="7937737" y="362294"/>
+            <a:ext cx="2659812" cy="2605176"/>
+          </a:xfrm>
+          <a:prstGeom prst="ellipse">
+            <a:avLst/>
+          </a:prstGeom>
+          <a:noFill/>
+          <a:ln>
+            <a:solidFill>
+              <a:srgbClr val="00B0F0"/>
+            </a:solidFill>
+          </a:ln>
+        </p:spPr>
+        <p:style>
+          <a:lnRef idx="2">
+            <a:schemeClr val="accent1">
+              <a:shade val="15000"/>
+            </a:schemeClr>
+          </a:lnRef>
+          <a:fillRef idx="1">
+            <a:schemeClr val="accent1"/>
+          </a:fillRef>
+          <a:effectRef idx="0">
+            <a:schemeClr val="accent1"/>
+          </a:effectRef>
+          <a:fontRef idx="minor">
+            <a:schemeClr val="lt1"/>
+          </a:fontRef>
+        </p:style>
+        <p:txBody>
+          <a:bodyPr rtlCol="0" anchor="ctr"/>
+          <a:lstStyle/>
+          <a:p>
+            <a:pPr algn="ctr"/>
+            <a:endParaRPr lang="en-US"/>
+          </a:p>
+        </p:txBody>
+      </p:sp>
+      <p:sp>
+        <p:nvSpPr>
+          <p:cNvPr id="46" name="TextBox 45">
+            <a:extLst>
+              <a:ext uri="{FF2B5EF4-FFF2-40B4-BE49-F238E27FC236}">
+                <a16:creationId xmlns:a16="http://schemas.microsoft.com/office/drawing/2014/main" id="{05928508-292B-8340-34F8-4CDCD12A1E90}"/>
+              </a:ext>
+            </a:extLst>
+          </p:cNvPr>
+          <p:cNvSpPr txBox="1"/>
+          <p:nvPr/>
+        </p:nvSpPr>
+        <p:spPr>
+          <a:xfrm>
+            <a:off x="7263441" y="3152791"/>
+            <a:ext cx="4261448" cy="430887"/>
+          </a:xfrm>
+          <a:prstGeom prst="rect">
+            <a:avLst/>
+          </a:prstGeom>
+          <a:noFill/>
+        </p:spPr>
+        <p:txBody>
+          <a:bodyPr wrap="square" rtlCol="0">
+            <a:spAutoFit/>
+          </a:bodyPr>
+          <a:lstStyle/>
+          <a:p>
+            <a:pPr algn="ctr"/>
+            <a:r>
+              <a:rPr lang="en-US" sz="2200" dirty="0">
+                <a:solidFill>
+                  <a:srgbClr val="FF0000"/>
+                </a:solidFill>
+              </a:rPr>
+              <a:t>0% similarity criterion: 1 group</a:t>
+            </a:r>
+          </a:p>
+        </p:txBody>
+      </p:sp>
+      <p:grpSp>
+        <p:nvGrpSpPr>
+          <p:cNvPr id="47" name="Group 46">
+            <a:extLst>
+              <a:ext uri="{FF2B5EF4-FFF2-40B4-BE49-F238E27FC236}">
+                <a16:creationId xmlns:a16="http://schemas.microsoft.com/office/drawing/2014/main" id="{BB6305E9-E3F2-00DF-4D2A-D7C959D12AE3}"/>
+              </a:ext>
+            </a:extLst>
+          </p:cNvPr>
+          <p:cNvGrpSpPr/>
+          <p:nvPr/>
+        </p:nvGrpSpPr>
+        <p:grpSpPr>
+          <a:xfrm>
+            <a:off x="2700067" y="3433315"/>
+            <a:ext cx="2794959" cy="2605178"/>
+            <a:chOff x="586596" y="2415396"/>
+            <a:chExt cx="2794959" cy="2605178"/>
+          </a:xfrm>
+        </p:grpSpPr>
+        <p:cxnSp>
+          <p:nvCxnSpPr>
+            <p:cNvPr id="48" name="Straight Arrow Connector 47">
+              <a:extLst>
+                <a:ext uri="{FF2B5EF4-FFF2-40B4-BE49-F238E27FC236}">
+                  <a16:creationId xmlns:a16="http://schemas.microsoft.com/office/drawing/2014/main" id="{CC682A53-91D8-BB60-40C4-4CE2914C514B}"/>
+                </a:ext>
+              </a:extLst>
+            </p:cNvPr>
+            <p:cNvCxnSpPr>
+              <a:cxnSpLocks/>
+            </p:cNvCxnSpPr>
+            <p:nvPr/>
+          </p:nvCxnSpPr>
+          <p:spPr>
+            <a:xfrm flipV="1">
+              <a:off x="586596" y="2415396"/>
+              <a:ext cx="0" cy="2605178"/>
+            </a:xfrm>
+            <a:prstGeom prst="straightConnector1">
+              <a:avLst/>
+            </a:prstGeom>
+            <a:ln>
+              <a:tailEnd type="triangle"/>
+            </a:ln>
+          </p:spPr>
+          <p:style>
+            <a:lnRef idx="2">
+              <a:schemeClr val="dk1"/>
+            </a:lnRef>
+            <a:fillRef idx="0">
+              <a:schemeClr val="dk1"/>
+            </a:fillRef>
+            <a:effectRef idx="1">
+              <a:schemeClr val="dk1"/>
+            </a:effectRef>
+            <a:fontRef idx="minor">
+              <a:schemeClr val="tx1"/>
+            </a:fontRef>
+          </p:style>
+        </p:cxnSp>
+        <p:cxnSp>
+          <p:nvCxnSpPr>
+            <p:cNvPr id="49" name="Straight Arrow Connector 48">
+              <a:extLst>
+                <a:ext uri="{FF2B5EF4-FFF2-40B4-BE49-F238E27FC236}">
+                  <a16:creationId xmlns:a16="http://schemas.microsoft.com/office/drawing/2014/main" id="{2ABA9A07-2998-D3EF-5999-0A00AC834FE6}"/>
+                </a:ext>
+              </a:extLst>
+            </p:cNvPr>
+            <p:cNvCxnSpPr>
+              <a:cxnSpLocks/>
+            </p:cNvCxnSpPr>
+            <p:nvPr/>
+          </p:nvCxnSpPr>
+          <p:spPr>
+            <a:xfrm>
+              <a:off x="586596" y="5020574"/>
+              <a:ext cx="2794959" cy="0"/>
+            </a:xfrm>
+            <a:prstGeom prst="straightConnector1">
+              <a:avLst/>
+            </a:prstGeom>
+            <a:ln>
+              <a:tailEnd type="triangle"/>
+            </a:ln>
+          </p:spPr>
+          <p:style>
+            <a:lnRef idx="2">
+              <a:schemeClr val="dk1"/>
+            </a:lnRef>
+            <a:fillRef idx="0">
+              <a:schemeClr val="dk1"/>
+            </a:fillRef>
+            <a:effectRef idx="1">
+              <a:schemeClr val="dk1"/>
+            </a:effectRef>
+            <a:fontRef idx="minor">
+              <a:schemeClr val="tx1"/>
+            </a:fontRef>
+          </p:style>
+        </p:cxnSp>
+        <p:sp>
+          <p:nvSpPr>
+            <p:cNvPr id="50" name="Oval 49">
+              <a:extLst>
+                <a:ext uri="{FF2B5EF4-FFF2-40B4-BE49-F238E27FC236}">
+                  <a16:creationId xmlns:a16="http://schemas.microsoft.com/office/drawing/2014/main" id="{169E870B-970A-19BF-0254-FB8AF311D188}"/>
+                </a:ext>
+              </a:extLst>
+            </p:cNvPr>
+            <p:cNvSpPr/>
+            <p:nvPr/>
+          </p:nvSpPr>
+          <p:spPr>
+            <a:xfrm>
+              <a:off x="1017917" y="2725947"/>
+              <a:ext cx="138023" cy="172522"/>
+            </a:xfrm>
+            <a:prstGeom prst="ellipse">
+              <a:avLst/>
+            </a:prstGeom>
+          </p:spPr>
+          <p:style>
+            <a:lnRef idx="2">
+              <a:schemeClr val="accent1">
+                <a:shade val="15000"/>
+              </a:schemeClr>
+            </a:lnRef>
+            <a:fillRef idx="1">
+              <a:schemeClr val="accent1"/>
+            </a:fillRef>
+            <a:effectRef idx="0">
+              <a:schemeClr val="accent1"/>
+            </a:effectRef>
+            <a:fontRef idx="minor">
+              <a:schemeClr val="lt1"/>
+            </a:fontRef>
+          </p:style>
+          <p:txBody>
+            <a:bodyPr rtlCol="0" anchor="ctr"/>
+            <a:lstStyle/>
+            <a:p>
+              <a:pPr algn="ctr"/>
+              <a:endParaRPr lang="en-US"/>
+            </a:p>
+          </p:txBody>
+        </p:sp>
+        <p:sp>
+          <p:nvSpPr>
+            <p:cNvPr id="51" name="Oval 50">
+              <a:extLst>
+                <a:ext uri="{FF2B5EF4-FFF2-40B4-BE49-F238E27FC236}">
+                  <a16:creationId xmlns:a16="http://schemas.microsoft.com/office/drawing/2014/main" id="{1DF490C6-4E6A-876B-FA63-98513A05B696}"/>
+                </a:ext>
+              </a:extLst>
+            </p:cNvPr>
+            <p:cNvSpPr/>
+            <p:nvPr/>
+          </p:nvSpPr>
+          <p:spPr>
+            <a:xfrm>
+              <a:off x="1170317" y="2878347"/>
+              <a:ext cx="138023" cy="172522"/>
+            </a:xfrm>
+            <a:prstGeom prst="ellipse">
+              <a:avLst/>
+            </a:prstGeom>
+          </p:spPr>
+          <p:style>
+            <a:lnRef idx="2">
+              <a:schemeClr val="accent1">
+                <a:shade val="15000"/>
+              </a:schemeClr>
+            </a:lnRef>
+            <a:fillRef idx="1">
+              <a:schemeClr val="accent1"/>
+            </a:fillRef>
+            <a:effectRef idx="0">
+              <a:schemeClr val="accent1"/>
+            </a:effectRef>
+            <a:fontRef idx="minor">
+              <a:schemeClr val="lt1"/>
+            </a:fontRef>
+          </p:style>
+          <p:txBody>
+            <a:bodyPr rtlCol="0" anchor="ctr"/>
+            <a:lstStyle/>
+            <a:p>
+              <a:pPr algn="ctr"/>
+              <a:endParaRPr lang="en-US"/>
+            </a:p>
+          </p:txBody>
+        </p:sp>
+        <p:sp>
+          <p:nvSpPr>
+            <p:cNvPr id="52" name="Oval 51">
+              <a:extLst>
+                <a:ext uri="{FF2B5EF4-FFF2-40B4-BE49-F238E27FC236}">
+                  <a16:creationId xmlns:a16="http://schemas.microsoft.com/office/drawing/2014/main" id="{5BFB4349-0C02-5A15-6C2A-36BC65D15EC9}"/>
+                </a:ext>
+              </a:extLst>
+            </p:cNvPr>
+            <p:cNvSpPr/>
+            <p:nvPr/>
+          </p:nvSpPr>
+          <p:spPr>
+            <a:xfrm>
+              <a:off x="925902" y="3013493"/>
+              <a:ext cx="138023" cy="172522"/>
+            </a:xfrm>
+            <a:prstGeom prst="ellipse">
+              <a:avLst/>
+            </a:prstGeom>
+          </p:spPr>
+          <p:style>
+            <a:lnRef idx="2">
+              <a:schemeClr val="accent1">
+                <a:shade val="15000"/>
+              </a:schemeClr>
+            </a:lnRef>
+            <a:fillRef idx="1">
+              <a:schemeClr val="accent1"/>
+            </a:fillRef>
+            <a:effectRef idx="0">
+              <a:schemeClr val="accent1"/>
+            </a:effectRef>
+            <a:fontRef idx="minor">
+              <a:schemeClr val="lt1"/>
+            </a:fontRef>
+          </p:style>
+          <p:txBody>
+            <a:bodyPr rtlCol="0" anchor="ctr"/>
+            <a:lstStyle/>
+            <a:p>
+              <a:pPr algn="ctr"/>
+              <a:endParaRPr lang="en-US"/>
+            </a:p>
+          </p:txBody>
+        </p:sp>
+        <p:sp>
+          <p:nvSpPr>
+            <p:cNvPr id="53" name="Oval 52">
+              <a:extLst>
+                <a:ext uri="{FF2B5EF4-FFF2-40B4-BE49-F238E27FC236}">
+                  <a16:creationId xmlns:a16="http://schemas.microsoft.com/office/drawing/2014/main" id="{EC2BB670-7F63-683A-2391-18B2B30AFEBE}"/>
+                </a:ext>
+              </a:extLst>
+            </p:cNvPr>
+            <p:cNvSpPr/>
+            <p:nvPr/>
+          </p:nvSpPr>
+          <p:spPr>
+            <a:xfrm>
+              <a:off x="1253706" y="4134927"/>
+              <a:ext cx="138023" cy="172522"/>
+            </a:xfrm>
+            <a:prstGeom prst="ellipse">
+              <a:avLst/>
+            </a:prstGeom>
+          </p:spPr>
+          <p:style>
+            <a:lnRef idx="2">
+              <a:schemeClr val="accent1">
+                <a:shade val="15000"/>
+              </a:schemeClr>
+            </a:lnRef>
+            <a:fillRef idx="1">
+              <a:schemeClr val="accent1"/>
+            </a:fillRef>
+            <a:effectRef idx="0">
+              <a:schemeClr val="accent1"/>
+            </a:effectRef>
+            <a:fontRef idx="minor">
+              <a:schemeClr val="lt1"/>
+            </a:fontRef>
+          </p:style>
+          <p:txBody>
+            <a:bodyPr rtlCol="0" anchor="ctr"/>
+            <a:lstStyle/>
+            <a:p>
+              <a:pPr algn="ctr"/>
+              <a:endParaRPr lang="en-US"/>
+            </a:p>
+          </p:txBody>
+        </p:sp>
+        <p:sp>
+          <p:nvSpPr>
+            <p:cNvPr id="54" name="Oval 53">
+              <a:extLst>
+                <a:ext uri="{FF2B5EF4-FFF2-40B4-BE49-F238E27FC236}">
+                  <a16:creationId xmlns:a16="http://schemas.microsoft.com/office/drawing/2014/main" id="{803DE35E-F3F3-F65F-97C6-38A66C3D1081}"/>
+                </a:ext>
+              </a:extLst>
+            </p:cNvPr>
+            <p:cNvSpPr/>
+            <p:nvPr/>
+          </p:nvSpPr>
+          <p:spPr>
+            <a:xfrm>
+              <a:off x="1406106" y="4408098"/>
+              <a:ext cx="138023" cy="172522"/>
+            </a:xfrm>
+            <a:prstGeom prst="ellipse">
+              <a:avLst/>
+            </a:prstGeom>
+          </p:spPr>
+          <p:style>
+            <a:lnRef idx="2">
+              <a:schemeClr val="accent1">
+                <a:shade val="15000"/>
+              </a:schemeClr>
+            </a:lnRef>
+            <a:fillRef idx="1">
+              <a:schemeClr val="accent1"/>
+            </a:fillRef>
+            <a:effectRef idx="0">
+              <a:schemeClr val="accent1"/>
+            </a:effectRef>
+            <a:fontRef idx="minor">
+              <a:schemeClr val="lt1"/>
+            </a:fontRef>
+          </p:style>
+          <p:txBody>
+            <a:bodyPr rtlCol="0" anchor="ctr"/>
+            <a:lstStyle/>
+            <a:p>
+              <a:pPr algn="ctr"/>
+              <a:endParaRPr lang="en-US"/>
+            </a:p>
+          </p:txBody>
+        </p:sp>
+        <p:sp>
+          <p:nvSpPr>
+            <p:cNvPr id="55" name="Oval 54">
+              <a:extLst>
+                <a:ext uri="{FF2B5EF4-FFF2-40B4-BE49-F238E27FC236}">
+                  <a16:creationId xmlns:a16="http://schemas.microsoft.com/office/drawing/2014/main" id="{EC9D4556-924B-E992-C457-5094A04511DC}"/>
+                </a:ext>
+              </a:extLst>
+            </p:cNvPr>
+            <p:cNvSpPr/>
+            <p:nvPr/>
+          </p:nvSpPr>
+          <p:spPr>
+            <a:xfrm>
+              <a:off x="923025" y="4287327"/>
+              <a:ext cx="138023" cy="172522"/>
+            </a:xfrm>
+            <a:prstGeom prst="ellipse">
+              <a:avLst/>
+            </a:prstGeom>
+          </p:spPr>
+          <p:style>
+            <a:lnRef idx="2">
+              <a:schemeClr val="accent1">
+                <a:shade val="15000"/>
+              </a:schemeClr>
+            </a:lnRef>
+            <a:fillRef idx="1">
+              <a:schemeClr val="accent1"/>
+            </a:fillRef>
+            <a:effectRef idx="0">
+              <a:schemeClr val="accent1"/>
+            </a:effectRef>
+            <a:fontRef idx="minor">
+              <a:schemeClr val="lt1"/>
+            </a:fontRef>
+          </p:style>
+          <p:txBody>
+            <a:bodyPr rtlCol="0" anchor="ctr"/>
+            <a:lstStyle/>
+            <a:p>
+              <a:pPr algn="ctr"/>
+              <a:endParaRPr lang="en-US"/>
+            </a:p>
+          </p:txBody>
+        </p:sp>
+        <p:sp>
+          <p:nvSpPr>
+            <p:cNvPr id="56" name="Oval 55">
+              <a:extLst>
+                <a:ext uri="{FF2B5EF4-FFF2-40B4-BE49-F238E27FC236}">
+                  <a16:creationId xmlns:a16="http://schemas.microsoft.com/office/drawing/2014/main" id="{DFC198BE-CC76-02B6-03CD-AB3E09CE8605}"/>
+                </a:ext>
+              </a:extLst>
+            </p:cNvPr>
+            <p:cNvSpPr/>
+            <p:nvPr/>
+          </p:nvSpPr>
+          <p:spPr>
+            <a:xfrm>
+              <a:off x="2751826" y="4287327"/>
+              <a:ext cx="138023" cy="172522"/>
+            </a:xfrm>
+            <a:prstGeom prst="ellipse">
+              <a:avLst/>
+            </a:prstGeom>
+          </p:spPr>
+          <p:style>
+            <a:lnRef idx="2">
+              <a:schemeClr val="accent1">
+                <a:shade val="15000"/>
+              </a:schemeClr>
+            </a:lnRef>
+            <a:fillRef idx="1">
+              <a:schemeClr val="accent1"/>
+            </a:fillRef>
+            <a:effectRef idx="0">
+              <a:schemeClr val="accent1"/>
+            </a:effectRef>
+            <a:fontRef idx="minor">
+              <a:schemeClr val="lt1"/>
+            </a:fontRef>
+          </p:style>
+          <p:txBody>
+            <a:bodyPr rtlCol="0" anchor="ctr"/>
+            <a:lstStyle/>
+            <a:p>
+              <a:pPr algn="ctr"/>
+              <a:endParaRPr lang="en-US"/>
+            </a:p>
+          </p:txBody>
+        </p:sp>
+        <p:sp>
+          <p:nvSpPr>
+            <p:cNvPr id="57" name="Oval 56">
+              <a:extLst>
+                <a:ext uri="{FF2B5EF4-FFF2-40B4-BE49-F238E27FC236}">
+                  <a16:creationId xmlns:a16="http://schemas.microsoft.com/office/drawing/2014/main" id="{20A498FF-9A5C-2931-940A-2AB213CCFF0A}"/>
+                </a:ext>
+              </a:extLst>
+            </p:cNvPr>
+            <p:cNvSpPr/>
+            <p:nvPr/>
+          </p:nvSpPr>
+          <p:spPr>
+            <a:xfrm>
+              <a:off x="2389516" y="3890512"/>
+              <a:ext cx="138023" cy="172522"/>
+            </a:xfrm>
+            <a:prstGeom prst="ellipse">
+              <a:avLst/>
+            </a:prstGeom>
+          </p:spPr>
+          <p:style>
+            <a:lnRef idx="2">
+              <a:schemeClr val="accent1">
+                <a:shade val="15000"/>
+              </a:schemeClr>
+            </a:lnRef>
+            <a:fillRef idx="1">
+              <a:schemeClr val="accent1"/>
+            </a:fillRef>
+            <a:effectRef idx="0">
+              <a:schemeClr val="accent1"/>
+            </a:effectRef>
+            <a:fontRef idx="minor">
+              <a:schemeClr val="lt1"/>
+            </a:fontRef>
+          </p:style>
+          <p:txBody>
+            <a:bodyPr rtlCol="0" anchor="ctr"/>
+            <a:lstStyle/>
+            <a:p>
+              <a:pPr algn="ctr"/>
+              <a:endParaRPr lang="en-US"/>
+            </a:p>
+          </p:txBody>
+        </p:sp>
+        <p:sp>
+          <p:nvSpPr>
+            <p:cNvPr id="58" name="Oval 57">
+              <a:extLst>
+                <a:ext uri="{FF2B5EF4-FFF2-40B4-BE49-F238E27FC236}">
+                  <a16:creationId xmlns:a16="http://schemas.microsoft.com/office/drawing/2014/main" id="{F7DFC4CB-4733-C1F1-E533-F52E7385E6C8}"/>
+                </a:ext>
+              </a:extLst>
+            </p:cNvPr>
+            <p:cNvSpPr/>
+            <p:nvPr/>
+          </p:nvSpPr>
+          <p:spPr>
+            <a:xfrm>
+              <a:off x="2527539" y="2820837"/>
+              <a:ext cx="138023" cy="172522"/>
+            </a:xfrm>
+            <a:prstGeom prst="ellipse">
+              <a:avLst/>
+            </a:prstGeom>
+          </p:spPr>
+          <p:style>
+            <a:lnRef idx="2">
+              <a:schemeClr val="accent1">
+                <a:shade val="15000"/>
+              </a:schemeClr>
+            </a:lnRef>
+            <a:fillRef idx="1">
+              <a:schemeClr val="accent1"/>
+            </a:fillRef>
+            <a:effectRef idx="0">
+              <a:schemeClr val="accent1"/>
+            </a:effectRef>
+            <a:fontRef idx="minor">
+              <a:schemeClr val="lt1"/>
+            </a:fontRef>
+          </p:style>
+          <p:txBody>
+            <a:bodyPr rtlCol="0" anchor="ctr"/>
+            <a:lstStyle/>
+            <a:p>
+              <a:pPr algn="ctr"/>
+              <a:endParaRPr lang="en-US"/>
+            </a:p>
+          </p:txBody>
+        </p:sp>
+        <p:sp>
+          <p:nvSpPr>
+            <p:cNvPr id="59" name="Oval 58">
+              <a:extLst>
+                <a:ext uri="{FF2B5EF4-FFF2-40B4-BE49-F238E27FC236}">
+                  <a16:creationId xmlns:a16="http://schemas.microsoft.com/office/drawing/2014/main" id="{916998C4-F797-CAA5-25C5-28B373F52755}"/>
+                </a:ext>
+              </a:extLst>
+            </p:cNvPr>
+            <p:cNvSpPr/>
+            <p:nvPr/>
+          </p:nvSpPr>
+          <p:spPr>
+            <a:xfrm>
+              <a:off x="2406769" y="4287327"/>
+              <a:ext cx="138023" cy="172522"/>
+            </a:xfrm>
+            <a:prstGeom prst="ellipse">
+              <a:avLst/>
+            </a:prstGeom>
+          </p:spPr>
+          <p:style>
+            <a:lnRef idx="2">
+              <a:schemeClr val="accent1">
+                <a:shade val="15000"/>
+              </a:schemeClr>
+            </a:lnRef>
+            <a:fillRef idx="1">
+              <a:schemeClr val="accent1"/>
+            </a:fillRef>
+            <a:effectRef idx="0">
+              <a:schemeClr val="accent1"/>
+            </a:effectRef>
+            <a:fontRef idx="minor">
+              <a:schemeClr val="lt1"/>
+            </a:fontRef>
+          </p:style>
+          <p:txBody>
+            <a:bodyPr rtlCol="0" anchor="ctr"/>
+            <a:lstStyle/>
+            <a:p>
+              <a:pPr algn="ctr"/>
+              <a:endParaRPr lang="en-US"/>
+            </a:p>
+          </p:txBody>
+        </p:sp>
+        <p:sp>
+          <p:nvSpPr>
+            <p:cNvPr id="60" name="Oval 59">
+              <a:extLst>
+                <a:ext uri="{FF2B5EF4-FFF2-40B4-BE49-F238E27FC236}">
+                  <a16:creationId xmlns:a16="http://schemas.microsoft.com/office/drawing/2014/main" id="{73A169B2-1B32-365D-FCF6-7C207588A6A0}"/>
+                </a:ext>
+              </a:extLst>
+            </p:cNvPr>
+            <p:cNvSpPr/>
+            <p:nvPr/>
+          </p:nvSpPr>
+          <p:spPr>
+            <a:xfrm>
+              <a:off x="1199070" y="4339086"/>
+              <a:ext cx="138023" cy="172522"/>
+            </a:xfrm>
+            <a:prstGeom prst="ellipse">
+              <a:avLst/>
+            </a:prstGeom>
+          </p:spPr>
+          <p:style>
+            <a:lnRef idx="2">
+              <a:schemeClr val="accent1">
+                <a:shade val="15000"/>
+              </a:schemeClr>
+            </a:lnRef>
+            <a:fillRef idx="1">
+              <a:schemeClr val="accent1"/>
+            </a:fillRef>
+            <a:effectRef idx="0">
+              <a:schemeClr val="accent1"/>
+            </a:effectRef>
+            <a:fontRef idx="minor">
+              <a:schemeClr val="lt1"/>
+            </a:fontRef>
+          </p:style>
+          <p:txBody>
+            <a:bodyPr rtlCol="0" anchor="ctr"/>
+            <a:lstStyle/>
+            <a:p>
+              <a:pPr algn="ctr"/>
+              <a:endParaRPr lang="en-US"/>
+            </a:p>
+          </p:txBody>
+        </p:sp>
+        <p:sp>
+          <p:nvSpPr>
+            <p:cNvPr id="61" name="Oval 60">
+              <a:extLst>
+                <a:ext uri="{FF2B5EF4-FFF2-40B4-BE49-F238E27FC236}">
+                  <a16:creationId xmlns:a16="http://schemas.microsoft.com/office/drawing/2014/main" id="{94FBDADA-47E6-627C-F0FF-5E0CA8AD0D70}"/>
+                </a:ext>
+              </a:extLst>
+            </p:cNvPr>
+            <p:cNvSpPr/>
+            <p:nvPr/>
+          </p:nvSpPr>
+          <p:spPr>
+            <a:xfrm>
+              <a:off x="2751826" y="3994027"/>
+              <a:ext cx="138023" cy="172522"/>
+            </a:xfrm>
+            <a:prstGeom prst="ellipse">
+              <a:avLst/>
+            </a:prstGeom>
+          </p:spPr>
+          <p:style>
+            <a:lnRef idx="2">
+              <a:schemeClr val="accent1">
+                <a:shade val="15000"/>
+              </a:schemeClr>
+            </a:lnRef>
+            <a:fillRef idx="1">
+              <a:schemeClr val="accent1"/>
+            </a:fillRef>
+            <a:effectRef idx="0">
+              <a:schemeClr val="accent1"/>
+            </a:effectRef>
+            <a:fontRef idx="minor">
+              <a:schemeClr val="lt1"/>
+            </a:fontRef>
+          </p:style>
+          <p:txBody>
+            <a:bodyPr rtlCol="0" anchor="ctr"/>
+            <a:lstStyle/>
+            <a:p>
+              <a:pPr algn="ctr"/>
+              <a:endParaRPr lang="en-US"/>
+            </a:p>
+          </p:txBody>
+        </p:sp>
+        <p:sp>
+          <p:nvSpPr>
+            <p:cNvPr id="62" name="Oval 61">
+              <a:extLst>
+                <a:ext uri="{FF2B5EF4-FFF2-40B4-BE49-F238E27FC236}">
+                  <a16:creationId xmlns:a16="http://schemas.microsoft.com/office/drawing/2014/main" id="{B92FD061-67C4-F9EB-4B02-6553BD05502B}"/>
+                </a:ext>
+              </a:extLst>
+            </p:cNvPr>
+            <p:cNvSpPr/>
+            <p:nvPr/>
+          </p:nvSpPr>
+          <p:spPr>
+            <a:xfrm>
+              <a:off x="1406106" y="2648309"/>
+              <a:ext cx="138023" cy="172522"/>
+            </a:xfrm>
+            <a:prstGeom prst="ellipse">
+              <a:avLst/>
+            </a:prstGeom>
+          </p:spPr>
+          <p:style>
+            <a:lnRef idx="2">
+              <a:schemeClr val="accent1">
+                <a:shade val="15000"/>
+              </a:schemeClr>
+            </a:lnRef>
+            <a:fillRef idx="1">
+              <a:schemeClr val="accent1"/>
+            </a:fillRef>
+            <a:effectRef idx="0">
+              <a:schemeClr val="accent1"/>
+            </a:effectRef>
+            <a:fontRef idx="minor">
+              <a:schemeClr val="lt1"/>
+            </a:fontRef>
+          </p:style>
+          <p:txBody>
+            <a:bodyPr rtlCol="0" anchor="ctr"/>
+            <a:lstStyle/>
+            <a:p>
+              <a:pPr algn="ctr"/>
+              <a:endParaRPr lang="en-US"/>
+            </a:p>
+          </p:txBody>
+        </p:sp>
+        <p:sp>
+          <p:nvSpPr>
+            <p:cNvPr id="63" name="Oval 62">
+              <a:extLst>
+                <a:ext uri="{FF2B5EF4-FFF2-40B4-BE49-F238E27FC236}">
+                  <a16:creationId xmlns:a16="http://schemas.microsoft.com/office/drawing/2014/main" id="{8311582B-A6D7-1CD5-2E35-94FF9B31B801}"/>
+                </a:ext>
+              </a:extLst>
+            </p:cNvPr>
+            <p:cNvSpPr/>
+            <p:nvPr/>
+          </p:nvSpPr>
+          <p:spPr>
+            <a:xfrm>
+              <a:off x="2044462" y="3010619"/>
+              <a:ext cx="138023" cy="172522"/>
+            </a:xfrm>
+            <a:prstGeom prst="ellipse">
+              <a:avLst/>
+            </a:prstGeom>
+          </p:spPr>
+          <p:style>
+            <a:lnRef idx="2">
+              <a:schemeClr val="accent1">
+                <a:shade val="15000"/>
+              </a:schemeClr>
+            </a:lnRef>
+            <a:fillRef idx="1">
+              <a:schemeClr val="accent1"/>
+            </a:fillRef>
+            <a:effectRef idx="0">
+              <a:schemeClr val="accent1"/>
+            </a:effectRef>
+            <a:fontRef idx="minor">
+              <a:schemeClr val="lt1"/>
+            </a:fontRef>
+          </p:style>
+          <p:txBody>
+            <a:bodyPr rtlCol="0" anchor="ctr"/>
+            <a:lstStyle/>
+            <a:p>
+              <a:pPr algn="ctr"/>
+              <a:endParaRPr lang="en-US"/>
+            </a:p>
+          </p:txBody>
+        </p:sp>
+        <p:sp>
+          <p:nvSpPr>
+            <p:cNvPr id="64" name="Oval 63">
+              <a:extLst>
+                <a:ext uri="{FF2B5EF4-FFF2-40B4-BE49-F238E27FC236}">
+                  <a16:creationId xmlns:a16="http://schemas.microsoft.com/office/drawing/2014/main" id="{9BC77490-48E2-EA33-EA96-933F0AD1CB11}"/>
+                </a:ext>
+              </a:extLst>
+            </p:cNvPr>
+            <p:cNvSpPr/>
+            <p:nvPr/>
+          </p:nvSpPr>
+          <p:spPr>
+            <a:xfrm>
+              <a:off x="1492371" y="4201062"/>
+              <a:ext cx="138023" cy="172522"/>
+            </a:xfrm>
+            <a:prstGeom prst="ellipse">
+              <a:avLst/>
+            </a:prstGeom>
+          </p:spPr>
+          <p:style>
+            <a:lnRef idx="2">
+              <a:schemeClr val="accent1">
+                <a:shade val="15000"/>
+              </a:schemeClr>
+            </a:lnRef>
+            <a:fillRef idx="1">
+              <a:schemeClr val="accent1"/>
+            </a:fillRef>
+            <a:effectRef idx="0">
+              <a:schemeClr val="accent1"/>
+            </a:effectRef>
+            <a:fontRef idx="minor">
+              <a:schemeClr val="lt1"/>
+            </a:fontRef>
+          </p:style>
+          <p:txBody>
+            <a:bodyPr rtlCol="0" anchor="ctr"/>
+            <a:lstStyle/>
+            <a:p>
+              <a:pPr algn="ctr"/>
+              <a:endParaRPr lang="en-US"/>
+            </a:p>
+          </p:txBody>
+        </p:sp>
+      </p:grpSp>
+      <p:sp>
+        <p:nvSpPr>
+          <p:cNvPr id="65" name="TextBox 64">
+            <a:extLst>
+              <a:ext uri="{FF2B5EF4-FFF2-40B4-BE49-F238E27FC236}">
+                <a16:creationId xmlns:a16="http://schemas.microsoft.com/office/drawing/2014/main" id="{BD5EF6B9-CAE6-0F94-4A86-4F46F8633C52}"/>
+              </a:ext>
+            </a:extLst>
+          </p:cNvPr>
+          <p:cNvSpPr txBox="1"/>
+          <p:nvPr/>
+        </p:nvSpPr>
+        <p:spPr>
+          <a:xfrm>
+            <a:off x="1111844" y="6251591"/>
+            <a:ext cx="5105401" cy="430887"/>
+          </a:xfrm>
+          <a:prstGeom prst="rect">
+            <a:avLst/>
+          </a:prstGeom>
+          <a:noFill/>
+        </p:spPr>
+        <p:txBody>
+          <a:bodyPr wrap="square" rtlCol="0">
+            <a:spAutoFit/>
+          </a:bodyPr>
+          <a:lstStyle/>
+          <a:p>
+            <a:pPr algn="ctr"/>
+            <a:r>
+              <a:rPr lang="en-US" sz="2200" dirty="0">
+                <a:solidFill>
+                  <a:srgbClr val="FF0000"/>
+                </a:solidFill>
+              </a:rPr>
+              <a:t>100% similarity criterion: 15 groups</a:t>
+            </a:r>
+          </a:p>
+        </p:txBody>
+      </p:sp>
+      <p:sp>
+        <p:nvSpPr>
+          <p:cNvPr id="66" name="Oval 65">
+            <a:extLst>
+              <a:ext uri="{FF2B5EF4-FFF2-40B4-BE49-F238E27FC236}">
+                <a16:creationId xmlns:a16="http://schemas.microsoft.com/office/drawing/2014/main" id="{4EEA2C47-0ABE-9F1D-4B55-92A7BF795B49}"/>
+              </a:ext>
+            </a:extLst>
+          </p:cNvPr>
+          <p:cNvSpPr/>
+          <p:nvPr/>
+        </p:nvSpPr>
+        <p:spPr>
+          <a:xfrm>
+            <a:off x="3105507" y="3666228"/>
+            <a:ext cx="178277" cy="319173"/>
+          </a:xfrm>
+          <a:prstGeom prst="ellipse">
+            <a:avLst/>
+          </a:prstGeom>
+          <a:noFill/>
+          <a:ln>
+            <a:solidFill>
+              <a:srgbClr val="00B0F0"/>
+            </a:solidFill>
+          </a:ln>
+        </p:spPr>
+        <p:style>
+          <a:lnRef idx="2">
+            <a:schemeClr val="accent1">
+              <a:shade val="15000"/>
+            </a:schemeClr>
+          </a:lnRef>
+          <a:fillRef idx="1">
+            <a:schemeClr val="accent1"/>
+          </a:fillRef>
+          <a:effectRef idx="0">
+            <a:schemeClr val="accent1"/>
+          </a:effectRef>
+          <a:fontRef idx="minor">
+            <a:schemeClr val="lt1"/>
+          </a:fontRef>
+        </p:style>
+        <p:txBody>
+          <a:bodyPr rtlCol="0" anchor="ctr"/>
+          <a:lstStyle/>
+          <a:p>
+            <a:pPr algn="ctr"/>
+            <a:endParaRPr lang="en-US"/>
+          </a:p>
+        </p:txBody>
+      </p:sp>
+      <p:sp>
+        <p:nvSpPr>
+          <p:cNvPr id="67" name="Oval 66">
+            <a:extLst>
+              <a:ext uri="{FF2B5EF4-FFF2-40B4-BE49-F238E27FC236}">
+                <a16:creationId xmlns:a16="http://schemas.microsoft.com/office/drawing/2014/main" id="{2C1CF2D5-AC3E-DD87-85A6-304EAE825CC8}"/>
+              </a:ext>
+            </a:extLst>
+          </p:cNvPr>
+          <p:cNvSpPr/>
+          <p:nvPr/>
+        </p:nvSpPr>
+        <p:spPr>
+          <a:xfrm>
+            <a:off x="3257907" y="3818628"/>
+            <a:ext cx="178277" cy="319173"/>
+          </a:xfrm>
+          <a:prstGeom prst="ellipse">
+            <a:avLst/>
+          </a:prstGeom>
+          <a:noFill/>
+          <a:ln>
+            <a:solidFill>
+              <a:srgbClr val="00B0F0"/>
+            </a:solidFill>
+          </a:ln>
+        </p:spPr>
+        <p:style>
+          <a:lnRef idx="2">
+            <a:schemeClr val="accent1">
+              <a:shade val="15000"/>
+            </a:schemeClr>
+          </a:lnRef>
+          <a:fillRef idx="1">
+            <a:schemeClr val="accent1"/>
+          </a:fillRef>
+          <a:effectRef idx="0">
+            <a:schemeClr val="accent1"/>
+          </a:effectRef>
+          <a:fontRef idx="minor">
+            <a:schemeClr val="lt1"/>
+          </a:fontRef>
+        </p:style>
+        <p:txBody>
+          <a:bodyPr rtlCol="0" anchor="ctr"/>
+          <a:lstStyle/>
+          <a:p>
+            <a:pPr algn="ctr"/>
+            <a:endParaRPr lang="en-US"/>
+          </a:p>
+        </p:txBody>
+      </p:sp>
+      <p:sp>
+        <p:nvSpPr>
+          <p:cNvPr id="68" name="Oval 67">
+            <a:extLst>
+              <a:ext uri="{FF2B5EF4-FFF2-40B4-BE49-F238E27FC236}">
+                <a16:creationId xmlns:a16="http://schemas.microsoft.com/office/drawing/2014/main" id="{58CA3BCF-A10F-CA8A-DFB5-EB60967464D6}"/>
+              </a:ext>
+            </a:extLst>
+          </p:cNvPr>
+          <p:cNvSpPr/>
+          <p:nvPr/>
+        </p:nvSpPr>
+        <p:spPr>
+          <a:xfrm>
+            <a:off x="3492857" y="3583678"/>
+            <a:ext cx="178277" cy="319173"/>
+          </a:xfrm>
+          <a:prstGeom prst="ellipse">
+            <a:avLst/>
+          </a:prstGeom>
+          <a:noFill/>
+          <a:ln>
+            <a:solidFill>
+              <a:srgbClr val="00B0F0"/>
+            </a:solidFill>
+          </a:ln>
+        </p:spPr>
+        <p:style>
+          <a:lnRef idx="2">
+            <a:schemeClr val="accent1">
+              <a:shade val="15000"/>
+            </a:schemeClr>
+          </a:lnRef>
+          <a:fillRef idx="1">
+            <a:schemeClr val="accent1"/>
+          </a:fillRef>
+          <a:effectRef idx="0">
+            <a:schemeClr val="accent1"/>
+          </a:effectRef>
+          <a:fontRef idx="minor">
+            <a:schemeClr val="lt1"/>
+          </a:fontRef>
+        </p:style>
+        <p:txBody>
+          <a:bodyPr rtlCol="0" anchor="ctr"/>
+          <a:lstStyle/>
+          <a:p>
+            <a:pPr algn="ctr"/>
+            <a:endParaRPr lang="en-US"/>
+          </a:p>
+        </p:txBody>
+      </p:sp>
+      <p:sp>
+        <p:nvSpPr>
+          <p:cNvPr id="69" name="Oval 68">
+            <a:extLst>
+              <a:ext uri="{FF2B5EF4-FFF2-40B4-BE49-F238E27FC236}">
+                <a16:creationId xmlns:a16="http://schemas.microsoft.com/office/drawing/2014/main" id="{5261B55A-A356-D201-6EB7-49BDF14821AF}"/>
+              </a:ext>
+            </a:extLst>
+          </p:cNvPr>
+          <p:cNvSpPr/>
+          <p:nvPr/>
+        </p:nvSpPr>
+        <p:spPr>
+          <a:xfrm>
+            <a:off x="3016607" y="3977378"/>
+            <a:ext cx="178277" cy="319173"/>
+          </a:xfrm>
+          <a:prstGeom prst="ellipse">
+            <a:avLst/>
+          </a:prstGeom>
+          <a:noFill/>
+          <a:ln>
+            <a:solidFill>
+              <a:srgbClr val="00B0F0"/>
+            </a:solidFill>
+          </a:ln>
+        </p:spPr>
+        <p:style>
+          <a:lnRef idx="2">
+            <a:schemeClr val="accent1">
+              <a:shade val="15000"/>
+            </a:schemeClr>
+          </a:lnRef>
+          <a:fillRef idx="1">
+            <a:schemeClr val="accent1"/>
+          </a:fillRef>
+          <a:effectRef idx="0">
+            <a:schemeClr val="accent1"/>
+          </a:effectRef>
+          <a:fontRef idx="minor">
+            <a:schemeClr val="lt1"/>
+          </a:fontRef>
+        </p:style>
+        <p:txBody>
+          <a:bodyPr rtlCol="0" anchor="ctr"/>
+          <a:lstStyle/>
+          <a:p>
+            <a:pPr algn="ctr"/>
+            <a:endParaRPr lang="en-US"/>
+          </a:p>
+        </p:txBody>
+      </p:sp>
+      <p:sp>
+        <p:nvSpPr>
+          <p:cNvPr id="70" name="Oval 69">
+            <a:extLst>
+              <a:ext uri="{FF2B5EF4-FFF2-40B4-BE49-F238E27FC236}">
+                <a16:creationId xmlns:a16="http://schemas.microsoft.com/office/drawing/2014/main" id="{1CBAD2B0-F52C-661F-1E00-1B320DB80319}"/>
+              </a:ext>
+            </a:extLst>
+          </p:cNvPr>
+          <p:cNvSpPr/>
+          <p:nvPr/>
+        </p:nvSpPr>
+        <p:spPr>
+          <a:xfrm>
+            <a:off x="4134207" y="3971028"/>
+            <a:ext cx="178277" cy="319173"/>
+          </a:xfrm>
+          <a:prstGeom prst="ellipse">
+            <a:avLst/>
+          </a:prstGeom>
+          <a:noFill/>
+          <a:ln>
+            <a:solidFill>
+              <a:srgbClr val="00B0F0"/>
+            </a:solidFill>
+          </a:ln>
+        </p:spPr>
+        <p:style>
+          <a:lnRef idx="2">
+            <a:schemeClr val="accent1">
+              <a:shade val="15000"/>
+            </a:schemeClr>
+          </a:lnRef>
+          <a:fillRef idx="1">
+            <a:schemeClr val="accent1"/>
+          </a:fillRef>
+          <a:effectRef idx="0">
+            <a:schemeClr val="accent1"/>
+          </a:effectRef>
+          <a:fontRef idx="minor">
+            <a:schemeClr val="lt1"/>
+          </a:fontRef>
+        </p:style>
+        <p:txBody>
+          <a:bodyPr rtlCol="0" anchor="ctr"/>
+          <a:lstStyle/>
+          <a:p>
+            <a:pPr algn="ctr"/>
+            <a:endParaRPr lang="en-US"/>
+          </a:p>
+        </p:txBody>
+      </p:sp>
+      <p:sp>
+        <p:nvSpPr>
+          <p:cNvPr id="71" name="Oval 70">
+            <a:extLst>
+              <a:ext uri="{FF2B5EF4-FFF2-40B4-BE49-F238E27FC236}">
+                <a16:creationId xmlns:a16="http://schemas.microsoft.com/office/drawing/2014/main" id="{A8367773-2A6E-43FB-5169-5B2F30870E80}"/>
+              </a:ext>
+            </a:extLst>
+          </p:cNvPr>
+          <p:cNvSpPr/>
+          <p:nvPr/>
+        </p:nvSpPr>
+        <p:spPr>
+          <a:xfrm>
+            <a:off x="4610457" y="3786878"/>
+            <a:ext cx="178277" cy="319173"/>
+          </a:xfrm>
+          <a:prstGeom prst="ellipse">
+            <a:avLst/>
+          </a:prstGeom>
+          <a:noFill/>
+          <a:ln>
+            <a:solidFill>
+              <a:srgbClr val="00B0F0"/>
+            </a:solidFill>
+          </a:ln>
+        </p:spPr>
+        <p:style>
+          <a:lnRef idx="2">
+            <a:schemeClr val="accent1">
+              <a:shade val="15000"/>
+            </a:schemeClr>
+          </a:lnRef>
+          <a:fillRef idx="1">
+            <a:schemeClr val="accent1"/>
+          </a:fillRef>
+          <a:effectRef idx="0">
+            <a:schemeClr val="accent1"/>
+          </a:effectRef>
+          <a:fontRef idx="minor">
+            <a:schemeClr val="lt1"/>
+          </a:fontRef>
+        </p:style>
+        <p:txBody>
+          <a:bodyPr rtlCol="0" anchor="ctr"/>
+          <a:lstStyle/>
+          <a:p>
+            <a:pPr algn="ctr"/>
+            <a:endParaRPr lang="en-US"/>
+          </a:p>
+        </p:txBody>
+      </p:sp>
+      <p:sp>
+        <p:nvSpPr>
+          <p:cNvPr id="72" name="Oval 71">
+            <a:extLst>
+              <a:ext uri="{FF2B5EF4-FFF2-40B4-BE49-F238E27FC236}">
+                <a16:creationId xmlns:a16="http://schemas.microsoft.com/office/drawing/2014/main" id="{E912F87A-FFFF-48CC-B0EE-39028EC5FD90}"/>
+              </a:ext>
+            </a:extLst>
+          </p:cNvPr>
+          <p:cNvSpPr/>
+          <p:nvPr/>
+        </p:nvSpPr>
+        <p:spPr>
+          <a:xfrm>
+            <a:off x="3340457" y="5050528"/>
+            <a:ext cx="178277" cy="319173"/>
+          </a:xfrm>
+          <a:prstGeom prst="ellipse">
+            <a:avLst/>
+          </a:prstGeom>
+          <a:noFill/>
+          <a:ln>
+            <a:solidFill>
+              <a:srgbClr val="00B0F0"/>
+            </a:solidFill>
+          </a:ln>
+        </p:spPr>
+        <p:style>
+          <a:lnRef idx="2">
+            <a:schemeClr val="accent1">
+              <a:shade val="15000"/>
+            </a:schemeClr>
+          </a:lnRef>
+          <a:fillRef idx="1">
+            <a:schemeClr val="accent1"/>
+          </a:fillRef>
+          <a:effectRef idx="0">
+            <a:schemeClr val="accent1"/>
+          </a:effectRef>
+          <a:fontRef idx="minor">
+            <a:schemeClr val="lt1"/>
+          </a:fontRef>
+        </p:style>
+        <p:txBody>
+          <a:bodyPr rtlCol="0" anchor="ctr"/>
+          <a:lstStyle/>
+          <a:p>
+            <a:pPr algn="ctr"/>
+            <a:endParaRPr lang="en-US"/>
+          </a:p>
+        </p:txBody>
+      </p:sp>
+      <p:sp>
+        <p:nvSpPr>
+          <p:cNvPr id="73" name="Oval 72">
+            <a:extLst>
+              <a:ext uri="{FF2B5EF4-FFF2-40B4-BE49-F238E27FC236}">
+                <a16:creationId xmlns:a16="http://schemas.microsoft.com/office/drawing/2014/main" id="{6237EB41-DC2F-27C0-F362-EBF9F1B98EA1}"/>
+              </a:ext>
+            </a:extLst>
+          </p:cNvPr>
+          <p:cNvSpPr/>
+          <p:nvPr/>
+        </p:nvSpPr>
+        <p:spPr>
+          <a:xfrm>
+            <a:off x="3486507" y="5348978"/>
+            <a:ext cx="178277" cy="319173"/>
+          </a:xfrm>
+          <a:prstGeom prst="ellipse">
+            <a:avLst/>
+          </a:prstGeom>
+          <a:noFill/>
+          <a:ln>
+            <a:solidFill>
+              <a:srgbClr val="00B0F0"/>
+            </a:solidFill>
+          </a:ln>
+        </p:spPr>
+        <p:style>
+          <a:lnRef idx="2">
+            <a:schemeClr val="accent1">
+              <a:shade val="15000"/>
+            </a:schemeClr>
+          </a:lnRef>
+          <a:fillRef idx="1">
+            <a:schemeClr val="accent1"/>
+          </a:fillRef>
+          <a:effectRef idx="0">
+            <a:schemeClr val="accent1"/>
+          </a:effectRef>
+          <a:fontRef idx="minor">
+            <a:schemeClr val="lt1"/>
+          </a:fontRef>
+        </p:style>
+        <p:txBody>
+          <a:bodyPr rtlCol="0" anchor="ctr"/>
+          <a:lstStyle/>
+          <a:p>
+            <a:pPr algn="ctr"/>
+            <a:endParaRPr lang="en-US"/>
+          </a:p>
+        </p:txBody>
+      </p:sp>
+      <p:sp>
+        <p:nvSpPr>
+          <p:cNvPr id="74" name="Oval 73">
+            <a:extLst>
+              <a:ext uri="{FF2B5EF4-FFF2-40B4-BE49-F238E27FC236}">
+                <a16:creationId xmlns:a16="http://schemas.microsoft.com/office/drawing/2014/main" id="{1C9E08E0-38DF-29CE-C64F-FADD79743E5A}"/>
+              </a:ext>
+            </a:extLst>
+          </p:cNvPr>
+          <p:cNvSpPr/>
+          <p:nvPr/>
+        </p:nvSpPr>
+        <p:spPr>
+          <a:xfrm>
+            <a:off x="3575407" y="5133078"/>
+            <a:ext cx="178277" cy="319173"/>
+          </a:xfrm>
+          <a:prstGeom prst="ellipse">
+            <a:avLst/>
+          </a:prstGeom>
+          <a:noFill/>
+          <a:ln>
+            <a:solidFill>
+              <a:srgbClr val="00B0F0"/>
+            </a:solidFill>
+          </a:ln>
+        </p:spPr>
+        <p:style>
+          <a:lnRef idx="2">
+            <a:schemeClr val="accent1">
+              <a:shade val="15000"/>
+            </a:schemeClr>
+          </a:lnRef>
+          <a:fillRef idx="1">
+            <a:schemeClr val="accent1"/>
+          </a:fillRef>
+          <a:effectRef idx="0">
+            <a:schemeClr val="accent1"/>
+          </a:effectRef>
+          <a:fontRef idx="minor">
+            <a:schemeClr val="lt1"/>
+          </a:fontRef>
+        </p:style>
+        <p:txBody>
+          <a:bodyPr rtlCol="0" anchor="ctr"/>
+          <a:lstStyle/>
+          <a:p>
+            <a:pPr algn="ctr"/>
+            <a:endParaRPr lang="en-US"/>
+          </a:p>
+        </p:txBody>
+      </p:sp>
+      <p:sp>
+        <p:nvSpPr>
+          <p:cNvPr id="75" name="Oval 74">
+            <a:extLst>
+              <a:ext uri="{FF2B5EF4-FFF2-40B4-BE49-F238E27FC236}">
+                <a16:creationId xmlns:a16="http://schemas.microsoft.com/office/drawing/2014/main" id="{2D347732-D987-00CF-461C-A33F4B91E873}"/>
+              </a:ext>
+            </a:extLst>
+          </p:cNvPr>
+          <p:cNvSpPr/>
+          <p:nvPr/>
+        </p:nvSpPr>
+        <p:spPr>
+          <a:xfrm>
+            <a:off x="3276957" y="5285478"/>
+            <a:ext cx="178277" cy="319173"/>
+          </a:xfrm>
+          <a:prstGeom prst="ellipse">
+            <a:avLst/>
+          </a:prstGeom>
+          <a:noFill/>
+          <a:ln>
+            <a:solidFill>
+              <a:srgbClr val="00B0F0"/>
+            </a:solidFill>
+          </a:ln>
+        </p:spPr>
+        <p:style>
+          <a:lnRef idx="2">
+            <a:schemeClr val="accent1">
+              <a:shade val="15000"/>
+            </a:schemeClr>
+          </a:lnRef>
+          <a:fillRef idx="1">
+            <a:schemeClr val="accent1"/>
+          </a:fillRef>
+          <a:effectRef idx="0">
+            <a:schemeClr val="accent1"/>
+          </a:effectRef>
+          <a:fontRef idx="minor">
+            <a:schemeClr val="lt1"/>
+          </a:fontRef>
+        </p:style>
+        <p:txBody>
+          <a:bodyPr rtlCol="0" anchor="ctr"/>
+          <a:lstStyle/>
+          <a:p>
+            <a:pPr algn="ctr"/>
+            <a:endParaRPr lang="en-US" dirty="0"/>
+          </a:p>
+        </p:txBody>
+      </p:sp>
+      <p:sp>
+        <p:nvSpPr>
+          <p:cNvPr id="76" name="Oval 75">
+            <a:extLst>
+              <a:ext uri="{FF2B5EF4-FFF2-40B4-BE49-F238E27FC236}">
+                <a16:creationId xmlns:a16="http://schemas.microsoft.com/office/drawing/2014/main" id="{60E92D8D-B356-3734-704F-0B8D6B632EEF}"/>
+              </a:ext>
+            </a:extLst>
+          </p:cNvPr>
+          <p:cNvSpPr/>
+          <p:nvPr/>
+        </p:nvSpPr>
+        <p:spPr>
+          <a:xfrm>
+            <a:off x="3016607" y="5247378"/>
+            <a:ext cx="178277" cy="319173"/>
+          </a:xfrm>
+          <a:prstGeom prst="ellipse">
+            <a:avLst/>
+          </a:prstGeom>
+          <a:noFill/>
+          <a:ln>
+            <a:solidFill>
+              <a:srgbClr val="00B0F0"/>
+            </a:solidFill>
+          </a:ln>
+        </p:spPr>
+        <p:style>
+          <a:lnRef idx="2">
+            <a:schemeClr val="accent1">
+              <a:shade val="15000"/>
+            </a:schemeClr>
+          </a:lnRef>
+          <a:fillRef idx="1">
+            <a:schemeClr val="accent1"/>
+          </a:fillRef>
+          <a:effectRef idx="0">
+            <a:schemeClr val="accent1"/>
+          </a:effectRef>
+          <a:fontRef idx="minor">
+            <a:schemeClr val="lt1"/>
+          </a:fontRef>
+        </p:style>
+        <p:txBody>
+          <a:bodyPr rtlCol="0" anchor="ctr"/>
+          <a:lstStyle/>
+          <a:p>
+            <a:pPr algn="ctr"/>
+            <a:endParaRPr lang="en-US"/>
+          </a:p>
+        </p:txBody>
+      </p:sp>
+      <p:sp>
+        <p:nvSpPr>
+          <p:cNvPr id="77" name="Oval 76">
+            <a:extLst>
+              <a:ext uri="{FF2B5EF4-FFF2-40B4-BE49-F238E27FC236}">
+                <a16:creationId xmlns:a16="http://schemas.microsoft.com/office/drawing/2014/main" id="{63A2B4AB-DA28-7082-3EC0-B4CEC0F546D3}"/>
+              </a:ext>
+            </a:extLst>
+          </p:cNvPr>
+          <p:cNvSpPr/>
+          <p:nvPr/>
+        </p:nvSpPr>
+        <p:spPr>
+          <a:xfrm>
+            <a:off x="4496157" y="5221978"/>
+            <a:ext cx="178277" cy="319173"/>
+          </a:xfrm>
+          <a:prstGeom prst="ellipse">
+            <a:avLst/>
+          </a:prstGeom>
+          <a:noFill/>
+          <a:ln>
+            <a:solidFill>
+              <a:srgbClr val="00B0F0"/>
+            </a:solidFill>
+          </a:ln>
+        </p:spPr>
+        <p:style>
+          <a:lnRef idx="2">
+            <a:schemeClr val="accent1">
+              <a:shade val="15000"/>
+            </a:schemeClr>
+          </a:lnRef>
+          <a:fillRef idx="1">
+            <a:schemeClr val="accent1"/>
+          </a:fillRef>
+          <a:effectRef idx="0">
+            <a:schemeClr val="accent1"/>
+          </a:effectRef>
+          <a:fontRef idx="minor">
+            <a:schemeClr val="lt1"/>
+          </a:fontRef>
+        </p:style>
+        <p:txBody>
+          <a:bodyPr rtlCol="0" anchor="ctr"/>
+          <a:lstStyle/>
+          <a:p>
+            <a:pPr algn="ctr"/>
+            <a:endParaRPr lang="en-US"/>
+          </a:p>
+        </p:txBody>
+      </p:sp>
+      <p:sp>
+        <p:nvSpPr>
+          <p:cNvPr id="78" name="Oval 77">
+            <a:extLst>
+              <a:ext uri="{FF2B5EF4-FFF2-40B4-BE49-F238E27FC236}">
+                <a16:creationId xmlns:a16="http://schemas.microsoft.com/office/drawing/2014/main" id="{54C99188-9978-35D6-87E2-74A71A43EEEB}"/>
+              </a:ext>
+            </a:extLst>
+          </p:cNvPr>
+          <p:cNvSpPr/>
+          <p:nvPr/>
+        </p:nvSpPr>
+        <p:spPr>
+          <a:xfrm>
+            <a:off x="4477107" y="4860028"/>
+            <a:ext cx="178277" cy="319173"/>
+          </a:xfrm>
+          <a:prstGeom prst="ellipse">
+            <a:avLst/>
+          </a:prstGeom>
+          <a:noFill/>
+          <a:ln>
+            <a:solidFill>
+              <a:srgbClr val="00B0F0"/>
+            </a:solidFill>
+          </a:ln>
+        </p:spPr>
+        <p:style>
+          <a:lnRef idx="2">
+            <a:schemeClr val="accent1">
+              <a:shade val="15000"/>
+            </a:schemeClr>
+          </a:lnRef>
+          <a:fillRef idx="1">
+            <a:schemeClr val="accent1"/>
+          </a:fillRef>
+          <a:effectRef idx="0">
+            <a:schemeClr val="accent1"/>
+          </a:effectRef>
+          <a:fontRef idx="minor">
+            <a:schemeClr val="lt1"/>
+          </a:fontRef>
+        </p:style>
+        <p:txBody>
+          <a:bodyPr rtlCol="0" anchor="ctr"/>
+          <a:lstStyle/>
+          <a:p>
+            <a:pPr algn="ctr"/>
+            <a:endParaRPr lang="en-US"/>
+          </a:p>
+        </p:txBody>
+      </p:sp>
+      <p:sp>
+        <p:nvSpPr>
+          <p:cNvPr id="79" name="Oval 78">
+            <a:extLst>
+              <a:ext uri="{FF2B5EF4-FFF2-40B4-BE49-F238E27FC236}">
+                <a16:creationId xmlns:a16="http://schemas.microsoft.com/office/drawing/2014/main" id="{4526681B-F838-CD9E-52A8-55966F69CC60}"/>
+              </a:ext>
+            </a:extLst>
+          </p:cNvPr>
+          <p:cNvSpPr/>
+          <p:nvPr/>
+        </p:nvSpPr>
+        <p:spPr>
+          <a:xfrm>
+            <a:off x="4845407" y="5247378"/>
+            <a:ext cx="178277" cy="319173"/>
+          </a:xfrm>
+          <a:prstGeom prst="ellipse">
+            <a:avLst/>
+          </a:prstGeom>
+          <a:noFill/>
+          <a:ln>
+            <a:solidFill>
+              <a:srgbClr val="00B0F0"/>
+            </a:solidFill>
+          </a:ln>
+        </p:spPr>
+        <p:style>
+          <a:lnRef idx="2">
+            <a:schemeClr val="accent1">
+              <a:shade val="15000"/>
+            </a:schemeClr>
+          </a:lnRef>
+          <a:fillRef idx="1">
+            <a:schemeClr val="accent1"/>
+          </a:fillRef>
+          <a:effectRef idx="0">
+            <a:schemeClr val="accent1"/>
+          </a:effectRef>
+          <a:fontRef idx="minor">
+            <a:schemeClr val="lt1"/>
+          </a:fontRef>
+        </p:style>
+        <p:txBody>
+          <a:bodyPr rtlCol="0" anchor="ctr"/>
+          <a:lstStyle/>
+          <a:p>
+            <a:pPr algn="ctr"/>
+            <a:endParaRPr lang="en-US"/>
+          </a:p>
+        </p:txBody>
+      </p:sp>
+      <p:sp>
+        <p:nvSpPr>
+          <p:cNvPr id="80" name="Oval 79">
+            <a:extLst>
+              <a:ext uri="{FF2B5EF4-FFF2-40B4-BE49-F238E27FC236}">
+                <a16:creationId xmlns:a16="http://schemas.microsoft.com/office/drawing/2014/main" id="{2D76C7A6-BC44-586A-581C-3930570AF93D}"/>
+              </a:ext>
+            </a:extLst>
+          </p:cNvPr>
+          <p:cNvSpPr/>
+          <p:nvPr/>
+        </p:nvSpPr>
+        <p:spPr>
+          <a:xfrm>
+            <a:off x="4851757" y="4936228"/>
+            <a:ext cx="178277" cy="319173"/>
+          </a:xfrm>
+          <a:prstGeom prst="ellipse">
+            <a:avLst/>
+          </a:prstGeom>
+          <a:noFill/>
+          <a:ln>
+            <a:solidFill>
+              <a:srgbClr val="00B0F0"/>
+            </a:solidFill>
+          </a:ln>
+        </p:spPr>
+        <p:style>
+          <a:lnRef idx="2">
+            <a:schemeClr val="accent1">
+              <a:shade val="15000"/>
+            </a:schemeClr>
+          </a:lnRef>
+          <a:fillRef idx="1">
+            <a:schemeClr val="accent1"/>
+          </a:fillRef>
+          <a:effectRef idx="0">
+            <a:schemeClr val="accent1"/>
+          </a:effectRef>
+          <a:fontRef idx="minor">
+            <a:schemeClr val="lt1"/>
+          </a:fontRef>
+        </p:style>
+        <p:txBody>
+          <a:bodyPr rtlCol="0" anchor="ctr"/>
+          <a:lstStyle/>
+          <a:p>
+            <a:pPr algn="ctr"/>
+            <a:endParaRPr lang="en-US"/>
+          </a:p>
+        </p:txBody>
+      </p:sp>
+      <p:grpSp>
+        <p:nvGrpSpPr>
+          <p:cNvPr id="81" name="Group 80">
+            <a:extLst>
+              <a:ext uri="{FF2B5EF4-FFF2-40B4-BE49-F238E27FC236}">
+                <a16:creationId xmlns:a16="http://schemas.microsoft.com/office/drawing/2014/main" id="{C50D73CF-9565-F7F5-EDBF-15D7BA152161}"/>
+              </a:ext>
+            </a:extLst>
+          </p:cNvPr>
+          <p:cNvGrpSpPr/>
+          <p:nvPr/>
+        </p:nvGrpSpPr>
+        <p:grpSpPr>
+          <a:xfrm>
+            <a:off x="7802590" y="3665477"/>
+            <a:ext cx="2794959" cy="2605178"/>
+            <a:chOff x="586596" y="2415396"/>
+            <a:chExt cx="2794959" cy="2605178"/>
+          </a:xfrm>
+        </p:grpSpPr>
+        <p:cxnSp>
+          <p:nvCxnSpPr>
+            <p:cNvPr id="82" name="Straight Arrow Connector 81">
+              <a:extLst>
+                <a:ext uri="{FF2B5EF4-FFF2-40B4-BE49-F238E27FC236}">
+                  <a16:creationId xmlns:a16="http://schemas.microsoft.com/office/drawing/2014/main" id="{67EFCC2D-9585-A615-52E5-F7DD321A2A4F}"/>
+                </a:ext>
+              </a:extLst>
+            </p:cNvPr>
+            <p:cNvCxnSpPr>
+              <a:cxnSpLocks/>
+            </p:cNvCxnSpPr>
+            <p:nvPr/>
+          </p:nvCxnSpPr>
+          <p:spPr>
+            <a:xfrm flipV="1">
+              <a:off x="586596" y="2415396"/>
+              <a:ext cx="0" cy="2605178"/>
+            </a:xfrm>
+            <a:prstGeom prst="straightConnector1">
+              <a:avLst/>
+            </a:prstGeom>
+            <a:ln>
+              <a:tailEnd type="triangle"/>
+            </a:ln>
+          </p:spPr>
+          <p:style>
+            <a:lnRef idx="2">
+              <a:schemeClr val="dk1"/>
+            </a:lnRef>
+            <a:fillRef idx="0">
+              <a:schemeClr val="dk1"/>
+            </a:fillRef>
+            <a:effectRef idx="1">
+              <a:schemeClr val="dk1"/>
+            </a:effectRef>
+            <a:fontRef idx="minor">
+              <a:schemeClr val="tx1"/>
+            </a:fontRef>
+          </p:style>
+        </p:cxnSp>
+        <p:cxnSp>
+          <p:nvCxnSpPr>
+            <p:cNvPr id="83" name="Straight Arrow Connector 82">
+              <a:extLst>
+                <a:ext uri="{FF2B5EF4-FFF2-40B4-BE49-F238E27FC236}">
+                  <a16:creationId xmlns:a16="http://schemas.microsoft.com/office/drawing/2014/main" id="{EF7436BA-5A5E-9B97-9EFA-4771D99E1038}"/>
+                </a:ext>
+              </a:extLst>
+            </p:cNvPr>
+            <p:cNvCxnSpPr>
+              <a:cxnSpLocks/>
+            </p:cNvCxnSpPr>
+            <p:nvPr/>
+          </p:nvCxnSpPr>
+          <p:spPr>
+            <a:xfrm>
+              <a:off x="586596" y="5020574"/>
+              <a:ext cx="2794959" cy="0"/>
+            </a:xfrm>
+            <a:prstGeom prst="straightConnector1">
+              <a:avLst/>
+            </a:prstGeom>
+            <a:ln>
+              <a:tailEnd type="triangle"/>
+            </a:ln>
+          </p:spPr>
+          <p:style>
+            <a:lnRef idx="2">
+              <a:schemeClr val="dk1"/>
+            </a:lnRef>
+            <a:fillRef idx="0">
+              <a:schemeClr val="dk1"/>
+            </a:fillRef>
+            <a:effectRef idx="1">
+              <a:schemeClr val="dk1"/>
+            </a:effectRef>
+            <a:fontRef idx="minor">
+              <a:schemeClr val="tx1"/>
+            </a:fontRef>
+          </p:style>
+        </p:cxnSp>
+        <p:sp>
+          <p:nvSpPr>
+            <p:cNvPr id="84" name="Oval 83">
+              <a:extLst>
+                <a:ext uri="{FF2B5EF4-FFF2-40B4-BE49-F238E27FC236}">
+                  <a16:creationId xmlns:a16="http://schemas.microsoft.com/office/drawing/2014/main" id="{1886EE23-7059-F17C-F2CC-1C3DE88D57C1}"/>
+                </a:ext>
+              </a:extLst>
+            </p:cNvPr>
+            <p:cNvSpPr/>
+            <p:nvPr/>
+          </p:nvSpPr>
+          <p:spPr>
+            <a:xfrm>
+              <a:off x="1017917" y="2725947"/>
+              <a:ext cx="138023" cy="172522"/>
+            </a:xfrm>
+            <a:prstGeom prst="ellipse">
+              <a:avLst/>
+            </a:prstGeom>
+          </p:spPr>
+          <p:style>
+            <a:lnRef idx="2">
+              <a:schemeClr val="accent1">
+                <a:shade val="15000"/>
+              </a:schemeClr>
+            </a:lnRef>
+            <a:fillRef idx="1">
+              <a:schemeClr val="accent1"/>
+            </a:fillRef>
+            <a:effectRef idx="0">
+              <a:schemeClr val="accent1"/>
+            </a:effectRef>
+            <a:fontRef idx="minor">
+              <a:schemeClr val="lt1"/>
+            </a:fontRef>
+          </p:style>
+          <p:txBody>
+            <a:bodyPr rtlCol="0" anchor="ctr"/>
+            <a:lstStyle/>
+            <a:p>
+              <a:pPr algn="ctr"/>
+              <a:endParaRPr lang="en-US"/>
+            </a:p>
+          </p:txBody>
+        </p:sp>
+        <p:sp>
+          <p:nvSpPr>
+            <p:cNvPr id="85" name="Oval 84">
+              <a:extLst>
+                <a:ext uri="{FF2B5EF4-FFF2-40B4-BE49-F238E27FC236}">
+                  <a16:creationId xmlns:a16="http://schemas.microsoft.com/office/drawing/2014/main" id="{50A1B102-6C8B-54AB-D130-28A1AD520970}"/>
+                </a:ext>
+              </a:extLst>
+            </p:cNvPr>
+            <p:cNvSpPr/>
+            <p:nvPr/>
+          </p:nvSpPr>
+          <p:spPr>
+            <a:xfrm>
+              <a:off x="1170317" y="2878347"/>
+              <a:ext cx="138023" cy="172522"/>
+            </a:xfrm>
+            <a:prstGeom prst="ellipse">
+              <a:avLst/>
+            </a:prstGeom>
+          </p:spPr>
+          <p:style>
+            <a:lnRef idx="2">
+              <a:schemeClr val="accent1">
+                <a:shade val="15000"/>
+              </a:schemeClr>
+            </a:lnRef>
+            <a:fillRef idx="1">
+              <a:schemeClr val="accent1"/>
+            </a:fillRef>
+            <a:effectRef idx="0">
+              <a:schemeClr val="accent1"/>
+            </a:effectRef>
+            <a:fontRef idx="minor">
+              <a:schemeClr val="lt1"/>
+            </a:fontRef>
+          </p:style>
+          <p:txBody>
+            <a:bodyPr rtlCol="0" anchor="ctr"/>
+            <a:lstStyle/>
+            <a:p>
+              <a:pPr algn="ctr"/>
+              <a:endParaRPr lang="en-US"/>
+            </a:p>
+          </p:txBody>
+        </p:sp>
+        <p:sp>
+          <p:nvSpPr>
+            <p:cNvPr id="86" name="Oval 85">
+              <a:extLst>
+                <a:ext uri="{FF2B5EF4-FFF2-40B4-BE49-F238E27FC236}">
+                  <a16:creationId xmlns:a16="http://schemas.microsoft.com/office/drawing/2014/main" id="{303D735D-5B9A-D664-4862-24818A618557}"/>
+                </a:ext>
+              </a:extLst>
+            </p:cNvPr>
+            <p:cNvSpPr/>
+            <p:nvPr/>
+          </p:nvSpPr>
+          <p:spPr>
+            <a:xfrm>
+              <a:off x="925902" y="3013493"/>
+              <a:ext cx="138023" cy="172522"/>
+            </a:xfrm>
+            <a:prstGeom prst="ellipse">
+              <a:avLst/>
+            </a:prstGeom>
+          </p:spPr>
+          <p:style>
+            <a:lnRef idx="2">
+              <a:schemeClr val="accent1">
+                <a:shade val="15000"/>
+              </a:schemeClr>
+            </a:lnRef>
+            <a:fillRef idx="1">
+              <a:schemeClr val="accent1"/>
+            </a:fillRef>
+            <a:effectRef idx="0">
+              <a:schemeClr val="accent1"/>
+            </a:effectRef>
+            <a:fontRef idx="minor">
+              <a:schemeClr val="lt1"/>
+            </a:fontRef>
+          </p:style>
+          <p:txBody>
+            <a:bodyPr rtlCol="0" anchor="ctr"/>
+            <a:lstStyle/>
+            <a:p>
+              <a:pPr algn="ctr"/>
+              <a:endParaRPr lang="en-US"/>
+            </a:p>
+          </p:txBody>
+        </p:sp>
+        <p:sp>
+          <p:nvSpPr>
+            <p:cNvPr id="87" name="Oval 86">
+              <a:extLst>
+                <a:ext uri="{FF2B5EF4-FFF2-40B4-BE49-F238E27FC236}">
+                  <a16:creationId xmlns:a16="http://schemas.microsoft.com/office/drawing/2014/main" id="{62C7E53A-8528-4C27-720C-55A8322215D3}"/>
+                </a:ext>
+              </a:extLst>
+            </p:cNvPr>
+            <p:cNvSpPr/>
+            <p:nvPr/>
+          </p:nvSpPr>
+          <p:spPr>
+            <a:xfrm>
+              <a:off x="1253706" y="4134927"/>
+              <a:ext cx="138023" cy="172522"/>
+            </a:xfrm>
+            <a:prstGeom prst="ellipse">
+              <a:avLst/>
+            </a:prstGeom>
+          </p:spPr>
+          <p:style>
+            <a:lnRef idx="2">
+              <a:schemeClr val="accent1">
+                <a:shade val="15000"/>
+              </a:schemeClr>
+            </a:lnRef>
+            <a:fillRef idx="1">
+              <a:schemeClr val="accent1"/>
+            </a:fillRef>
+            <a:effectRef idx="0">
+              <a:schemeClr val="accent1"/>
+            </a:effectRef>
+            <a:fontRef idx="minor">
+              <a:schemeClr val="lt1"/>
+            </a:fontRef>
+          </p:style>
+          <p:txBody>
+            <a:bodyPr rtlCol="0" anchor="ctr"/>
+            <a:lstStyle/>
+            <a:p>
+              <a:pPr algn="ctr"/>
+              <a:endParaRPr lang="en-US"/>
+            </a:p>
+          </p:txBody>
+        </p:sp>
+        <p:sp>
+          <p:nvSpPr>
+            <p:cNvPr id="88" name="Oval 87">
+              <a:extLst>
+                <a:ext uri="{FF2B5EF4-FFF2-40B4-BE49-F238E27FC236}">
+                  <a16:creationId xmlns:a16="http://schemas.microsoft.com/office/drawing/2014/main" id="{25E6052A-F2DA-9790-E997-B3BC581A82ED}"/>
+                </a:ext>
+              </a:extLst>
+            </p:cNvPr>
+            <p:cNvSpPr/>
+            <p:nvPr/>
+          </p:nvSpPr>
+          <p:spPr>
+            <a:xfrm>
+              <a:off x="1406106" y="4408098"/>
+              <a:ext cx="138023" cy="172522"/>
+            </a:xfrm>
+            <a:prstGeom prst="ellipse">
+              <a:avLst/>
+            </a:prstGeom>
+          </p:spPr>
+          <p:style>
+            <a:lnRef idx="2">
+              <a:schemeClr val="accent1">
+                <a:shade val="15000"/>
+              </a:schemeClr>
+            </a:lnRef>
+            <a:fillRef idx="1">
+              <a:schemeClr val="accent1"/>
+            </a:fillRef>
+            <a:effectRef idx="0">
+              <a:schemeClr val="accent1"/>
+            </a:effectRef>
+            <a:fontRef idx="minor">
+              <a:schemeClr val="lt1"/>
+            </a:fontRef>
+          </p:style>
+          <p:txBody>
+            <a:bodyPr rtlCol="0" anchor="ctr"/>
+            <a:lstStyle/>
+            <a:p>
+              <a:pPr algn="ctr"/>
+              <a:endParaRPr lang="en-US"/>
+            </a:p>
+          </p:txBody>
+        </p:sp>
+        <p:sp>
+          <p:nvSpPr>
+            <p:cNvPr id="89" name="Oval 88">
+              <a:extLst>
+                <a:ext uri="{FF2B5EF4-FFF2-40B4-BE49-F238E27FC236}">
+                  <a16:creationId xmlns:a16="http://schemas.microsoft.com/office/drawing/2014/main" id="{03735336-D86B-A582-AD1E-47C737713568}"/>
+                </a:ext>
+              </a:extLst>
+            </p:cNvPr>
+            <p:cNvSpPr/>
+            <p:nvPr/>
+          </p:nvSpPr>
+          <p:spPr>
+            <a:xfrm>
+              <a:off x="923025" y="4287327"/>
+              <a:ext cx="138023" cy="172522"/>
+            </a:xfrm>
+            <a:prstGeom prst="ellipse">
+              <a:avLst/>
+            </a:prstGeom>
+          </p:spPr>
+          <p:style>
+            <a:lnRef idx="2">
+              <a:schemeClr val="accent1">
+                <a:shade val="15000"/>
+              </a:schemeClr>
+            </a:lnRef>
+            <a:fillRef idx="1">
+              <a:schemeClr val="accent1"/>
+            </a:fillRef>
+            <a:effectRef idx="0">
+              <a:schemeClr val="accent1"/>
+            </a:effectRef>
+            <a:fontRef idx="minor">
+              <a:schemeClr val="lt1"/>
+            </a:fontRef>
+          </p:style>
+          <p:txBody>
+            <a:bodyPr rtlCol="0" anchor="ctr"/>
+            <a:lstStyle/>
+            <a:p>
+              <a:pPr algn="ctr"/>
+              <a:endParaRPr lang="en-US"/>
+            </a:p>
+          </p:txBody>
+        </p:sp>
+        <p:sp>
+          <p:nvSpPr>
+            <p:cNvPr id="90" name="Oval 89">
+              <a:extLst>
+                <a:ext uri="{FF2B5EF4-FFF2-40B4-BE49-F238E27FC236}">
+                  <a16:creationId xmlns:a16="http://schemas.microsoft.com/office/drawing/2014/main" id="{65E43C8D-FC7C-2FC7-7E4F-276F11C9AD77}"/>
+                </a:ext>
+              </a:extLst>
+            </p:cNvPr>
+            <p:cNvSpPr/>
+            <p:nvPr/>
+          </p:nvSpPr>
+          <p:spPr>
+            <a:xfrm>
+              <a:off x="2751826" y="4287327"/>
+              <a:ext cx="138023" cy="172522"/>
+            </a:xfrm>
+            <a:prstGeom prst="ellipse">
+              <a:avLst/>
+            </a:prstGeom>
+          </p:spPr>
+          <p:style>
+            <a:lnRef idx="2">
+              <a:schemeClr val="accent1">
+                <a:shade val="15000"/>
+              </a:schemeClr>
+            </a:lnRef>
+            <a:fillRef idx="1">
+              <a:schemeClr val="accent1"/>
+            </a:fillRef>
+            <a:effectRef idx="0">
+              <a:schemeClr val="accent1"/>
+            </a:effectRef>
+            <a:fontRef idx="minor">
+              <a:schemeClr val="lt1"/>
+            </a:fontRef>
+          </p:style>
+          <p:txBody>
+            <a:bodyPr rtlCol="0" anchor="ctr"/>
+            <a:lstStyle/>
+            <a:p>
+              <a:pPr algn="ctr"/>
+              <a:endParaRPr lang="en-US"/>
+            </a:p>
+          </p:txBody>
+        </p:sp>
+        <p:sp>
+          <p:nvSpPr>
+            <p:cNvPr id="91" name="Oval 90">
+              <a:extLst>
+                <a:ext uri="{FF2B5EF4-FFF2-40B4-BE49-F238E27FC236}">
+                  <a16:creationId xmlns:a16="http://schemas.microsoft.com/office/drawing/2014/main" id="{B1425961-7282-984F-6F05-1113B7B0CBC9}"/>
+                </a:ext>
+              </a:extLst>
+            </p:cNvPr>
+            <p:cNvSpPr/>
+            <p:nvPr/>
+          </p:nvSpPr>
+          <p:spPr>
+            <a:xfrm>
+              <a:off x="2389516" y="3890512"/>
+              <a:ext cx="138023" cy="172522"/>
+            </a:xfrm>
+            <a:prstGeom prst="ellipse">
+              <a:avLst/>
+            </a:prstGeom>
+          </p:spPr>
+          <p:style>
+            <a:lnRef idx="2">
+              <a:schemeClr val="accent1">
+                <a:shade val="15000"/>
+              </a:schemeClr>
+            </a:lnRef>
+            <a:fillRef idx="1">
+              <a:schemeClr val="accent1"/>
+            </a:fillRef>
+            <a:effectRef idx="0">
+              <a:schemeClr val="accent1"/>
+            </a:effectRef>
+            <a:fontRef idx="minor">
+              <a:schemeClr val="lt1"/>
+            </a:fontRef>
+          </p:style>
+          <p:txBody>
+            <a:bodyPr rtlCol="0" anchor="ctr"/>
+            <a:lstStyle/>
+            <a:p>
+              <a:pPr algn="ctr"/>
+              <a:endParaRPr lang="en-US"/>
+            </a:p>
+          </p:txBody>
+        </p:sp>
+        <p:sp>
+          <p:nvSpPr>
+            <p:cNvPr id="92" name="Oval 91">
+              <a:extLst>
+                <a:ext uri="{FF2B5EF4-FFF2-40B4-BE49-F238E27FC236}">
+                  <a16:creationId xmlns:a16="http://schemas.microsoft.com/office/drawing/2014/main" id="{A7AE7FDD-B082-8CE6-5C85-28E8233848EB}"/>
+                </a:ext>
+              </a:extLst>
+            </p:cNvPr>
+            <p:cNvSpPr/>
+            <p:nvPr/>
+          </p:nvSpPr>
+          <p:spPr>
+            <a:xfrm>
+              <a:off x="2527539" y="2820837"/>
+              <a:ext cx="138023" cy="172522"/>
+            </a:xfrm>
+            <a:prstGeom prst="ellipse">
+              <a:avLst/>
+            </a:prstGeom>
+          </p:spPr>
+          <p:style>
+            <a:lnRef idx="2">
+              <a:schemeClr val="accent1">
+                <a:shade val="15000"/>
+              </a:schemeClr>
+            </a:lnRef>
+            <a:fillRef idx="1">
+              <a:schemeClr val="accent1"/>
+            </a:fillRef>
+            <a:effectRef idx="0">
+              <a:schemeClr val="accent1"/>
+            </a:effectRef>
+            <a:fontRef idx="minor">
+              <a:schemeClr val="lt1"/>
+            </a:fontRef>
+          </p:style>
+          <p:txBody>
+            <a:bodyPr rtlCol="0" anchor="ctr"/>
+            <a:lstStyle/>
+            <a:p>
+              <a:pPr algn="ctr"/>
+              <a:endParaRPr lang="en-US"/>
+            </a:p>
+          </p:txBody>
+        </p:sp>
+        <p:sp>
+          <p:nvSpPr>
+            <p:cNvPr id="93" name="Oval 92">
+              <a:extLst>
+                <a:ext uri="{FF2B5EF4-FFF2-40B4-BE49-F238E27FC236}">
+                  <a16:creationId xmlns:a16="http://schemas.microsoft.com/office/drawing/2014/main" id="{013EC409-3593-8EDD-D141-E35F8D707284}"/>
+                </a:ext>
+              </a:extLst>
+            </p:cNvPr>
+            <p:cNvSpPr/>
+            <p:nvPr/>
+          </p:nvSpPr>
+          <p:spPr>
+            <a:xfrm>
+              <a:off x="2406769" y="4287327"/>
+              <a:ext cx="138023" cy="172522"/>
+            </a:xfrm>
+            <a:prstGeom prst="ellipse">
+              <a:avLst/>
+            </a:prstGeom>
+          </p:spPr>
+          <p:style>
+            <a:lnRef idx="2">
+              <a:schemeClr val="accent1">
+                <a:shade val="15000"/>
+              </a:schemeClr>
+            </a:lnRef>
+            <a:fillRef idx="1">
+              <a:schemeClr val="accent1"/>
+            </a:fillRef>
+            <a:effectRef idx="0">
+              <a:schemeClr val="accent1"/>
+            </a:effectRef>
+            <a:fontRef idx="minor">
+              <a:schemeClr val="lt1"/>
+            </a:fontRef>
+          </p:style>
+          <p:txBody>
+            <a:bodyPr rtlCol="0" anchor="ctr"/>
+            <a:lstStyle/>
+            <a:p>
+              <a:pPr algn="ctr"/>
+              <a:endParaRPr lang="en-US"/>
+            </a:p>
+          </p:txBody>
+        </p:sp>
+        <p:sp>
+          <p:nvSpPr>
+            <p:cNvPr id="94" name="Oval 93">
+              <a:extLst>
+                <a:ext uri="{FF2B5EF4-FFF2-40B4-BE49-F238E27FC236}">
+                  <a16:creationId xmlns:a16="http://schemas.microsoft.com/office/drawing/2014/main" id="{899B42A2-2B2E-BE80-C5AC-0627ACC5CE27}"/>
+                </a:ext>
+              </a:extLst>
+            </p:cNvPr>
+            <p:cNvSpPr/>
+            <p:nvPr/>
+          </p:nvSpPr>
+          <p:spPr>
+            <a:xfrm>
+              <a:off x="1199070" y="4339086"/>
+              <a:ext cx="138023" cy="172522"/>
+            </a:xfrm>
+            <a:prstGeom prst="ellipse">
+              <a:avLst/>
+            </a:prstGeom>
+          </p:spPr>
+          <p:style>
+            <a:lnRef idx="2">
+              <a:schemeClr val="accent1">
+                <a:shade val="15000"/>
+              </a:schemeClr>
+            </a:lnRef>
+            <a:fillRef idx="1">
+              <a:schemeClr val="accent1"/>
+            </a:fillRef>
+            <a:effectRef idx="0">
+              <a:schemeClr val="accent1"/>
+            </a:effectRef>
+            <a:fontRef idx="minor">
+              <a:schemeClr val="lt1"/>
+            </a:fontRef>
+          </p:style>
+          <p:txBody>
+            <a:bodyPr rtlCol="0" anchor="ctr"/>
+            <a:lstStyle/>
+            <a:p>
+              <a:pPr algn="ctr"/>
+              <a:endParaRPr lang="en-US"/>
+            </a:p>
+          </p:txBody>
+        </p:sp>
+        <p:sp>
+          <p:nvSpPr>
+            <p:cNvPr id="95" name="Oval 94">
+              <a:extLst>
+                <a:ext uri="{FF2B5EF4-FFF2-40B4-BE49-F238E27FC236}">
+                  <a16:creationId xmlns:a16="http://schemas.microsoft.com/office/drawing/2014/main" id="{89E0360C-1E1D-030A-E129-39AC846BD11F}"/>
+                </a:ext>
+              </a:extLst>
+            </p:cNvPr>
+            <p:cNvSpPr/>
+            <p:nvPr/>
+          </p:nvSpPr>
+          <p:spPr>
+            <a:xfrm>
+              <a:off x="2751826" y="3994027"/>
+              <a:ext cx="138023" cy="172522"/>
+            </a:xfrm>
+            <a:prstGeom prst="ellipse">
+              <a:avLst/>
+            </a:prstGeom>
+          </p:spPr>
+          <p:style>
+            <a:lnRef idx="2">
+              <a:schemeClr val="accent1">
+                <a:shade val="15000"/>
+              </a:schemeClr>
+            </a:lnRef>
+            <a:fillRef idx="1">
+              <a:schemeClr val="accent1"/>
+            </a:fillRef>
+            <a:effectRef idx="0">
+              <a:schemeClr val="accent1"/>
+            </a:effectRef>
+            <a:fontRef idx="minor">
+              <a:schemeClr val="lt1"/>
+            </a:fontRef>
+          </p:style>
+          <p:txBody>
+            <a:bodyPr rtlCol="0" anchor="ctr"/>
+            <a:lstStyle/>
+            <a:p>
+              <a:pPr algn="ctr"/>
+              <a:endParaRPr lang="en-US"/>
+            </a:p>
+          </p:txBody>
+        </p:sp>
+        <p:sp>
+          <p:nvSpPr>
+            <p:cNvPr id="96" name="Oval 95">
+              <a:extLst>
+                <a:ext uri="{FF2B5EF4-FFF2-40B4-BE49-F238E27FC236}">
+                  <a16:creationId xmlns:a16="http://schemas.microsoft.com/office/drawing/2014/main" id="{6328CF29-3E0E-0892-93BF-62BB966B930D}"/>
+                </a:ext>
+              </a:extLst>
+            </p:cNvPr>
+            <p:cNvSpPr/>
+            <p:nvPr/>
+          </p:nvSpPr>
+          <p:spPr>
+            <a:xfrm>
+              <a:off x="1406106" y="2648309"/>
+              <a:ext cx="138023" cy="172522"/>
+            </a:xfrm>
+            <a:prstGeom prst="ellipse">
+              <a:avLst/>
+            </a:prstGeom>
+          </p:spPr>
+          <p:style>
+            <a:lnRef idx="2">
+              <a:schemeClr val="accent1">
+                <a:shade val="15000"/>
+              </a:schemeClr>
+            </a:lnRef>
+            <a:fillRef idx="1">
+              <a:schemeClr val="accent1"/>
+            </a:fillRef>
+            <a:effectRef idx="0">
+              <a:schemeClr val="accent1"/>
+            </a:effectRef>
+            <a:fontRef idx="minor">
+              <a:schemeClr val="lt1"/>
+            </a:fontRef>
+          </p:style>
+          <p:txBody>
+            <a:bodyPr rtlCol="0" anchor="ctr"/>
+            <a:lstStyle/>
+            <a:p>
+              <a:pPr algn="ctr"/>
+              <a:endParaRPr lang="en-US"/>
+            </a:p>
+          </p:txBody>
+        </p:sp>
+        <p:sp>
+          <p:nvSpPr>
+            <p:cNvPr id="97" name="Oval 96">
+              <a:extLst>
+                <a:ext uri="{FF2B5EF4-FFF2-40B4-BE49-F238E27FC236}">
+                  <a16:creationId xmlns:a16="http://schemas.microsoft.com/office/drawing/2014/main" id="{AB299AF4-B058-F51A-9063-FA750C6CB32C}"/>
+                </a:ext>
+              </a:extLst>
+            </p:cNvPr>
+            <p:cNvSpPr/>
+            <p:nvPr/>
+          </p:nvSpPr>
+          <p:spPr>
+            <a:xfrm>
+              <a:off x="2044462" y="3010619"/>
+              <a:ext cx="138023" cy="172522"/>
+            </a:xfrm>
+            <a:prstGeom prst="ellipse">
+              <a:avLst/>
+            </a:prstGeom>
+          </p:spPr>
+          <p:style>
+            <a:lnRef idx="2">
+              <a:schemeClr val="accent1">
+                <a:shade val="15000"/>
+              </a:schemeClr>
+            </a:lnRef>
+            <a:fillRef idx="1">
+              <a:schemeClr val="accent1"/>
+            </a:fillRef>
+            <a:effectRef idx="0">
+              <a:schemeClr val="accent1"/>
+            </a:effectRef>
+            <a:fontRef idx="minor">
+              <a:schemeClr val="lt1"/>
+            </a:fontRef>
+          </p:style>
+          <p:txBody>
+            <a:bodyPr rtlCol="0" anchor="ctr"/>
+            <a:lstStyle/>
+            <a:p>
+              <a:pPr algn="ctr"/>
+              <a:endParaRPr lang="en-US"/>
+            </a:p>
+          </p:txBody>
+        </p:sp>
+        <p:sp>
+          <p:nvSpPr>
+            <p:cNvPr id="98" name="Oval 97">
+              <a:extLst>
+                <a:ext uri="{FF2B5EF4-FFF2-40B4-BE49-F238E27FC236}">
+                  <a16:creationId xmlns:a16="http://schemas.microsoft.com/office/drawing/2014/main" id="{5EAD6B6C-C79F-227A-BD19-837688E26B87}"/>
+                </a:ext>
+              </a:extLst>
+            </p:cNvPr>
+            <p:cNvSpPr/>
+            <p:nvPr/>
+          </p:nvSpPr>
+          <p:spPr>
+            <a:xfrm>
+              <a:off x="1492371" y="4201062"/>
+              <a:ext cx="138023" cy="172522"/>
+            </a:xfrm>
+            <a:prstGeom prst="ellipse">
+              <a:avLst/>
+            </a:prstGeom>
+          </p:spPr>
+          <p:style>
+            <a:lnRef idx="2">
+              <a:schemeClr val="accent1">
+                <a:shade val="15000"/>
+              </a:schemeClr>
+            </a:lnRef>
+            <a:fillRef idx="1">
+              <a:schemeClr val="accent1"/>
+            </a:fillRef>
+            <a:effectRef idx="0">
+              <a:schemeClr val="accent1"/>
+            </a:effectRef>
+            <a:fontRef idx="minor">
+              <a:schemeClr val="lt1"/>
+            </a:fontRef>
+          </p:style>
+          <p:txBody>
+            <a:bodyPr rtlCol="0" anchor="ctr"/>
+            <a:lstStyle/>
+            <a:p>
+              <a:pPr algn="ctr"/>
+              <a:endParaRPr lang="en-US"/>
+            </a:p>
+          </p:txBody>
+        </p:sp>
+      </p:grpSp>
+      <p:sp>
+        <p:nvSpPr>
+          <p:cNvPr id="99" name="Oval 98">
+            <a:extLst>
+              <a:ext uri="{FF2B5EF4-FFF2-40B4-BE49-F238E27FC236}">
+                <a16:creationId xmlns:a16="http://schemas.microsoft.com/office/drawing/2014/main" id="{0193AB04-5879-BBDE-A245-1C8A9AD5B292}"/>
+              </a:ext>
+            </a:extLst>
+          </p:cNvPr>
+          <p:cNvSpPr/>
+          <p:nvPr/>
+        </p:nvSpPr>
+        <p:spPr>
+          <a:xfrm rot="20650630">
+            <a:off x="7937737" y="3752489"/>
+            <a:ext cx="1002104" cy="802248"/>
+          </a:xfrm>
+          <a:prstGeom prst="ellipse">
+            <a:avLst/>
+          </a:prstGeom>
+          <a:noFill/>
+          <a:ln>
+            <a:solidFill>
+              <a:srgbClr val="00B0F0"/>
+            </a:solidFill>
+          </a:ln>
+        </p:spPr>
+        <p:style>
+          <a:lnRef idx="2">
+            <a:schemeClr val="accent1">
+              <a:shade val="15000"/>
+            </a:schemeClr>
+          </a:lnRef>
+          <a:fillRef idx="1">
+            <a:schemeClr val="accent1"/>
+          </a:fillRef>
+          <a:effectRef idx="0">
+            <a:schemeClr val="accent1"/>
+          </a:effectRef>
+          <a:fontRef idx="minor">
+            <a:schemeClr val="lt1"/>
+          </a:fontRef>
+        </p:style>
+        <p:txBody>
+          <a:bodyPr rtlCol="0" anchor="ctr"/>
+          <a:lstStyle/>
+          <a:p>
+            <a:pPr algn="ctr"/>
+            <a:endParaRPr lang="en-US"/>
+          </a:p>
+        </p:txBody>
+      </p:sp>
+      <p:sp>
+        <p:nvSpPr>
+          <p:cNvPr id="100" name="Oval 99">
+            <a:extLst>
+              <a:ext uri="{FF2B5EF4-FFF2-40B4-BE49-F238E27FC236}">
+                <a16:creationId xmlns:a16="http://schemas.microsoft.com/office/drawing/2014/main" id="{3CC38174-CE88-FC24-A7CC-3BB850B45523}"/>
+              </a:ext>
+            </a:extLst>
+          </p:cNvPr>
+          <p:cNvSpPr/>
+          <p:nvPr/>
+        </p:nvSpPr>
+        <p:spPr>
+          <a:xfrm rot="20650630">
+            <a:off x="9079588" y="3857299"/>
+            <a:ext cx="1002104" cy="802248"/>
+          </a:xfrm>
+          <a:prstGeom prst="ellipse">
+            <a:avLst/>
+          </a:prstGeom>
+          <a:noFill/>
+          <a:ln>
+            <a:solidFill>
+              <a:srgbClr val="00B0F0"/>
+            </a:solidFill>
+          </a:ln>
+        </p:spPr>
+        <p:style>
+          <a:lnRef idx="2">
+            <a:schemeClr val="accent1">
+              <a:shade val="15000"/>
+            </a:schemeClr>
+          </a:lnRef>
+          <a:fillRef idx="1">
+            <a:schemeClr val="accent1"/>
+          </a:fillRef>
+          <a:effectRef idx="0">
+            <a:schemeClr val="accent1"/>
+          </a:effectRef>
+          <a:fontRef idx="minor">
+            <a:schemeClr val="lt1"/>
+          </a:fontRef>
+        </p:style>
+        <p:txBody>
+          <a:bodyPr rtlCol="0" anchor="ctr"/>
+          <a:lstStyle/>
+          <a:p>
+            <a:pPr algn="ctr"/>
+            <a:endParaRPr lang="en-US"/>
+          </a:p>
+        </p:txBody>
+      </p:sp>
+      <p:sp>
+        <p:nvSpPr>
+          <p:cNvPr id="101" name="Oval 100">
+            <a:extLst>
+              <a:ext uri="{FF2B5EF4-FFF2-40B4-BE49-F238E27FC236}">
+                <a16:creationId xmlns:a16="http://schemas.microsoft.com/office/drawing/2014/main" id="{D362BCF0-DA43-79F6-F979-2C03693D255D}"/>
+              </a:ext>
+            </a:extLst>
+          </p:cNvPr>
+          <p:cNvSpPr/>
+          <p:nvPr/>
+        </p:nvSpPr>
+        <p:spPr>
+          <a:xfrm rot="20650630">
+            <a:off x="8045854" y="5217234"/>
+            <a:ext cx="1002104" cy="802248"/>
+          </a:xfrm>
+          <a:prstGeom prst="ellipse">
+            <a:avLst/>
+          </a:prstGeom>
+          <a:noFill/>
+          <a:ln>
+            <a:solidFill>
+              <a:srgbClr val="00B0F0"/>
+            </a:solidFill>
+          </a:ln>
+        </p:spPr>
+        <p:style>
+          <a:lnRef idx="2">
+            <a:schemeClr val="accent1">
+              <a:shade val="15000"/>
+            </a:schemeClr>
+          </a:lnRef>
+          <a:fillRef idx="1">
+            <a:schemeClr val="accent1"/>
+          </a:fillRef>
+          <a:effectRef idx="0">
+            <a:schemeClr val="accent1"/>
+          </a:effectRef>
+          <a:fontRef idx="minor">
+            <a:schemeClr val="lt1"/>
+          </a:fontRef>
+        </p:style>
+        <p:txBody>
+          <a:bodyPr rtlCol="0" anchor="ctr"/>
+          <a:lstStyle/>
+          <a:p>
+            <a:pPr algn="ctr"/>
+            <a:endParaRPr lang="en-US"/>
+          </a:p>
+        </p:txBody>
+      </p:sp>
+      <p:sp>
+        <p:nvSpPr>
+          <p:cNvPr id="102" name="Oval 101">
+            <a:extLst>
+              <a:ext uri="{FF2B5EF4-FFF2-40B4-BE49-F238E27FC236}">
+                <a16:creationId xmlns:a16="http://schemas.microsoft.com/office/drawing/2014/main" id="{6D7BB073-6A4B-D27A-3D8A-0B6F106CA79F}"/>
+              </a:ext>
+            </a:extLst>
+          </p:cNvPr>
+          <p:cNvSpPr/>
+          <p:nvPr/>
+        </p:nvSpPr>
+        <p:spPr>
+          <a:xfrm rot="20650630">
+            <a:off x="9321484" y="4866028"/>
+            <a:ext cx="1145161" cy="1119319"/>
+          </a:xfrm>
+          <a:prstGeom prst="ellipse">
+            <a:avLst/>
+          </a:prstGeom>
+          <a:noFill/>
+          <a:ln>
+            <a:solidFill>
+              <a:srgbClr val="00B0F0"/>
+            </a:solidFill>
+          </a:ln>
+        </p:spPr>
+        <p:style>
+          <a:lnRef idx="2">
+            <a:schemeClr val="accent1">
+              <a:shade val="15000"/>
+            </a:schemeClr>
+          </a:lnRef>
+          <a:fillRef idx="1">
+            <a:schemeClr val="accent1"/>
+          </a:fillRef>
+          <a:effectRef idx="0">
+            <a:schemeClr val="accent1"/>
+          </a:effectRef>
+          <a:fontRef idx="minor">
+            <a:schemeClr val="lt1"/>
+          </a:fontRef>
+        </p:style>
+        <p:txBody>
+          <a:bodyPr rtlCol="0" anchor="ctr"/>
+          <a:lstStyle/>
+          <a:p>
+            <a:pPr algn="ctr"/>
+            <a:endParaRPr lang="en-US"/>
+          </a:p>
+        </p:txBody>
+      </p:sp>
+      <p:sp>
+        <p:nvSpPr>
+          <p:cNvPr id="103" name="TextBox 102">
+            <a:extLst>
+              <a:ext uri="{FF2B5EF4-FFF2-40B4-BE49-F238E27FC236}">
+                <a16:creationId xmlns:a16="http://schemas.microsoft.com/office/drawing/2014/main" id="{EC3F4772-064C-4A93-52C7-CCB17E10235A}"/>
+              </a:ext>
+            </a:extLst>
+          </p:cNvPr>
+          <p:cNvSpPr txBox="1"/>
+          <p:nvPr/>
+        </p:nvSpPr>
+        <p:spPr>
+          <a:xfrm>
+            <a:off x="6714942" y="6324477"/>
+            <a:ext cx="5105401" cy="430887"/>
+          </a:xfrm>
+          <a:prstGeom prst="rect">
+            <a:avLst/>
+          </a:prstGeom>
+          <a:noFill/>
+        </p:spPr>
+        <p:txBody>
+          <a:bodyPr wrap="square" rtlCol="0">
+            <a:spAutoFit/>
+          </a:bodyPr>
+          <a:lstStyle/>
+          <a:p>
+            <a:pPr algn="ctr"/>
+            <a:r>
+              <a:rPr lang="en-US" sz="2200" dirty="0">
+                <a:solidFill>
+                  <a:srgbClr val="FF0000"/>
+                </a:solidFill>
+              </a:rPr>
+              <a:t>In between similarity: </a:t>
+            </a:r>
+            <a:r>
+              <a:rPr lang="en-US" sz="2200">
+                <a:solidFill>
+                  <a:srgbClr val="FF0000"/>
+                </a:solidFill>
+              </a:rPr>
+              <a:t>optimal grouping</a:t>
+            </a:r>
+            <a:endParaRPr lang="en-US" sz="2200" dirty="0">
+              <a:solidFill>
+                <a:srgbClr val="FF0000"/>
+              </a:solidFill>
+            </a:endParaRPr>
+          </a:p>
+        </p:txBody>
+      </p:sp>
+    </p:spTree>
+    <p:extLst>
+      <p:ext uri="{BB962C8B-B14F-4D97-AF65-F5344CB8AC3E}">
+        <p14:creationId xmlns:p14="http://schemas.microsoft.com/office/powerpoint/2010/main" val="482133926"/>
+      </p:ext>
+    </p:extLst>
+  </p:cSld>
+  <p:clrMapOvr>
+    <a:masterClrMapping/>
+  </p:clrMapOvr>
+  <p:timing>
+    <p:tnLst>
+      <p:par>
+        <p:cTn id="1" dur="indefinite" restart="never" nodeType="tmRoot">
+          <p:childTnLst>
+            <p:seq concurrent="1" nextAc="seek">
+              <p:cTn id="2" dur="indefinite" nodeType="mainSeq">
+                <p:childTnLst>
+                  <p:par>
+                    <p:cTn id="3" fill="hold">
+                      <p:stCondLst>
+                        <p:cond delay="indefinite"/>
+                      </p:stCondLst>
+                      <p:childTnLst>
+                        <p:par>
+                          <p:cTn id="4" fill="hold">
+                            <p:stCondLst>
+                              <p:cond delay="0"/>
+                            </p:stCondLst>
+                            <p:childTnLst>
+                              <p:par>
+                                <p:cTn id="5" presetID="1" presetClass="entr" presetSubtype="0" fill="hold" nodeType="clickEffect">
+                                  <p:stCondLst>
+                                    <p:cond delay="0"/>
+                                  </p:stCondLst>
+                                  <p:childTnLst>
+                                    <p:set>
+                                      <p:cBhvr>
+                                        <p:cTn id="6" dur="1" fill="hold">
+                                          <p:stCondLst>
+                                            <p:cond delay="0"/>
+                                          </p:stCondLst>
+                                        </p:cTn>
+                                        <p:tgtEl>
+                                          <p:spTgt spid="27"/>
+                                        </p:tgtEl>
+                                        <p:attrNameLst>
+                                          <p:attrName>style.visibility</p:attrName>
+                                        </p:attrNameLst>
+                                      </p:cBhvr>
+                                      <p:to>
+                                        <p:strVal val="visible"/>
+                                      </p:to>
+                                    </p:set>
+                                  </p:childTnLst>
+                                </p:cTn>
+                              </p:par>
+                            </p:childTnLst>
+                          </p:cTn>
+                        </p:par>
+                      </p:childTnLst>
+                    </p:cTn>
+                  </p:par>
+                  <p:par>
+                    <p:cTn id="7" fill="hold">
+                      <p:stCondLst>
+                        <p:cond delay="indefinite"/>
+                      </p:stCondLst>
+                      <p:childTnLst>
+                        <p:par>
+                          <p:cTn id="8" fill="hold">
+                            <p:stCondLst>
+                              <p:cond delay="0"/>
+                            </p:stCondLst>
+                            <p:childTnLst>
+                              <p:par>
+                                <p:cTn id="9" presetID="1" presetClass="entr" presetSubtype="0" fill="hold" grpId="0" nodeType="clickEffect">
+                                  <p:stCondLst>
+                                    <p:cond delay="0"/>
+                                  </p:stCondLst>
+                                  <p:childTnLst>
+                                    <p:set>
+                                      <p:cBhvr>
+                                        <p:cTn id="10" dur="1" fill="hold">
+                                          <p:stCondLst>
+                                            <p:cond delay="0"/>
+                                          </p:stCondLst>
+                                        </p:cTn>
+                                        <p:tgtEl>
+                                          <p:spTgt spid="45"/>
+                                        </p:tgtEl>
+                                        <p:attrNameLst>
+                                          <p:attrName>style.visibility</p:attrName>
+                                        </p:attrNameLst>
+                                      </p:cBhvr>
+                                      <p:to>
+                                        <p:strVal val="visible"/>
+                                      </p:to>
+                                    </p:set>
+                                  </p:childTnLst>
+                                </p:cTn>
+                              </p:par>
+                            </p:childTnLst>
+                          </p:cTn>
+                        </p:par>
+                      </p:childTnLst>
+                    </p:cTn>
+                  </p:par>
+                  <p:par>
+                    <p:cTn id="11" fill="hold">
+                      <p:stCondLst>
+                        <p:cond delay="indefinite"/>
+                      </p:stCondLst>
+                      <p:childTnLst>
+                        <p:par>
+                          <p:cTn id="12" fill="hold">
+                            <p:stCondLst>
+                              <p:cond delay="0"/>
+                            </p:stCondLst>
+                            <p:childTnLst>
+                              <p:par>
+                                <p:cTn id="13" presetID="1" presetClass="entr" presetSubtype="0" fill="hold" grpId="0" nodeType="clickEffect">
+                                  <p:stCondLst>
+                                    <p:cond delay="0"/>
+                                  </p:stCondLst>
+                                  <p:childTnLst>
+                                    <p:set>
+                                      <p:cBhvr>
+                                        <p:cTn id="14" dur="1" fill="hold">
+                                          <p:stCondLst>
+                                            <p:cond delay="0"/>
+                                          </p:stCondLst>
+                                        </p:cTn>
+                                        <p:tgtEl>
+                                          <p:spTgt spid="46"/>
+                                        </p:tgtEl>
+                                        <p:attrNameLst>
+                                          <p:attrName>style.visibility</p:attrName>
+                                        </p:attrNameLst>
+                                      </p:cBhvr>
+                                      <p:to>
+                                        <p:strVal val="visible"/>
+                                      </p:to>
+                                    </p:set>
+                                  </p:childTnLst>
+                                </p:cTn>
+                              </p:par>
+                            </p:childTnLst>
+                          </p:cTn>
+                        </p:par>
+                      </p:childTnLst>
+                    </p:cTn>
+                  </p:par>
+                  <p:par>
+                    <p:cTn id="15" fill="hold">
+                      <p:stCondLst>
+                        <p:cond delay="indefinite"/>
+                      </p:stCondLst>
+                      <p:childTnLst>
+                        <p:par>
+                          <p:cTn id="16" fill="hold">
+                            <p:stCondLst>
+                              <p:cond delay="0"/>
+                            </p:stCondLst>
+                            <p:childTnLst>
+                              <p:par>
+                                <p:cTn id="17" presetID="1" presetClass="entr" presetSubtype="0" fill="hold" nodeType="clickEffect">
+                                  <p:stCondLst>
+                                    <p:cond delay="0"/>
+                                  </p:stCondLst>
+                                  <p:childTnLst>
+                                    <p:set>
+                                      <p:cBhvr>
+                                        <p:cTn id="18" dur="1" fill="hold">
+                                          <p:stCondLst>
+                                            <p:cond delay="0"/>
+                                          </p:stCondLst>
+                                        </p:cTn>
+                                        <p:tgtEl>
+                                          <p:spTgt spid="47"/>
+                                        </p:tgtEl>
+                                        <p:attrNameLst>
+                                          <p:attrName>style.visibility</p:attrName>
+                                        </p:attrNameLst>
+                                      </p:cBhvr>
+                                      <p:to>
+                                        <p:strVal val="visible"/>
+                                      </p:to>
+                                    </p:set>
+                                  </p:childTnLst>
+                                </p:cTn>
+                              </p:par>
+                            </p:childTnLst>
+                          </p:cTn>
+                        </p:par>
+                      </p:childTnLst>
+                    </p:cTn>
+                  </p:par>
+                  <p:par>
+                    <p:cTn id="19" fill="hold">
+                      <p:stCondLst>
+                        <p:cond delay="indefinite"/>
+                      </p:stCondLst>
+                      <p:childTnLst>
+                        <p:par>
+                          <p:cTn id="20" fill="hold">
+                            <p:stCondLst>
+                              <p:cond delay="0"/>
+                            </p:stCondLst>
+                            <p:childTnLst>
+                              <p:par>
+                                <p:cTn id="21" presetID="1" presetClass="entr" presetSubtype="0" fill="hold" grpId="0" nodeType="clickEffect">
+                                  <p:stCondLst>
+                                    <p:cond delay="0"/>
+                                  </p:stCondLst>
+                                  <p:childTnLst>
+                                    <p:set>
+                                      <p:cBhvr>
+                                        <p:cTn id="22" dur="1" fill="hold">
+                                          <p:stCondLst>
+                                            <p:cond delay="0"/>
+                                          </p:stCondLst>
+                                        </p:cTn>
+                                        <p:tgtEl>
+                                          <p:spTgt spid="80"/>
+                                        </p:tgtEl>
+                                        <p:attrNameLst>
+                                          <p:attrName>style.visibility</p:attrName>
+                                        </p:attrNameLst>
+                                      </p:cBhvr>
+                                      <p:to>
+                                        <p:strVal val="visible"/>
+                                      </p:to>
+                                    </p:set>
+                                  </p:childTnLst>
+                                </p:cTn>
+                              </p:par>
+                              <p:par>
+                                <p:cTn id="23" presetID="1" presetClass="entr" presetSubtype="0" fill="hold" grpId="0" nodeType="withEffect">
+                                  <p:stCondLst>
+                                    <p:cond delay="0"/>
+                                  </p:stCondLst>
+                                  <p:childTnLst>
+                                    <p:set>
+                                      <p:cBhvr>
+                                        <p:cTn id="24" dur="1" fill="hold">
+                                          <p:stCondLst>
+                                            <p:cond delay="0"/>
+                                          </p:stCondLst>
+                                        </p:cTn>
+                                        <p:tgtEl>
+                                          <p:spTgt spid="79"/>
+                                        </p:tgtEl>
+                                        <p:attrNameLst>
+                                          <p:attrName>style.visibility</p:attrName>
+                                        </p:attrNameLst>
+                                      </p:cBhvr>
+                                      <p:to>
+                                        <p:strVal val="visible"/>
+                                      </p:to>
+                                    </p:set>
+                                  </p:childTnLst>
+                                </p:cTn>
+                              </p:par>
+                              <p:par>
+                                <p:cTn id="25" presetID="1" presetClass="entr" presetSubtype="0" fill="hold" grpId="0" nodeType="withEffect">
+                                  <p:stCondLst>
+                                    <p:cond delay="0"/>
+                                  </p:stCondLst>
+                                  <p:childTnLst>
+                                    <p:set>
+                                      <p:cBhvr>
+                                        <p:cTn id="26" dur="1" fill="hold">
+                                          <p:stCondLst>
+                                            <p:cond delay="0"/>
+                                          </p:stCondLst>
+                                        </p:cTn>
+                                        <p:tgtEl>
+                                          <p:spTgt spid="77"/>
+                                        </p:tgtEl>
+                                        <p:attrNameLst>
+                                          <p:attrName>style.visibility</p:attrName>
+                                        </p:attrNameLst>
+                                      </p:cBhvr>
+                                      <p:to>
+                                        <p:strVal val="visible"/>
+                                      </p:to>
+                                    </p:set>
+                                  </p:childTnLst>
+                                </p:cTn>
+                              </p:par>
+                              <p:par>
+                                <p:cTn id="27" presetID="1" presetClass="entr" presetSubtype="0" fill="hold" grpId="0" nodeType="withEffect">
+                                  <p:stCondLst>
+                                    <p:cond delay="0"/>
+                                  </p:stCondLst>
+                                  <p:childTnLst>
+                                    <p:set>
+                                      <p:cBhvr>
+                                        <p:cTn id="28" dur="1" fill="hold">
+                                          <p:stCondLst>
+                                            <p:cond delay="0"/>
+                                          </p:stCondLst>
+                                        </p:cTn>
+                                        <p:tgtEl>
+                                          <p:spTgt spid="78"/>
+                                        </p:tgtEl>
+                                        <p:attrNameLst>
+                                          <p:attrName>style.visibility</p:attrName>
+                                        </p:attrNameLst>
+                                      </p:cBhvr>
+                                      <p:to>
+                                        <p:strVal val="visible"/>
+                                      </p:to>
+                                    </p:set>
+                                  </p:childTnLst>
+                                </p:cTn>
+                              </p:par>
+                              <p:par>
+                                <p:cTn id="29" presetID="1" presetClass="entr" presetSubtype="0" fill="hold" grpId="0" nodeType="withEffect">
+                                  <p:stCondLst>
+                                    <p:cond delay="0"/>
+                                  </p:stCondLst>
+                                  <p:childTnLst>
+                                    <p:set>
+                                      <p:cBhvr>
+                                        <p:cTn id="30" dur="1" fill="hold">
+                                          <p:stCondLst>
+                                            <p:cond delay="0"/>
+                                          </p:stCondLst>
+                                        </p:cTn>
+                                        <p:tgtEl>
+                                          <p:spTgt spid="70"/>
+                                        </p:tgtEl>
+                                        <p:attrNameLst>
+                                          <p:attrName>style.visibility</p:attrName>
+                                        </p:attrNameLst>
+                                      </p:cBhvr>
+                                      <p:to>
+                                        <p:strVal val="visible"/>
+                                      </p:to>
+                                    </p:set>
+                                  </p:childTnLst>
+                                </p:cTn>
+                              </p:par>
+                              <p:par>
+                                <p:cTn id="31" presetID="1" presetClass="entr" presetSubtype="0" fill="hold" grpId="0" nodeType="withEffect">
+                                  <p:stCondLst>
+                                    <p:cond delay="0"/>
+                                  </p:stCondLst>
+                                  <p:childTnLst>
+                                    <p:set>
+                                      <p:cBhvr>
+                                        <p:cTn id="32" dur="1" fill="hold">
+                                          <p:stCondLst>
+                                            <p:cond delay="0"/>
+                                          </p:stCondLst>
+                                        </p:cTn>
+                                        <p:tgtEl>
+                                          <p:spTgt spid="71"/>
+                                        </p:tgtEl>
+                                        <p:attrNameLst>
+                                          <p:attrName>style.visibility</p:attrName>
+                                        </p:attrNameLst>
+                                      </p:cBhvr>
+                                      <p:to>
+                                        <p:strVal val="visible"/>
+                                      </p:to>
+                                    </p:set>
+                                  </p:childTnLst>
+                                </p:cTn>
+                              </p:par>
+                              <p:par>
+                                <p:cTn id="33" presetID="1" presetClass="entr" presetSubtype="0" fill="hold" grpId="0" nodeType="withEffect">
+                                  <p:stCondLst>
+                                    <p:cond delay="0"/>
+                                  </p:stCondLst>
+                                  <p:childTnLst>
+                                    <p:set>
+                                      <p:cBhvr>
+                                        <p:cTn id="34" dur="1" fill="hold">
+                                          <p:stCondLst>
+                                            <p:cond delay="0"/>
+                                          </p:stCondLst>
+                                        </p:cTn>
+                                        <p:tgtEl>
+                                          <p:spTgt spid="68"/>
+                                        </p:tgtEl>
+                                        <p:attrNameLst>
+                                          <p:attrName>style.visibility</p:attrName>
+                                        </p:attrNameLst>
+                                      </p:cBhvr>
+                                      <p:to>
+                                        <p:strVal val="visible"/>
+                                      </p:to>
+                                    </p:set>
+                                  </p:childTnLst>
+                                </p:cTn>
+                              </p:par>
+                              <p:par>
+                                <p:cTn id="35" presetID="1" presetClass="entr" presetSubtype="0" fill="hold" grpId="0" nodeType="withEffect">
+                                  <p:stCondLst>
+                                    <p:cond delay="0"/>
+                                  </p:stCondLst>
+                                  <p:childTnLst>
+                                    <p:set>
+                                      <p:cBhvr>
+                                        <p:cTn id="36" dur="1" fill="hold">
+                                          <p:stCondLst>
+                                            <p:cond delay="0"/>
+                                          </p:stCondLst>
+                                        </p:cTn>
+                                        <p:tgtEl>
+                                          <p:spTgt spid="67"/>
+                                        </p:tgtEl>
+                                        <p:attrNameLst>
+                                          <p:attrName>style.visibility</p:attrName>
+                                        </p:attrNameLst>
+                                      </p:cBhvr>
+                                      <p:to>
+                                        <p:strVal val="visible"/>
+                                      </p:to>
+                                    </p:set>
+                                  </p:childTnLst>
+                                </p:cTn>
+                              </p:par>
+                              <p:par>
+                                <p:cTn id="37" presetID="1" presetClass="entr" presetSubtype="0" fill="hold" grpId="0" nodeType="withEffect">
+                                  <p:stCondLst>
+                                    <p:cond delay="0"/>
+                                  </p:stCondLst>
+                                  <p:childTnLst>
+                                    <p:set>
+                                      <p:cBhvr>
+                                        <p:cTn id="38" dur="1" fill="hold">
+                                          <p:stCondLst>
+                                            <p:cond delay="0"/>
+                                          </p:stCondLst>
+                                        </p:cTn>
+                                        <p:tgtEl>
+                                          <p:spTgt spid="69"/>
+                                        </p:tgtEl>
+                                        <p:attrNameLst>
+                                          <p:attrName>style.visibility</p:attrName>
+                                        </p:attrNameLst>
+                                      </p:cBhvr>
+                                      <p:to>
+                                        <p:strVal val="visible"/>
+                                      </p:to>
+                                    </p:set>
+                                  </p:childTnLst>
+                                </p:cTn>
+                              </p:par>
+                              <p:par>
+                                <p:cTn id="39" presetID="1" presetClass="entr" presetSubtype="0" fill="hold" grpId="0" nodeType="withEffect">
+                                  <p:stCondLst>
+                                    <p:cond delay="0"/>
+                                  </p:stCondLst>
+                                  <p:childTnLst>
+                                    <p:set>
+                                      <p:cBhvr>
+                                        <p:cTn id="40" dur="1" fill="hold">
+                                          <p:stCondLst>
+                                            <p:cond delay="0"/>
+                                          </p:stCondLst>
+                                        </p:cTn>
+                                        <p:tgtEl>
+                                          <p:spTgt spid="66"/>
+                                        </p:tgtEl>
+                                        <p:attrNameLst>
+                                          <p:attrName>style.visibility</p:attrName>
+                                        </p:attrNameLst>
+                                      </p:cBhvr>
+                                      <p:to>
+                                        <p:strVal val="visible"/>
+                                      </p:to>
+                                    </p:set>
+                                  </p:childTnLst>
+                                </p:cTn>
+                              </p:par>
+                              <p:par>
+                                <p:cTn id="41" presetID="1" presetClass="entr" presetSubtype="0" fill="hold" grpId="0" nodeType="withEffect">
+                                  <p:stCondLst>
+                                    <p:cond delay="0"/>
+                                  </p:stCondLst>
+                                  <p:childTnLst>
+                                    <p:set>
+                                      <p:cBhvr>
+                                        <p:cTn id="42" dur="1" fill="hold">
+                                          <p:stCondLst>
+                                            <p:cond delay="0"/>
+                                          </p:stCondLst>
+                                        </p:cTn>
+                                        <p:tgtEl>
+                                          <p:spTgt spid="76"/>
+                                        </p:tgtEl>
+                                        <p:attrNameLst>
+                                          <p:attrName>style.visibility</p:attrName>
+                                        </p:attrNameLst>
+                                      </p:cBhvr>
+                                      <p:to>
+                                        <p:strVal val="visible"/>
+                                      </p:to>
+                                    </p:set>
+                                  </p:childTnLst>
+                                </p:cTn>
+                              </p:par>
+                              <p:par>
+                                <p:cTn id="43" presetID="1" presetClass="entr" presetSubtype="0" fill="hold" grpId="0" nodeType="withEffect">
+                                  <p:stCondLst>
+                                    <p:cond delay="0"/>
+                                  </p:stCondLst>
+                                  <p:childTnLst>
+                                    <p:set>
+                                      <p:cBhvr>
+                                        <p:cTn id="44" dur="1" fill="hold">
+                                          <p:stCondLst>
+                                            <p:cond delay="0"/>
+                                          </p:stCondLst>
+                                        </p:cTn>
+                                        <p:tgtEl>
+                                          <p:spTgt spid="72"/>
+                                        </p:tgtEl>
+                                        <p:attrNameLst>
+                                          <p:attrName>style.visibility</p:attrName>
+                                        </p:attrNameLst>
+                                      </p:cBhvr>
+                                      <p:to>
+                                        <p:strVal val="visible"/>
+                                      </p:to>
+                                    </p:set>
+                                  </p:childTnLst>
+                                </p:cTn>
+                              </p:par>
+                              <p:par>
+                                <p:cTn id="45" presetID="1" presetClass="entr" presetSubtype="0" fill="hold" grpId="0" nodeType="withEffect">
+                                  <p:stCondLst>
+                                    <p:cond delay="0"/>
+                                  </p:stCondLst>
+                                  <p:childTnLst>
+                                    <p:set>
+                                      <p:cBhvr>
+                                        <p:cTn id="46" dur="1" fill="hold">
+                                          <p:stCondLst>
+                                            <p:cond delay="0"/>
+                                          </p:stCondLst>
+                                        </p:cTn>
+                                        <p:tgtEl>
+                                          <p:spTgt spid="74"/>
+                                        </p:tgtEl>
+                                        <p:attrNameLst>
+                                          <p:attrName>style.visibility</p:attrName>
+                                        </p:attrNameLst>
+                                      </p:cBhvr>
+                                      <p:to>
+                                        <p:strVal val="visible"/>
+                                      </p:to>
+                                    </p:set>
+                                  </p:childTnLst>
+                                </p:cTn>
+                              </p:par>
+                              <p:par>
+                                <p:cTn id="47" presetID="1" presetClass="entr" presetSubtype="0" fill="hold" grpId="0" nodeType="withEffect">
+                                  <p:stCondLst>
+                                    <p:cond delay="0"/>
+                                  </p:stCondLst>
+                                  <p:childTnLst>
+                                    <p:set>
+                                      <p:cBhvr>
+                                        <p:cTn id="48" dur="1" fill="hold">
+                                          <p:stCondLst>
+                                            <p:cond delay="0"/>
+                                          </p:stCondLst>
+                                        </p:cTn>
+                                        <p:tgtEl>
+                                          <p:spTgt spid="73"/>
+                                        </p:tgtEl>
+                                        <p:attrNameLst>
+                                          <p:attrName>style.visibility</p:attrName>
+                                        </p:attrNameLst>
+                                      </p:cBhvr>
+                                      <p:to>
+                                        <p:strVal val="visible"/>
+                                      </p:to>
+                                    </p:set>
+                                  </p:childTnLst>
+                                </p:cTn>
+                              </p:par>
+                              <p:par>
+                                <p:cTn id="49" presetID="1" presetClass="entr" presetSubtype="0" fill="hold" grpId="0" nodeType="withEffect">
+                                  <p:stCondLst>
+                                    <p:cond delay="0"/>
+                                  </p:stCondLst>
+                                  <p:childTnLst>
+                                    <p:set>
+                                      <p:cBhvr>
+                                        <p:cTn id="50" dur="1" fill="hold">
+                                          <p:stCondLst>
+                                            <p:cond delay="0"/>
+                                          </p:stCondLst>
+                                        </p:cTn>
+                                        <p:tgtEl>
+                                          <p:spTgt spid="75"/>
+                                        </p:tgtEl>
+                                        <p:attrNameLst>
+                                          <p:attrName>style.visibility</p:attrName>
+                                        </p:attrNameLst>
+                                      </p:cBhvr>
+                                      <p:to>
+                                        <p:strVal val="visible"/>
+                                      </p:to>
+                                    </p:set>
+                                  </p:childTnLst>
+                                </p:cTn>
+                              </p:par>
+                            </p:childTnLst>
+                          </p:cTn>
+                        </p:par>
+                      </p:childTnLst>
+                    </p:cTn>
+                  </p:par>
+                  <p:par>
+                    <p:cTn id="51" fill="hold">
+                      <p:stCondLst>
+                        <p:cond delay="indefinite"/>
+                      </p:stCondLst>
+                      <p:childTnLst>
+                        <p:par>
+                          <p:cTn id="52" fill="hold">
+                            <p:stCondLst>
+                              <p:cond delay="0"/>
+                            </p:stCondLst>
+                            <p:childTnLst>
+                              <p:par>
+                                <p:cTn id="53" presetID="1" presetClass="entr" presetSubtype="0" fill="hold" grpId="0" nodeType="clickEffect">
+                                  <p:stCondLst>
+                                    <p:cond delay="0"/>
+                                  </p:stCondLst>
+                                  <p:childTnLst>
+                                    <p:set>
+                                      <p:cBhvr>
+                                        <p:cTn id="54" dur="1" fill="hold">
+                                          <p:stCondLst>
+                                            <p:cond delay="0"/>
+                                          </p:stCondLst>
+                                        </p:cTn>
+                                        <p:tgtEl>
+                                          <p:spTgt spid="65"/>
+                                        </p:tgtEl>
+                                        <p:attrNameLst>
+                                          <p:attrName>style.visibility</p:attrName>
+                                        </p:attrNameLst>
+                                      </p:cBhvr>
+                                      <p:to>
+                                        <p:strVal val="visible"/>
+                                      </p:to>
+                                    </p:set>
+                                  </p:childTnLst>
+                                </p:cTn>
+                              </p:par>
+                            </p:childTnLst>
+                          </p:cTn>
+                        </p:par>
+                      </p:childTnLst>
+                    </p:cTn>
+                  </p:par>
+                  <p:par>
+                    <p:cTn id="55" fill="hold">
+                      <p:stCondLst>
+                        <p:cond delay="indefinite"/>
+                      </p:stCondLst>
+                      <p:childTnLst>
+                        <p:par>
+                          <p:cTn id="56" fill="hold">
+                            <p:stCondLst>
+                              <p:cond delay="0"/>
+                            </p:stCondLst>
+                            <p:childTnLst>
+                              <p:par>
+                                <p:cTn id="57" presetID="1" presetClass="entr" presetSubtype="0" fill="hold" nodeType="clickEffect">
+                                  <p:stCondLst>
+                                    <p:cond delay="0"/>
+                                  </p:stCondLst>
+                                  <p:childTnLst>
+                                    <p:set>
+                                      <p:cBhvr>
+                                        <p:cTn id="58" dur="1" fill="hold">
+                                          <p:stCondLst>
+                                            <p:cond delay="0"/>
+                                          </p:stCondLst>
+                                        </p:cTn>
+                                        <p:tgtEl>
+                                          <p:spTgt spid="81"/>
+                                        </p:tgtEl>
+                                        <p:attrNameLst>
+                                          <p:attrName>style.visibility</p:attrName>
+                                        </p:attrNameLst>
+                                      </p:cBhvr>
+                                      <p:to>
+                                        <p:strVal val="visible"/>
+                                      </p:to>
+                                    </p:set>
+                                  </p:childTnLst>
+                                </p:cTn>
+                              </p:par>
+                            </p:childTnLst>
+                          </p:cTn>
+                        </p:par>
+                      </p:childTnLst>
+                    </p:cTn>
+                  </p:par>
+                  <p:par>
+                    <p:cTn id="59" fill="hold">
+                      <p:stCondLst>
+                        <p:cond delay="indefinite"/>
+                      </p:stCondLst>
+                      <p:childTnLst>
+                        <p:par>
+                          <p:cTn id="60" fill="hold">
+                            <p:stCondLst>
+                              <p:cond delay="0"/>
+                            </p:stCondLst>
+                            <p:childTnLst>
+                              <p:par>
+                                <p:cTn id="61" presetID="1" presetClass="entr" presetSubtype="0" fill="hold" grpId="0" nodeType="clickEffect">
+                                  <p:stCondLst>
+                                    <p:cond delay="0"/>
+                                  </p:stCondLst>
+                                  <p:childTnLst>
+                                    <p:set>
+                                      <p:cBhvr>
+                                        <p:cTn id="62" dur="1" fill="hold">
+                                          <p:stCondLst>
+                                            <p:cond delay="0"/>
+                                          </p:stCondLst>
+                                        </p:cTn>
+                                        <p:tgtEl>
+                                          <p:spTgt spid="99"/>
+                                        </p:tgtEl>
+                                        <p:attrNameLst>
+                                          <p:attrName>style.visibility</p:attrName>
+                                        </p:attrNameLst>
+                                      </p:cBhvr>
+                                      <p:to>
+                                        <p:strVal val="visible"/>
+                                      </p:to>
+                                    </p:set>
+                                  </p:childTnLst>
+                                </p:cTn>
+                              </p:par>
+                              <p:par>
+                                <p:cTn id="63" presetID="1" presetClass="entr" presetSubtype="0" fill="hold" grpId="0" nodeType="withEffect">
+                                  <p:stCondLst>
+                                    <p:cond delay="0"/>
+                                  </p:stCondLst>
+                                  <p:childTnLst>
+                                    <p:set>
+                                      <p:cBhvr>
+                                        <p:cTn id="64" dur="1" fill="hold">
+                                          <p:stCondLst>
+                                            <p:cond delay="0"/>
+                                          </p:stCondLst>
+                                        </p:cTn>
+                                        <p:tgtEl>
+                                          <p:spTgt spid="100"/>
+                                        </p:tgtEl>
+                                        <p:attrNameLst>
+                                          <p:attrName>style.visibility</p:attrName>
+                                        </p:attrNameLst>
+                                      </p:cBhvr>
+                                      <p:to>
+                                        <p:strVal val="visible"/>
+                                      </p:to>
+                                    </p:set>
+                                  </p:childTnLst>
+                                </p:cTn>
+                              </p:par>
+                              <p:par>
+                                <p:cTn id="65" presetID="1" presetClass="entr" presetSubtype="0" fill="hold" grpId="0" nodeType="withEffect">
+                                  <p:stCondLst>
+                                    <p:cond delay="0"/>
+                                  </p:stCondLst>
+                                  <p:childTnLst>
+                                    <p:set>
+                                      <p:cBhvr>
+                                        <p:cTn id="66" dur="1" fill="hold">
+                                          <p:stCondLst>
+                                            <p:cond delay="0"/>
+                                          </p:stCondLst>
+                                        </p:cTn>
+                                        <p:tgtEl>
+                                          <p:spTgt spid="101"/>
+                                        </p:tgtEl>
+                                        <p:attrNameLst>
+                                          <p:attrName>style.visibility</p:attrName>
+                                        </p:attrNameLst>
+                                      </p:cBhvr>
+                                      <p:to>
+                                        <p:strVal val="visible"/>
+                                      </p:to>
+                                    </p:set>
+                                  </p:childTnLst>
+                                </p:cTn>
+                              </p:par>
+                              <p:par>
+                                <p:cTn id="67" presetID="1" presetClass="entr" presetSubtype="0" fill="hold" grpId="0" nodeType="withEffect">
+                                  <p:stCondLst>
+                                    <p:cond delay="0"/>
+                                  </p:stCondLst>
+                                  <p:childTnLst>
+                                    <p:set>
+                                      <p:cBhvr>
+                                        <p:cTn id="68" dur="1" fill="hold">
+                                          <p:stCondLst>
+                                            <p:cond delay="0"/>
+                                          </p:stCondLst>
+                                        </p:cTn>
+                                        <p:tgtEl>
+                                          <p:spTgt spid="102"/>
+                                        </p:tgtEl>
+                                        <p:attrNameLst>
+                                          <p:attrName>style.visibility</p:attrName>
+                                        </p:attrNameLst>
+                                      </p:cBhvr>
+                                      <p:to>
+                                        <p:strVal val="visible"/>
+                                      </p:to>
+                                    </p:set>
+                                  </p:childTnLst>
+                                </p:cTn>
+                              </p:par>
+                            </p:childTnLst>
+                          </p:cTn>
+                        </p:par>
+                      </p:childTnLst>
+                    </p:cTn>
+                  </p:par>
+                  <p:par>
+                    <p:cTn id="69" fill="hold">
+                      <p:stCondLst>
+                        <p:cond delay="indefinite"/>
+                      </p:stCondLst>
+                      <p:childTnLst>
+                        <p:par>
+                          <p:cTn id="70" fill="hold">
+                            <p:stCondLst>
+                              <p:cond delay="0"/>
+                            </p:stCondLst>
+                            <p:childTnLst>
+                              <p:par>
+                                <p:cTn id="71" presetID="1" presetClass="entr" presetSubtype="0" fill="hold" grpId="0" nodeType="clickEffect">
+                                  <p:stCondLst>
+                                    <p:cond delay="0"/>
+                                  </p:stCondLst>
+                                  <p:childTnLst>
+                                    <p:set>
+                                      <p:cBhvr>
+                                        <p:cTn id="72" dur="1" fill="hold">
+                                          <p:stCondLst>
+                                            <p:cond delay="0"/>
+                                          </p:stCondLst>
+                                        </p:cTn>
+                                        <p:tgtEl>
+                                          <p:spTgt spid="103"/>
+                                        </p:tgtEl>
+                                        <p:attrNameLst>
+                                          <p:attrName>style.visibility</p:attrName>
+                                        </p:attrNameLst>
+                                      </p:cBhvr>
+                                      <p:to>
+                                        <p:strVal val="visible"/>
+                                      </p:to>
+                                    </p:set>
+                                  </p:childTnLst>
+                                </p:cTn>
+                              </p:par>
+                            </p:childTnLst>
+                          </p:cTn>
+                        </p:par>
+                      </p:childTnLst>
+                    </p:cTn>
+                  </p:par>
+                </p:childTnLst>
+              </p:cTn>
+              <p:prevCondLst>
+                <p:cond evt="onPrev" delay="0">
+                  <p:tgtEl>
+                    <p:sldTgt/>
+                  </p:tgtEl>
+                </p:cond>
+              </p:prevCondLst>
+              <p:nextCondLst>
+                <p:cond evt="onNext" delay="0">
+                  <p:tgtEl>
+                    <p:sldTgt/>
+                  </p:tgtEl>
+                </p:cond>
+              </p:nextCondLst>
+            </p:seq>
+          </p:childTnLst>
+        </p:cTn>
+      </p:par>
+    </p:tnLst>
+    <p:bldLst>
+      <p:bldP spid="45" grpId="0" animBg="1"/>
+      <p:bldP spid="46" grpId="0"/>
+      <p:bldP spid="65" grpId="0"/>
+      <p:bldP spid="66" grpId="0" animBg="1"/>
+      <p:bldP spid="67" grpId="0" animBg="1"/>
+      <p:bldP spid="68" grpId="0" animBg="1"/>
+      <p:bldP spid="69" grpId="0" animBg="1"/>
+      <p:bldP spid="70" grpId="0" animBg="1"/>
+      <p:bldP spid="71" grpId="0" animBg="1"/>
+      <p:bldP spid="72" grpId="0" animBg="1"/>
+      <p:bldP spid="73" grpId="0" animBg="1"/>
+      <p:bldP spid="74" grpId="0" animBg="1"/>
+      <p:bldP spid="75" grpId="0" animBg="1"/>
+      <p:bldP spid="76" grpId="0" animBg="1"/>
+      <p:bldP spid="77" grpId="0" animBg="1"/>
+      <p:bldP spid="78" grpId="0" animBg="1"/>
+      <p:bldP spid="79" grpId="0" animBg="1"/>
+      <p:bldP spid="80" grpId="0" animBg="1"/>
+      <p:bldP spid="99" grpId="0" animBg="1"/>
+      <p:bldP spid="100" grpId="0" animBg="1"/>
+      <p:bldP spid="101" grpId="0" animBg="1"/>
+      <p:bldP spid="102" grpId="0" animBg="1"/>
+      <p:bldP spid="103" grpId="0"/>
+    </p:bldLst>
+  </p:timing>
+</p:sld>
+</file>
+
+<file path=ppt/slides/slide24.xml><?xml version="1.0" encoding="utf-8"?>
 <p:sld xmlns:a="http://schemas.openxmlformats.org/drawingml/2006/main" xmlns:r="http://schemas.openxmlformats.org/officeDocument/2006/relationships" xmlns:p="http://schemas.openxmlformats.org/presentationml/2006/main">
   <p:cSld>
     <p:spTree>
@@ -10039,7 +16205,15 @@
           <a:p>
             <a:r>
               <a:rPr lang="en-US" b="1" dirty="0"/>
-              <a:t>Exercise: find out the clusters for the primate identity matrix where the cutoff is 90%!</a:t>
+              <a:t>Exercise: </a:t>
+            </a:r>
+            <a:r>
+              <a:rPr lang="en-US" b="1"/>
+              <a:t>find clusters </a:t>
+            </a:r>
+            <a:r>
+              <a:rPr lang="en-US" b="1" dirty="0"/>
+              <a:t>for the primate identity matrix where the cutoff is 90%!</a:t>
             </a:r>
           </a:p>
         </p:txBody>
@@ -10381,7 +16555,7 @@
 </p:sld>
 </file>
 
-<file path=ppt/slides/slide24.xml><?xml version="1.0" encoding="utf-8"?>
+<file path=ppt/slides/slide25.xml><?xml version="1.0" encoding="utf-8"?>
 <p:sld xmlns:a="http://schemas.openxmlformats.org/drawingml/2006/main" xmlns:r="http://schemas.openxmlformats.org/officeDocument/2006/relationships" xmlns:p="http://schemas.openxmlformats.org/presentationml/2006/main">
   <p:cSld>
     <p:spTree>
@@ -10458,7 +16632,7 @@
         </p:spPr>
         <p:txBody>
           <a:bodyPr>
-            <a:normAutofit lnSpcReduction="10000"/>
+            <a:normAutofit/>
           </a:bodyPr>
           <a:lstStyle/>
           <a:p>
@@ -10521,18 +16695,6 @@
             <a:r>
               <a:rPr lang="en-US" b="1" dirty="0"/>
               <a:t>Exercise: show the component plot for the 36 primates + opossum between 0 and 100%!</a:t>
-            </a:r>
-          </a:p>
-          <a:p>
-            <a:r>
-              <a:rPr lang="en-US" dirty="0"/>
-              <a:t>At 0% all species are in the same kind</a:t>
-            </a:r>
-          </a:p>
-          <a:p>
-            <a:r>
-              <a:rPr lang="en-US" dirty="0"/>
-              <a:t>At 100% every species forms its own kind!</a:t>
             </a:r>
           </a:p>
           <a:p>
@@ -10904,104 +17066,6 @@
                       </p:childTnLst>
                     </p:cTn>
                   </p:par>
-                  <p:par>
-                    <p:cTn id="31" fill="hold">
-                      <p:stCondLst>
-                        <p:cond delay="indefinite"/>
-                      </p:stCondLst>
-                      <p:childTnLst>
-                        <p:par>
-                          <p:cTn id="32" fill="hold">
-                            <p:stCondLst>
-                              <p:cond delay="0"/>
-                            </p:stCondLst>
-                            <p:childTnLst>
-                              <p:par>
-                                <p:cTn id="33" presetID="1" presetClass="entr" presetSubtype="0" fill="hold" nodeType="clickEffect">
-                                  <p:stCondLst>
-                                    <p:cond delay="0"/>
-                                  </p:stCondLst>
-                                  <p:childTnLst>
-                                    <p:set>
-                                      <p:cBhvr>
-                                        <p:cTn id="34" dur="1" fill="hold">
-                                          <p:stCondLst>
-                                            <p:cond delay="0"/>
-                                          </p:stCondLst>
-                                        </p:cTn>
-                                        <p:tgtEl>
-                                          <p:spTgt spid="3">
-                                            <p:txEl>
-                                              <p:pRg st="7" end="7"/>
-                                            </p:txEl>
-                                          </p:spTgt>
-                                        </p:tgtEl>
-                                        <p:attrNameLst>
-                                          <p:attrName>style.visibility</p:attrName>
-                                        </p:attrNameLst>
-                                      </p:cBhvr>
-                                      <p:to>
-                                        <p:strVal val="visible"/>
-                                      </p:to>
-                                    </p:set>
-                                  </p:childTnLst>
-                                </p:cTn>
-                              </p:par>
-                            </p:childTnLst>
-                          </p:cTn>
-                        </p:par>
-                      </p:childTnLst>
-                    </p:cTn>
-                  </p:par>
-                  <p:par>
-                    <p:cTn id="35" fill="hold">
-                      <p:stCondLst>
-                        <p:cond delay="indefinite"/>
-                      </p:stCondLst>
-                      <p:childTnLst>
-                        <p:par>
-                          <p:cTn id="36" fill="hold">
-                            <p:stCondLst>
-                              <p:cond delay="0"/>
-                            </p:stCondLst>
-                            <p:childTnLst>
-                              <p:par>
-                                <p:cTn id="37" presetID="1" presetClass="entr" presetSubtype="0" fill="hold" nodeType="clickEffect">
-                                  <p:stCondLst>
-                                    <p:cond delay="0"/>
-                                  </p:stCondLst>
-                                  <p:childTnLst>
-                                    <p:set>
-                                      <p:cBhvr>
-                                        <p:cTn id="38" dur="1" fill="hold">
-                                          <p:stCondLst>
-                                            <p:cond delay="0"/>
-                                          </p:stCondLst>
-                                        </p:cTn>
-                                        <p:tgtEl>
-                                          <p:spTgt spid="3">
-                                            <p:txEl>
-                                              <p:pRg st="8" end="8"/>
-                                            </p:txEl>
-                                          </p:spTgt>
-                                        </p:tgtEl>
-                                        <p:attrNameLst>
-                                          <p:attrName>style.visibility</p:attrName>
-                                        </p:attrNameLst>
-                                      </p:cBhvr>
-                                      <p:to>
-                                        <p:strVal val="visible"/>
-                                      </p:to>
-                                    </p:set>
-                                  </p:childTnLst>
-                                </p:cTn>
-                              </p:par>
-                            </p:childTnLst>
-                          </p:cTn>
-                        </p:par>
-                      </p:childTnLst>
-                    </p:cTn>
-                  </p:par>
                 </p:childTnLst>
               </p:cTn>
               <p:prevCondLst>
@@ -11027,7 +17091,73 @@
 </p:sld>
 </file>
 
-<file path=ppt/slides/slide25.xml><?xml version="1.0" encoding="utf-8"?>
+<file path=ppt/slides/slide26.xml><?xml version="1.0" encoding="utf-8"?>
+<p:sld xmlns:a="http://schemas.openxmlformats.org/drawingml/2006/main" xmlns:r="http://schemas.openxmlformats.org/officeDocument/2006/relationships" xmlns:p="http://schemas.openxmlformats.org/presentationml/2006/main">
+  <p:cSld>
+    <p:spTree>
+      <p:nvGrpSpPr>
+        <p:cNvPr id="1" name=""/>
+        <p:cNvGrpSpPr/>
+        <p:nvPr/>
+      </p:nvGrpSpPr>
+      <p:grpSpPr>
+        <a:xfrm>
+          <a:off x="0" y="0"/>
+          <a:ext cx="0" cy="0"/>
+          <a:chOff x="0" y="0"/>
+          <a:chExt cx="0" cy="0"/>
+        </a:xfrm>
+      </p:grpSpPr>
+      <p:pic>
+        <p:nvPicPr>
+          <p:cNvPr id="3" name="Picture 2" descr="A graph with a line&#10;&#10;AI-generated content may be incorrect.">
+            <a:extLst>
+              <a:ext uri="{FF2B5EF4-FFF2-40B4-BE49-F238E27FC236}">
+                <a16:creationId xmlns:a16="http://schemas.microsoft.com/office/drawing/2014/main" id="{4E3D3F8F-8391-C9F4-BC08-8E97EA125552}"/>
+              </a:ext>
+            </a:extLst>
+          </p:cNvPr>
+          <p:cNvPicPr>
+            <a:picLocks noChangeAspect="1"/>
+          </p:cNvPicPr>
+          <p:nvPr/>
+        </p:nvPicPr>
+        <p:blipFill>
+          <a:blip r:embed="rId2">
+            <a:extLst>
+              <a:ext uri="{28A0092B-C50C-407E-A947-70E740481C1C}">
+                <a14:useLocalDpi xmlns:a14="http://schemas.microsoft.com/office/drawing/2010/main" val="0"/>
+              </a:ext>
+            </a:extLst>
+          </a:blip>
+          <a:stretch>
+            <a:fillRect/>
+          </a:stretch>
+        </p:blipFill>
+        <p:spPr>
+          <a:xfrm>
+            <a:off x="2291750" y="1437"/>
+            <a:ext cx="6783238" cy="6783238"/>
+          </a:xfrm>
+          <a:prstGeom prst="rect">
+            <a:avLst/>
+          </a:prstGeom>
+        </p:spPr>
+      </p:pic>
+    </p:spTree>
+    <p:extLst>
+      <p:ext uri="{BB962C8B-B14F-4D97-AF65-F5344CB8AC3E}">
+        <p14:creationId xmlns:p14="http://schemas.microsoft.com/office/powerpoint/2010/main" val="4249583569"/>
+      </p:ext>
+    </p:extLst>
+  </p:cSld>
+  <p:clrMapOvr>
+    <a:masterClrMapping/>
+  </p:clrMapOvr>
+</p:sld>
+</file>
+
+<file path=ppt/slides/slide27.xml><?xml version="1.0" encoding="utf-8"?>
 <p:sld xmlns:a="http://schemas.openxmlformats.org/drawingml/2006/main" xmlns:r="http://schemas.openxmlformats.org/officeDocument/2006/relationships" xmlns:p="http://schemas.openxmlformats.org/presentationml/2006/main">
   <p:cSld>
     <p:spTree>
@@ -11091,7 +17221,7 @@
 </p:sld>
 </file>
 
-<file path=ppt/slides/slide26.xml><?xml version="1.0" encoding="utf-8"?>
+<file path=ppt/slides/slide28.xml><?xml version="1.0" encoding="utf-8"?>
 <p:sld xmlns:a="http://schemas.openxmlformats.org/drawingml/2006/main" xmlns:r="http://schemas.openxmlformats.org/officeDocument/2006/relationships" xmlns:p="http://schemas.openxmlformats.org/presentationml/2006/main">
   <p:cSld>
     <p:spTree>
@@ -11444,7 +17574,7 @@
 </p:sld>
 </file>
 
-<file path=ppt/slides/slide27.xml><?xml version="1.0" encoding="utf-8"?>
+<file path=ppt/slides/slide29.xml><?xml version="1.0" encoding="utf-8"?>
 <p:sld xmlns:a="http://schemas.openxmlformats.org/drawingml/2006/main" xmlns:r="http://schemas.openxmlformats.org/officeDocument/2006/relationships" xmlns:p="http://schemas.openxmlformats.org/presentationml/2006/main">
   <p:cSld>
     <p:spTree>
@@ -12225,934 +18355,6 @@
 </p:sld>
 </file>
 
-<file path=ppt/slides/slide28.xml><?xml version="1.0" encoding="utf-8"?>
-<p:sld xmlns:a="http://schemas.openxmlformats.org/drawingml/2006/main" xmlns:r="http://schemas.openxmlformats.org/officeDocument/2006/relationships" xmlns:p="http://schemas.openxmlformats.org/presentationml/2006/main">
-  <p:cSld>
-    <p:spTree>
-      <p:nvGrpSpPr>
-        <p:cNvPr id="1" name=""/>
-        <p:cNvGrpSpPr/>
-        <p:nvPr/>
-      </p:nvGrpSpPr>
-      <p:grpSpPr>
-        <a:xfrm>
-          <a:off x="0" y="0"/>
-          <a:ext cx="0" cy="0"/>
-          <a:chOff x="0" y="0"/>
-          <a:chExt cx="0" cy="0"/>
-        </a:xfrm>
-      </p:grpSpPr>
-      <p:sp>
-        <p:nvSpPr>
-          <p:cNvPr id="2" name="Title 1">
-            <a:extLst>
-              <a:ext uri="{FF2B5EF4-FFF2-40B4-BE49-F238E27FC236}">
-                <a16:creationId xmlns:a16="http://schemas.microsoft.com/office/drawing/2014/main" id="{7AC383D8-EE32-8EE4-F8D8-5E8C171042F0}"/>
-              </a:ext>
-            </a:extLst>
-          </p:cNvPr>
-          <p:cNvSpPr>
-            <a:spLocks noGrp="1"/>
-          </p:cNvSpPr>
-          <p:nvPr>
-            <p:ph type="title"/>
-          </p:nvPr>
-        </p:nvSpPr>
-        <p:spPr/>
-        <p:txBody>
-          <a:bodyPr/>
-          <a:lstStyle/>
-          <a:p>
-            <a:pPr algn="ctr"/>
-            <a:r>
-              <a:rPr lang="en-US" dirty="0"/>
-              <a:t>Sequence download</a:t>
-            </a:r>
-          </a:p>
-        </p:txBody>
-      </p:sp>
-      <p:sp>
-        <p:nvSpPr>
-          <p:cNvPr id="3" name="Content Placeholder 2">
-            <a:extLst>
-              <a:ext uri="{FF2B5EF4-FFF2-40B4-BE49-F238E27FC236}">
-                <a16:creationId xmlns:a16="http://schemas.microsoft.com/office/drawing/2014/main" id="{B31B110D-27F9-33C1-2EB0-82298A2DF62E}"/>
-              </a:ext>
-            </a:extLst>
-          </p:cNvPr>
-          <p:cNvSpPr>
-            <a:spLocks noGrp="1"/>
-          </p:cNvSpPr>
-          <p:nvPr>
-            <p:ph idx="1"/>
-          </p:nvPr>
-        </p:nvSpPr>
-        <p:spPr/>
-        <p:txBody>
-          <a:bodyPr/>
-          <a:lstStyle/>
-          <a:p>
-            <a:r>
-              <a:rPr lang="en-US" dirty="0"/>
-              <a:t>At the NCBI database select the Nucleotide database, and type in &lt;group name mitochondrial DNA &gt; in the search bar.</a:t>
-            </a:r>
-          </a:p>
-          <a:p>
-            <a:r>
-              <a:rPr lang="en-US" dirty="0"/>
-              <a:t>Select ‘Mitochondrion’ as the genetic compartment in the left.</a:t>
-            </a:r>
-          </a:p>
-          <a:p>
-            <a:r>
-              <a:rPr lang="en-US" dirty="0"/>
-              <a:t>Try to use </a:t>
-            </a:r>
-            <a:r>
-              <a:rPr lang="en-US" dirty="0" err="1"/>
-              <a:t>RefSeq</a:t>
-            </a:r>
-            <a:r>
-              <a:rPr lang="en-US" dirty="0"/>
-              <a:t> sequences, which are high quality.</a:t>
-            </a:r>
-          </a:p>
-          <a:p>
-            <a:r>
-              <a:rPr lang="en-US" dirty="0"/>
-              <a:t>On the top right select ‘Send to’, then ‘Coding Sequences’.</a:t>
-            </a:r>
-          </a:p>
-          <a:p>
-            <a:r>
-              <a:rPr lang="en-US" dirty="0"/>
-              <a:t>Then download the FASTA file.</a:t>
-            </a:r>
-          </a:p>
-          <a:p>
-            <a:r>
-              <a:rPr lang="en-US" dirty="0"/>
-              <a:t>Also, don’t forget to select an outlier species/group.</a:t>
-            </a:r>
-          </a:p>
-        </p:txBody>
-      </p:sp>
-    </p:spTree>
-    <p:extLst>
-      <p:ext uri="{BB962C8B-B14F-4D97-AF65-F5344CB8AC3E}">
-        <p14:creationId xmlns:p14="http://schemas.microsoft.com/office/powerpoint/2010/main" val="578898560"/>
-      </p:ext>
-    </p:extLst>
-  </p:cSld>
-  <p:clrMapOvr>
-    <a:masterClrMapping/>
-  </p:clrMapOvr>
-  <p:timing>
-    <p:tnLst>
-      <p:par>
-        <p:cTn id="1" dur="indefinite" restart="never" nodeType="tmRoot">
-          <p:childTnLst>
-            <p:seq concurrent="1" nextAc="seek">
-              <p:cTn id="2" dur="indefinite" nodeType="mainSeq">
-                <p:childTnLst>
-                  <p:par>
-                    <p:cTn id="3" fill="hold">
-                      <p:stCondLst>
-                        <p:cond delay="indefinite"/>
-                      </p:stCondLst>
-                      <p:childTnLst>
-                        <p:par>
-                          <p:cTn id="4" fill="hold">
-                            <p:stCondLst>
-                              <p:cond delay="0"/>
-                            </p:stCondLst>
-                            <p:childTnLst>
-                              <p:par>
-                                <p:cTn id="5" presetID="1" presetClass="entr" presetSubtype="0" fill="hold" grpId="0" nodeType="clickEffect">
-                                  <p:stCondLst>
-                                    <p:cond delay="0"/>
-                                  </p:stCondLst>
-                                  <p:childTnLst>
-                                    <p:set>
-                                      <p:cBhvr>
-                                        <p:cTn id="6" dur="1" fill="hold">
-                                          <p:stCondLst>
-                                            <p:cond delay="0"/>
-                                          </p:stCondLst>
-                                        </p:cTn>
-                                        <p:tgtEl>
-                                          <p:spTgt spid="3">
-                                            <p:txEl>
-                                              <p:pRg st="0" end="0"/>
-                                            </p:txEl>
-                                          </p:spTgt>
-                                        </p:tgtEl>
-                                        <p:attrNameLst>
-                                          <p:attrName>style.visibility</p:attrName>
-                                        </p:attrNameLst>
-                                      </p:cBhvr>
-                                      <p:to>
-                                        <p:strVal val="visible"/>
-                                      </p:to>
-                                    </p:set>
-                                  </p:childTnLst>
-                                </p:cTn>
-                              </p:par>
-                            </p:childTnLst>
-                          </p:cTn>
-                        </p:par>
-                      </p:childTnLst>
-                    </p:cTn>
-                  </p:par>
-                  <p:par>
-                    <p:cTn id="7" fill="hold">
-                      <p:stCondLst>
-                        <p:cond delay="indefinite"/>
-                      </p:stCondLst>
-                      <p:childTnLst>
-                        <p:par>
-                          <p:cTn id="8" fill="hold">
-                            <p:stCondLst>
-                              <p:cond delay="0"/>
-                            </p:stCondLst>
-                            <p:childTnLst>
-                              <p:par>
-                                <p:cTn id="9" presetID="1" presetClass="entr" presetSubtype="0" fill="hold" grpId="0" nodeType="clickEffect">
-                                  <p:stCondLst>
-                                    <p:cond delay="0"/>
-                                  </p:stCondLst>
-                                  <p:childTnLst>
-                                    <p:set>
-                                      <p:cBhvr>
-                                        <p:cTn id="10" dur="1" fill="hold">
-                                          <p:stCondLst>
-                                            <p:cond delay="0"/>
-                                          </p:stCondLst>
-                                        </p:cTn>
-                                        <p:tgtEl>
-                                          <p:spTgt spid="3">
-                                            <p:txEl>
-                                              <p:pRg st="1" end="1"/>
-                                            </p:txEl>
-                                          </p:spTgt>
-                                        </p:tgtEl>
-                                        <p:attrNameLst>
-                                          <p:attrName>style.visibility</p:attrName>
-                                        </p:attrNameLst>
-                                      </p:cBhvr>
-                                      <p:to>
-                                        <p:strVal val="visible"/>
-                                      </p:to>
-                                    </p:set>
-                                  </p:childTnLst>
-                                </p:cTn>
-                              </p:par>
-                            </p:childTnLst>
-                          </p:cTn>
-                        </p:par>
-                      </p:childTnLst>
-                    </p:cTn>
-                  </p:par>
-                  <p:par>
-                    <p:cTn id="11" fill="hold">
-                      <p:stCondLst>
-                        <p:cond delay="indefinite"/>
-                      </p:stCondLst>
-                      <p:childTnLst>
-                        <p:par>
-                          <p:cTn id="12" fill="hold">
-                            <p:stCondLst>
-                              <p:cond delay="0"/>
-                            </p:stCondLst>
-                            <p:childTnLst>
-                              <p:par>
-                                <p:cTn id="13" presetID="1" presetClass="entr" presetSubtype="0" fill="hold" grpId="0" nodeType="clickEffect">
-                                  <p:stCondLst>
-                                    <p:cond delay="0"/>
-                                  </p:stCondLst>
-                                  <p:childTnLst>
-                                    <p:set>
-                                      <p:cBhvr>
-                                        <p:cTn id="14" dur="1" fill="hold">
-                                          <p:stCondLst>
-                                            <p:cond delay="0"/>
-                                          </p:stCondLst>
-                                        </p:cTn>
-                                        <p:tgtEl>
-                                          <p:spTgt spid="3">
-                                            <p:txEl>
-                                              <p:pRg st="2" end="2"/>
-                                            </p:txEl>
-                                          </p:spTgt>
-                                        </p:tgtEl>
-                                        <p:attrNameLst>
-                                          <p:attrName>style.visibility</p:attrName>
-                                        </p:attrNameLst>
-                                      </p:cBhvr>
-                                      <p:to>
-                                        <p:strVal val="visible"/>
-                                      </p:to>
-                                    </p:set>
-                                  </p:childTnLst>
-                                </p:cTn>
-                              </p:par>
-                            </p:childTnLst>
-                          </p:cTn>
-                        </p:par>
-                      </p:childTnLst>
-                    </p:cTn>
-                  </p:par>
-                  <p:par>
-                    <p:cTn id="15" fill="hold">
-                      <p:stCondLst>
-                        <p:cond delay="indefinite"/>
-                      </p:stCondLst>
-                      <p:childTnLst>
-                        <p:par>
-                          <p:cTn id="16" fill="hold">
-                            <p:stCondLst>
-                              <p:cond delay="0"/>
-                            </p:stCondLst>
-                            <p:childTnLst>
-                              <p:par>
-                                <p:cTn id="17" presetID="1" presetClass="entr" presetSubtype="0" fill="hold" grpId="0" nodeType="clickEffect">
-                                  <p:stCondLst>
-                                    <p:cond delay="0"/>
-                                  </p:stCondLst>
-                                  <p:childTnLst>
-                                    <p:set>
-                                      <p:cBhvr>
-                                        <p:cTn id="18" dur="1" fill="hold">
-                                          <p:stCondLst>
-                                            <p:cond delay="0"/>
-                                          </p:stCondLst>
-                                        </p:cTn>
-                                        <p:tgtEl>
-                                          <p:spTgt spid="3">
-                                            <p:txEl>
-                                              <p:pRg st="3" end="3"/>
-                                            </p:txEl>
-                                          </p:spTgt>
-                                        </p:tgtEl>
-                                        <p:attrNameLst>
-                                          <p:attrName>style.visibility</p:attrName>
-                                        </p:attrNameLst>
-                                      </p:cBhvr>
-                                      <p:to>
-                                        <p:strVal val="visible"/>
-                                      </p:to>
-                                    </p:set>
-                                  </p:childTnLst>
-                                </p:cTn>
-                              </p:par>
-                            </p:childTnLst>
-                          </p:cTn>
-                        </p:par>
-                      </p:childTnLst>
-                    </p:cTn>
-                  </p:par>
-                  <p:par>
-                    <p:cTn id="19" fill="hold">
-                      <p:stCondLst>
-                        <p:cond delay="indefinite"/>
-                      </p:stCondLst>
-                      <p:childTnLst>
-                        <p:par>
-                          <p:cTn id="20" fill="hold">
-                            <p:stCondLst>
-                              <p:cond delay="0"/>
-                            </p:stCondLst>
-                            <p:childTnLst>
-                              <p:par>
-                                <p:cTn id="21" presetID="1" presetClass="entr" presetSubtype="0" fill="hold" grpId="0" nodeType="clickEffect">
-                                  <p:stCondLst>
-                                    <p:cond delay="0"/>
-                                  </p:stCondLst>
-                                  <p:childTnLst>
-                                    <p:set>
-                                      <p:cBhvr>
-                                        <p:cTn id="22" dur="1" fill="hold">
-                                          <p:stCondLst>
-                                            <p:cond delay="0"/>
-                                          </p:stCondLst>
-                                        </p:cTn>
-                                        <p:tgtEl>
-                                          <p:spTgt spid="3">
-                                            <p:txEl>
-                                              <p:pRg st="4" end="4"/>
-                                            </p:txEl>
-                                          </p:spTgt>
-                                        </p:tgtEl>
-                                        <p:attrNameLst>
-                                          <p:attrName>style.visibility</p:attrName>
-                                        </p:attrNameLst>
-                                      </p:cBhvr>
-                                      <p:to>
-                                        <p:strVal val="visible"/>
-                                      </p:to>
-                                    </p:set>
-                                  </p:childTnLst>
-                                </p:cTn>
-                              </p:par>
-                            </p:childTnLst>
-                          </p:cTn>
-                        </p:par>
-                      </p:childTnLst>
-                    </p:cTn>
-                  </p:par>
-                  <p:par>
-                    <p:cTn id="23" fill="hold">
-                      <p:stCondLst>
-                        <p:cond delay="indefinite"/>
-                      </p:stCondLst>
-                      <p:childTnLst>
-                        <p:par>
-                          <p:cTn id="24" fill="hold">
-                            <p:stCondLst>
-                              <p:cond delay="0"/>
-                            </p:stCondLst>
-                            <p:childTnLst>
-                              <p:par>
-                                <p:cTn id="25" presetID="1" presetClass="entr" presetSubtype="0" fill="hold" grpId="0" nodeType="clickEffect">
-                                  <p:stCondLst>
-                                    <p:cond delay="0"/>
-                                  </p:stCondLst>
-                                  <p:childTnLst>
-                                    <p:set>
-                                      <p:cBhvr>
-                                        <p:cTn id="26" dur="1" fill="hold">
-                                          <p:stCondLst>
-                                            <p:cond delay="0"/>
-                                          </p:stCondLst>
-                                        </p:cTn>
-                                        <p:tgtEl>
-                                          <p:spTgt spid="3">
-                                            <p:txEl>
-                                              <p:pRg st="5" end="5"/>
-                                            </p:txEl>
-                                          </p:spTgt>
-                                        </p:tgtEl>
-                                        <p:attrNameLst>
-                                          <p:attrName>style.visibility</p:attrName>
-                                        </p:attrNameLst>
-                                      </p:cBhvr>
-                                      <p:to>
-                                        <p:strVal val="visible"/>
-                                      </p:to>
-                                    </p:set>
-                                  </p:childTnLst>
-                                </p:cTn>
-                              </p:par>
-                            </p:childTnLst>
-                          </p:cTn>
-                        </p:par>
-                      </p:childTnLst>
-                    </p:cTn>
-                  </p:par>
-                </p:childTnLst>
-              </p:cTn>
-              <p:prevCondLst>
-                <p:cond evt="onPrev" delay="0">
-                  <p:tgtEl>
-                    <p:sldTgt/>
-                  </p:tgtEl>
-                </p:cond>
-              </p:prevCondLst>
-              <p:nextCondLst>
-                <p:cond evt="onNext" delay="0">
-                  <p:tgtEl>
-                    <p:sldTgt/>
-                  </p:tgtEl>
-                </p:cond>
-              </p:nextCondLst>
-            </p:seq>
-          </p:childTnLst>
-        </p:cTn>
-      </p:par>
-    </p:tnLst>
-    <p:bldLst>
-      <p:bldP spid="3" grpId="0" build="p"/>
-    </p:bldLst>
-  </p:timing>
-</p:sld>
-</file>
-
-<file path=ppt/slides/slide29.xml><?xml version="1.0" encoding="utf-8"?>
-<p:sld xmlns:a="http://schemas.openxmlformats.org/drawingml/2006/main" xmlns:r="http://schemas.openxmlformats.org/officeDocument/2006/relationships" xmlns:p="http://schemas.openxmlformats.org/presentationml/2006/main">
-  <p:cSld>
-    <p:spTree>
-      <p:nvGrpSpPr>
-        <p:cNvPr id="1" name=""/>
-        <p:cNvGrpSpPr/>
-        <p:nvPr/>
-      </p:nvGrpSpPr>
-      <p:grpSpPr>
-        <a:xfrm>
-          <a:off x="0" y="0"/>
-          <a:ext cx="0" cy="0"/>
-          <a:chOff x="0" y="0"/>
-          <a:chExt cx="0" cy="0"/>
-        </a:xfrm>
-      </p:grpSpPr>
-      <p:sp>
-        <p:nvSpPr>
-          <p:cNvPr id="2" name="Title 1">
-            <a:extLst>
-              <a:ext uri="{FF2B5EF4-FFF2-40B4-BE49-F238E27FC236}">
-                <a16:creationId xmlns:a16="http://schemas.microsoft.com/office/drawing/2014/main" id="{D89AED36-617A-E284-4776-3CCB209CCB45}"/>
-              </a:ext>
-            </a:extLst>
-          </p:cNvPr>
-          <p:cNvSpPr>
-            <a:spLocks noGrp="1"/>
-          </p:cNvSpPr>
-          <p:nvPr>
-            <p:ph type="title"/>
-          </p:nvPr>
-        </p:nvSpPr>
-        <p:spPr/>
-        <p:txBody>
-          <a:bodyPr/>
-          <a:lstStyle/>
-          <a:p>
-            <a:pPr algn="ctr"/>
-            <a:r>
-              <a:rPr lang="en-US" dirty="0"/>
-              <a:t>Multiple alignment/identity matrix</a:t>
-            </a:r>
-          </a:p>
-        </p:txBody>
-      </p:sp>
-      <p:sp>
-        <p:nvSpPr>
-          <p:cNvPr id="3" name="Content Placeholder 2">
-            <a:extLst>
-              <a:ext uri="{FF2B5EF4-FFF2-40B4-BE49-F238E27FC236}">
-                <a16:creationId xmlns:a16="http://schemas.microsoft.com/office/drawing/2014/main" id="{AADC17C9-1F95-2204-8321-59BCF5ABC62E}"/>
-              </a:ext>
-            </a:extLst>
-          </p:cNvPr>
-          <p:cNvSpPr>
-            <a:spLocks noGrp="1"/>
-          </p:cNvSpPr>
-          <p:nvPr>
-            <p:ph idx="1"/>
-          </p:nvPr>
-        </p:nvSpPr>
-        <p:spPr/>
-        <p:txBody>
-          <a:bodyPr/>
-          <a:lstStyle/>
-          <a:p>
-            <a:r>
-              <a:rPr lang="en-US" dirty="0"/>
-              <a:t>Beforehand edit the header row of each sequence to clearly identify the species.</a:t>
-            </a:r>
-          </a:p>
-          <a:p>
-            <a:r>
-              <a:rPr lang="en-US" dirty="0"/>
-              <a:t>Windows: Use </a:t>
-            </a:r>
-            <a:r>
-              <a:rPr lang="en-US" dirty="0" err="1"/>
-              <a:t>BioEdit</a:t>
-            </a:r>
-            <a:r>
-              <a:rPr lang="en-US" dirty="0"/>
-              <a:t> to open FASTA file, and run alignment, then save the alignment file (.</a:t>
-            </a:r>
-            <a:r>
-              <a:rPr lang="en-US" dirty="0" err="1"/>
-              <a:t>aln</a:t>
-            </a:r>
-            <a:r>
-              <a:rPr lang="en-US" dirty="0"/>
-              <a:t>).</a:t>
-            </a:r>
-          </a:p>
-          <a:p>
-            <a:r>
-              <a:rPr lang="en-US" dirty="0"/>
-              <a:t>Linux: use the </a:t>
-            </a:r>
-            <a:r>
-              <a:rPr lang="en-US" dirty="0" err="1"/>
-              <a:t>clustalw</a:t>
-            </a:r>
-            <a:r>
-              <a:rPr lang="en-US" dirty="0"/>
-              <a:t> or MAFFT utility.</a:t>
-            </a:r>
-          </a:p>
-          <a:p>
-            <a:pPr lvl="1"/>
-            <a:r>
-              <a:rPr lang="en-US" dirty="0" err="1"/>
-              <a:t>Clustalw</a:t>
-            </a:r>
-            <a:r>
-              <a:rPr lang="en-US" dirty="0"/>
-              <a:t> for </a:t>
-            </a:r>
-            <a:r>
-              <a:rPr lang="en-US" dirty="0" err="1"/>
-              <a:t>mtDNA</a:t>
-            </a:r>
-            <a:endParaRPr lang="en-US" dirty="0"/>
-          </a:p>
-          <a:p>
-            <a:pPr lvl="1"/>
-            <a:r>
-              <a:rPr lang="en-US" dirty="0"/>
-              <a:t>MAFFT necessary for chloroplast</a:t>
-            </a:r>
-          </a:p>
-          <a:p>
-            <a:r>
-              <a:rPr lang="en-US" dirty="0"/>
-              <a:t>The alignment can be transformed into a sequence identity matrix using R code.</a:t>
-            </a:r>
-          </a:p>
-        </p:txBody>
-      </p:sp>
-    </p:spTree>
-    <p:extLst>
-      <p:ext uri="{BB962C8B-B14F-4D97-AF65-F5344CB8AC3E}">
-        <p14:creationId xmlns:p14="http://schemas.microsoft.com/office/powerpoint/2010/main" val="3905593081"/>
-      </p:ext>
-    </p:extLst>
-  </p:cSld>
-  <p:clrMapOvr>
-    <a:masterClrMapping/>
-  </p:clrMapOvr>
-  <p:timing>
-    <p:tnLst>
-      <p:par>
-        <p:cTn id="1" dur="indefinite" restart="never" nodeType="tmRoot">
-          <p:childTnLst>
-            <p:seq concurrent="1" nextAc="seek">
-              <p:cTn id="2" dur="indefinite" nodeType="mainSeq">
-                <p:childTnLst>
-                  <p:par>
-                    <p:cTn id="3" fill="hold">
-                      <p:stCondLst>
-                        <p:cond delay="indefinite"/>
-                      </p:stCondLst>
-                      <p:childTnLst>
-                        <p:par>
-                          <p:cTn id="4" fill="hold">
-                            <p:stCondLst>
-                              <p:cond delay="0"/>
-                            </p:stCondLst>
-                            <p:childTnLst>
-                              <p:par>
-                                <p:cTn id="5" presetID="1" presetClass="entr" presetSubtype="0" fill="hold" nodeType="clickEffect">
-                                  <p:stCondLst>
-                                    <p:cond delay="0"/>
-                                  </p:stCondLst>
-                                  <p:childTnLst>
-                                    <p:set>
-                                      <p:cBhvr>
-                                        <p:cTn id="6" dur="1" fill="hold">
-                                          <p:stCondLst>
-                                            <p:cond delay="0"/>
-                                          </p:stCondLst>
-                                        </p:cTn>
-                                        <p:tgtEl>
-                                          <p:spTgt spid="3">
-                                            <p:txEl>
-                                              <p:pRg st="0" end="0"/>
-                                            </p:txEl>
-                                          </p:spTgt>
-                                        </p:tgtEl>
-                                        <p:attrNameLst>
-                                          <p:attrName>style.visibility</p:attrName>
-                                        </p:attrNameLst>
-                                      </p:cBhvr>
-                                      <p:to>
-                                        <p:strVal val="visible"/>
-                                      </p:to>
-                                    </p:set>
-                                  </p:childTnLst>
-                                </p:cTn>
-                              </p:par>
-                            </p:childTnLst>
-                          </p:cTn>
-                        </p:par>
-                      </p:childTnLst>
-                    </p:cTn>
-                  </p:par>
-                  <p:par>
-                    <p:cTn id="7" fill="hold">
-                      <p:stCondLst>
-                        <p:cond delay="indefinite"/>
-                      </p:stCondLst>
-                      <p:childTnLst>
-                        <p:par>
-                          <p:cTn id="8" fill="hold">
-                            <p:stCondLst>
-                              <p:cond delay="0"/>
-                            </p:stCondLst>
-                            <p:childTnLst>
-                              <p:par>
-                                <p:cTn id="9" presetID="1" presetClass="entr" presetSubtype="0" fill="hold" nodeType="clickEffect">
-                                  <p:stCondLst>
-                                    <p:cond delay="0"/>
-                                  </p:stCondLst>
-                                  <p:childTnLst>
-                                    <p:set>
-                                      <p:cBhvr>
-                                        <p:cTn id="10" dur="1" fill="hold">
-                                          <p:stCondLst>
-                                            <p:cond delay="0"/>
-                                          </p:stCondLst>
-                                        </p:cTn>
-                                        <p:tgtEl>
-                                          <p:spTgt spid="3">
-                                            <p:txEl>
-                                              <p:pRg st="1" end="1"/>
-                                            </p:txEl>
-                                          </p:spTgt>
-                                        </p:tgtEl>
-                                        <p:attrNameLst>
-                                          <p:attrName>style.visibility</p:attrName>
-                                        </p:attrNameLst>
-                                      </p:cBhvr>
-                                      <p:to>
-                                        <p:strVal val="visible"/>
-                                      </p:to>
-                                    </p:set>
-                                  </p:childTnLst>
-                                </p:cTn>
-                              </p:par>
-                            </p:childTnLst>
-                          </p:cTn>
-                        </p:par>
-                      </p:childTnLst>
-                    </p:cTn>
-                  </p:par>
-                  <p:par>
-                    <p:cTn id="11" fill="hold">
-                      <p:stCondLst>
-                        <p:cond delay="indefinite"/>
-                      </p:stCondLst>
-                      <p:childTnLst>
-                        <p:par>
-                          <p:cTn id="12" fill="hold">
-                            <p:stCondLst>
-                              <p:cond delay="0"/>
-                            </p:stCondLst>
-                            <p:childTnLst>
-                              <p:par>
-                                <p:cTn id="13" presetID="1" presetClass="entr" presetSubtype="0" fill="hold" nodeType="clickEffect">
-                                  <p:stCondLst>
-                                    <p:cond delay="0"/>
-                                  </p:stCondLst>
-                                  <p:childTnLst>
-                                    <p:set>
-                                      <p:cBhvr>
-                                        <p:cTn id="14" dur="1" fill="hold">
-                                          <p:stCondLst>
-                                            <p:cond delay="0"/>
-                                          </p:stCondLst>
-                                        </p:cTn>
-                                        <p:tgtEl>
-                                          <p:spTgt spid="3">
-                                            <p:txEl>
-                                              <p:pRg st="2" end="2"/>
-                                            </p:txEl>
-                                          </p:spTgt>
-                                        </p:tgtEl>
-                                        <p:attrNameLst>
-                                          <p:attrName>style.visibility</p:attrName>
-                                        </p:attrNameLst>
-                                      </p:cBhvr>
-                                      <p:to>
-                                        <p:strVal val="visible"/>
-                                      </p:to>
-                                    </p:set>
-                                  </p:childTnLst>
-                                </p:cTn>
-                              </p:par>
-                            </p:childTnLst>
-                          </p:cTn>
-                        </p:par>
-                      </p:childTnLst>
-                    </p:cTn>
-                  </p:par>
-                  <p:par>
-                    <p:cTn id="15" fill="hold">
-                      <p:stCondLst>
-                        <p:cond delay="indefinite"/>
-                      </p:stCondLst>
-                      <p:childTnLst>
-                        <p:par>
-                          <p:cTn id="16" fill="hold">
-                            <p:stCondLst>
-                              <p:cond delay="0"/>
-                            </p:stCondLst>
-                            <p:childTnLst>
-                              <p:par>
-                                <p:cTn id="17" presetID="1" presetClass="entr" presetSubtype="0" fill="hold" nodeType="clickEffect">
-                                  <p:stCondLst>
-                                    <p:cond delay="0"/>
-                                  </p:stCondLst>
-                                  <p:childTnLst>
-                                    <p:set>
-                                      <p:cBhvr>
-                                        <p:cTn id="18" dur="1" fill="hold">
-                                          <p:stCondLst>
-                                            <p:cond delay="0"/>
-                                          </p:stCondLst>
-                                        </p:cTn>
-                                        <p:tgtEl>
-                                          <p:spTgt spid="3">
-                                            <p:txEl>
-                                              <p:pRg st="3" end="3"/>
-                                            </p:txEl>
-                                          </p:spTgt>
-                                        </p:tgtEl>
-                                        <p:attrNameLst>
-                                          <p:attrName>style.visibility</p:attrName>
-                                        </p:attrNameLst>
-                                      </p:cBhvr>
-                                      <p:to>
-                                        <p:strVal val="visible"/>
-                                      </p:to>
-                                    </p:set>
-                                  </p:childTnLst>
-                                </p:cTn>
-                              </p:par>
-                            </p:childTnLst>
-                          </p:cTn>
-                        </p:par>
-                      </p:childTnLst>
-                    </p:cTn>
-                  </p:par>
-                  <p:par>
-                    <p:cTn id="19" fill="hold">
-                      <p:stCondLst>
-                        <p:cond delay="indefinite"/>
-                      </p:stCondLst>
-                      <p:childTnLst>
-                        <p:par>
-                          <p:cTn id="20" fill="hold">
-                            <p:stCondLst>
-                              <p:cond delay="0"/>
-                            </p:stCondLst>
-                            <p:childTnLst>
-                              <p:par>
-                                <p:cTn id="21" presetID="1" presetClass="entr" presetSubtype="0" fill="hold" nodeType="clickEffect">
-                                  <p:stCondLst>
-                                    <p:cond delay="0"/>
-                                  </p:stCondLst>
-                                  <p:childTnLst>
-                                    <p:set>
-                                      <p:cBhvr>
-                                        <p:cTn id="22" dur="1" fill="hold">
-                                          <p:stCondLst>
-                                            <p:cond delay="0"/>
-                                          </p:stCondLst>
-                                        </p:cTn>
-                                        <p:tgtEl>
-                                          <p:spTgt spid="3">
-                                            <p:txEl>
-                                              <p:pRg st="4" end="4"/>
-                                            </p:txEl>
-                                          </p:spTgt>
-                                        </p:tgtEl>
-                                        <p:attrNameLst>
-                                          <p:attrName>style.visibility</p:attrName>
-                                        </p:attrNameLst>
-                                      </p:cBhvr>
-                                      <p:to>
-                                        <p:strVal val="visible"/>
-                                      </p:to>
-                                    </p:set>
-                                  </p:childTnLst>
-                                </p:cTn>
-                              </p:par>
-                            </p:childTnLst>
-                          </p:cTn>
-                        </p:par>
-                      </p:childTnLst>
-                    </p:cTn>
-                  </p:par>
-                  <p:par>
-                    <p:cTn id="23" fill="hold">
-                      <p:stCondLst>
-                        <p:cond delay="indefinite"/>
-                      </p:stCondLst>
-                      <p:childTnLst>
-                        <p:par>
-                          <p:cTn id="24" fill="hold">
-                            <p:stCondLst>
-                              <p:cond delay="0"/>
-                            </p:stCondLst>
-                            <p:childTnLst>
-                              <p:par>
-                                <p:cTn id="25" presetID="1" presetClass="entr" presetSubtype="0" fill="hold" nodeType="clickEffect">
-                                  <p:stCondLst>
-                                    <p:cond delay="0"/>
-                                  </p:stCondLst>
-                                  <p:childTnLst>
-                                    <p:set>
-                                      <p:cBhvr>
-                                        <p:cTn id="26" dur="1" fill="hold">
-                                          <p:stCondLst>
-                                            <p:cond delay="0"/>
-                                          </p:stCondLst>
-                                        </p:cTn>
-                                        <p:tgtEl>
-                                          <p:spTgt spid="3">
-                                            <p:txEl>
-                                              <p:pRg st="5" end="5"/>
-                                            </p:txEl>
-                                          </p:spTgt>
-                                        </p:tgtEl>
-                                        <p:attrNameLst>
-                                          <p:attrName>style.visibility</p:attrName>
-                                        </p:attrNameLst>
-                                      </p:cBhvr>
-                                      <p:to>
-                                        <p:strVal val="visible"/>
-                                      </p:to>
-                                    </p:set>
-                                  </p:childTnLst>
-                                </p:cTn>
-                              </p:par>
-                            </p:childTnLst>
-                          </p:cTn>
-                        </p:par>
-                      </p:childTnLst>
-                    </p:cTn>
-                  </p:par>
-                </p:childTnLst>
-              </p:cTn>
-              <p:prevCondLst>
-                <p:cond evt="onPrev" delay="0">
-                  <p:tgtEl>
-                    <p:sldTgt/>
-                  </p:tgtEl>
-                </p:cond>
-              </p:prevCondLst>
-              <p:nextCondLst>
-                <p:cond evt="onNext" delay="0">
-                  <p:tgtEl>
-                    <p:sldTgt/>
-                  </p:tgtEl>
-                </p:cond>
-              </p:nextCondLst>
-            </p:seq>
-          </p:childTnLst>
-        </p:cTn>
-      </p:par>
-    </p:tnLst>
-  </p:timing>
-</p:sld>
-</file>
-
 <file path=ppt/slides/slide3.xml><?xml version="1.0" encoding="utf-8"?>
 <p:sld xmlns:a="http://schemas.openxmlformats.org/drawingml/2006/main" xmlns:r="http://schemas.openxmlformats.org/officeDocument/2006/relationships" xmlns:p="http://schemas.openxmlformats.org/presentationml/2006/main">
   <p:cSld>
@@ -13228,19 +18430,31 @@
           <a:p>
             <a:r>
               <a:rPr lang="en-US" dirty="0"/>
-              <a:t>Python has less syntax, but is easy to learn</a:t>
+              <a:t>Python has less syntax, but is </a:t>
+            </a:r>
+            <a:r>
+              <a:rPr lang="en-US" b="1" dirty="0"/>
+              <a:t>easy to learn</a:t>
             </a:r>
           </a:p>
           <a:p>
             <a:r>
               <a:rPr lang="en-US" dirty="0"/>
-              <a:t>In comparison, R has many specific functions</a:t>
+              <a:t>In comparison, R has </a:t>
+            </a:r>
+            <a:r>
+              <a:rPr lang="en-US" b="1" dirty="0"/>
+              <a:t>many specific functions</a:t>
             </a:r>
           </a:p>
           <a:p>
             <a:r>
               <a:rPr lang="en-US" dirty="0"/>
-              <a:t>Has many, many packages, which can be used in bioinformatics</a:t>
+              <a:t>Has many, many packages, which can be used in </a:t>
+            </a:r>
+            <a:r>
+              <a:rPr lang="en-US" b="1" dirty="0"/>
+              <a:t>bioinformatics</a:t>
             </a:r>
           </a:p>
           <a:p>
@@ -13688,6 +18902,934 @@
           <p:cNvPr id="2" name="Title 1">
             <a:extLst>
               <a:ext uri="{FF2B5EF4-FFF2-40B4-BE49-F238E27FC236}">
+                <a16:creationId xmlns:a16="http://schemas.microsoft.com/office/drawing/2014/main" id="{7AC383D8-EE32-8EE4-F8D8-5E8C171042F0}"/>
+              </a:ext>
+            </a:extLst>
+          </p:cNvPr>
+          <p:cNvSpPr>
+            <a:spLocks noGrp="1"/>
+          </p:cNvSpPr>
+          <p:nvPr>
+            <p:ph type="title"/>
+          </p:nvPr>
+        </p:nvSpPr>
+        <p:spPr/>
+        <p:txBody>
+          <a:bodyPr/>
+          <a:lstStyle/>
+          <a:p>
+            <a:pPr algn="ctr"/>
+            <a:r>
+              <a:rPr lang="en-US" dirty="0"/>
+              <a:t>Sequence download</a:t>
+            </a:r>
+          </a:p>
+        </p:txBody>
+      </p:sp>
+      <p:sp>
+        <p:nvSpPr>
+          <p:cNvPr id="3" name="Content Placeholder 2">
+            <a:extLst>
+              <a:ext uri="{FF2B5EF4-FFF2-40B4-BE49-F238E27FC236}">
+                <a16:creationId xmlns:a16="http://schemas.microsoft.com/office/drawing/2014/main" id="{B31B110D-27F9-33C1-2EB0-82298A2DF62E}"/>
+              </a:ext>
+            </a:extLst>
+          </p:cNvPr>
+          <p:cNvSpPr>
+            <a:spLocks noGrp="1"/>
+          </p:cNvSpPr>
+          <p:nvPr>
+            <p:ph idx="1"/>
+          </p:nvPr>
+        </p:nvSpPr>
+        <p:spPr/>
+        <p:txBody>
+          <a:bodyPr/>
+          <a:lstStyle/>
+          <a:p>
+            <a:r>
+              <a:rPr lang="en-US" dirty="0"/>
+              <a:t>At the NCBI database select the Nucleotide database, and type in &lt;group name mitochondrial DNA &gt; in the search bar.</a:t>
+            </a:r>
+          </a:p>
+          <a:p>
+            <a:r>
+              <a:rPr lang="en-US" dirty="0"/>
+              <a:t>Select ‘Mitochondrion’ as the genetic compartment in the left.</a:t>
+            </a:r>
+          </a:p>
+          <a:p>
+            <a:r>
+              <a:rPr lang="en-US" dirty="0"/>
+              <a:t>Try to use </a:t>
+            </a:r>
+            <a:r>
+              <a:rPr lang="en-US" dirty="0" err="1"/>
+              <a:t>RefSeq</a:t>
+            </a:r>
+            <a:r>
+              <a:rPr lang="en-US" dirty="0"/>
+              <a:t> sequences, which are high quality.</a:t>
+            </a:r>
+          </a:p>
+          <a:p>
+            <a:r>
+              <a:rPr lang="en-US" dirty="0"/>
+              <a:t>On the top right select ‘Send to’, then ‘Coding Sequences’.</a:t>
+            </a:r>
+          </a:p>
+          <a:p>
+            <a:r>
+              <a:rPr lang="en-US" dirty="0"/>
+              <a:t>Then download the FASTA file.</a:t>
+            </a:r>
+          </a:p>
+          <a:p>
+            <a:r>
+              <a:rPr lang="en-US" dirty="0"/>
+              <a:t>Also, don’t forget to select an outlier species/group.</a:t>
+            </a:r>
+          </a:p>
+        </p:txBody>
+      </p:sp>
+    </p:spTree>
+    <p:extLst>
+      <p:ext uri="{BB962C8B-B14F-4D97-AF65-F5344CB8AC3E}">
+        <p14:creationId xmlns:p14="http://schemas.microsoft.com/office/powerpoint/2010/main" val="578898560"/>
+      </p:ext>
+    </p:extLst>
+  </p:cSld>
+  <p:clrMapOvr>
+    <a:masterClrMapping/>
+  </p:clrMapOvr>
+  <p:timing>
+    <p:tnLst>
+      <p:par>
+        <p:cTn id="1" dur="indefinite" restart="never" nodeType="tmRoot">
+          <p:childTnLst>
+            <p:seq concurrent="1" nextAc="seek">
+              <p:cTn id="2" dur="indefinite" nodeType="mainSeq">
+                <p:childTnLst>
+                  <p:par>
+                    <p:cTn id="3" fill="hold">
+                      <p:stCondLst>
+                        <p:cond delay="indefinite"/>
+                      </p:stCondLst>
+                      <p:childTnLst>
+                        <p:par>
+                          <p:cTn id="4" fill="hold">
+                            <p:stCondLst>
+                              <p:cond delay="0"/>
+                            </p:stCondLst>
+                            <p:childTnLst>
+                              <p:par>
+                                <p:cTn id="5" presetID="1" presetClass="entr" presetSubtype="0" fill="hold" grpId="0" nodeType="clickEffect">
+                                  <p:stCondLst>
+                                    <p:cond delay="0"/>
+                                  </p:stCondLst>
+                                  <p:childTnLst>
+                                    <p:set>
+                                      <p:cBhvr>
+                                        <p:cTn id="6" dur="1" fill="hold">
+                                          <p:stCondLst>
+                                            <p:cond delay="0"/>
+                                          </p:stCondLst>
+                                        </p:cTn>
+                                        <p:tgtEl>
+                                          <p:spTgt spid="3">
+                                            <p:txEl>
+                                              <p:pRg st="0" end="0"/>
+                                            </p:txEl>
+                                          </p:spTgt>
+                                        </p:tgtEl>
+                                        <p:attrNameLst>
+                                          <p:attrName>style.visibility</p:attrName>
+                                        </p:attrNameLst>
+                                      </p:cBhvr>
+                                      <p:to>
+                                        <p:strVal val="visible"/>
+                                      </p:to>
+                                    </p:set>
+                                  </p:childTnLst>
+                                </p:cTn>
+                              </p:par>
+                            </p:childTnLst>
+                          </p:cTn>
+                        </p:par>
+                      </p:childTnLst>
+                    </p:cTn>
+                  </p:par>
+                  <p:par>
+                    <p:cTn id="7" fill="hold">
+                      <p:stCondLst>
+                        <p:cond delay="indefinite"/>
+                      </p:stCondLst>
+                      <p:childTnLst>
+                        <p:par>
+                          <p:cTn id="8" fill="hold">
+                            <p:stCondLst>
+                              <p:cond delay="0"/>
+                            </p:stCondLst>
+                            <p:childTnLst>
+                              <p:par>
+                                <p:cTn id="9" presetID="1" presetClass="entr" presetSubtype="0" fill="hold" grpId="0" nodeType="clickEffect">
+                                  <p:stCondLst>
+                                    <p:cond delay="0"/>
+                                  </p:stCondLst>
+                                  <p:childTnLst>
+                                    <p:set>
+                                      <p:cBhvr>
+                                        <p:cTn id="10" dur="1" fill="hold">
+                                          <p:stCondLst>
+                                            <p:cond delay="0"/>
+                                          </p:stCondLst>
+                                        </p:cTn>
+                                        <p:tgtEl>
+                                          <p:spTgt spid="3">
+                                            <p:txEl>
+                                              <p:pRg st="1" end="1"/>
+                                            </p:txEl>
+                                          </p:spTgt>
+                                        </p:tgtEl>
+                                        <p:attrNameLst>
+                                          <p:attrName>style.visibility</p:attrName>
+                                        </p:attrNameLst>
+                                      </p:cBhvr>
+                                      <p:to>
+                                        <p:strVal val="visible"/>
+                                      </p:to>
+                                    </p:set>
+                                  </p:childTnLst>
+                                </p:cTn>
+                              </p:par>
+                            </p:childTnLst>
+                          </p:cTn>
+                        </p:par>
+                      </p:childTnLst>
+                    </p:cTn>
+                  </p:par>
+                  <p:par>
+                    <p:cTn id="11" fill="hold">
+                      <p:stCondLst>
+                        <p:cond delay="indefinite"/>
+                      </p:stCondLst>
+                      <p:childTnLst>
+                        <p:par>
+                          <p:cTn id="12" fill="hold">
+                            <p:stCondLst>
+                              <p:cond delay="0"/>
+                            </p:stCondLst>
+                            <p:childTnLst>
+                              <p:par>
+                                <p:cTn id="13" presetID="1" presetClass="entr" presetSubtype="0" fill="hold" grpId="0" nodeType="clickEffect">
+                                  <p:stCondLst>
+                                    <p:cond delay="0"/>
+                                  </p:stCondLst>
+                                  <p:childTnLst>
+                                    <p:set>
+                                      <p:cBhvr>
+                                        <p:cTn id="14" dur="1" fill="hold">
+                                          <p:stCondLst>
+                                            <p:cond delay="0"/>
+                                          </p:stCondLst>
+                                        </p:cTn>
+                                        <p:tgtEl>
+                                          <p:spTgt spid="3">
+                                            <p:txEl>
+                                              <p:pRg st="2" end="2"/>
+                                            </p:txEl>
+                                          </p:spTgt>
+                                        </p:tgtEl>
+                                        <p:attrNameLst>
+                                          <p:attrName>style.visibility</p:attrName>
+                                        </p:attrNameLst>
+                                      </p:cBhvr>
+                                      <p:to>
+                                        <p:strVal val="visible"/>
+                                      </p:to>
+                                    </p:set>
+                                  </p:childTnLst>
+                                </p:cTn>
+                              </p:par>
+                            </p:childTnLst>
+                          </p:cTn>
+                        </p:par>
+                      </p:childTnLst>
+                    </p:cTn>
+                  </p:par>
+                  <p:par>
+                    <p:cTn id="15" fill="hold">
+                      <p:stCondLst>
+                        <p:cond delay="indefinite"/>
+                      </p:stCondLst>
+                      <p:childTnLst>
+                        <p:par>
+                          <p:cTn id="16" fill="hold">
+                            <p:stCondLst>
+                              <p:cond delay="0"/>
+                            </p:stCondLst>
+                            <p:childTnLst>
+                              <p:par>
+                                <p:cTn id="17" presetID="1" presetClass="entr" presetSubtype="0" fill="hold" grpId="0" nodeType="clickEffect">
+                                  <p:stCondLst>
+                                    <p:cond delay="0"/>
+                                  </p:stCondLst>
+                                  <p:childTnLst>
+                                    <p:set>
+                                      <p:cBhvr>
+                                        <p:cTn id="18" dur="1" fill="hold">
+                                          <p:stCondLst>
+                                            <p:cond delay="0"/>
+                                          </p:stCondLst>
+                                        </p:cTn>
+                                        <p:tgtEl>
+                                          <p:spTgt spid="3">
+                                            <p:txEl>
+                                              <p:pRg st="3" end="3"/>
+                                            </p:txEl>
+                                          </p:spTgt>
+                                        </p:tgtEl>
+                                        <p:attrNameLst>
+                                          <p:attrName>style.visibility</p:attrName>
+                                        </p:attrNameLst>
+                                      </p:cBhvr>
+                                      <p:to>
+                                        <p:strVal val="visible"/>
+                                      </p:to>
+                                    </p:set>
+                                  </p:childTnLst>
+                                </p:cTn>
+                              </p:par>
+                            </p:childTnLst>
+                          </p:cTn>
+                        </p:par>
+                      </p:childTnLst>
+                    </p:cTn>
+                  </p:par>
+                  <p:par>
+                    <p:cTn id="19" fill="hold">
+                      <p:stCondLst>
+                        <p:cond delay="indefinite"/>
+                      </p:stCondLst>
+                      <p:childTnLst>
+                        <p:par>
+                          <p:cTn id="20" fill="hold">
+                            <p:stCondLst>
+                              <p:cond delay="0"/>
+                            </p:stCondLst>
+                            <p:childTnLst>
+                              <p:par>
+                                <p:cTn id="21" presetID="1" presetClass="entr" presetSubtype="0" fill="hold" grpId="0" nodeType="clickEffect">
+                                  <p:stCondLst>
+                                    <p:cond delay="0"/>
+                                  </p:stCondLst>
+                                  <p:childTnLst>
+                                    <p:set>
+                                      <p:cBhvr>
+                                        <p:cTn id="22" dur="1" fill="hold">
+                                          <p:stCondLst>
+                                            <p:cond delay="0"/>
+                                          </p:stCondLst>
+                                        </p:cTn>
+                                        <p:tgtEl>
+                                          <p:spTgt spid="3">
+                                            <p:txEl>
+                                              <p:pRg st="4" end="4"/>
+                                            </p:txEl>
+                                          </p:spTgt>
+                                        </p:tgtEl>
+                                        <p:attrNameLst>
+                                          <p:attrName>style.visibility</p:attrName>
+                                        </p:attrNameLst>
+                                      </p:cBhvr>
+                                      <p:to>
+                                        <p:strVal val="visible"/>
+                                      </p:to>
+                                    </p:set>
+                                  </p:childTnLst>
+                                </p:cTn>
+                              </p:par>
+                            </p:childTnLst>
+                          </p:cTn>
+                        </p:par>
+                      </p:childTnLst>
+                    </p:cTn>
+                  </p:par>
+                  <p:par>
+                    <p:cTn id="23" fill="hold">
+                      <p:stCondLst>
+                        <p:cond delay="indefinite"/>
+                      </p:stCondLst>
+                      <p:childTnLst>
+                        <p:par>
+                          <p:cTn id="24" fill="hold">
+                            <p:stCondLst>
+                              <p:cond delay="0"/>
+                            </p:stCondLst>
+                            <p:childTnLst>
+                              <p:par>
+                                <p:cTn id="25" presetID="1" presetClass="entr" presetSubtype="0" fill="hold" grpId="0" nodeType="clickEffect">
+                                  <p:stCondLst>
+                                    <p:cond delay="0"/>
+                                  </p:stCondLst>
+                                  <p:childTnLst>
+                                    <p:set>
+                                      <p:cBhvr>
+                                        <p:cTn id="26" dur="1" fill="hold">
+                                          <p:stCondLst>
+                                            <p:cond delay="0"/>
+                                          </p:stCondLst>
+                                        </p:cTn>
+                                        <p:tgtEl>
+                                          <p:spTgt spid="3">
+                                            <p:txEl>
+                                              <p:pRg st="5" end="5"/>
+                                            </p:txEl>
+                                          </p:spTgt>
+                                        </p:tgtEl>
+                                        <p:attrNameLst>
+                                          <p:attrName>style.visibility</p:attrName>
+                                        </p:attrNameLst>
+                                      </p:cBhvr>
+                                      <p:to>
+                                        <p:strVal val="visible"/>
+                                      </p:to>
+                                    </p:set>
+                                  </p:childTnLst>
+                                </p:cTn>
+                              </p:par>
+                            </p:childTnLst>
+                          </p:cTn>
+                        </p:par>
+                      </p:childTnLst>
+                    </p:cTn>
+                  </p:par>
+                </p:childTnLst>
+              </p:cTn>
+              <p:prevCondLst>
+                <p:cond evt="onPrev" delay="0">
+                  <p:tgtEl>
+                    <p:sldTgt/>
+                  </p:tgtEl>
+                </p:cond>
+              </p:prevCondLst>
+              <p:nextCondLst>
+                <p:cond evt="onNext" delay="0">
+                  <p:tgtEl>
+                    <p:sldTgt/>
+                  </p:tgtEl>
+                </p:cond>
+              </p:nextCondLst>
+            </p:seq>
+          </p:childTnLst>
+        </p:cTn>
+      </p:par>
+    </p:tnLst>
+    <p:bldLst>
+      <p:bldP spid="3" grpId="0" build="p"/>
+    </p:bldLst>
+  </p:timing>
+</p:sld>
+</file>
+
+<file path=ppt/slides/slide31.xml><?xml version="1.0" encoding="utf-8"?>
+<p:sld xmlns:a="http://schemas.openxmlformats.org/drawingml/2006/main" xmlns:r="http://schemas.openxmlformats.org/officeDocument/2006/relationships" xmlns:p="http://schemas.openxmlformats.org/presentationml/2006/main">
+  <p:cSld>
+    <p:spTree>
+      <p:nvGrpSpPr>
+        <p:cNvPr id="1" name=""/>
+        <p:cNvGrpSpPr/>
+        <p:nvPr/>
+      </p:nvGrpSpPr>
+      <p:grpSpPr>
+        <a:xfrm>
+          <a:off x="0" y="0"/>
+          <a:ext cx="0" cy="0"/>
+          <a:chOff x="0" y="0"/>
+          <a:chExt cx="0" cy="0"/>
+        </a:xfrm>
+      </p:grpSpPr>
+      <p:sp>
+        <p:nvSpPr>
+          <p:cNvPr id="2" name="Title 1">
+            <a:extLst>
+              <a:ext uri="{FF2B5EF4-FFF2-40B4-BE49-F238E27FC236}">
+                <a16:creationId xmlns:a16="http://schemas.microsoft.com/office/drawing/2014/main" id="{D89AED36-617A-E284-4776-3CCB209CCB45}"/>
+              </a:ext>
+            </a:extLst>
+          </p:cNvPr>
+          <p:cNvSpPr>
+            <a:spLocks noGrp="1"/>
+          </p:cNvSpPr>
+          <p:nvPr>
+            <p:ph type="title"/>
+          </p:nvPr>
+        </p:nvSpPr>
+        <p:spPr/>
+        <p:txBody>
+          <a:bodyPr/>
+          <a:lstStyle/>
+          <a:p>
+            <a:pPr algn="ctr"/>
+            <a:r>
+              <a:rPr lang="en-US" dirty="0"/>
+              <a:t>Multiple alignment/identity matrix</a:t>
+            </a:r>
+          </a:p>
+        </p:txBody>
+      </p:sp>
+      <p:sp>
+        <p:nvSpPr>
+          <p:cNvPr id="3" name="Content Placeholder 2">
+            <a:extLst>
+              <a:ext uri="{FF2B5EF4-FFF2-40B4-BE49-F238E27FC236}">
+                <a16:creationId xmlns:a16="http://schemas.microsoft.com/office/drawing/2014/main" id="{AADC17C9-1F95-2204-8321-59BCF5ABC62E}"/>
+              </a:ext>
+            </a:extLst>
+          </p:cNvPr>
+          <p:cNvSpPr>
+            <a:spLocks noGrp="1"/>
+          </p:cNvSpPr>
+          <p:nvPr>
+            <p:ph idx="1"/>
+          </p:nvPr>
+        </p:nvSpPr>
+        <p:spPr/>
+        <p:txBody>
+          <a:bodyPr/>
+          <a:lstStyle/>
+          <a:p>
+            <a:r>
+              <a:rPr lang="en-US" dirty="0"/>
+              <a:t>Beforehand edit the header row of each sequence to clearly identify the species.</a:t>
+            </a:r>
+          </a:p>
+          <a:p>
+            <a:r>
+              <a:rPr lang="en-US" dirty="0"/>
+              <a:t>Windows: Use </a:t>
+            </a:r>
+            <a:r>
+              <a:rPr lang="en-US" dirty="0" err="1"/>
+              <a:t>BioEdit</a:t>
+            </a:r>
+            <a:r>
+              <a:rPr lang="en-US" dirty="0"/>
+              <a:t> to open FASTA file, and run alignment, then save the alignment file (.</a:t>
+            </a:r>
+            <a:r>
+              <a:rPr lang="en-US" dirty="0" err="1"/>
+              <a:t>aln</a:t>
+            </a:r>
+            <a:r>
+              <a:rPr lang="en-US" dirty="0"/>
+              <a:t>).</a:t>
+            </a:r>
+          </a:p>
+          <a:p>
+            <a:r>
+              <a:rPr lang="en-US" dirty="0"/>
+              <a:t>Linux: use the </a:t>
+            </a:r>
+            <a:r>
+              <a:rPr lang="en-US" dirty="0" err="1"/>
+              <a:t>clustalw</a:t>
+            </a:r>
+            <a:r>
+              <a:rPr lang="en-US" dirty="0"/>
+              <a:t> or MAFFT utility.</a:t>
+            </a:r>
+          </a:p>
+          <a:p>
+            <a:pPr lvl="1"/>
+            <a:r>
+              <a:rPr lang="en-US" dirty="0" err="1"/>
+              <a:t>Clustalw</a:t>
+            </a:r>
+            <a:r>
+              <a:rPr lang="en-US" dirty="0"/>
+              <a:t> for </a:t>
+            </a:r>
+            <a:r>
+              <a:rPr lang="en-US" dirty="0" err="1"/>
+              <a:t>mtDNA</a:t>
+            </a:r>
+            <a:endParaRPr lang="en-US" dirty="0"/>
+          </a:p>
+          <a:p>
+            <a:pPr lvl="1"/>
+            <a:r>
+              <a:rPr lang="en-US" dirty="0"/>
+              <a:t>MAFFT necessary for chloroplast</a:t>
+            </a:r>
+          </a:p>
+          <a:p>
+            <a:r>
+              <a:rPr lang="en-US" dirty="0"/>
+              <a:t>The alignment can be transformed into a sequence identity matrix using R code.</a:t>
+            </a:r>
+          </a:p>
+        </p:txBody>
+      </p:sp>
+    </p:spTree>
+    <p:extLst>
+      <p:ext uri="{BB962C8B-B14F-4D97-AF65-F5344CB8AC3E}">
+        <p14:creationId xmlns:p14="http://schemas.microsoft.com/office/powerpoint/2010/main" val="3905593081"/>
+      </p:ext>
+    </p:extLst>
+  </p:cSld>
+  <p:clrMapOvr>
+    <a:masterClrMapping/>
+  </p:clrMapOvr>
+  <p:timing>
+    <p:tnLst>
+      <p:par>
+        <p:cTn id="1" dur="indefinite" restart="never" nodeType="tmRoot">
+          <p:childTnLst>
+            <p:seq concurrent="1" nextAc="seek">
+              <p:cTn id="2" dur="indefinite" nodeType="mainSeq">
+                <p:childTnLst>
+                  <p:par>
+                    <p:cTn id="3" fill="hold">
+                      <p:stCondLst>
+                        <p:cond delay="indefinite"/>
+                      </p:stCondLst>
+                      <p:childTnLst>
+                        <p:par>
+                          <p:cTn id="4" fill="hold">
+                            <p:stCondLst>
+                              <p:cond delay="0"/>
+                            </p:stCondLst>
+                            <p:childTnLst>
+                              <p:par>
+                                <p:cTn id="5" presetID="1" presetClass="entr" presetSubtype="0" fill="hold" nodeType="clickEffect">
+                                  <p:stCondLst>
+                                    <p:cond delay="0"/>
+                                  </p:stCondLst>
+                                  <p:childTnLst>
+                                    <p:set>
+                                      <p:cBhvr>
+                                        <p:cTn id="6" dur="1" fill="hold">
+                                          <p:stCondLst>
+                                            <p:cond delay="0"/>
+                                          </p:stCondLst>
+                                        </p:cTn>
+                                        <p:tgtEl>
+                                          <p:spTgt spid="3">
+                                            <p:txEl>
+                                              <p:pRg st="0" end="0"/>
+                                            </p:txEl>
+                                          </p:spTgt>
+                                        </p:tgtEl>
+                                        <p:attrNameLst>
+                                          <p:attrName>style.visibility</p:attrName>
+                                        </p:attrNameLst>
+                                      </p:cBhvr>
+                                      <p:to>
+                                        <p:strVal val="visible"/>
+                                      </p:to>
+                                    </p:set>
+                                  </p:childTnLst>
+                                </p:cTn>
+                              </p:par>
+                            </p:childTnLst>
+                          </p:cTn>
+                        </p:par>
+                      </p:childTnLst>
+                    </p:cTn>
+                  </p:par>
+                  <p:par>
+                    <p:cTn id="7" fill="hold">
+                      <p:stCondLst>
+                        <p:cond delay="indefinite"/>
+                      </p:stCondLst>
+                      <p:childTnLst>
+                        <p:par>
+                          <p:cTn id="8" fill="hold">
+                            <p:stCondLst>
+                              <p:cond delay="0"/>
+                            </p:stCondLst>
+                            <p:childTnLst>
+                              <p:par>
+                                <p:cTn id="9" presetID="1" presetClass="entr" presetSubtype="0" fill="hold" nodeType="clickEffect">
+                                  <p:stCondLst>
+                                    <p:cond delay="0"/>
+                                  </p:stCondLst>
+                                  <p:childTnLst>
+                                    <p:set>
+                                      <p:cBhvr>
+                                        <p:cTn id="10" dur="1" fill="hold">
+                                          <p:stCondLst>
+                                            <p:cond delay="0"/>
+                                          </p:stCondLst>
+                                        </p:cTn>
+                                        <p:tgtEl>
+                                          <p:spTgt spid="3">
+                                            <p:txEl>
+                                              <p:pRg st="1" end="1"/>
+                                            </p:txEl>
+                                          </p:spTgt>
+                                        </p:tgtEl>
+                                        <p:attrNameLst>
+                                          <p:attrName>style.visibility</p:attrName>
+                                        </p:attrNameLst>
+                                      </p:cBhvr>
+                                      <p:to>
+                                        <p:strVal val="visible"/>
+                                      </p:to>
+                                    </p:set>
+                                  </p:childTnLst>
+                                </p:cTn>
+                              </p:par>
+                            </p:childTnLst>
+                          </p:cTn>
+                        </p:par>
+                      </p:childTnLst>
+                    </p:cTn>
+                  </p:par>
+                  <p:par>
+                    <p:cTn id="11" fill="hold">
+                      <p:stCondLst>
+                        <p:cond delay="indefinite"/>
+                      </p:stCondLst>
+                      <p:childTnLst>
+                        <p:par>
+                          <p:cTn id="12" fill="hold">
+                            <p:stCondLst>
+                              <p:cond delay="0"/>
+                            </p:stCondLst>
+                            <p:childTnLst>
+                              <p:par>
+                                <p:cTn id="13" presetID="1" presetClass="entr" presetSubtype="0" fill="hold" nodeType="clickEffect">
+                                  <p:stCondLst>
+                                    <p:cond delay="0"/>
+                                  </p:stCondLst>
+                                  <p:childTnLst>
+                                    <p:set>
+                                      <p:cBhvr>
+                                        <p:cTn id="14" dur="1" fill="hold">
+                                          <p:stCondLst>
+                                            <p:cond delay="0"/>
+                                          </p:stCondLst>
+                                        </p:cTn>
+                                        <p:tgtEl>
+                                          <p:spTgt spid="3">
+                                            <p:txEl>
+                                              <p:pRg st="2" end="2"/>
+                                            </p:txEl>
+                                          </p:spTgt>
+                                        </p:tgtEl>
+                                        <p:attrNameLst>
+                                          <p:attrName>style.visibility</p:attrName>
+                                        </p:attrNameLst>
+                                      </p:cBhvr>
+                                      <p:to>
+                                        <p:strVal val="visible"/>
+                                      </p:to>
+                                    </p:set>
+                                  </p:childTnLst>
+                                </p:cTn>
+                              </p:par>
+                            </p:childTnLst>
+                          </p:cTn>
+                        </p:par>
+                      </p:childTnLst>
+                    </p:cTn>
+                  </p:par>
+                  <p:par>
+                    <p:cTn id="15" fill="hold">
+                      <p:stCondLst>
+                        <p:cond delay="indefinite"/>
+                      </p:stCondLst>
+                      <p:childTnLst>
+                        <p:par>
+                          <p:cTn id="16" fill="hold">
+                            <p:stCondLst>
+                              <p:cond delay="0"/>
+                            </p:stCondLst>
+                            <p:childTnLst>
+                              <p:par>
+                                <p:cTn id="17" presetID="1" presetClass="entr" presetSubtype="0" fill="hold" nodeType="clickEffect">
+                                  <p:stCondLst>
+                                    <p:cond delay="0"/>
+                                  </p:stCondLst>
+                                  <p:childTnLst>
+                                    <p:set>
+                                      <p:cBhvr>
+                                        <p:cTn id="18" dur="1" fill="hold">
+                                          <p:stCondLst>
+                                            <p:cond delay="0"/>
+                                          </p:stCondLst>
+                                        </p:cTn>
+                                        <p:tgtEl>
+                                          <p:spTgt spid="3">
+                                            <p:txEl>
+                                              <p:pRg st="3" end="3"/>
+                                            </p:txEl>
+                                          </p:spTgt>
+                                        </p:tgtEl>
+                                        <p:attrNameLst>
+                                          <p:attrName>style.visibility</p:attrName>
+                                        </p:attrNameLst>
+                                      </p:cBhvr>
+                                      <p:to>
+                                        <p:strVal val="visible"/>
+                                      </p:to>
+                                    </p:set>
+                                  </p:childTnLst>
+                                </p:cTn>
+                              </p:par>
+                            </p:childTnLst>
+                          </p:cTn>
+                        </p:par>
+                      </p:childTnLst>
+                    </p:cTn>
+                  </p:par>
+                  <p:par>
+                    <p:cTn id="19" fill="hold">
+                      <p:stCondLst>
+                        <p:cond delay="indefinite"/>
+                      </p:stCondLst>
+                      <p:childTnLst>
+                        <p:par>
+                          <p:cTn id="20" fill="hold">
+                            <p:stCondLst>
+                              <p:cond delay="0"/>
+                            </p:stCondLst>
+                            <p:childTnLst>
+                              <p:par>
+                                <p:cTn id="21" presetID="1" presetClass="entr" presetSubtype="0" fill="hold" nodeType="clickEffect">
+                                  <p:stCondLst>
+                                    <p:cond delay="0"/>
+                                  </p:stCondLst>
+                                  <p:childTnLst>
+                                    <p:set>
+                                      <p:cBhvr>
+                                        <p:cTn id="22" dur="1" fill="hold">
+                                          <p:stCondLst>
+                                            <p:cond delay="0"/>
+                                          </p:stCondLst>
+                                        </p:cTn>
+                                        <p:tgtEl>
+                                          <p:spTgt spid="3">
+                                            <p:txEl>
+                                              <p:pRg st="4" end="4"/>
+                                            </p:txEl>
+                                          </p:spTgt>
+                                        </p:tgtEl>
+                                        <p:attrNameLst>
+                                          <p:attrName>style.visibility</p:attrName>
+                                        </p:attrNameLst>
+                                      </p:cBhvr>
+                                      <p:to>
+                                        <p:strVal val="visible"/>
+                                      </p:to>
+                                    </p:set>
+                                  </p:childTnLst>
+                                </p:cTn>
+                              </p:par>
+                            </p:childTnLst>
+                          </p:cTn>
+                        </p:par>
+                      </p:childTnLst>
+                    </p:cTn>
+                  </p:par>
+                  <p:par>
+                    <p:cTn id="23" fill="hold">
+                      <p:stCondLst>
+                        <p:cond delay="indefinite"/>
+                      </p:stCondLst>
+                      <p:childTnLst>
+                        <p:par>
+                          <p:cTn id="24" fill="hold">
+                            <p:stCondLst>
+                              <p:cond delay="0"/>
+                            </p:stCondLst>
+                            <p:childTnLst>
+                              <p:par>
+                                <p:cTn id="25" presetID="1" presetClass="entr" presetSubtype="0" fill="hold" nodeType="clickEffect">
+                                  <p:stCondLst>
+                                    <p:cond delay="0"/>
+                                  </p:stCondLst>
+                                  <p:childTnLst>
+                                    <p:set>
+                                      <p:cBhvr>
+                                        <p:cTn id="26" dur="1" fill="hold">
+                                          <p:stCondLst>
+                                            <p:cond delay="0"/>
+                                          </p:stCondLst>
+                                        </p:cTn>
+                                        <p:tgtEl>
+                                          <p:spTgt spid="3">
+                                            <p:txEl>
+                                              <p:pRg st="5" end="5"/>
+                                            </p:txEl>
+                                          </p:spTgt>
+                                        </p:tgtEl>
+                                        <p:attrNameLst>
+                                          <p:attrName>style.visibility</p:attrName>
+                                        </p:attrNameLst>
+                                      </p:cBhvr>
+                                      <p:to>
+                                        <p:strVal val="visible"/>
+                                      </p:to>
+                                    </p:set>
+                                  </p:childTnLst>
+                                </p:cTn>
+                              </p:par>
+                            </p:childTnLst>
+                          </p:cTn>
+                        </p:par>
+                      </p:childTnLst>
+                    </p:cTn>
+                  </p:par>
+                </p:childTnLst>
+              </p:cTn>
+              <p:prevCondLst>
+                <p:cond evt="onPrev" delay="0">
+                  <p:tgtEl>
+                    <p:sldTgt/>
+                  </p:tgtEl>
+                </p:cond>
+              </p:prevCondLst>
+              <p:nextCondLst>
+                <p:cond evt="onNext" delay="0">
+                  <p:tgtEl>
+                    <p:sldTgt/>
+                  </p:tgtEl>
+                </p:cond>
+              </p:nextCondLst>
+            </p:seq>
+          </p:childTnLst>
+        </p:cTn>
+      </p:par>
+    </p:tnLst>
+  </p:timing>
+</p:sld>
+</file>
+
+<file path=ppt/slides/slide32.xml><?xml version="1.0" encoding="utf-8"?>
+<p:sld xmlns:a="http://schemas.openxmlformats.org/drawingml/2006/main" xmlns:r="http://schemas.openxmlformats.org/officeDocument/2006/relationships" xmlns:p="http://schemas.openxmlformats.org/presentationml/2006/main">
+  <p:cSld>
+    <p:spTree>
+      <p:nvGrpSpPr>
+        <p:cNvPr id="1" name=""/>
+        <p:cNvGrpSpPr/>
+        <p:nvPr/>
+      </p:nvGrpSpPr>
+      <p:grpSpPr>
+        <a:xfrm>
+          <a:off x="0" y="0"/>
+          <a:ext cx="0" cy="0"/>
+          <a:chOff x="0" y="0"/>
+          <a:chExt cx="0" cy="0"/>
+        </a:xfrm>
+      </p:grpSpPr>
+      <p:sp>
+        <p:nvSpPr>
+          <p:cNvPr id="2" name="Title 1">
+            <a:extLst>
+              <a:ext uri="{FF2B5EF4-FFF2-40B4-BE49-F238E27FC236}">
                 <a16:creationId xmlns:a16="http://schemas.microsoft.com/office/drawing/2014/main" id="{63AA4B73-FE97-7532-799E-4777FB164790}"/>
               </a:ext>
             </a:extLst>
@@ -14055,7 +20197,7 @@
 </p:sld>
 </file>
 
-<file path=ppt/slides/slide31.xml><?xml version="1.0" encoding="utf-8"?>
+<file path=ppt/slides/slide33.xml><?xml version="1.0" encoding="utf-8"?>
 <p:sld xmlns:a="http://schemas.openxmlformats.org/drawingml/2006/main" xmlns:r="http://schemas.openxmlformats.org/officeDocument/2006/relationships" xmlns:p="http://schemas.openxmlformats.org/presentationml/2006/main">
   <p:cSld>
     <p:spTree>
@@ -14413,7 +20555,7 @@
 </p:sld>
 </file>
 
-<file path=ppt/slides/slide32.xml><?xml version="1.0" encoding="utf-8"?>
+<file path=ppt/slides/slide34.xml><?xml version="1.0" encoding="utf-8"?>
 <p:sld xmlns:a="http://schemas.openxmlformats.org/drawingml/2006/main" xmlns:r="http://schemas.openxmlformats.org/officeDocument/2006/relationships" xmlns:p="http://schemas.openxmlformats.org/presentationml/2006/main">
   <p:cSld>
     <p:spTree>
@@ -14591,7 +20733,7 @@
 </p:sld>
 </file>
 
-<file path=ppt/slides/slide33.xml><?xml version="1.0" encoding="utf-8"?>
+<file path=ppt/slides/slide35.xml><?xml version="1.0" encoding="utf-8"?>
 <p:sld xmlns:a="http://schemas.openxmlformats.org/drawingml/2006/main" xmlns:r="http://schemas.openxmlformats.org/officeDocument/2006/relationships" xmlns:p="http://schemas.openxmlformats.org/presentationml/2006/main">
   <p:cSld>
     <p:spTree>
@@ -14690,7 +20832,7 @@
 </p:sld>
 </file>
 
-<file path=ppt/slides/slide34.xml><?xml version="1.0" encoding="utf-8"?>
+<file path=ppt/slides/slide36.xml><?xml version="1.0" encoding="utf-8"?>
 <p:sld xmlns:a="http://schemas.openxmlformats.org/drawingml/2006/main" xmlns:r="http://schemas.openxmlformats.org/officeDocument/2006/relationships" xmlns:p="http://schemas.openxmlformats.org/presentationml/2006/main">
   <p:cSld>
     <p:spTree>
@@ -14756,7 +20898,7 @@
 </p:sld>
 </file>
 
-<file path=ppt/slides/slide35.xml><?xml version="1.0" encoding="utf-8"?>
+<file path=ppt/slides/slide37.xml><?xml version="1.0" encoding="utf-8"?>
 <p:sld xmlns:a="http://schemas.openxmlformats.org/drawingml/2006/main" xmlns:r="http://schemas.openxmlformats.org/officeDocument/2006/relationships" xmlns:p="http://schemas.openxmlformats.org/presentationml/2006/main">
   <p:cSld>
     <p:spTree>
@@ -15202,7 +21344,7 @@
 </p:sld>
 </file>
 
-<file path=ppt/slides/slide36.xml><?xml version="1.0" encoding="utf-8"?>
+<file path=ppt/slides/slide38.xml><?xml version="1.0" encoding="utf-8"?>
 <p:sld xmlns:a="http://schemas.openxmlformats.org/drawingml/2006/main" xmlns:r="http://schemas.openxmlformats.org/officeDocument/2006/relationships" xmlns:p="http://schemas.openxmlformats.org/presentationml/2006/main">
   <p:cSld>
     <p:spTree>
@@ -15903,6 +22045,51 @@
           </a:p>
         </p:txBody>
       </p:sp>
+      <p:sp>
+        <p:nvSpPr>
+          <p:cNvPr id="3" name="Rectangle 2">
+            <a:extLst>
+              <a:ext uri="{FF2B5EF4-FFF2-40B4-BE49-F238E27FC236}">
+                <a16:creationId xmlns:a16="http://schemas.microsoft.com/office/drawing/2014/main" id="{B87CCCBD-D59B-5295-05E5-82F42E5E5FC1}"/>
+              </a:ext>
+            </a:extLst>
+          </p:cNvPr>
+          <p:cNvSpPr/>
+          <p:nvPr/>
+        </p:nvSpPr>
+        <p:spPr>
+          <a:xfrm>
+            <a:off x="6245525" y="2809217"/>
+            <a:ext cx="4675517" cy="1158934"/>
+          </a:xfrm>
+          <a:prstGeom prst="rect">
+            <a:avLst/>
+          </a:prstGeom>
+          <a:noFill/>
+        </p:spPr>
+        <p:style>
+          <a:lnRef idx="2">
+            <a:schemeClr val="accent2"/>
+          </a:lnRef>
+          <a:fillRef idx="1">
+            <a:schemeClr val="lt1"/>
+          </a:fillRef>
+          <a:effectRef idx="0">
+            <a:schemeClr val="accent2"/>
+          </a:effectRef>
+          <a:fontRef idx="minor">
+            <a:schemeClr val="dk1"/>
+          </a:fontRef>
+        </p:style>
+        <p:txBody>
+          <a:bodyPr rtlCol="0" anchor="ctr"/>
+          <a:lstStyle/>
+          <a:p>
+            <a:pPr algn="ctr"/>
+            <a:endParaRPr lang="en-US"/>
+          </a:p>
+        </p:txBody>
+      </p:sp>
     </p:spTree>
     <p:extLst>
       <p:ext uri="{BB962C8B-B14F-4D97-AF65-F5344CB8AC3E}">
@@ -15913,6 +22100,84 @@
   <p:clrMapOvr>
     <a:masterClrMapping/>
   </p:clrMapOvr>
+  <p:timing>
+    <p:tnLst>
+      <p:par>
+        <p:cTn id="1" dur="indefinite" restart="never" nodeType="tmRoot">
+          <p:childTnLst>
+            <p:seq concurrent="1" nextAc="seek">
+              <p:cTn id="2" dur="indefinite" nodeType="mainSeq">
+                <p:childTnLst>
+                  <p:par>
+                    <p:cTn id="3" fill="hold">
+                      <p:stCondLst>
+                        <p:cond delay="indefinite"/>
+                      </p:stCondLst>
+                      <p:childTnLst>
+                        <p:par>
+                          <p:cTn id="4" fill="hold">
+                            <p:stCondLst>
+                              <p:cond delay="0"/>
+                            </p:stCondLst>
+                            <p:childTnLst>
+                              <p:par>
+                                <p:cTn id="5" presetID="1" presetClass="entr" presetSubtype="0" fill="hold" grpId="0" nodeType="clickEffect">
+                                  <p:stCondLst>
+                                    <p:cond delay="0"/>
+                                  </p:stCondLst>
+                                  <p:childTnLst>
+                                    <p:set>
+                                      <p:cBhvr>
+                                        <p:cTn id="6" dur="1" fill="hold">
+                                          <p:stCondLst>
+                                            <p:cond delay="0"/>
+                                          </p:stCondLst>
+                                        </p:cTn>
+                                        <p:tgtEl>
+                                          <p:spTgt spid="3"/>
+                                        </p:tgtEl>
+                                        <p:attrNameLst>
+                                          <p:attrName>style.visibility</p:attrName>
+                                        </p:attrNameLst>
+                                      </p:cBhvr>
+                                      <p:to>
+                                        <p:strVal val="visible"/>
+                                      </p:to>
+                                    </p:set>
+                                  </p:childTnLst>
+                                </p:cTn>
+                              </p:par>
+                            </p:childTnLst>
+                          </p:cTn>
+                        </p:par>
+                      </p:childTnLst>
+                    </p:cTn>
+                  </p:par>
+                </p:childTnLst>
+              </p:cTn>
+              <p:prevCondLst>
+                <p:cond evt="onPrev" delay="0">
+                  <p:tgtEl>
+                    <p:sldTgt/>
+                  </p:tgtEl>
+                </p:cond>
+              </p:prevCondLst>
+              <p:nextCondLst>
+                <p:cond evt="onNext" delay="0">
+                  <p:tgtEl>
+                    <p:sldTgt/>
+                  </p:tgtEl>
+                </p:cond>
+              </p:nextCondLst>
+            </p:seq>
+          </p:childTnLst>
+        </p:cTn>
+      </p:par>
+    </p:tnLst>
+    <p:bldLst>
+      <p:bldP spid="3" grpId="0" animBg="1"/>
+    </p:bldLst>
+  </p:timing>
 </p:sld>
 </file>
 
@@ -15985,6 +22250,12 @@
           <a:p>
             <a:r>
               <a:rPr lang="en-US" dirty="0"/>
+              <a:t>Very good for collaborators.</a:t>
+            </a:r>
+          </a:p>
+          <a:p>
+            <a:r>
+              <a:rPr lang="en-US" dirty="0"/>
               <a:t>If you work in R on a team, try out Posit Cloud (posit.co), which is an </a:t>
             </a:r>
             <a:r>
@@ -15999,19 +22270,13 @@
           <a:p>
             <a:r>
               <a:rPr lang="en-US" dirty="0"/>
-              <a:t>It also allows for Python programming.</a:t>
+              <a:t>It also has Python programming.</a:t>
             </a:r>
           </a:p>
           <a:p>
             <a:r>
               <a:rPr lang="en-US" dirty="0"/>
-              <a:t>You can save your code, data, result files online for others to use.</a:t>
-            </a:r>
-          </a:p>
-          <a:p>
-            <a:r>
-              <a:rPr lang="en-US" dirty="0"/>
-              <a:t>Very good for collaborators.</a:t>
+              <a:t>Save your code, data, result files online for others to use.</a:t>
             </a:r>
           </a:p>
         </p:txBody>
@@ -16896,13 +23161,8 @@
             <a:pPr algn="ctr"/>
             <a:r>
               <a:rPr lang="en-US" dirty="0"/>
-              <a:t>Applying functions to lists and </a:t>
-            </a:r>
-            <a:r>
-              <a:rPr lang="en-US" dirty="0" err="1"/>
-              <a:t>dataframes</a:t>
-            </a:r>
-            <a:endParaRPr lang="en-US" dirty="0"/>
+              <a:t>Applying functions to lists and data frames</a:t>
+            </a:r>
           </a:p>
         </p:txBody>
       </p:sp>

--- a/CRS2025_R_workshop.pptx
+++ b/CRS2025_R_workshop.pptx
@@ -5,7 +5,7 @@
     <p:sldMasterId id="2147483648" r:id="rId1"/>
   </p:sldMasterIdLst>
   <p:notesMasterIdLst>
-    <p:notesMasterId r:id="rId42"/>
+    <p:notesMasterId r:id="rId43"/>
   </p:notesMasterIdLst>
   <p:sldIdLst>
     <p:sldId id="256" r:id="rId2"/>
@@ -25,29 +25,30 @@
     <p:sldId id="273" r:id="rId16"/>
     <p:sldId id="274" r:id="rId17"/>
     <p:sldId id="276" r:id="rId18"/>
-    <p:sldId id="275" r:id="rId19"/>
-    <p:sldId id="277" r:id="rId20"/>
-    <p:sldId id="259" r:id="rId21"/>
-    <p:sldId id="260" r:id="rId22"/>
-    <p:sldId id="261" r:id="rId23"/>
-    <p:sldId id="262" r:id="rId24"/>
-    <p:sldId id="263" r:id="rId25"/>
-    <p:sldId id="293" r:id="rId26"/>
-    <p:sldId id="278" r:id="rId27"/>
-    <p:sldId id="279" r:id="rId28"/>
-    <p:sldId id="292" r:id="rId29"/>
-    <p:sldId id="280" r:id="rId30"/>
-    <p:sldId id="281" r:id="rId31"/>
-    <p:sldId id="282" r:id="rId32"/>
-    <p:sldId id="283" r:id="rId33"/>
-    <p:sldId id="284" r:id="rId34"/>
-    <p:sldId id="289" r:id="rId35"/>
-    <p:sldId id="285" r:id="rId36"/>
-    <p:sldId id="286" r:id="rId37"/>
-    <p:sldId id="290" r:id="rId38"/>
-    <p:sldId id="291" r:id="rId39"/>
-    <p:sldId id="287" r:id="rId40"/>
-    <p:sldId id="288" r:id="rId41"/>
+    <p:sldId id="296" r:id="rId19"/>
+    <p:sldId id="275" r:id="rId20"/>
+    <p:sldId id="277" r:id="rId21"/>
+    <p:sldId id="259" r:id="rId22"/>
+    <p:sldId id="260" r:id="rId23"/>
+    <p:sldId id="261" r:id="rId24"/>
+    <p:sldId id="262" r:id="rId25"/>
+    <p:sldId id="263" r:id="rId26"/>
+    <p:sldId id="293" r:id="rId27"/>
+    <p:sldId id="278" r:id="rId28"/>
+    <p:sldId id="279" r:id="rId29"/>
+    <p:sldId id="292" r:id="rId30"/>
+    <p:sldId id="280" r:id="rId31"/>
+    <p:sldId id="281" r:id="rId32"/>
+    <p:sldId id="282" r:id="rId33"/>
+    <p:sldId id="283" r:id="rId34"/>
+    <p:sldId id="284" r:id="rId35"/>
+    <p:sldId id="289" r:id="rId36"/>
+    <p:sldId id="285" r:id="rId37"/>
+    <p:sldId id="286" r:id="rId38"/>
+    <p:sldId id="290" r:id="rId39"/>
+    <p:sldId id="291" r:id="rId40"/>
+    <p:sldId id="287" r:id="rId41"/>
+    <p:sldId id="288" r:id="rId42"/>
   </p:sldIdLst>
   <p:sldSz cx="12192000" cy="6858000"/>
   <p:notesSz cx="6858000" cy="9144000"/>
@@ -157,7 +158,7 @@
 <file path=ppt/revisionInfo.xml><?xml version="1.0" encoding="utf-8"?>
 <p1510:revInfo xmlns:a="http://schemas.openxmlformats.org/drawingml/2006/main" xmlns:r="http://schemas.openxmlformats.org/officeDocument/2006/relationships" xmlns:p1510="http://schemas.microsoft.com/office/powerpoint/2015/10/main">
   <p1510:revLst>
-    <p1510:client id="{C72B12E2-8B72-408E-9488-1053D10929C0}" v="7599" dt="2025-07-17T17:25:32.062"/>
+    <p1510:client id="{C72B12E2-8B72-408E-9488-1053D10929C0}" v="7606" dt="2025-07-21T00:01:45.843"/>
   </p1510:revLst>
 </p1510:revInfo>
 </file>
@@ -167,7 +168,7 @@
   <pc:docChgLst>
     <pc:chgData name="Matthew Cserhati" userId="6030ab49dea5dda3" providerId="LiveId" clId="{C72B12E2-8B72-408E-9488-1053D10929C0}"/>
     <pc:docChg chg="undo custSel addSld delSld modSld sldOrd">
-      <pc:chgData name="Matthew Cserhati" userId="6030ab49dea5dda3" providerId="LiveId" clId="{C72B12E2-8B72-408E-9488-1053D10929C0}" dt="2025-07-17T17:25:32.062" v="10999" actId="20577"/>
+      <pc:chgData name="Matthew Cserhati" userId="6030ab49dea5dda3" providerId="LiveId" clId="{C72B12E2-8B72-408E-9488-1053D10929C0}" dt="2025-07-21T00:02:26.903" v="11276" actId="20577"/>
       <pc:docMkLst>
         <pc:docMk/>
       </pc:docMkLst>
@@ -647,7 +648,7 @@
         </pc:spChg>
       </pc:sldChg>
       <pc:sldChg chg="modSp new mod">
-        <pc:chgData name="Matthew Cserhati" userId="6030ab49dea5dda3" providerId="LiveId" clId="{C72B12E2-8B72-408E-9488-1053D10929C0}" dt="2025-07-17T17:23:52.137" v="10930" actId="20577"/>
+        <pc:chgData name="Matthew Cserhati" userId="6030ab49dea5dda3" providerId="LiveId" clId="{C72B12E2-8B72-408E-9488-1053D10929C0}" dt="2025-07-21T00:02:26.903" v="11276" actId="20577"/>
         <pc:sldMkLst>
           <pc:docMk/>
           <pc:sldMk cId="3247776772" sldId="276"/>
@@ -661,7 +662,7 @@
           </ac:spMkLst>
         </pc:spChg>
         <pc:spChg chg="mod">
-          <ac:chgData name="Matthew Cserhati" userId="6030ab49dea5dda3" providerId="LiveId" clId="{C72B12E2-8B72-408E-9488-1053D10929C0}" dt="2025-07-17T17:23:52.137" v="10930" actId="20577"/>
+          <ac:chgData name="Matthew Cserhati" userId="6030ab49dea5dda3" providerId="LiveId" clId="{C72B12E2-8B72-408E-9488-1053D10929C0}" dt="2025-07-21T00:02:26.903" v="11276" actId="20577"/>
           <ac:spMkLst>
             <pc:docMk/>
             <pc:sldMk cId="3247776772" sldId="276"/>
@@ -1123,14 +1124,6 @@
           <pc:docMk/>
           <pc:sldMk cId="482133926" sldId="293"/>
         </pc:sldMkLst>
-        <pc:spChg chg="add del mod">
-          <ac:chgData name="Matthew Cserhati" userId="6030ab49dea5dda3" providerId="LiveId" clId="{C72B12E2-8B72-408E-9488-1053D10929C0}" dt="2025-07-17T15:11:17.028" v="9196" actId="478"/>
-          <ac:spMkLst>
-            <pc:docMk/>
-            <pc:sldMk cId="482133926" sldId="293"/>
-            <ac:spMk id="8" creationId="{4A2F8267-1FE8-9CEA-64D9-32FB46EE8865}"/>
-          </ac:spMkLst>
-        </pc:spChg>
         <pc:spChg chg="add">
           <ac:chgData name="Matthew Cserhati" userId="6030ab49dea5dda3" providerId="LiveId" clId="{C72B12E2-8B72-408E-9488-1053D10929C0}" dt="2025-07-17T15:11:43.777" v="9199" actId="11529"/>
           <ac:spMkLst>
@@ -1738,22 +1731,6 @@
             <ac:spMk id="3" creationId="{FB1FD752-ACEE-DC8B-9EBA-35CA9ABE2629}"/>
           </ac:spMkLst>
         </pc:spChg>
-        <pc:spChg chg="add">
-          <ac:chgData name="Matthew Cserhati" userId="6030ab49dea5dda3" providerId="LiveId" clId="{C72B12E2-8B72-408E-9488-1053D10929C0}" dt="2025-07-17T17:06:18.952" v="10320"/>
-          <ac:spMkLst>
-            <pc:docMk/>
-            <pc:sldMk cId="1321897776" sldId="294"/>
-            <ac:spMk id="4" creationId="{D0A38088-22FF-CE02-143B-39FED63CF3D8}"/>
-          </ac:spMkLst>
-        </pc:spChg>
-        <pc:spChg chg="add">
-          <ac:chgData name="Matthew Cserhati" userId="6030ab49dea5dda3" providerId="LiveId" clId="{C72B12E2-8B72-408E-9488-1053D10929C0}" dt="2025-07-17T17:06:23.003" v="10321"/>
-          <ac:spMkLst>
-            <pc:docMk/>
-            <pc:sldMk cId="1321897776" sldId="294"/>
-            <ac:spMk id="5" creationId="{99E60FF6-73B4-9E8A-D742-56856EA4F715}"/>
-          </ac:spMkLst>
-        </pc:spChg>
         <pc:spChg chg="add mod">
           <ac:chgData name="Matthew Cserhati" userId="6030ab49dea5dda3" providerId="LiveId" clId="{C72B12E2-8B72-408E-9488-1053D10929C0}" dt="2025-07-17T17:08:07.741" v="10370" actId="207"/>
           <ac:spMkLst>
@@ -1762,14 +1739,6 @@
             <ac:spMk id="9" creationId="{6BDB1C8C-FED2-8BCD-BB42-7F819BAC41B2}"/>
           </ac:spMkLst>
         </pc:spChg>
-        <pc:picChg chg="add del mod modCrop">
-          <ac:chgData name="Matthew Cserhati" userId="6030ab49dea5dda3" providerId="LiveId" clId="{C72B12E2-8B72-408E-9488-1053D10929C0}" dt="2025-07-17T17:07:33.549" v="10360" actId="21"/>
-          <ac:picMkLst>
-            <pc:docMk/>
-            <pc:sldMk cId="1321897776" sldId="294"/>
-            <ac:picMk id="7" creationId="{ED15E9A4-D176-1395-75DF-8ED845B05A31}"/>
-          </ac:picMkLst>
-        </pc:picChg>
         <pc:picChg chg="add mod">
           <ac:chgData name="Matthew Cserhati" userId="6030ab49dea5dda3" providerId="LiveId" clId="{C72B12E2-8B72-408E-9488-1053D10929C0}" dt="2025-07-17T17:07:45.460" v="10366" actId="1076"/>
           <ac:picMkLst>
@@ -1801,6 +1770,45 @@
             <ac:spMk id="3" creationId="{6D250D6F-5F5C-B70D-F35D-C44A42C4F994}"/>
           </ac:spMkLst>
         </pc:spChg>
+      </pc:sldChg>
+      <pc:sldChg chg="addSp modSp new mod modAnim">
+        <pc:chgData name="Matthew Cserhati" userId="6030ab49dea5dda3" providerId="LiveId" clId="{C72B12E2-8B72-408E-9488-1053D10929C0}" dt="2025-07-20T23:56:28.308" v="11159"/>
+        <pc:sldMkLst>
+          <pc:docMk/>
+          <pc:sldMk cId="1335183001" sldId="296"/>
+        </pc:sldMkLst>
+        <pc:spChg chg="add mod">
+          <ac:chgData name="Matthew Cserhati" userId="6030ab49dea5dda3" providerId="LiveId" clId="{C72B12E2-8B72-408E-9488-1053D10929C0}" dt="2025-07-20T23:54:59.205" v="11006" actId="207"/>
+          <ac:spMkLst>
+            <pc:docMk/>
+            <pc:sldMk cId="1335183001" sldId="296"/>
+            <ac:spMk id="4" creationId="{101E42DD-2B99-886F-0BB7-73E088EBB0CB}"/>
+          </ac:spMkLst>
+        </pc:spChg>
+        <pc:spChg chg="add mod">
+          <ac:chgData name="Matthew Cserhati" userId="6030ab49dea5dda3" providerId="LiveId" clId="{C72B12E2-8B72-408E-9488-1053D10929C0}" dt="2025-07-20T23:55:35.191" v="11040" actId="255"/>
+          <ac:spMkLst>
+            <pc:docMk/>
+            <pc:sldMk cId="1335183001" sldId="296"/>
+            <ac:spMk id="5" creationId="{8AE1D577-1B27-32FC-D141-6AA521E6F3E5}"/>
+          </ac:spMkLst>
+        </pc:spChg>
+        <pc:spChg chg="add mod">
+          <ac:chgData name="Matthew Cserhati" userId="6030ab49dea5dda3" providerId="LiveId" clId="{C72B12E2-8B72-408E-9488-1053D10929C0}" dt="2025-07-20T23:56:26.622" v="11158" actId="1076"/>
+          <ac:spMkLst>
+            <pc:docMk/>
+            <pc:sldMk cId="1335183001" sldId="296"/>
+            <ac:spMk id="6" creationId="{FA1ECCAA-9472-5E70-D123-1308B48C7A9D}"/>
+          </ac:spMkLst>
+        </pc:spChg>
+        <pc:picChg chg="add mod modCrop">
+          <ac:chgData name="Matthew Cserhati" userId="6030ab49dea5dda3" providerId="LiveId" clId="{C72B12E2-8B72-408E-9488-1053D10929C0}" dt="2025-07-20T23:54:32.919" v="11003" actId="732"/>
+          <ac:picMkLst>
+            <pc:docMk/>
+            <pc:sldMk cId="1335183001" sldId="296"/>
+            <ac:picMk id="3" creationId="{22EE462B-F2BA-6471-3446-98E0AF040144}"/>
+          </ac:picMkLst>
+        </pc:picChg>
       </pc:sldChg>
     </pc:docChg>
   </pc:docChgLst>
@@ -1889,7 +1897,7 @@
           <a:p>
             <a:fld id="{9EE88898-85D7-45AF-B6F3-230B3CF59E47}" type="datetimeFigureOut">
               <a:rPr lang="en-US" smtClean="0"/>
-              <a:t>7/17/2025</a:t>
+              <a:t>7/20/2025</a:t>
             </a:fld>
             <a:endParaRPr lang="en-US"/>
           </a:p>
@@ -2305,7 +2313,7 @@
           <a:p>
             <a:fld id="{8B77D003-7B34-481F-AFEB-BEF1612679CB}" type="slidenum">
               <a:rPr lang="en-US" smtClean="0"/>
-              <a:t>27</a:t>
+              <a:t>28</a:t>
             </a:fld>
             <a:endParaRPr lang="en-US"/>
           </a:p>
@@ -2471,7 +2479,7 @@
           <a:p>
             <a:fld id="{A96D1AFE-3D21-47B6-AAC4-7E75F0B46B27}" type="datetimeFigureOut">
               <a:rPr lang="en-US" smtClean="0"/>
-              <a:t>7/17/2025</a:t>
+              <a:t>7/20/2025</a:t>
             </a:fld>
             <a:endParaRPr lang="en-US"/>
           </a:p>
@@ -2669,7 +2677,7 @@
           <a:p>
             <a:fld id="{A96D1AFE-3D21-47B6-AAC4-7E75F0B46B27}" type="datetimeFigureOut">
               <a:rPr lang="en-US" smtClean="0"/>
-              <a:t>7/17/2025</a:t>
+              <a:t>7/20/2025</a:t>
             </a:fld>
             <a:endParaRPr lang="en-US"/>
           </a:p>
@@ -2877,7 +2885,7 @@
           <a:p>
             <a:fld id="{A96D1AFE-3D21-47B6-AAC4-7E75F0B46B27}" type="datetimeFigureOut">
               <a:rPr lang="en-US" smtClean="0"/>
-              <a:t>7/17/2025</a:t>
+              <a:t>7/20/2025</a:t>
             </a:fld>
             <a:endParaRPr lang="en-US"/>
           </a:p>
@@ -3075,7 +3083,7 @@
           <a:p>
             <a:fld id="{A96D1AFE-3D21-47B6-AAC4-7E75F0B46B27}" type="datetimeFigureOut">
               <a:rPr lang="en-US" smtClean="0"/>
-              <a:t>7/17/2025</a:t>
+              <a:t>7/20/2025</a:t>
             </a:fld>
             <a:endParaRPr lang="en-US"/>
           </a:p>
@@ -3350,7 +3358,7 @@
           <a:p>
             <a:fld id="{A96D1AFE-3D21-47B6-AAC4-7E75F0B46B27}" type="datetimeFigureOut">
               <a:rPr lang="en-US" smtClean="0"/>
-              <a:t>7/17/2025</a:t>
+              <a:t>7/20/2025</a:t>
             </a:fld>
             <a:endParaRPr lang="en-US"/>
           </a:p>
@@ -3615,7 +3623,7 @@
           <a:p>
             <a:fld id="{A96D1AFE-3D21-47B6-AAC4-7E75F0B46B27}" type="datetimeFigureOut">
               <a:rPr lang="en-US" smtClean="0"/>
-              <a:t>7/17/2025</a:t>
+              <a:t>7/20/2025</a:t>
             </a:fld>
             <a:endParaRPr lang="en-US"/>
           </a:p>
@@ -4027,7 +4035,7 @@
           <a:p>
             <a:fld id="{A96D1AFE-3D21-47B6-AAC4-7E75F0B46B27}" type="datetimeFigureOut">
               <a:rPr lang="en-US" smtClean="0"/>
-              <a:t>7/17/2025</a:t>
+              <a:t>7/20/2025</a:t>
             </a:fld>
             <a:endParaRPr lang="en-US"/>
           </a:p>
@@ -4168,7 +4176,7 @@
           <a:p>
             <a:fld id="{A96D1AFE-3D21-47B6-AAC4-7E75F0B46B27}" type="datetimeFigureOut">
               <a:rPr lang="en-US" smtClean="0"/>
-              <a:t>7/17/2025</a:t>
+              <a:t>7/20/2025</a:t>
             </a:fld>
             <a:endParaRPr lang="en-US"/>
           </a:p>
@@ -4281,7 +4289,7 @@
           <a:p>
             <a:fld id="{A96D1AFE-3D21-47B6-AAC4-7E75F0B46B27}" type="datetimeFigureOut">
               <a:rPr lang="en-US" smtClean="0"/>
-              <a:t>7/17/2025</a:t>
+              <a:t>7/20/2025</a:t>
             </a:fld>
             <a:endParaRPr lang="en-US"/>
           </a:p>
@@ -4592,7 +4600,7 @@
           <a:p>
             <a:fld id="{A96D1AFE-3D21-47B6-AAC4-7E75F0B46B27}" type="datetimeFigureOut">
               <a:rPr lang="en-US" smtClean="0"/>
-              <a:t>7/17/2025</a:t>
+              <a:t>7/20/2025</a:t>
             </a:fld>
             <a:endParaRPr lang="en-US"/>
           </a:p>
@@ -4880,7 +4888,7 @@
           <a:p>
             <a:fld id="{A96D1AFE-3D21-47B6-AAC4-7E75F0B46B27}" type="datetimeFigureOut">
               <a:rPr lang="en-US" smtClean="0"/>
-              <a:t>7/17/2025</a:t>
+              <a:t>7/20/2025</a:t>
             </a:fld>
             <a:endParaRPr lang="en-US"/>
           </a:p>
@@ -5121,7 +5129,7 @@
           <a:p>
             <a:fld id="{A96D1AFE-3D21-47B6-AAC4-7E75F0B46B27}" type="datetimeFigureOut">
               <a:rPr lang="en-US" smtClean="0"/>
-              <a:t>7/17/2025</a:t>
+              <a:t>7/20/2025</a:t>
             </a:fld>
             <a:endParaRPr lang="en-US"/>
           </a:p>
@@ -8719,6 +8727,27 @@
           <a:p>
             <a:r>
               <a:rPr lang="en-US" dirty="0"/>
+              <a:t>At </a:t>
+            </a:r>
+            <a:r>
+              <a:rPr lang="en-US" dirty="0">
+                <a:hlinkClick r:id="rId2"/>
+              </a:rPr>
+              <a:t>https://cran.r-project.org/</a:t>
+            </a:r>
+            <a:r>
+              <a:rPr lang="en-US" dirty="0"/>
+              <a:t> click on ‘Packages’ on the left panel, then “Table of available packages, sorted by name”, then search for </a:t>
+            </a:r>
+            <a:r>
+              <a:rPr lang="en-US"/>
+              <a:t>your package.</a:t>
+            </a:r>
+            <a:endParaRPr lang="en-US" dirty="0"/>
+          </a:p>
+          <a:p>
+            <a:r>
+              <a:rPr lang="en-US" dirty="0"/>
               <a:t>We will download, install and use the ‘</a:t>
             </a:r>
             <a:r>
@@ -8733,7 +8762,7 @@
           <a:p>
             <a:r>
               <a:rPr lang="en-US" dirty="0">
-                <a:hlinkClick r:id="rId2"/>
+                <a:hlinkClick r:id="rId3"/>
               </a:rPr>
               <a:t>https://cran.r-project.org/web/packages/hybridogram/index.html</a:t>
             </a:r>
@@ -8799,6 +8828,367 @@
 </file>
 
 <file path=ppt/slides/slide18.xml><?xml version="1.0" encoding="utf-8"?>
+<p:sld xmlns:a="http://schemas.openxmlformats.org/drawingml/2006/main" xmlns:r="http://schemas.openxmlformats.org/officeDocument/2006/relationships" xmlns:p="http://schemas.openxmlformats.org/presentationml/2006/main">
+  <p:cSld>
+    <p:spTree>
+      <p:nvGrpSpPr>
+        <p:cNvPr id="1" name=""/>
+        <p:cNvGrpSpPr/>
+        <p:nvPr/>
+      </p:nvGrpSpPr>
+      <p:grpSpPr>
+        <a:xfrm>
+          <a:off x="0" y="0"/>
+          <a:ext cx="0" cy="0"/>
+          <a:chOff x="0" y="0"/>
+          <a:chExt cx="0" cy="0"/>
+        </a:xfrm>
+      </p:grpSpPr>
+      <p:pic>
+        <p:nvPicPr>
+          <p:cNvPr id="3" name="Picture 2">
+            <a:extLst>
+              <a:ext uri="{FF2B5EF4-FFF2-40B4-BE49-F238E27FC236}">
+                <a16:creationId xmlns:a16="http://schemas.microsoft.com/office/drawing/2014/main" id="{22EE462B-F2BA-6471-3446-98E0AF040144}"/>
+              </a:ext>
+            </a:extLst>
+          </p:cNvPr>
+          <p:cNvPicPr>
+            <a:picLocks noChangeAspect="1"/>
+          </p:cNvPicPr>
+          <p:nvPr/>
+        </p:nvPicPr>
+        <p:blipFill>
+          <a:blip r:embed="rId2"/>
+          <a:srcRect t="6017" b="6393"/>
+          <a:stretch>
+            <a:fillRect/>
+          </a:stretch>
+        </p:blipFill>
+        <p:spPr>
+          <a:xfrm>
+            <a:off x="0" y="414068"/>
+            <a:ext cx="12192000" cy="6003985"/>
+          </a:xfrm>
+          <a:prstGeom prst="rect">
+            <a:avLst/>
+          </a:prstGeom>
+        </p:spPr>
+      </p:pic>
+      <p:sp>
+        <p:nvSpPr>
+          <p:cNvPr id="4" name="Rectangle 3">
+            <a:extLst>
+              <a:ext uri="{FF2B5EF4-FFF2-40B4-BE49-F238E27FC236}">
+                <a16:creationId xmlns:a16="http://schemas.microsoft.com/office/drawing/2014/main" id="{101E42DD-2B99-886F-0BB7-73E088EBB0CB}"/>
+              </a:ext>
+            </a:extLst>
+          </p:cNvPr>
+          <p:cNvSpPr/>
+          <p:nvPr/>
+        </p:nvSpPr>
+        <p:spPr>
+          <a:xfrm>
+            <a:off x="414068" y="4848045"/>
+            <a:ext cx="2881223" cy="241540"/>
+          </a:xfrm>
+          <a:prstGeom prst="rect">
+            <a:avLst/>
+          </a:prstGeom>
+          <a:noFill/>
+        </p:spPr>
+        <p:style>
+          <a:lnRef idx="2">
+            <a:schemeClr val="accent2"/>
+          </a:lnRef>
+          <a:fillRef idx="1">
+            <a:schemeClr val="lt1"/>
+          </a:fillRef>
+          <a:effectRef idx="0">
+            <a:schemeClr val="accent2"/>
+          </a:effectRef>
+          <a:fontRef idx="minor">
+            <a:schemeClr val="dk1"/>
+          </a:fontRef>
+        </p:style>
+        <p:txBody>
+          <a:bodyPr rtlCol="0" anchor="ctr"/>
+          <a:lstStyle/>
+          <a:p>
+            <a:pPr algn="ctr"/>
+            <a:endParaRPr lang="en-US"/>
+          </a:p>
+        </p:txBody>
+      </p:sp>
+      <p:sp>
+        <p:nvSpPr>
+          <p:cNvPr id="5" name="TextBox 4">
+            <a:extLst>
+              <a:ext uri="{FF2B5EF4-FFF2-40B4-BE49-F238E27FC236}">
+                <a16:creationId xmlns:a16="http://schemas.microsoft.com/office/drawing/2014/main" id="{8AE1D577-1B27-32FC-D141-6AA521E6F3E5}"/>
+              </a:ext>
+            </a:extLst>
+          </p:cNvPr>
+          <p:cNvSpPr txBox="1"/>
+          <p:nvPr/>
+        </p:nvSpPr>
+        <p:spPr>
+          <a:xfrm>
+            <a:off x="3312544" y="4478713"/>
+            <a:ext cx="3640347" cy="461665"/>
+          </a:xfrm>
+          <a:prstGeom prst="rect">
+            <a:avLst/>
+          </a:prstGeom>
+          <a:noFill/>
+        </p:spPr>
+        <p:txBody>
+          <a:bodyPr wrap="square" rtlCol="0">
+            <a:spAutoFit/>
+          </a:bodyPr>
+          <a:lstStyle/>
+          <a:p>
+            <a:r>
+              <a:rPr lang="en-US" sz="2400" dirty="0">
+                <a:solidFill>
+                  <a:srgbClr val="FF0000"/>
+                </a:solidFill>
+              </a:rPr>
+              <a:t>hybridogram_0.3.2.tar.gz</a:t>
+            </a:r>
+          </a:p>
+        </p:txBody>
+      </p:sp>
+      <p:sp>
+        <p:nvSpPr>
+          <p:cNvPr id="6" name="TextBox 5">
+            <a:extLst>
+              <a:ext uri="{FF2B5EF4-FFF2-40B4-BE49-F238E27FC236}">
+                <a16:creationId xmlns:a16="http://schemas.microsoft.com/office/drawing/2014/main" id="{FA1ECCAA-9472-5E70-D123-1308B48C7A9D}"/>
+              </a:ext>
+            </a:extLst>
+          </p:cNvPr>
+          <p:cNvSpPr txBox="1"/>
+          <p:nvPr/>
+        </p:nvSpPr>
+        <p:spPr>
+          <a:xfrm>
+            <a:off x="6970144" y="3278384"/>
+            <a:ext cx="5273614" cy="1200329"/>
+          </a:xfrm>
+          <a:prstGeom prst="rect">
+            <a:avLst/>
+          </a:prstGeom>
+          <a:noFill/>
+        </p:spPr>
+        <p:txBody>
+          <a:bodyPr wrap="square" rtlCol="0">
+            <a:spAutoFit/>
+          </a:bodyPr>
+          <a:lstStyle/>
+          <a:p>
+            <a:r>
+              <a:rPr lang="en-US" sz="2400" dirty="0"/>
+              <a:t>Save this file and then copy the absolute path to it on your computer into the </a:t>
+            </a:r>
+            <a:r>
+              <a:rPr lang="en-US" sz="2400" dirty="0" err="1"/>
+              <a:t>install.packages</a:t>
+            </a:r>
+            <a:r>
+              <a:rPr lang="en-US" sz="2400" dirty="0"/>
+              <a:t> command.</a:t>
+            </a:r>
+          </a:p>
+        </p:txBody>
+      </p:sp>
+    </p:spTree>
+    <p:extLst>
+      <p:ext uri="{BB962C8B-B14F-4D97-AF65-F5344CB8AC3E}">
+        <p14:creationId xmlns:p14="http://schemas.microsoft.com/office/powerpoint/2010/main" val="1335183001"/>
+      </p:ext>
+    </p:extLst>
+  </p:cSld>
+  <p:clrMapOvr>
+    <a:masterClrMapping/>
+  </p:clrMapOvr>
+  <p:timing>
+    <p:tnLst>
+      <p:par>
+        <p:cTn id="1" dur="indefinite" restart="never" nodeType="tmRoot">
+          <p:childTnLst>
+            <p:seq concurrent="1" nextAc="seek">
+              <p:cTn id="2" dur="indefinite" nodeType="mainSeq">
+                <p:childTnLst>
+                  <p:par>
+                    <p:cTn id="3" fill="hold">
+                      <p:stCondLst>
+                        <p:cond delay="indefinite"/>
+                      </p:stCondLst>
+                      <p:childTnLst>
+                        <p:par>
+                          <p:cTn id="4" fill="hold">
+                            <p:stCondLst>
+                              <p:cond delay="0"/>
+                            </p:stCondLst>
+                            <p:childTnLst>
+                              <p:par>
+                                <p:cTn id="5" presetID="1" presetClass="entr" presetSubtype="0" fill="hold" grpId="0" nodeType="clickEffect">
+                                  <p:stCondLst>
+                                    <p:cond delay="0"/>
+                                  </p:stCondLst>
+                                  <p:childTnLst>
+                                    <p:set>
+                                      <p:cBhvr>
+                                        <p:cTn id="6" dur="1" fill="hold">
+                                          <p:stCondLst>
+                                            <p:cond delay="0"/>
+                                          </p:stCondLst>
+                                        </p:cTn>
+                                        <p:tgtEl>
+                                          <p:spTgt spid="4"/>
+                                        </p:tgtEl>
+                                        <p:attrNameLst>
+                                          <p:attrName>style.visibility</p:attrName>
+                                        </p:attrNameLst>
+                                      </p:cBhvr>
+                                      <p:to>
+                                        <p:strVal val="visible"/>
+                                      </p:to>
+                                    </p:set>
+                                  </p:childTnLst>
+                                </p:cTn>
+                              </p:par>
+                            </p:childTnLst>
+                          </p:cTn>
+                        </p:par>
+                      </p:childTnLst>
+                    </p:cTn>
+                  </p:par>
+                  <p:par>
+                    <p:cTn id="7" fill="hold">
+                      <p:stCondLst>
+                        <p:cond delay="indefinite"/>
+                      </p:stCondLst>
+                      <p:childTnLst>
+                        <p:par>
+                          <p:cTn id="8" fill="hold">
+                            <p:stCondLst>
+                              <p:cond delay="0"/>
+                            </p:stCondLst>
+                            <p:childTnLst>
+                              <p:par>
+                                <p:cTn id="9" presetID="1" presetClass="entr" presetSubtype="0" fill="hold" nodeType="clickEffect">
+                                  <p:stCondLst>
+                                    <p:cond delay="0"/>
+                                  </p:stCondLst>
+                                  <p:childTnLst>
+                                    <p:set>
+                                      <p:cBhvr>
+                                        <p:cTn id="10" dur="1" fill="hold">
+                                          <p:stCondLst>
+                                            <p:cond delay="0"/>
+                                          </p:stCondLst>
+                                        </p:cTn>
+                                        <p:tgtEl>
+                                          <p:spTgt spid="5">
+                                            <p:txEl>
+                                              <p:pRg st="0" end="0"/>
+                                            </p:txEl>
+                                          </p:spTgt>
+                                        </p:tgtEl>
+                                        <p:attrNameLst>
+                                          <p:attrName>style.visibility</p:attrName>
+                                        </p:attrNameLst>
+                                      </p:cBhvr>
+                                      <p:to>
+                                        <p:strVal val="visible"/>
+                                      </p:to>
+                                    </p:set>
+                                  </p:childTnLst>
+                                </p:cTn>
+                              </p:par>
+                            </p:childTnLst>
+                          </p:cTn>
+                        </p:par>
+                      </p:childTnLst>
+                    </p:cTn>
+                  </p:par>
+                  <p:par>
+                    <p:cTn id="11" fill="hold">
+                      <p:stCondLst>
+                        <p:cond delay="indefinite"/>
+                      </p:stCondLst>
+                      <p:childTnLst>
+                        <p:par>
+                          <p:cTn id="12" fill="hold">
+                            <p:stCondLst>
+                              <p:cond delay="0"/>
+                            </p:stCondLst>
+                            <p:childTnLst>
+                              <p:par>
+                                <p:cTn id="13" presetID="1" presetClass="entr" presetSubtype="0" fill="hold" grpId="0" nodeType="clickEffect">
+                                  <p:stCondLst>
+                                    <p:cond delay="0"/>
+                                  </p:stCondLst>
+                                  <p:childTnLst>
+                                    <p:set>
+                                      <p:cBhvr>
+                                        <p:cTn id="14" dur="1" fill="hold">
+                                          <p:stCondLst>
+                                            <p:cond delay="0"/>
+                                          </p:stCondLst>
+                                        </p:cTn>
+                                        <p:tgtEl>
+                                          <p:spTgt spid="6"/>
+                                        </p:tgtEl>
+                                        <p:attrNameLst>
+                                          <p:attrName>style.visibility</p:attrName>
+                                        </p:attrNameLst>
+                                      </p:cBhvr>
+                                      <p:to>
+                                        <p:strVal val="visible"/>
+                                      </p:to>
+                                    </p:set>
+                                  </p:childTnLst>
+                                </p:cTn>
+                              </p:par>
+                            </p:childTnLst>
+                          </p:cTn>
+                        </p:par>
+                      </p:childTnLst>
+                    </p:cTn>
+                  </p:par>
+                </p:childTnLst>
+              </p:cTn>
+              <p:prevCondLst>
+                <p:cond evt="onPrev" delay="0">
+                  <p:tgtEl>
+                    <p:sldTgt/>
+                  </p:tgtEl>
+                </p:cond>
+              </p:prevCondLst>
+              <p:nextCondLst>
+                <p:cond evt="onNext" delay="0">
+                  <p:tgtEl>
+                    <p:sldTgt/>
+                  </p:tgtEl>
+                </p:cond>
+              </p:nextCondLst>
+            </p:seq>
+          </p:childTnLst>
+        </p:cTn>
+      </p:par>
+    </p:tnLst>
+    <p:bldLst>
+      <p:bldP spid="4" grpId="0" animBg="1"/>
+      <p:bldP spid="6" grpId="0"/>
+    </p:bldLst>
+  </p:timing>
+</p:sld>
+</file>
+
+<file path=ppt/slides/slide19.xml><?xml version="1.0" encoding="utf-8"?>
 <p:sld xmlns:a="http://schemas.openxmlformats.org/drawingml/2006/main" xmlns:r="http://schemas.openxmlformats.org/officeDocument/2006/relationships" xmlns:p="http://schemas.openxmlformats.org/presentationml/2006/main">
   <p:cSld>
     <p:spTree>
@@ -9128,7 +9518,409 @@
 </p:sld>
 </file>
 
-<file path=ppt/slides/slide19.xml><?xml version="1.0" encoding="utf-8"?>
+<file path=ppt/slides/slide2.xml><?xml version="1.0" encoding="utf-8"?>
+<p:sld xmlns:a="http://schemas.openxmlformats.org/drawingml/2006/main" xmlns:r="http://schemas.openxmlformats.org/officeDocument/2006/relationships" xmlns:p="http://schemas.openxmlformats.org/presentationml/2006/main">
+  <p:cSld>
+    <p:spTree>
+      <p:nvGrpSpPr>
+        <p:cNvPr id="1" name=""/>
+        <p:cNvGrpSpPr/>
+        <p:nvPr/>
+      </p:nvGrpSpPr>
+      <p:grpSpPr>
+        <a:xfrm>
+          <a:off x="0" y="0"/>
+          <a:ext cx="0" cy="0"/>
+          <a:chOff x="0" y="0"/>
+          <a:chExt cx="0" cy="0"/>
+        </a:xfrm>
+      </p:grpSpPr>
+      <p:sp>
+        <p:nvSpPr>
+          <p:cNvPr id="2" name="Title 1">
+            <a:extLst>
+              <a:ext uri="{FF2B5EF4-FFF2-40B4-BE49-F238E27FC236}">
+                <a16:creationId xmlns:a16="http://schemas.microsoft.com/office/drawing/2014/main" id="{96B74227-F2CD-5B45-F00E-9CD84C4BEEAA}"/>
+              </a:ext>
+            </a:extLst>
+          </p:cNvPr>
+          <p:cNvSpPr>
+            <a:spLocks noGrp="1"/>
+          </p:cNvSpPr>
+          <p:nvPr>
+            <p:ph type="title"/>
+          </p:nvPr>
+        </p:nvSpPr>
+        <p:spPr/>
+        <p:txBody>
+          <a:bodyPr/>
+          <a:lstStyle/>
+          <a:p>
+            <a:pPr algn="ctr"/>
+            <a:r>
+              <a:rPr lang="en-US" dirty="0"/>
+              <a:t>Introduction</a:t>
+            </a:r>
+          </a:p>
+        </p:txBody>
+      </p:sp>
+      <p:sp>
+        <p:nvSpPr>
+          <p:cNvPr id="3" name="Content Placeholder 2">
+            <a:extLst>
+              <a:ext uri="{FF2B5EF4-FFF2-40B4-BE49-F238E27FC236}">
+                <a16:creationId xmlns:a16="http://schemas.microsoft.com/office/drawing/2014/main" id="{6D250D6F-5F5C-B70D-F35D-C44A42C4F994}"/>
+              </a:ext>
+            </a:extLst>
+          </p:cNvPr>
+          <p:cNvSpPr>
+            <a:spLocks noGrp="1"/>
+          </p:cNvSpPr>
+          <p:nvPr>
+            <p:ph idx="1"/>
+          </p:nvPr>
+        </p:nvSpPr>
+        <p:spPr/>
+        <p:txBody>
+          <a:bodyPr/>
+          <a:lstStyle/>
+          <a:p>
+            <a:r>
+              <a:rPr lang="en-US" dirty="0"/>
+              <a:t>Taught computer science at Concordia University Irvine for two years (Introduction to Bioinformatics).</a:t>
+            </a:r>
+          </a:p>
+          <a:p>
+            <a:r>
+              <a:rPr lang="en-US" dirty="0"/>
+              <a:t>Biology from a creation science perspective and loved it!! </a:t>
+            </a:r>
+            <a:r>
+              <a:rPr lang="en-US" dirty="0">
+                <a:sym typeface="Wingdings" panose="05000000000000000000" pitchFamily="2" charset="2"/>
+              </a:rPr>
+              <a:t></a:t>
+            </a:r>
+          </a:p>
+          <a:p>
+            <a:r>
+              <a:rPr lang="en-US" dirty="0">
+                <a:sym typeface="Wingdings" panose="05000000000000000000" pitchFamily="2" charset="2"/>
+              </a:rPr>
+              <a:t>Worked in bioinformatics for 22 years in research, industry and academy.</a:t>
+            </a:r>
+          </a:p>
+          <a:p>
+            <a:r>
+              <a:rPr lang="en-US" dirty="0">
+                <a:sym typeface="Wingdings" panose="05000000000000000000" pitchFamily="2" charset="2"/>
+              </a:rPr>
+              <a:t>Around 85 publications in secular and creation journals.</a:t>
+            </a:r>
+          </a:p>
+          <a:p>
+            <a:r>
+              <a:rPr lang="en-US" dirty="0">
+                <a:sym typeface="Wingdings" panose="05000000000000000000" pitchFamily="2" charset="2"/>
+              </a:rPr>
+              <a:t>One of my main languages is R.</a:t>
+            </a:r>
+            <a:endParaRPr lang="en-US" dirty="0"/>
+          </a:p>
+        </p:txBody>
+      </p:sp>
+    </p:spTree>
+    <p:extLst>
+      <p:ext uri="{BB962C8B-B14F-4D97-AF65-F5344CB8AC3E}">
+        <p14:creationId xmlns:p14="http://schemas.microsoft.com/office/powerpoint/2010/main" val="2737517908"/>
+      </p:ext>
+    </p:extLst>
+  </p:cSld>
+  <p:clrMapOvr>
+    <a:masterClrMapping/>
+  </p:clrMapOvr>
+  <p:timing>
+    <p:tnLst>
+      <p:par>
+        <p:cTn id="1" dur="indefinite" restart="never" nodeType="tmRoot">
+          <p:childTnLst>
+            <p:seq concurrent="1" nextAc="seek">
+              <p:cTn id="2" dur="indefinite" nodeType="mainSeq">
+                <p:childTnLst>
+                  <p:par>
+                    <p:cTn id="3" fill="hold">
+                      <p:stCondLst>
+                        <p:cond delay="indefinite"/>
+                      </p:stCondLst>
+                      <p:childTnLst>
+                        <p:par>
+                          <p:cTn id="4" fill="hold">
+                            <p:stCondLst>
+                              <p:cond delay="0"/>
+                            </p:stCondLst>
+                            <p:childTnLst>
+                              <p:par>
+                                <p:cTn id="5" presetID="1" presetClass="entr" presetSubtype="0" fill="hold" grpId="0" nodeType="clickEffect">
+                                  <p:stCondLst>
+                                    <p:cond delay="0"/>
+                                  </p:stCondLst>
+                                  <p:childTnLst>
+                                    <p:set>
+                                      <p:cBhvr>
+                                        <p:cTn id="6" dur="1" fill="hold">
+                                          <p:stCondLst>
+                                            <p:cond delay="0"/>
+                                          </p:stCondLst>
+                                        </p:cTn>
+                                        <p:tgtEl>
+                                          <p:spTgt spid="3">
+                                            <p:txEl>
+                                              <p:pRg st="0" end="0"/>
+                                            </p:txEl>
+                                          </p:spTgt>
+                                        </p:tgtEl>
+                                        <p:attrNameLst>
+                                          <p:attrName>style.visibility</p:attrName>
+                                        </p:attrNameLst>
+                                      </p:cBhvr>
+                                      <p:to>
+                                        <p:strVal val="visible"/>
+                                      </p:to>
+                                    </p:set>
+                                  </p:childTnLst>
+                                </p:cTn>
+                              </p:par>
+                            </p:childTnLst>
+                          </p:cTn>
+                        </p:par>
+                      </p:childTnLst>
+                    </p:cTn>
+                  </p:par>
+                  <p:par>
+                    <p:cTn id="7" fill="hold">
+                      <p:stCondLst>
+                        <p:cond delay="indefinite"/>
+                      </p:stCondLst>
+                      <p:childTnLst>
+                        <p:par>
+                          <p:cTn id="8" fill="hold">
+                            <p:stCondLst>
+                              <p:cond delay="0"/>
+                            </p:stCondLst>
+                            <p:childTnLst>
+                              <p:par>
+                                <p:cTn id="9" presetID="1" presetClass="entr" presetSubtype="0" fill="hold" grpId="0" nodeType="clickEffect">
+                                  <p:stCondLst>
+                                    <p:cond delay="0"/>
+                                  </p:stCondLst>
+                                  <p:childTnLst>
+                                    <p:set>
+                                      <p:cBhvr>
+                                        <p:cTn id="10" dur="1" fill="hold">
+                                          <p:stCondLst>
+                                            <p:cond delay="0"/>
+                                          </p:stCondLst>
+                                        </p:cTn>
+                                        <p:tgtEl>
+                                          <p:spTgt spid="3">
+                                            <p:txEl>
+                                              <p:pRg st="1" end="1"/>
+                                            </p:txEl>
+                                          </p:spTgt>
+                                        </p:tgtEl>
+                                        <p:attrNameLst>
+                                          <p:attrName>style.visibility</p:attrName>
+                                        </p:attrNameLst>
+                                      </p:cBhvr>
+                                      <p:to>
+                                        <p:strVal val="visible"/>
+                                      </p:to>
+                                    </p:set>
+                                  </p:childTnLst>
+                                </p:cTn>
+                              </p:par>
+                            </p:childTnLst>
+                          </p:cTn>
+                        </p:par>
+                      </p:childTnLst>
+                    </p:cTn>
+                  </p:par>
+                  <p:par>
+                    <p:cTn id="11" fill="hold">
+                      <p:stCondLst>
+                        <p:cond delay="indefinite"/>
+                      </p:stCondLst>
+                      <p:childTnLst>
+                        <p:par>
+                          <p:cTn id="12" fill="hold">
+                            <p:stCondLst>
+                              <p:cond delay="0"/>
+                            </p:stCondLst>
+                            <p:childTnLst>
+                              <p:par>
+                                <p:cTn id="13" presetID="1" presetClass="entr" presetSubtype="0" fill="hold" grpId="0" nodeType="clickEffect">
+                                  <p:stCondLst>
+                                    <p:cond delay="0"/>
+                                  </p:stCondLst>
+                                  <p:childTnLst>
+                                    <p:set>
+                                      <p:cBhvr>
+                                        <p:cTn id="14" dur="1" fill="hold">
+                                          <p:stCondLst>
+                                            <p:cond delay="0"/>
+                                          </p:stCondLst>
+                                        </p:cTn>
+                                        <p:tgtEl>
+                                          <p:spTgt spid="3">
+                                            <p:txEl>
+                                              <p:pRg st="2" end="2"/>
+                                            </p:txEl>
+                                          </p:spTgt>
+                                        </p:tgtEl>
+                                        <p:attrNameLst>
+                                          <p:attrName>style.visibility</p:attrName>
+                                        </p:attrNameLst>
+                                      </p:cBhvr>
+                                      <p:to>
+                                        <p:strVal val="visible"/>
+                                      </p:to>
+                                    </p:set>
+                                  </p:childTnLst>
+                                </p:cTn>
+                              </p:par>
+                            </p:childTnLst>
+                          </p:cTn>
+                        </p:par>
+                      </p:childTnLst>
+                    </p:cTn>
+                  </p:par>
+                  <p:par>
+                    <p:cTn id="15" fill="hold">
+                      <p:stCondLst>
+                        <p:cond delay="indefinite"/>
+                      </p:stCondLst>
+                      <p:childTnLst>
+                        <p:par>
+                          <p:cTn id="16" fill="hold">
+                            <p:stCondLst>
+                              <p:cond delay="0"/>
+                            </p:stCondLst>
+                            <p:childTnLst>
+                              <p:par>
+                                <p:cTn id="17" presetID="1" presetClass="entr" presetSubtype="0" fill="hold" grpId="0" nodeType="clickEffect">
+                                  <p:stCondLst>
+                                    <p:cond delay="0"/>
+                                  </p:stCondLst>
+                                  <p:childTnLst>
+                                    <p:set>
+                                      <p:cBhvr>
+                                        <p:cTn id="18" dur="1" fill="hold">
+                                          <p:stCondLst>
+                                            <p:cond delay="0"/>
+                                          </p:stCondLst>
+                                        </p:cTn>
+                                        <p:tgtEl>
+                                          <p:spTgt spid="3">
+                                            <p:txEl>
+                                              <p:pRg st="3" end="3"/>
+                                            </p:txEl>
+                                          </p:spTgt>
+                                        </p:tgtEl>
+                                        <p:attrNameLst>
+                                          <p:attrName>style.visibility</p:attrName>
+                                        </p:attrNameLst>
+                                      </p:cBhvr>
+                                      <p:to>
+                                        <p:strVal val="visible"/>
+                                      </p:to>
+                                    </p:set>
+                                  </p:childTnLst>
+                                </p:cTn>
+                              </p:par>
+                            </p:childTnLst>
+                          </p:cTn>
+                        </p:par>
+                      </p:childTnLst>
+                    </p:cTn>
+                  </p:par>
+                  <p:par>
+                    <p:cTn id="19" fill="hold">
+                      <p:stCondLst>
+                        <p:cond delay="indefinite"/>
+                      </p:stCondLst>
+                      <p:childTnLst>
+                        <p:par>
+                          <p:cTn id="20" fill="hold">
+                            <p:stCondLst>
+                              <p:cond delay="0"/>
+                            </p:stCondLst>
+                            <p:childTnLst>
+                              <p:par>
+                                <p:cTn id="21" presetID="1" presetClass="entr" presetSubtype="0" fill="hold" grpId="0" nodeType="clickEffect">
+                                  <p:stCondLst>
+                                    <p:cond delay="0"/>
+                                  </p:stCondLst>
+                                  <p:childTnLst>
+                                    <p:set>
+                                      <p:cBhvr>
+                                        <p:cTn id="22" dur="1" fill="hold">
+                                          <p:stCondLst>
+                                            <p:cond delay="0"/>
+                                          </p:stCondLst>
+                                        </p:cTn>
+                                        <p:tgtEl>
+                                          <p:spTgt spid="3">
+                                            <p:txEl>
+                                              <p:pRg st="4" end="4"/>
+                                            </p:txEl>
+                                          </p:spTgt>
+                                        </p:tgtEl>
+                                        <p:attrNameLst>
+                                          <p:attrName>style.visibility</p:attrName>
+                                        </p:attrNameLst>
+                                      </p:cBhvr>
+                                      <p:to>
+                                        <p:strVal val="visible"/>
+                                      </p:to>
+                                    </p:set>
+                                  </p:childTnLst>
+                                </p:cTn>
+                              </p:par>
+                            </p:childTnLst>
+                          </p:cTn>
+                        </p:par>
+                      </p:childTnLst>
+                    </p:cTn>
+                  </p:par>
+                </p:childTnLst>
+              </p:cTn>
+              <p:prevCondLst>
+                <p:cond evt="onPrev" delay="0">
+                  <p:tgtEl>
+                    <p:sldTgt/>
+                  </p:tgtEl>
+                </p:cond>
+              </p:prevCondLst>
+              <p:nextCondLst>
+                <p:cond evt="onNext" delay="0">
+                  <p:tgtEl>
+                    <p:sldTgt/>
+                  </p:tgtEl>
+                </p:cond>
+              </p:nextCondLst>
+            </p:seq>
+          </p:childTnLst>
+        </p:cTn>
+      </p:par>
+    </p:tnLst>
+    <p:bldLst>
+      <p:bldP spid="3" grpId="0" build="p"/>
+    </p:bldLst>
+  </p:timing>
+</p:sld>
+</file>
+
+<file path=ppt/slides/slide20.xml><?xml version="1.0" encoding="utf-8"?>
 <p:sld xmlns:a="http://schemas.openxmlformats.org/drawingml/2006/main" xmlns:r="http://schemas.openxmlformats.org/officeDocument/2006/relationships" xmlns:p="http://schemas.openxmlformats.org/presentationml/2006/main">
   <p:cSld>
     <p:spTree>
@@ -9745,409 +10537,7 @@
 </p:sld>
 </file>
 
-<file path=ppt/slides/slide2.xml><?xml version="1.0" encoding="utf-8"?>
-<p:sld xmlns:a="http://schemas.openxmlformats.org/drawingml/2006/main" xmlns:r="http://schemas.openxmlformats.org/officeDocument/2006/relationships" xmlns:p="http://schemas.openxmlformats.org/presentationml/2006/main">
-  <p:cSld>
-    <p:spTree>
-      <p:nvGrpSpPr>
-        <p:cNvPr id="1" name=""/>
-        <p:cNvGrpSpPr/>
-        <p:nvPr/>
-      </p:nvGrpSpPr>
-      <p:grpSpPr>
-        <a:xfrm>
-          <a:off x="0" y="0"/>
-          <a:ext cx="0" cy="0"/>
-          <a:chOff x="0" y="0"/>
-          <a:chExt cx="0" cy="0"/>
-        </a:xfrm>
-      </p:grpSpPr>
-      <p:sp>
-        <p:nvSpPr>
-          <p:cNvPr id="2" name="Title 1">
-            <a:extLst>
-              <a:ext uri="{FF2B5EF4-FFF2-40B4-BE49-F238E27FC236}">
-                <a16:creationId xmlns:a16="http://schemas.microsoft.com/office/drawing/2014/main" id="{96B74227-F2CD-5B45-F00E-9CD84C4BEEAA}"/>
-              </a:ext>
-            </a:extLst>
-          </p:cNvPr>
-          <p:cNvSpPr>
-            <a:spLocks noGrp="1"/>
-          </p:cNvSpPr>
-          <p:nvPr>
-            <p:ph type="title"/>
-          </p:nvPr>
-        </p:nvSpPr>
-        <p:spPr/>
-        <p:txBody>
-          <a:bodyPr/>
-          <a:lstStyle/>
-          <a:p>
-            <a:pPr algn="ctr"/>
-            <a:r>
-              <a:rPr lang="en-US" dirty="0"/>
-              <a:t>Introduction</a:t>
-            </a:r>
-          </a:p>
-        </p:txBody>
-      </p:sp>
-      <p:sp>
-        <p:nvSpPr>
-          <p:cNvPr id="3" name="Content Placeholder 2">
-            <a:extLst>
-              <a:ext uri="{FF2B5EF4-FFF2-40B4-BE49-F238E27FC236}">
-                <a16:creationId xmlns:a16="http://schemas.microsoft.com/office/drawing/2014/main" id="{6D250D6F-5F5C-B70D-F35D-C44A42C4F994}"/>
-              </a:ext>
-            </a:extLst>
-          </p:cNvPr>
-          <p:cNvSpPr>
-            <a:spLocks noGrp="1"/>
-          </p:cNvSpPr>
-          <p:nvPr>
-            <p:ph idx="1"/>
-          </p:nvPr>
-        </p:nvSpPr>
-        <p:spPr/>
-        <p:txBody>
-          <a:bodyPr/>
-          <a:lstStyle/>
-          <a:p>
-            <a:r>
-              <a:rPr lang="en-US" dirty="0"/>
-              <a:t>Taught computer science at Concordia University Irvine for two years (Introduction to Bioinformatics).</a:t>
-            </a:r>
-          </a:p>
-          <a:p>
-            <a:r>
-              <a:rPr lang="en-US" dirty="0"/>
-              <a:t>Biology from a creation science perspective and loved it!! </a:t>
-            </a:r>
-            <a:r>
-              <a:rPr lang="en-US" dirty="0">
-                <a:sym typeface="Wingdings" panose="05000000000000000000" pitchFamily="2" charset="2"/>
-              </a:rPr>
-              <a:t></a:t>
-            </a:r>
-          </a:p>
-          <a:p>
-            <a:r>
-              <a:rPr lang="en-US" dirty="0">
-                <a:sym typeface="Wingdings" panose="05000000000000000000" pitchFamily="2" charset="2"/>
-              </a:rPr>
-              <a:t>Worked in bioinformatics for 22 years in research, industry and academy.</a:t>
-            </a:r>
-          </a:p>
-          <a:p>
-            <a:r>
-              <a:rPr lang="en-US" dirty="0">
-                <a:sym typeface="Wingdings" panose="05000000000000000000" pitchFamily="2" charset="2"/>
-              </a:rPr>
-              <a:t>Around 85 publications in secular and creation journals.</a:t>
-            </a:r>
-          </a:p>
-          <a:p>
-            <a:r>
-              <a:rPr lang="en-US" dirty="0">
-                <a:sym typeface="Wingdings" panose="05000000000000000000" pitchFamily="2" charset="2"/>
-              </a:rPr>
-              <a:t>One of my main languages is R.</a:t>
-            </a:r>
-            <a:endParaRPr lang="en-US" dirty="0"/>
-          </a:p>
-        </p:txBody>
-      </p:sp>
-    </p:spTree>
-    <p:extLst>
-      <p:ext uri="{BB962C8B-B14F-4D97-AF65-F5344CB8AC3E}">
-        <p14:creationId xmlns:p14="http://schemas.microsoft.com/office/powerpoint/2010/main" val="2737517908"/>
-      </p:ext>
-    </p:extLst>
-  </p:cSld>
-  <p:clrMapOvr>
-    <a:masterClrMapping/>
-  </p:clrMapOvr>
-  <p:timing>
-    <p:tnLst>
-      <p:par>
-        <p:cTn id="1" dur="indefinite" restart="never" nodeType="tmRoot">
-          <p:childTnLst>
-            <p:seq concurrent="1" nextAc="seek">
-              <p:cTn id="2" dur="indefinite" nodeType="mainSeq">
-                <p:childTnLst>
-                  <p:par>
-                    <p:cTn id="3" fill="hold">
-                      <p:stCondLst>
-                        <p:cond delay="indefinite"/>
-                      </p:stCondLst>
-                      <p:childTnLst>
-                        <p:par>
-                          <p:cTn id="4" fill="hold">
-                            <p:stCondLst>
-                              <p:cond delay="0"/>
-                            </p:stCondLst>
-                            <p:childTnLst>
-                              <p:par>
-                                <p:cTn id="5" presetID="1" presetClass="entr" presetSubtype="0" fill="hold" grpId="0" nodeType="clickEffect">
-                                  <p:stCondLst>
-                                    <p:cond delay="0"/>
-                                  </p:stCondLst>
-                                  <p:childTnLst>
-                                    <p:set>
-                                      <p:cBhvr>
-                                        <p:cTn id="6" dur="1" fill="hold">
-                                          <p:stCondLst>
-                                            <p:cond delay="0"/>
-                                          </p:stCondLst>
-                                        </p:cTn>
-                                        <p:tgtEl>
-                                          <p:spTgt spid="3">
-                                            <p:txEl>
-                                              <p:pRg st="0" end="0"/>
-                                            </p:txEl>
-                                          </p:spTgt>
-                                        </p:tgtEl>
-                                        <p:attrNameLst>
-                                          <p:attrName>style.visibility</p:attrName>
-                                        </p:attrNameLst>
-                                      </p:cBhvr>
-                                      <p:to>
-                                        <p:strVal val="visible"/>
-                                      </p:to>
-                                    </p:set>
-                                  </p:childTnLst>
-                                </p:cTn>
-                              </p:par>
-                            </p:childTnLst>
-                          </p:cTn>
-                        </p:par>
-                      </p:childTnLst>
-                    </p:cTn>
-                  </p:par>
-                  <p:par>
-                    <p:cTn id="7" fill="hold">
-                      <p:stCondLst>
-                        <p:cond delay="indefinite"/>
-                      </p:stCondLst>
-                      <p:childTnLst>
-                        <p:par>
-                          <p:cTn id="8" fill="hold">
-                            <p:stCondLst>
-                              <p:cond delay="0"/>
-                            </p:stCondLst>
-                            <p:childTnLst>
-                              <p:par>
-                                <p:cTn id="9" presetID="1" presetClass="entr" presetSubtype="0" fill="hold" grpId="0" nodeType="clickEffect">
-                                  <p:stCondLst>
-                                    <p:cond delay="0"/>
-                                  </p:stCondLst>
-                                  <p:childTnLst>
-                                    <p:set>
-                                      <p:cBhvr>
-                                        <p:cTn id="10" dur="1" fill="hold">
-                                          <p:stCondLst>
-                                            <p:cond delay="0"/>
-                                          </p:stCondLst>
-                                        </p:cTn>
-                                        <p:tgtEl>
-                                          <p:spTgt spid="3">
-                                            <p:txEl>
-                                              <p:pRg st="1" end="1"/>
-                                            </p:txEl>
-                                          </p:spTgt>
-                                        </p:tgtEl>
-                                        <p:attrNameLst>
-                                          <p:attrName>style.visibility</p:attrName>
-                                        </p:attrNameLst>
-                                      </p:cBhvr>
-                                      <p:to>
-                                        <p:strVal val="visible"/>
-                                      </p:to>
-                                    </p:set>
-                                  </p:childTnLst>
-                                </p:cTn>
-                              </p:par>
-                            </p:childTnLst>
-                          </p:cTn>
-                        </p:par>
-                      </p:childTnLst>
-                    </p:cTn>
-                  </p:par>
-                  <p:par>
-                    <p:cTn id="11" fill="hold">
-                      <p:stCondLst>
-                        <p:cond delay="indefinite"/>
-                      </p:stCondLst>
-                      <p:childTnLst>
-                        <p:par>
-                          <p:cTn id="12" fill="hold">
-                            <p:stCondLst>
-                              <p:cond delay="0"/>
-                            </p:stCondLst>
-                            <p:childTnLst>
-                              <p:par>
-                                <p:cTn id="13" presetID="1" presetClass="entr" presetSubtype="0" fill="hold" grpId="0" nodeType="clickEffect">
-                                  <p:stCondLst>
-                                    <p:cond delay="0"/>
-                                  </p:stCondLst>
-                                  <p:childTnLst>
-                                    <p:set>
-                                      <p:cBhvr>
-                                        <p:cTn id="14" dur="1" fill="hold">
-                                          <p:stCondLst>
-                                            <p:cond delay="0"/>
-                                          </p:stCondLst>
-                                        </p:cTn>
-                                        <p:tgtEl>
-                                          <p:spTgt spid="3">
-                                            <p:txEl>
-                                              <p:pRg st="2" end="2"/>
-                                            </p:txEl>
-                                          </p:spTgt>
-                                        </p:tgtEl>
-                                        <p:attrNameLst>
-                                          <p:attrName>style.visibility</p:attrName>
-                                        </p:attrNameLst>
-                                      </p:cBhvr>
-                                      <p:to>
-                                        <p:strVal val="visible"/>
-                                      </p:to>
-                                    </p:set>
-                                  </p:childTnLst>
-                                </p:cTn>
-                              </p:par>
-                            </p:childTnLst>
-                          </p:cTn>
-                        </p:par>
-                      </p:childTnLst>
-                    </p:cTn>
-                  </p:par>
-                  <p:par>
-                    <p:cTn id="15" fill="hold">
-                      <p:stCondLst>
-                        <p:cond delay="indefinite"/>
-                      </p:stCondLst>
-                      <p:childTnLst>
-                        <p:par>
-                          <p:cTn id="16" fill="hold">
-                            <p:stCondLst>
-                              <p:cond delay="0"/>
-                            </p:stCondLst>
-                            <p:childTnLst>
-                              <p:par>
-                                <p:cTn id="17" presetID="1" presetClass="entr" presetSubtype="0" fill="hold" grpId="0" nodeType="clickEffect">
-                                  <p:stCondLst>
-                                    <p:cond delay="0"/>
-                                  </p:stCondLst>
-                                  <p:childTnLst>
-                                    <p:set>
-                                      <p:cBhvr>
-                                        <p:cTn id="18" dur="1" fill="hold">
-                                          <p:stCondLst>
-                                            <p:cond delay="0"/>
-                                          </p:stCondLst>
-                                        </p:cTn>
-                                        <p:tgtEl>
-                                          <p:spTgt spid="3">
-                                            <p:txEl>
-                                              <p:pRg st="3" end="3"/>
-                                            </p:txEl>
-                                          </p:spTgt>
-                                        </p:tgtEl>
-                                        <p:attrNameLst>
-                                          <p:attrName>style.visibility</p:attrName>
-                                        </p:attrNameLst>
-                                      </p:cBhvr>
-                                      <p:to>
-                                        <p:strVal val="visible"/>
-                                      </p:to>
-                                    </p:set>
-                                  </p:childTnLst>
-                                </p:cTn>
-                              </p:par>
-                            </p:childTnLst>
-                          </p:cTn>
-                        </p:par>
-                      </p:childTnLst>
-                    </p:cTn>
-                  </p:par>
-                  <p:par>
-                    <p:cTn id="19" fill="hold">
-                      <p:stCondLst>
-                        <p:cond delay="indefinite"/>
-                      </p:stCondLst>
-                      <p:childTnLst>
-                        <p:par>
-                          <p:cTn id="20" fill="hold">
-                            <p:stCondLst>
-                              <p:cond delay="0"/>
-                            </p:stCondLst>
-                            <p:childTnLst>
-                              <p:par>
-                                <p:cTn id="21" presetID="1" presetClass="entr" presetSubtype="0" fill="hold" grpId="0" nodeType="clickEffect">
-                                  <p:stCondLst>
-                                    <p:cond delay="0"/>
-                                  </p:stCondLst>
-                                  <p:childTnLst>
-                                    <p:set>
-                                      <p:cBhvr>
-                                        <p:cTn id="22" dur="1" fill="hold">
-                                          <p:stCondLst>
-                                            <p:cond delay="0"/>
-                                          </p:stCondLst>
-                                        </p:cTn>
-                                        <p:tgtEl>
-                                          <p:spTgt spid="3">
-                                            <p:txEl>
-                                              <p:pRg st="4" end="4"/>
-                                            </p:txEl>
-                                          </p:spTgt>
-                                        </p:tgtEl>
-                                        <p:attrNameLst>
-                                          <p:attrName>style.visibility</p:attrName>
-                                        </p:attrNameLst>
-                                      </p:cBhvr>
-                                      <p:to>
-                                        <p:strVal val="visible"/>
-                                      </p:to>
-                                    </p:set>
-                                  </p:childTnLst>
-                                </p:cTn>
-                              </p:par>
-                            </p:childTnLst>
-                          </p:cTn>
-                        </p:par>
-                      </p:childTnLst>
-                    </p:cTn>
-                  </p:par>
-                </p:childTnLst>
-              </p:cTn>
-              <p:prevCondLst>
-                <p:cond evt="onPrev" delay="0">
-                  <p:tgtEl>
-                    <p:sldTgt/>
-                  </p:tgtEl>
-                </p:cond>
-              </p:prevCondLst>
-              <p:nextCondLst>
-                <p:cond evt="onNext" delay="0">
-                  <p:tgtEl>
-                    <p:sldTgt/>
-                  </p:tgtEl>
-                </p:cond>
-              </p:nextCondLst>
-            </p:seq>
-          </p:childTnLst>
-        </p:cTn>
-      </p:par>
-    </p:tnLst>
-    <p:bldLst>
-      <p:bldP spid="3" grpId="0" build="p"/>
-    </p:bldLst>
-  </p:timing>
-</p:sld>
-</file>
-
-<file path=ppt/slides/slide20.xml><?xml version="1.0" encoding="utf-8"?>
+<file path=ppt/slides/slide21.xml><?xml version="1.0" encoding="utf-8"?>
 <p:sld xmlns:a="http://schemas.openxmlformats.org/drawingml/2006/main" xmlns:r="http://schemas.openxmlformats.org/officeDocument/2006/relationships" xmlns:p="http://schemas.openxmlformats.org/presentationml/2006/main">
   <p:cSld>
     <p:spTree>
@@ -10211,7 +10601,7 @@
 </p:sld>
 </file>
 
-<file path=ppt/slides/slide21.xml><?xml version="1.0" encoding="utf-8"?>
+<file path=ppt/slides/slide22.xml><?xml version="1.0" encoding="utf-8"?>
 <p:sld xmlns:a="http://schemas.openxmlformats.org/drawingml/2006/main" xmlns:r="http://schemas.openxmlformats.org/officeDocument/2006/relationships" xmlns:p="http://schemas.openxmlformats.org/presentationml/2006/main">
   <p:cSld>
     <p:spTree>
@@ -10779,7 +11169,7 @@
 </p:sld>
 </file>
 
-<file path=ppt/slides/slide22.xml><?xml version="1.0" encoding="utf-8"?>
+<file path=ppt/slides/slide23.xml><?xml version="1.0" encoding="utf-8"?>
 <p:sld xmlns:a="http://schemas.openxmlformats.org/drawingml/2006/main" xmlns:r="http://schemas.openxmlformats.org/officeDocument/2006/relationships" xmlns:p="http://schemas.openxmlformats.org/presentationml/2006/main">
   <p:cSld>
     <p:spTree>
@@ -11482,7 +11872,7 @@
 </p:sld>
 </file>
 
-<file path=ppt/slides/slide23.xml><?xml version="1.0" encoding="utf-8"?>
+<file path=ppt/slides/slide24.xml><?xml version="1.0" encoding="utf-8"?>
 <p:sld xmlns:a="http://schemas.openxmlformats.org/drawingml/2006/main" xmlns:r="http://schemas.openxmlformats.org/officeDocument/2006/relationships" xmlns:p="http://schemas.openxmlformats.org/presentationml/2006/main">
   <p:cSld>
     <p:spTree>
@@ -11548,7 +11938,7 @@
 </p:sld>
 </file>
 
-<file path=ppt/slides/slide24.xml><?xml version="1.0" encoding="utf-8"?>
+<file path=ppt/slides/slide25.xml><?xml version="1.0" encoding="utf-8"?>
 <p:sld xmlns:a="http://schemas.openxmlformats.org/drawingml/2006/main" xmlns:r="http://schemas.openxmlformats.org/officeDocument/2006/relationships" xmlns:p="http://schemas.openxmlformats.org/presentationml/2006/main">
   <p:cSld>
     <p:spTree>
@@ -11956,7 +12346,7 @@
 </p:sld>
 </file>
 
-<file path=ppt/slides/slide25.xml><?xml version="1.0" encoding="utf-8"?>
+<file path=ppt/slides/slide26.xml><?xml version="1.0" encoding="utf-8"?>
 <p:sld xmlns:a="http://schemas.openxmlformats.org/drawingml/2006/main" xmlns:r="http://schemas.openxmlformats.org/officeDocument/2006/relationships" xmlns:p="http://schemas.openxmlformats.org/presentationml/2006/main">
   <p:cSld>
     <p:spTree>
@@ -17250,7 +17640,7 @@
 </p:sld>
 </file>
 
-<file path=ppt/slides/slide26.xml><?xml version="1.0" encoding="utf-8"?>
+<file path=ppt/slides/slide27.xml><?xml version="1.0" encoding="utf-8"?>
 <p:sld xmlns:a="http://schemas.openxmlformats.org/drawingml/2006/main" xmlns:r="http://schemas.openxmlformats.org/officeDocument/2006/relationships" xmlns:p="http://schemas.openxmlformats.org/presentationml/2006/main">
   <p:cSld>
     <p:spTree>
@@ -17732,7 +18122,7 @@
 </p:sld>
 </file>
 
-<file path=ppt/slides/slide27.xml><?xml version="1.0" encoding="utf-8"?>
+<file path=ppt/slides/slide28.xml><?xml version="1.0" encoding="utf-8"?>
 <p:sld xmlns:a="http://schemas.openxmlformats.org/drawingml/2006/main" xmlns:r="http://schemas.openxmlformats.org/officeDocument/2006/relationships" xmlns:p="http://schemas.openxmlformats.org/presentationml/2006/main">
   <p:cSld>
     <p:spTree>
@@ -18268,7 +18658,7 @@
 </p:sld>
 </file>
 
-<file path=ppt/slides/slide28.xml><?xml version="1.0" encoding="utf-8"?>
+<file path=ppt/slides/slide29.xml><?xml version="1.0" encoding="utf-8"?>
 <p:sld xmlns:a="http://schemas.openxmlformats.org/drawingml/2006/main" xmlns:r="http://schemas.openxmlformats.org/officeDocument/2006/relationships" xmlns:p="http://schemas.openxmlformats.org/presentationml/2006/main">
   <p:cSld>
     <p:spTree>
@@ -18325,70 +18715,6 @@
     <p:extLst>
       <p:ext uri="{BB962C8B-B14F-4D97-AF65-F5344CB8AC3E}">
         <p14:creationId xmlns:p14="http://schemas.microsoft.com/office/powerpoint/2010/main" val="4249583569"/>
-      </p:ext>
-    </p:extLst>
-  </p:cSld>
-  <p:clrMapOvr>
-    <a:masterClrMapping/>
-  </p:clrMapOvr>
-</p:sld>
-</file>
-
-<file path=ppt/slides/slide29.xml><?xml version="1.0" encoding="utf-8"?>
-<p:sld xmlns:a="http://schemas.openxmlformats.org/drawingml/2006/main" xmlns:r="http://schemas.openxmlformats.org/officeDocument/2006/relationships" xmlns:p="http://schemas.openxmlformats.org/presentationml/2006/main">
-  <p:cSld>
-    <p:spTree>
-      <p:nvGrpSpPr>
-        <p:cNvPr id="1" name=""/>
-        <p:cNvGrpSpPr/>
-        <p:nvPr/>
-      </p:nvGrpSpPr>
-      <p:grpSpPr>
-        <a:xfrm>
-          <a:off x="0" y="0"/>
-          <a:ext cx="0" cy="0"/>
-          <a:chOff x="0" y="0"/>
-          <a:chExt cx="0" cy="0"/>
-        </a:xfrm>
-      </p:grpSpPr>
-      <p:sp>
-        <p:nvSpPr>
-          <p:cNvPr id="2" name="Title 1">
-            <a:extLst>
-              <a:ext uri="{FF2B5EF4-FFF2-40B4-BE49-F238E27FC236}">
-                <a16:creationId xmlns:a16="http://schemas.microsoft.com/office/drawing/2014/main" id="{D4B28884-7874-EA6D-D599-B2EB64CC7400}"/>
-              </a:ext>
-            </a:extLst>
-          </p:cNvPr>
-          <p:cNvSpPr>
-            <a:spLocks noGrp="1"/>
-          </p:cNvSpPr>
-          <p:nvPr>
-            <p:ph type="title"/>
-          </p:nvPr>
-        </p:nvSpPr>
-        <p:spPr>
-          <a:xfrm>
-            <a:off x="838200" y="2452717"/>
-            <a:ext cx="10515600" cy="1325563"/>
-          </a:xfrm>
-        </p:spPr>
-        <p:txBody>
-          <a:bodyPr/>
-          <a:lstStyle/>
-          <a:p>
-            <a:pPr algn="ctr"/>
-            <a:r>
-              <a:rPr lang="en-US" dirty="0"/>
-              <a:t>Organelle sequence similarity-based baraminology study</a:t>
-            </a:r>
-          </a:p>
-        </p:txBody>
-      </p:sp>
-    </p:spTree>
-    <p:extLst>
-      <p:ext uri="{BB962C8B-B14F-4D97-AF65-F5344CB8AC3E}">
-        <p14:creationId xmlns:p14="http://schemas.microsoft.com/office/powerpoint/2010/main" val="954600064"/>
       </p:ext>
     </p:extLst>
   </p:cSld>
@@ -19011,6 +19337,70 @@
           <p:cNvPr id="2" name="Title 1">
             <a:extLst>
               <a:ext uri="{FF2B5EF4-FFF2-40B4-BE49-F238E27FC236}">
+                <a16:creationId xmlns:a16="http://schemas.microsoft.com/office/drawing/2014/main" id="{D4B28884-7874-EA6D-D599-B2EB64CC7400}"/>
+              </a:ext>
+            </a:extLst>
+          </p:cNvPr>
+          <p:cNvSpPr>
+            <a:spLocks noGrp="1"/>
+          </p:cNvSpPr>
+          <p:nvPr>
+            <p:ph type="title"/>
+          </p:nvPr>
+        </p:nvSpPr>
+        <p:spPr>
+          <a:xfrm>
+            <a:off x="838200" y="2452717"/>
+            <a:ext cx="10515600" cy="1325563"/>
+          </a:xfrm>
+        </p:spPr>
+        <p:txBody>
+          <a:bodyPr/>
+          <a:lstStyle/>
+          <a:p>
+            <a:pPr algn="ctr"/>
+            <a:r>
+              <a:rPr lang="en-US" dirty="0"/>
+              <a:t>Organelle sequence similarity-based baraminology study</a:t>
+            </a:r>
+          </a:p>
+        </p:txBody>
+      </p:sp>
+    </p:spTree>
+    <p:extLst>
+      <p:ext uri="{BB962C8B-B14F-4D97-AF65-F5344CB8AC3E}">
+        <p14:creationId xmlns:p14="http://schemas.microsoft.com/office/powerpoint/2010/main" val="954600064"/>
+      </p:ext>
+    </p:extLst>
+  </p:cSld>
+  <p:clrMapOvr>
+    <a:masterClrMapping/>
+  </p:clrMapOvr>
+</p:sld>
+</file>
+
+<file path=ppt/slides/slide31.xml><?xml version="1.0" encoding="utf-8"?>
+<p:sld xmlns:a="http://schemas.openxmlformats.org/drawingml/2006/main" xmlns:r="http://schemas.openxmlformats.org/officeDocument/2006/relationships" xmlns:p="http://schemas.openxmlformats.org/presentationml/2006/main">
+  <p:cSld>
+    <p:spTree>
+      <p:nvGrpSpPr>
+        <p:cNvPr id="1" name=""/>
+        <p:cNvGrpSpPr/>
+        <p:nvPr/>
+      </p:nvGrpSpPr>
+      <p:grpSpPr>
+        <a:xfrm>
+          <a:off x="0" y="0"/>
+          <a:ext cx="0" cy="0"/>
+          <a:chOff x="0" y="0"/>
+          <a:chExt cx="0" cy="0"/>
+        </a:xfrm>
+      </p:grpSpPr>
+      <p:sp>
+        <p:nvSpPr>
+          <p:cNvPr id="2" name="Title 1">
+            <a:extLst>
+              <a:ext uri="{FF2B5EF4-FFF2-40B4-BE49-F238E27FC236}">
                 <a16:creationId xmlns:a16="http://schemas.microsoft.com/office/drawing/2014/main" id="{3DFF3759-A99D-F4B8-BB5F-D52185241109}"/>
               </a:ext>
             </a:extLst>
@@ -19342,7 +19732,7 @@
 </p:sld>
 </file>
 
-<file path=ppt/slides/slide31.xml><?xml version="1.0" encoding="utf-8"?>
+<file path=ppt/slides/slide32.xml><?xml version="1.0" encoding="utf-8"?>
 <p:sld xmlns:a="http://schemas.openxmlformats.org/drawingml/2006/main" xmlns:r="http://schemas.openxmlformats.org/officeDocument/2006/relationships" xmlns:p="http://schemas.openxmlformats.org/presentationml/2006/main">
   <p:cSld>
     <p:spTree>
@@ -20123,7 +20513,7 @@
 </p:sld>
 </file>
 
-<file path=ppt/slides/slide32.xml><?xml version="1.0" encoding="utf-8"?>
+<file path=ppt/slides/slide33.xml><?xml version="1.0" encoding="utf-8"?>
 <p:sld xmlns:a="http://schemas.openxmlformats.org/drawingml/2006/main" xmlns:r="http://schemas.openxmlformats.org/officeDocument/2006/relationships" xmlns:p="http://schemas.openxmlformats.org/presentationml/2006/main">
   <p:cSld>
     <p:spTree>
@@ -20575,7 +20965,7 @@
 </p:sld>
 </file>
 
-<file path=ppt/slides/slide33.xml><?xml version="1.0" encoding="utf-8"?>
+<file path=ppt/slides/slide34.xml><?xml version="1.0" encoding="utf-8"?>
 <p:sld xmlns:a="http://schemas.openxmlformats.org/drawingml/2006/main" xmlns:r="http://schemas.openxmlformats.org/officeDocument/2006/relationships" xmlns:p="http://schemas.openxmlformats.org/presentationml/2006/main">
   <p:cSld>
     <p:spTree>
@@ -21051,7 +21441,7 @@
 </p:sld>
 </file>
 
-<file path=ppt/slides/slide34.xml><?xml version="1.0" encoding="utf-8"?>
+<file path=ppt/slides/slide35.xml><?xml version="1.0" encoding="utf-8"?>
 <p:sld xmlns:a="http://schemas.openxmlformats.org/drawingml/2006/main" xmlns:r="http://schemas.openxmlformats.org/officeDocument/2006/relationships" xmlns:p="http://schemas.openxmlformats.org/presentationml/2006/main">
   <p:cSld>
     <p:spTree>
@@ -21503,7 +21893,7 @@
 </p:sld>
 </file>
 
-<file path=ppt/slides/slide35.xml><?xml version="1.0" encoding="utf-8"?>
+<file path=ppt/slides/slide36.xml><?xml version="1.0" encoding="utf-8"?>
 <p:sld xmlns:a="http://schemas.openxmlformats.org/drawingml/2006/main" xmlns:r="http://schemas.openxmlformats.org/officeDocument/2006/relationships" xmlns:p="http://schemas.openxmlformats.org/presentationml/2006/main">
   <p:cSld>
     <p:spTree>
@@ -21861,7 +22251,7 @@
 </p:sld>
 </file>
 
-<file path=ppt/slides/slide36.xml><?xml version="1.0" encoding="utf-8"?>
+<file path=ppt/slides/slide37.xml><?xml version="1.0" encoding="utf-8"?>
 <p:sld xmlns:a="http://schemas.openxmlformats.org/drawingml/2006/main" xmlns:r="http://schemas.openxmlformats.org/officeDocument/2006/relationships" xmlns:p="http://schemas.openxmlformats.org/presentationml/2006/main">
   <p:cSld>
     <p:spTree>
@@ -22039,7 +22429,7 @@
 </p:sld>
 </file>
 
-<file path=ppt/slides/slide37.xml><?xml version="1.0" encoding="utf-8"?>
+<file path=ppt/slides/slide38.xml><?xml version="1.0" encoding="utf-8"?>
 <p:sld xmlns:a="http://schemas.openxmlformats.org/drawingml/2006/main" xmlns:r="http://schemas.openxmlformats.org/officeDocument/2006/relationships" xmlns:p="http://schemas.openxmlformats.org/presentationml/2006/main">
   <p:cSld>
     <p:spTree>
@@ -22138,7 +22528,7 @@
 </p:sld>
 </file>
 
-<file path=ppt/slides/slide38.xml><?xml version="1.0" encoding="utf-8"?>
+<file path=ppt/slides/slide39.xml><?xml version="1.0" encoding="utf-8"?>
 <p:sld xmlns:a="http://schemas.openxmlformats.org/drawingml/2006/main" xmlns:r="http://schemas.openxmlformats.org/officeDocument/2006/relationships" xmlns:p="http://schemas.openxmlformats.org/presentationml/2006/main">
   <p:cSld>
     <p:spTree>
@@ -22237,452 +22627,6 @@
   <p:clrMapOvr>
     <a:masterClrMapping/>
   </p:clrMapOvr>
-</p:sld>
-</file>
-
-<file path=ppt/slides/slide39.xml><?xml version="1.0" encoding="utf-8"?>
-<p:sld xmlns:a="http://schemas.openxmlformats.org/drawingml/2006/main" xmlns:r="http://schemas.openxmlformats.org/officeDocument/2006/relationships" xmlns:p="http://schemas.openxmlformats.org/presentationml/2006/main">
-  <p:cSld>
-    <p:spTree>
-      <p:nvGrpSpPr>
-        <p:cNvPr id="1" name=""/>
-        <p:cNvGrpSpPr/>
-        <p:nvPr/>
-      </p:nvGrpSpPr>
-      <p:grpSpPr>
-        <a:xfrm>
-          <a:off x="0" y="0"/>
-          <a:ext cx="0" cy="0"/>
-          <a:chOff x="0" y="0"/>
-          <a:chExt cx="0" cy="0"/>
-        </a:xfrm>
-      </p:grpSpPr>
-      <p:sp>
-        <p:nvSpPr>
-          <p:cNvPr id="2" name="Title 1">
-            <a:extLst>
-              <a:ext uri="{FF2B5EF4-FFF2-40B4-BE49-F238E27FC236}">
-                <a16:creationId xmlns:a16="http://schemas.microsoft.com/office/drawing/2014/main" id="{1E0B7DE3-41B0-4D40-17C2-C9FED801DC56}"/>
-              </a:ext>
-            </a:extLst>
-          </p:cNvPr>
-          <p:cNvSpPr>
-            <a:spLocks noGrp="1"/>
-          </p:cNvSpPr>
-          <p:nvPr>
-            <p:ph type="title"/>
-          </p:nvPr>
-        </p:nvSpPr>
-        <p:spPr/>
-        <p:txBody>
-          <a:bodyPr/>
-          <a:lstStyle/>
-          <a:p>
-            <a:pPr algn="ctr"/>
-            <a:r>
-              <a:rPr lang="en-US" dirty="0"/>
-              <a:t>Generating the heatmap</a:t>
-            </a:r>
-          </a:p>
-        </p:txBody>
-      </p:sp>
-      <p:sp>
-        <p:nvSpPr>
-          <p:cNvPr id="3" name="Content Placeholder 2">
-            <a:extLst>
-              <a:ext uri="{FF2B5EF4-FFF2-40B4-BE49-F238E27FC236}">
-                <a16:creationId xmlns:a16="http://schemas.microsoft.com/office/drawing/2014/main" id="{14EDFF3E-C547-B7BC-D78C-A8524F2C52A9}"/>
-              </a:ext>
-            </a:extLst>
-          </p:cNvPr>
-          <p:cNvSpPr>
-            <a:spLocks noGrp="1"/>
-          </p:cNvSpPr>
-          <p:nvPr>
-            <p:ph idx="1"/>
-          </p:nvPr>
-        </p:nvSpPr>
-        <p:spPr/>
-        <p:txBody>
-          <a:bodyPr/>
-          <a:lstStyle/>
-          <a:p>
-            <a:r>
-              <a:rPr lang="en-US" dirty="0"/>
-              <a:t>Normalization: </a:t>
-            </a:r>
-          </a:p>
-          <a:p>
-            <a:pPr lvl="1"/>
-            <a:r>
-              <a:rPr lang="en-US" dirty="0"/>
-              <a:t>Sequence similarity values might not be different enough.</a:t>
-            </a:r>
-          </a:p>
-          <a:p>
-            <a:pPr lvl="1"/>
-            <a:r>
-              <a:rPr lang="en-US" dirty="0"/>
-              <a:t>all sequence similarity values must be scaled to a 0-1 range.</a:t>
-            </a:r>
-          </a:p>
-          <a:p>
-            <a:r>
-              <a:rPr lang="en-US" dirty="0"/>
-              <a:t>Color palette selection</a:t>
-            </a:r>
-          </a:p>
-          <a:p>
-            <a:r>
-              <a:rPr lang="en-US" dirty="0"/>
-              <a:t>Clustering based on estimated number of putative baramins</a:t>
-            </a:r>
-          </a:p>
-          <a:p>
-            <a:r>
-              <a:rPr lang="en-US" dirty="0"/>
-              <a:t>Generation of heatmap</a:t>
-            </a:r>
-          </a:p>
-          <a:p>
-            <a:endParaRPr lang="en-US" dirty="0"/>
-          </a:p>
-        </p:txBody>
-      </p:sp>
-    </p:spTree>
-    <p:extLst>
-      <p:ext uri="{BB962C8B-B14F-4D97-AF65-F5344CB8AC3E}">
-        <p14:creationId xmlns:p14="http://schemas.microsoft.com/office/powerpoint/2010/main" val="2123602039"/>
-      </p:ext>
-    </p:extLst>
-  </p:cSld>
-  <p:clrMapOvr>
-    <a:masterClrMapping/>
-  </p:clrMapOvr>
-  <p:timing>
-    <p:tnLst>
-      <p:par>
-        <p:cTn id="1" dur="indefinite" restart="never" nodeType="tmRoot">
-          <p:childTnLst>
-            <p:seq concurrent="1" nextAc="seek">
-              <p:cTn id="2" dur="indefinite" nodeType="mainSeq">
-                <p:childTnLst>
-                  <p:par>
-                    <p:cTn id="3" fill="hold">
-                      <p:stCondLst>
-                        <p:cond delay="indefinite"/>
-                      </p:stCondLst>
-                      <p:childTnLst>
-                        <p:par>
-                          <p:cTn id="4" fill="hold">
-                            <p:stCondLst>
-                              <p:cond delay="0"/>
-                            </p:stCondLst>
-                            <p:childTnLst>
-                              <p:par>
-                                <p:cTn id="5" presetID="1" presetClass="entr" presetSubtype="0" fill="hold" nodeType="clickEffect">
-                                  <p:stCondLst>
-                                    <p:cond delay="0"/>
-                                  </p:stCondLst>
-                                  <p:childTnLst>
-                                    <p:set>
-                                      <p:cBhvr>
-                                        <p:cTn id="6" dur="1" fill="hold">
-                                          <p:stCondLst>
-                                            <p:cond delay="0"/>
-                                          </p:stCondLst>
-                                        </p:cTn>
-                                        <p:tgtEl>
-                                          <p:spTgt spid="3">
-                                            <p:txEl>
-                                              <p:pRg st="0" end="0"/>
-                                            </p:txEl>
-                                          </p:spTgt>
-                                        </p:tgtEl>
-                                        <p:attrNameLst>
-                                          <p:attrName>style.visibility</p:attrName>
-                                        </p:attrNameLst>
-                                      </p:cBhvr>
-                                      <p:to>
-                                        <p:strVal val="visible"/>
-                                      </p:to>
-                                    </p:set>
-                                  </p:childTnLst>
-                                </p:cTn>
-                              </p:par>
-                            </p:childTnLst>
-                          </p:cTn>
-                        </p:par>
-                      </p:childTnLst>
-                    </p:cTn>
-                  </p:par>
-                  <p:par>
-                    <p:cTn id="7" fill="hold">
-                      <p:stCondLst>
-                        <p:cond delay="indefinite"/>
-                      </p:stCondLst>
-                      <p:childTnLst>
-                        <p:par>
-                          <p:cTn id="8" fill="hold">
-                            <p:stCondLst>
-                              <p:cond delay="0"/>
-                            </p:stCondLst>
-                            <p:childTnLst>
-                              <p:par>
-                                <p:cTn id="9" presetID="1" presetClass="entr" presetSubtype="0" fill="hold" nodeType="clickEffect">
-                                  <p:stCondLst>
-                                    <p:cond delay="0"/>
-                                  </p:stCondLst>
-                                  <p:childTnLst>
-                                    <p:set>
-                                      <p:cBhvr>
-                                        <p:cTn id="10" dur="1" fill="hold">
-                                          <p:stCondLst>
-                                            <p:cond delay="0"/>
-                                          </p:stCondLst>
-                                        </p:cTn>
-                                        <p:tgtEl>
-                                          <p:spTgt spid="3">
-                                            <p:txEl>
-                                              <p:pRg st="1" end="1"/>
-                                            </p:txEl>
-                                          </p:spTgt>
-                                        </p:tgtEl>
-                                        <p:attrNameLst>
-                                          <p:attrName>style.visibility</p:attrName>
-                                        </p:attrNameLst>
-                                      </p:cBhvr>
-                                      <p:to>
-                                        <p:strVal val="visible"/>
-                                      </p:to>
-                                    </p:set>
-                                  </p:childTnLst>
-                                </p:cTn>
-                              </p:par>
-                            </p:childTnLst>
-                          </p:cTn>
-                        </p:par>
-                      </p:childTnLst>
-                    </p:cTn>
-                  </p:par>
-                  <p:par>
-                    <p:cTn id="11" fill="hold">
-                      <p:stCondLst>
-                        <p:cond delay="indefinite"/>
-                      </p:stCondLst>
-                      <p:childTnLst>
-                        <p:par>
-                          <p:cTn id="12" fill="hold">
-                            <p:stCondLst>
-                              <p:cond delay="0"/>
-                            </p:stCondLst>
-                            <p:childTnLst>
-                              <p:par>
-                                <p:cTn id="13" presetID="1" presetClass="entr" presetSubtype="0" fill="hold" nodeType="clickEffect">
-                                  <p:stCondLst>
-                                    <p:cond delay="0"/>
-                                  </p:stCondLst>
-                                  <p:childTnLst>
-                                    <p:set>
-                                      <p:cBhvr>
-                                        <p:cTn id="14" dur="1" fill="hold">
-                                          <p:stCondLst>
-                                            <p:cond delay="0"/>
-                                          </p:stCondLst>
-                                        </p:cTn>
-                                        <p:tgtEl>
-                                          <p:spTgt spid="3">
-                                            <p:txEl>
-                                              <p:pRg st="2" end="2"/>
-                                            </p:txEl>
-                                          </p:spTgt>
-                                        </p:tgtEl>
-                                        <p:attrNameLst>
-                                          <p:attrName>style.visibility</p:attrName>
-                                        </p:attrNameLst>
-                                      </p:cBhvr>
-                                      <p:to>
-                                        <p:strVal val="visible"/>
-                                      </p:to>
-                                    </p:set>
-                                  </p:childTnLst>
-                                </p:cTn>
-                              </p:par>
-                            </p:childTnLst>
-                          </p:cTn>
-                        </p:par>
-                      </p:childTnLst>
-                    </p:cTn>
-                  </p:par>
-                  <p:par>
-                    <p:cTn id="15" fill="hold">
-                      <p:stCondLst>
-                        <p:cond delay="indefinite"/>
-                      </p:stCondLst>
-                      <p:childTnLst>
-                        <p:par>
-                          <p:cTn id="16" fill="hold">
-                            <p:stCondLst>
-                              <p:cond delay="0"/>
-                            </p:stCondLst>
-                            <p:childTnLst>
-                              <p:par>
-                                <p:cTn id="17" presetID="1" presetClass="entr" presetSubtype="0" fill="hold" nodeType="clickEffect">
-                                  <p:stCondLst>
-                                    <p:cond delay="0"/>
-                                  </p:stCondLst>
-                                  <p:childTnLst>
-                                    <p:set>
-                                      <p:cBhvr>
-                                        <p:cTn id="18" dur="1" fill="hold">
-                                          <p:stCondLst>
-                                            <p:cond delay="0"/>
-                                          </p:stCondLst>
-                                        </p:cTn>
-                                        <p:tgtEl>
-                                          <p:spTgt spid="3">
-                                            <p:txEl>
-                                              <p:pRg st="3" end="3"/>
-                                            </p:txEl>
-                                          </p:spTgt>
-                                        </p:tgtEl>
-                                        <p:attrNameLst>
-                                          <p:attrName>style.visibility</p:attrName>
-                                        </p:attrNameLst>
-                                      </p:cBhvr>
-                                      <p:to>
-                                        <p:strVal val="visible"/>
-                                      </p:to>
-                                    </p:set>
-                                  </p:childTnLst>
-                                </p:cTn>
-                              </p:par>
-                            </p:childTnLst>
-                          </p:cTn>
-                        </p:par>
-                      </p:childTnLst>
-                    </p:cTn>
-                  </p:par>
-                  <p:par>
-                    <p:cTn id="19" fill="hold">
-                      <p:stCondLst>
-                        <p:cond delay="indefinite"/>
-                      </p:stCondLst>
-                      <p:childTnLst>
-                        <p:par>
-                          <p:cTn id="20" fill="hold">
-                            <p:stCondLst>
-                              <p:cond delay="0"/>
-                            </p:stCondLst>
-                            <p:childTnLst>
-                              <p:par>
-                                <p:cTn id="21" presetID="1" presetClass="entr" presetSubtype="0" fill="hold" nodeType="clickEffect">
-                                  <p:stCondLst>
-                                    <p:cond delay="0"/>
-                                  </p:stCondLst>
-                                  <p:childTnLst>
-                                    <p:set>
-                                      <p:cBhvr>
-                                        <p:cTn id="22" dur="1" fill="hold">
-                                          <p:stCondLst>
-                                            <p:cond delay="0"/>
-                                          </p:stCondLst>
-                                        </p:cTn>
-                                        <p:tgtEl>
-                                          <p:spTgt spid="3">
-                                            <p:txEl>
-                                              <p:pRg st="4" end="4"/>
-                                            </p:txEl>
-                                          </p:spTgt>
-                                        </p:tgtEl>
-                                        <p:attrNameLst>
-                                          <p:attrName>style.visibility</p:attrName>
-                                        </p:attrNameLst>
-                                      </p:cBhvr>
-                                      <p:to>
-                                        <p:strVal val="visible"/>
-                                      </p:to>
-                                    </p:set>
-                                  </p:childTnLst>
-                                </p:cTn>
-                              </p:par>
-                            </p:childTnLst>
-                          </p:cTn>
-                        </p:par>
-                      </p:childTnLst>
-                    </p:cTn>
-                  </p:par>
-                  <p:par>
-                    <p:cTn id="23" fill="hold">
-                      <p:stCondLst>
-                        <p:cond delay="indefinite"/>
-                      </p:stCondLst>
-                      <p:childTnLst>
-                        <p:par>
-                          <p:cTn id="24" fill="hold">
-                            <p:stCondLst>
-                              <p:cond delay="0"/>
-                            </p:stCondLst>
-                            <p:childTnLst>
-                              <p:par>
-                                <p:cTn id="25" presetID="1" presetClass="entr" presetSubtype="0" fill="hold" nodeType="clickEffect">
-                                  <p:stCondLst>
-                                    <p:cond delay="0"/>
-                                  </p:stCondLst>
-                                  <p:childTnLst>
-                                    <p:set>
-                                      <p:cBhvr>
-                                        <p:cTn id="26" dur="1" fill="hold">
-                                          <p:stCondLst>
-                                            <p:cond delay="0"/>
-                                          </p:stCondLst>
-                                        </p:cTn>
-                                        <p:tgtEl>
-                                          <p:spTgt spid="3">
-                                            <p:txEl>
-                                              <p:pRg st="5" end="5"/>
-                                            </p:txEl>
-                                          </p:spTgt>
-                                        </p:tgtEl>
-                                        <p:attrNameLst>
-                                          <p:attrName>style.visibility</p:attrName>
-                                        </p:attrNameLst>
-                                      </p:cBhvr>
-                                      <p:to>
-                                        <p:strVal val="visible"/>
-                                      </p:to>
-                                    </p:set>
-                                  </p:childTnLst>
-                                </p:cTn>
-                              </p:par>
-                            </p:childTnLst>
-                          </p:cTn>
-                        </p:par>
-                      </p:childTnLst>
-                    </p:cTn>
-                  </p:par>
-                </p:childTnLst>
-              </p:cTn>
-              <p:prevCondLst>
-                <p:cond evt="onPrev" delay="0">
-                  <p:tgtEl>
-                    <p:sldTgt/>
-                  </p:tgtEl>
-                </p:cond>
-              </p:prevCondLst>
-              <p:nextCondLst>
-                <p:cond evt="onNext" delay="0">
-                  <p:tgtEl>
-                    <p:sldTgt/>
-                  </p:tgtEl>
-                </p:cond>
-              </p:nextCondLst>
-            </p:seq>
-          </p:childTnLst>
-        </p:cTn>
-      </p:par>
-    </p:tnLst>
-  </p:timing>
 </p:sld>
 </file>
 
@@ -23212,6 +23156,452 @@
 </file>
 
 <file path=ppt/slides/slide40.xml><?xml version="1.0" encoding="utf-8"?>
+<p:sld xmlns:a="http://schemas.openxmlformats.org/drawingml/2006/main" xmlns:r="http://schemas.openxmlformats.org/officeDocument/2006/relationships" xmlns:p="http://schemas.openxmlformats.org/presentationml/2006/main">
+  <p:cSld>
+    <p:spTree>
+      <p:nvGrpSpPr>
+        <p:cNvPr id="1" name=""/>
+        <p:cNvGrpSpPr/>
+        <p:nvPr/>
+      </p:nvGrpSpPr>
+      <p:grpSpPr>
+        <a:xfrm>
+          <a:off x="0" y="0"/>
+          <a:ext cx="0" cy="0"/>
+          <a:chOff x="0" y="0"/>
+          <a:chExt cx="0" cy="0"/>
+        </a:xfrm>
+      </p:grpSpPr>
+      <p:sp>
+        <p:nvSpPr>
+          <p:cNvPr id="2" name="Title 1">
+            <a:extLst>
+              <a:ext uri="{FF2B5EF4-FFF2-40B4-BE49-F238E27FC236}">
+                <a16:creationId xmlns:a16="http://schemas.microsoft.com/office/drawing/2014/main" id="{1E0B7DE3-41B0-4D40-17C2-C9FED801DC56}"/>
+              </a:ext>
+            </a:extLst>
+          </p:cNvPr>
+          <p:cNvSpPr>
+            <a:spLocks noGrp="1"/>
+          </p:cNvSpPr>
+          <p:nvPr>
+            <p:ph type="title"/>
+          </p:nvPr>
+        </p:nvSpPr>
+        <p:spPr/>
+        <p:txBody>
+          <a:bodyPr/>
+          <a:lstStyle/>
+          <a:p>
+            <a:pPr algn="ctr"/>
+            <a:r>
+              <a:rPr lang="en-US" dirty="0"/>
+              <a:t>Generating the heatmap</a:t>
+            </a:r>
+          </a:p>
+        </p:txBody>
+      </p:sp>
+      <p:sp>
+        <p:nvSpPr>
+          <p:cNvPr id="3" name="Content Placeholder 2">
+            <a:extLst>
+              <a:ext uri="{FF2B5EF4-FFF2-40B4-BE49-F238E27FC236}">
+                <a16:creationId xmlns:a16="http://schemas.microsoft.com/office/drawing/2014/main" id="{14EDFF3E-C547-B7BC-D78C-A8524F2C52A9}"/>
+              </a:ext>
+            </a:extLst>
+          </p:cNvPr>
+          <p:cNvSpPr>
+            <a:spLocks noGrp="1"/>
+          </p:cNvSpPr>
+          <p:nvPr>
+            <p:ph idx="1"/>
+          </p:nvPr>
+        </p:nvSpPr>
+        <p:spPr/>
+        <p:txBody>
+          <a:bodyPr/>
+          <a:lstStyle/>
+          <a:p>
+            <a:r>
+              <a:rPr lang="en-US" dirty="0"/>
+              <a:t>Normalization: </a:t>
+            </a:r>
+          </a:p>
+          <a:p>
+            <a:pPr lvl="1"/>
+            <a:r>
+              <a:rPr lang="en-US" dirty="0"/>
+              <a:t>Sequence similarity values might not be different enough.</a:t>
+            </a:r>
+          </a:p>
+          <a:p>
+            <a:pPr lvl="1"/>
+            <a:r>
+              <a:rPr lang="en-US" dirty="0"/>
+              <a:t>all sequence similarity values must be scaled to a 0-1 range.</a:t>
+            </a:r>
+          </a:p>
+          <a:p>
+            <a:r>
+              <a:rPr lang="en-US" dirty="0"/>
+              <a:t>Color palette selection</a:t>
+            </a:r>
+          </a:p>
+          <a:p>
+            <a:r>
+              <a:rPr lang="en-US" dirty="0"/>
+              <a:t>Clustering based on estimated number of putative baramins</a:t>
+            </a:r>
+          </a:p>
+          <a:p>
+            <a:r>
+              <a:rPr lang="en-US" dirty="0"/>
+              <a:t>Generation of heatmap</a:t>
+            </a:r>
+          </a:p>
+          <a:p>
+            <a:endParaRPr lang="en-US" dirty="0"/>
+          </a:p>
+        </p:txBody>
+      </p:sp>
+    </p:spTree>
+    <p:extLst>
+      <p:ext uri="{BB962C8B-B14F-4D97-AF65-F5344CB8AC3E}">
+        <p14:creationId xmlns:p14="http://schemas.microsoft.com/office/powerpoint/2010/main" val="2123602039"/>
+      </p:ext>
+    </p:extLst>
+  </p:cSld>
+  <p:clrMapOvr>
+    <a:masterClrMapping/>
+  </p:clrMapOvr>
+  <p:timing>
+    <p:tnLst>
+      <p:par>
+        <p:cTn id="1" dur="indefinite" restart="never" nodeType="tmRoot">
+          <p:childTnLst>
+            <p:seq concurrent="1" nextAc="seek">
+              <p:cTn id="2" dur="indefinite" nodeType="mainSeq">
+                <p:childTnLst>
+                  <p:par>
+                    <p:cTn id="3" fill="hold">
+                      <p:stCondLst>
+                        <p:cond delay="indefinite"/>
+                      </p:stCondLst>
+                      <p:childTnLst>
+                        <p:par>
+                          <p:cTn id="4" fill="hold">
+                            <p:stCondLst>
+                              <p:cond delay="0"/>
+                            </p:stCondLst>
+                            <p:childTnLst>
+                              <p:par>
+                                <p:cTn id="5" presetID="1" presetClass="entr" presetSubtype="0" fill="hold" nodeType="clickEffect">
+                                  <p:stCondLst>
+                                    <p:cond delay="0"/>
+                                  </p:stCondLst>
+                                  <p:childTnLst>
+                                    <p:set>
+                                      <p:cBhvr>
+                                        <p:cTn id="6" dur="1" fill="hold">
+                                          <p:stCondLst>
+                                            <p:cond delay="0"/>
+                                          </p:stCondLst>
+                                        </p:cTn>
+                                        <p:tgtEl>
+                                          <p:spTgt spid="3">
+                                            <p:txEl>
+                                              <p:pRg st="0" end="0"/>
+                                            </p:txEl>
+                                          </p:spTgt>
+                                        </p:tgtEl>
+                                        <p:attrNameLst>
+                                          <p:attrName>style.visibility</p:attrName>
+                                        </p:attrNameLst>
+                                      </p:cBhvr>
+                                      <p:to>
+                                        <p:strVal val="visible"/>
+                                      </p:to>
+                                    </p:set>
+                                  </p:childTnLst>
+                                </p:cTn>
+                              </p:par>
+                            </p:childTnLst>
+                          </p:cTn>
+                        </p:par>
+                      </p:childTnLst>
+                    </p:cTn>
+                  </p:par>
+                  <p:par>
+                    <p:cTn id="7" fill="hold">
+                      <p:stCondLst>
+                        <p:cond delay="indefinite"/>
+                      </p:stCondLst>
+                      <p:childTnLst>
+                        <p:par>
+                          <p:cTn id="8" fill="hold">
+                            <p:stCondLst>
+                              <p:cond delay="0"/>
+                            </p:stCondLst>
+                            <p:childTnLst>
+                              <p:par>
+                                <p:cTn id="9" presetID="1" presetClass="entr" presetSubtype="0" fill="hold" nodeType="clickEffect">
+                                  <p:stCondLst>
+                                    <p:cond delay="0"/>
+                                  </p:stCondLst>
+                                  <p:childTnLst>
+                                    <p:set>
+                                      <p:cBhvr>
+                                        <p:cTn id="10" dur="1" fill="hold">
+                                          <p:stCondLst>
+                                            <p:cond delay="0"/>
+                                          </p:stCondLst>
+                                        </p:cTn>
+                                        <p:tgtEl>
+                                          <p:spTgt spid="3">
+                                            <p:txEl>
+                                              <p:pRg st="1" end="1"/>
+                                            </p:txEl>
+                                          </p:spTgt>
+                                        </p:tgtEl>
+                                        <p:attrNameLst>
+                                          <p:attrName>style.visibility</p:attrName>
+                                        </p:attrNameLst>
+                                      </p:cBhvr>
+                                      <p:to>
+                                        <p:strVal val="visible"/>
+                                      </p:to>
+                                    </p:set>
+                                  </p:childTnLst>
+                                </p:cTn>
+                              </p:par>
+                            </p:childTnLst>
+                          </p:cTn>
+                        </p:par>
+                      </p:childTnLst>
+                    </p:cTn>
+                  </p:par>
+                  <p:par>
+                    <p:cTn id="11" fill="hold">
+                      <p:stCondLst>
+                        <p:cond delay="indefinite"/>
+                      </p:stCondLst>
+                      <p:childTnLst>
+                        <p:par>
+                          <p:cTn id="12" fill="hold">
+                            <p:stCondLst>
+                              <p:cond delay="0"/>
+                            </p:stCondLst>
+                            <p:childTnLst>
+                              <p:par>
+                                <p:cTn id="13" presetID="1" presetClass="entr" presetSubtype="0" fill="hold" nodeType="clickEffect">
+                                  <p:stCondLst>
+                                    <p:cond delay="0"/>
+                                  </p:stCondLst>
+                                  <p:childTnLst>
+                                    <p:set>
+                                      <p:cBhvr>
+                                        <p:cTn id="14" dur="1" fill="hold">
+                                          <p:stCondLst>
+                                            <p:cond delay="0"/>
+                                          </p:stCondLst>
+                                        </p:cTn>
+                                        <p:tgtEl>
+                                          <p:spTgt spid="3">
+                                            <p:txEl>
+                                              <p:pRg st="2" end="2"/>
+                                            </p:txEl>
+                                          </p:spTgt>
+                                        </p:tgtEl>
+                                        <p:attrNameLst>
+                                          <p:attrName>style.visibility</p:attrName>
+                                        </p:attrNameLst>
+                                      </p:cBhvr>
+                                      <p:to>
+                                        <p:strVal val="visible"/>
+                                      </p:to>
+                                    </p:set>
+                                  </p:childTnLst>
+                                </p:cTn>
+                              </p:par>
+                            </p:childTnLst>
+                          </p:cTn>
+                        </p:par>
+                      </p:childTnLst>
+                    </p:cTn>
+                  </p:par>
+                  <p:par>
+                    <p:cTn id="15" fill="hold">
+                      <p:stCondLst>
+                        <p:cond delay="indefinite"/>
+                      </p:stCondLst>
+                      <p:childTnLst>
+                        <p:par>
+                          <p:cTn id="16" fill="hold">
+                            <p:stCondLst>
+                              <p:cond delay="0"/>
+                            </p:stCondLst>
+                            <p:childTnLst>
+                              <p:par>
+                                <p:cTn id="17" presetID="1" presetClass="entr" presetSubtype="0" fill="hold" nodeType="clickEffect">
+                                  <p:stCondLst>
+                                    <p:cond delay="0"/>
+                                  </p:stCondLst>
+                                  <p:childTnLst>
+                                    <p:set>
+                                      <p:cBhvr>
+                                        <p:cTn id="18" dur="1" fill="hold">
+                                          <p:stCondLst>
+                                            <p:cond delay="0"/>
+                                          </p:stCondLst>
+                                        </p:cTn>
+                                        <p:tgtEl>
+                                          <p:spTgt spid="3">
+                                            <p:txEl>
+                                              <p:pRg st="3" end="3"/>
+                                            </p:txEl>
+                                          </p:spTgt>
+                                        </p:tgtEl>
+                                        <p:attrNameLst>
+                                          <p:attrName>style.visibility</p:attrName>
+                                        </p:attrNameLst>
+                                      </p:cBhvr>
+                                      <p:to>
+                                        <p:strVal val="visible"/>
+                                      </p:to>
+                                    </p:set>
+                                  </p:childTnLst>
+                                </p:cTn>
+                              </p:par>
+                            </p:childTnLst>
+                          </p:cTn>
+                        </p:par>
+                      </p:childTnLst>
+                    </p:cTn>
+                  </p:par>
+                  <p:par>
+                    <p:cTn id="19" fill="hold">
+                      <p:stCondLst>
+                        <p:cond delay="indefinite"/>
+                      </p:stCondLst>
+                      <p:childTnLst>
+                        <p:par>
+                          <p:cTn id="20" fill="hold">
+                            <p:stCondLst>
+                              <p:cond delay="0"/>
+                            </p:stCondLst>
+                            <p:childTnLst>
+                              <p:par>
+                                <p:cTn id="21" presetID="1" presetClass="entr" presetSubtype="0" fill="hold" nodeType="clickEffect">
+                                  <p:stCondLst>
+                                    <p:cond delay="0"/>
+                                  </p:stCondLst>
+                                  <p:childTnLst>
+                                    <p:set>
+                                      <p:cBhvr>
+                                        <p:cTn id="22" dur="1" fill="hold">
+                                          <p:stCondLst>
+                                            <p:cond delay="0"/>
+                                          </p:stCondLst>
+                                        </p:cTn>
+                                        <p:tgtEl>
+                                          <p:spTgt spid="3">
+                                            <p:txEl>
+                                              <p:pRg st="4" end="4"/>
+                                            </p:txEl>
+                                          </p:spTgt>
+                                        </p:tgtEl>
+                                        <p:attrNameLst>
+                                          <p:attrName>style.visibility</p:attrName>
+                                        </p:attrNameLst>
+                                      </p:cBhvr>
+                                      <p:to>
+                                        <p:strVal val="visible"/>
+                                      </p:to>
+                                    </p:set>
+                                  </p:childTnLst>
+                                </p:cTn>
+                              </p:par>
+                            </p:childTnLst>
+                          </p:cTn>
+                        </p:par>
+                      </p:childTnLst>
+                    </p:cTn>
+                  </p:par>
+                  <p:par>
+                    <p:cTn id="23" fill="hold">
+                      <p:stCondLst>
+                        <p:cond delay="indefinite"/>
+                      </p:stCondLst>
+                      <p:childTnLst>
+                        <p:par>
+                          <p:cTn id="24" fill="hold">
+                            <p:stCondLst>
+                              <p:cond delay="0"/>
+                            </p:stCondLst>
+                            <p:childTnLst>
+                              <p:par>
+                                <p:cTn id="25" presetID="1" presetClass="entr" presetSubtype="0" fill="hold" nodeType="clickEffect">
+                                  <p:stCondLst>
+                                    <p:cond delay="0"/>
+                                  </p:stCondLst>
+                                  <p:childTnLst>
+                                    <p:set>
+                                      <p:cBhvr>
+                                        <p:cTn id="26" dur="1" fill="hold">
+                                          <p:stCondLst>
+                                            <p:cond delay="0"/>
+                                          </p:stCondLst>
+                                        </p:cTn>
+                                        <p:tgtEl>
+                                          <p:spTgt spid="3">
+                                            <p:txEl>
+                                              <p:pRg st="5" end="5"/>
+                                            </p:txEl>
+                                          </p:spTgt>
+                                        </p:tgtEl>
+                                        <p:attrNameLst>
+                                          <p:attrName>style.visibility</p:attrName>
+                                        </p:attrNameLst>
+                                      </p:cBhvr>
+                                      <p:to>
+                                        <p:strVal val="visible"/>
+                                      </p:to>
+                                    </p:set>
+                                  </p:childTnLst>
+                                </p:cTn>
+                              </p:par>
+                            </p:childTnLst>
+                          </p:cTn>
+                        </p:par>
+                      </p:childTnLst>
+                    </p:cTn>
+                  </p:par>
+                </p:childTnLst>
+              </p:cTn>
+              <p:prevCondLst>
+                <p:cond evt="onPrev" delay="0">
+                  <p:tgtEl>
+                    <p:sldTgt/>
+                  </p:tgtEl>
+                </p:cond>
+              </p:prevCondLst>
+              <p:nextCondLst>
+                <p:cond evt="onNext" delay="0">
+                  <p:tgtEl>
+                    <p:sldTgt/>
+                  </p:tgtEl>
+                </p:cond>
+              </p:nextCondLst>
+            </p:seq>
+          </p:childTnLst>
+        </p:cTn>
+      </p:par>
+    </p:tnLst>
+  </p:timing>
+</p:sld>
+</file>
+
+<file path=ppt/slides/slide41.xml><?xml version="1.0" encoding="utf-8"?>
 <p:sld xmlns:a="http://schemas.openxmlformats.org/drawingml/2006/main" xmlns:r="http://schemas.openxmlformats.org/officeDocument/2006/relationships" xmlns:p="http://schemas.openxmlformats.org/presentationml/2006/main">
   <p:cSld>
     <p:spTree>

--- a/CRS2025_R_workshop.pptx
+++ b/CRS2025_R_workshop.pptx
@@ -5,7 +5,7 @@
     <p:sldMasterId id="2147483648" r:id="rId1"/>
   </p:sldMasterIdLst>
   <p:notesMasterIdLst>
-    <p:notesMasterId r:id="rId43"/>
+    <p:notesMasterId r:id="rId44"/>
   </p:notesMasterIdLst>
   <p:sldIdLst>
     <p:sldId id="256" r:id="rId2"/>
@@ -25,30 +25,31 @@
     <p:sldId id="273" r:id="rId16"/>
     <p:sldId id="274" r:id="rId17"/>
     <p:sldId id="276" r:id="rId18"/>
-    <p:sldId id="296" r:id="rId19"/>
-    <p:sldId id="275" r:id="rId20"/>
-    <p:sldId id="277" r:id="rId21"/>
-    <p:sldId id="259" r:id="rId22"/>
-    <p:sldId id="260" r:id="rId23"/>
-    <p:sldId id="261" r:id="rId24"/>
-    <p:sldId id="262" r:id="rId25"/>
-    <p:sldId id="263" r:id="rId26"/>
-    <p:sldId id="293" r:id="rId27"/>
-    <p:sldId id="278" r:id="rId28"/>
-    <p:sldId id="279" r:id="rId29"/>
-    <p:sldId id="292" r:id="rId30"/>
-    <p:sldId id="280" r:id="rId31"/>
-    <p:sldId id="281" r:id="rId32"/>
-    <p:sldId id="282" r:id="rId33"/>
-    <p:sldId id="283" r:id="rId34"/>
-    <p:sldId id="284" r:id="rId35"/>
-    <p:sldId id="289" r:id="rId36"/>
-    <p:sldId id="285" r:id="rId37"/>
-    <p:sldId id="286" r:id="rId38"/>
-    <p:sldId id="290" r:id="rId39"/>
-    <p:sldId id="291" r:id="rId40"/>
-    <p:sldId id="287" r:id="rId41"/>
-    <p:sldId id="288" r:id="rId42"/>
+    <p:sldId id="297" r:id="rId19"/>
+    <p:sldId id="296" r:id="rId20"/>
+    <p:sldId id="275" r:id="rId21"/>
+    <p:sldId id="277" r:id="rId22"/>
+    <p:sldId id="259" r:id="rId23"/>
+    <p:sldId id="260" r:id="rId24"/>
+    <p:sldId id="261" r:id="rId25"/>
+    <p:sldId id="262" r:id="rId26"/>
+    <p:sldId id="263" r:id="rId27"/>
+    <p:sldId id="293" r:id="rId28"/>
+    <p:sldId id="278" r:id="rId29"/>
+    <p:sldId id="279" r:id="rId30"/>
+    <p:sldId id="292" r:id="rId31"/>
+    <p:sldId id="280" r:id="rId32"/>
+    <p:sldId id="281" r:id="rId33"/>
+    <p:sldId id="282" r:id="rId34"/>
+    <p:sldId id="283" r:id="rId35"/>
+    <p:sldId id="284" r:id="rId36"/>
+    <p:sldId id="289" r:id="rId37"/>
+    <p:sldId id="285" r:id="rId38"/>
+    <p:sldId id="286" r:id="rId39"/>
+    <p:sldId id="290" r:id="rId40"/>
+    <p:sldId id="291" r:id="rId41"/>
+    <p:sldId id="287" r:id="rId42"/>
+    <p:sldId id="288" r:id="rId43"/>
   </p:sldIdLst>
   <p:sldSz cx="12192000" cy="6858000"/>
   <p:notesSz cx="6858000" cy="9144000"/>
@@ -158,7 +159,7 @@
 <file path=ppt/revisionInfo.xml><?xml version="1.0" encoding="utf-8"?>
 <p1510:revInfo xmlns:a="http://schemas.openxmlformats.org/drawingml/2006/main" xmlns:r="http://schemas.openxmlformats.org/officeDocument/2006/relationships" xmlns:p1510="http://schemas.microsoft.com/office/powerpoint/2015/10/main">
   <p1510:revLst>
-    <p1510:client id="{C72B12E2-8B72-408E-9488-1053D10929C0}" v="7606" dt="2025-07-21T00:01:45.843"/>
+    <p1510:client id="{C72B12E2-8B72-408E-9488-1053D10929C0}" v="7610" dt="2025-07-21T14:42:41.452"/>
   </p1510:revLst>
 </p1510:revInfo>
 </file>
@@ -168,7 +169,7 @@
   <pc:docChgLst>
     <pc:chgData name="Matthew Cserhati" userId="6030ab49dea5dda3" providerId="LiveId" clId="{C72B12E2-8B72-408E-9488-1053D10929C0}"/>
     <pc:docChg chg="undo custSel addSld delSld modSld sldOrd">
-      <pc:chgData name="Matthew Cserhati" userId="6030ab49dea5dda3" providerId="LiveId" clId="{C72B12E2-8B72-408E-9488-1053D10929C0}" dt="2025-07-21T00:02:26.903" v="11276" actId="20577"/>
+      <pc:chgData name="Matthew Cserhati" userId="6030ab49dea5dda3" providerId="LiveId" clId="{C72B12E2-8B72-408E-9488-1053D10929C0}" dt="2025-07-21T14:42:41.452" v="11572"/>
       <pc:docMkLst>
         <pc:docMk/>
       </pc:docMkLst>
@@ -648,7 +649,7 @@
         </pc:spChg>
       </pc:sldChg>
       <pc:sldChg chg="modSp new mod">
-        <pc:chgData name="Matthew Cserhati" userId="6030ab49dea5dda3" providerId="LiveId" clId="{C72B12E2-8B72-408E-9488-1053D10929C0}" dt="2025-07-21T00:02:26.903" v="11276" actId="20577"/>
+        <pc:chgData name="Matthew Cserhati" userId="6030ab49dea5dda3" providerId="LiveId" clId="{C72B12E2-8B72-408E-9488-1053D10929C0}" dt="2025-07-21T14:40:32.661" v="11361" actId="6549"/>
         <pc:sldMkLst>
           <pc:docMk/>
           <pc:sldMk cId="3247776772" sldId="276"/>
@@ -662,7 +663,7 @@
           </ac:spMkLst>
         </pc:spChg>
         <pc:spChg chg="mod">
-          <ac:chgData name="Matthew Cserhati" userId="6030ab49dea5dda3" providerId="LiveId" clId="{C72B12E2-8B72-408E-9488-1053D10929C0}" dt="2025-07-21T00:02:26.903" v="11276" actId="20577"/>
+          <ac:chgData name="Matthew Cserhati" userId="6030ab49dea5dda3" providerId="LiveId" clId="{C72B12E2-8B72-408E-9488-1053D10929C0}" dt="2025-07-21T14:40:32.661" v="11361" actId="6549"/>
           <ac:spMkLst>
             <pc:docMk/>
             <pc:sldMk cId="3247776772" sldId="276"/>
@@ -1810,6 +1811,29 @@
           </ac:picMkLst>
         </pc:picChg>
       </pc:sldChg>
+      <pc:sldChg chg="modSp new mod modAnim">
+        <pc:chgData name="Matthew Cserhati" userId="6030ab49dea5dda3" providerId="LiveId" clId="{C72B12E2-8B72-408E-9488-1053D10929C0}" dt="2025-07-21T14:42:41.452" v="11572"/>
+        <pc:sldMkLst>
+          <pc:docMk/>
+          <pc:sldMk cId="2235066096" sldId="297"/>
+        </pc:sldMkLst>
+        <pc:spChg chg="mod">
+          <ac:chgData name="Matthew Cserhati" userId="6030ab49dea5dda3" providerId="LiveId" clId="{C72B12E2-8B72-408E-9488-1053D10929C0}" dt="2025-07-21T14:40:00.091" v="11341" actId="122"/>
+          <ac:spMkLst>
+            <pc:docMk/>
+            <pc:sldMk cId="2235066096" sldId="297"/>
+            <ac:spMk id="2" creationId="{975EE493-2836-2445-384D-ED5A4026AA66}"/>
+          </ac:spMkLst>
+        </pc:spChg>
+        <pc:spChg chg="mod">
+          <ac:chgData name="Matthew Cserhati" userId="6030ab49dea5dda3" providerId="LiveId" clId="{C72B12E2-8B72-408E-9488-1053D10929C0}" dt="2025-07-21T14:42:32.592" v="11570" actId="207"/>
+          <ac:spMkLst>
+            <pc:docMk/>
+            <pc:sldMk cId="2235066096" sldId="297"/>
+            <ac:spMk id="3" creationId="{70EF344F-EE24-41C2-7057-54B1ACCD308A}"/>
+          </ac:spMkLst>
+        </pc:spChg>
+      </pc:sldChg>
     </pc:docChg>
   </pc:docChgLst>
 </pc:chgInfo>
@@ -1897,7 +1921,7 @@
           <a:p>
             <a:fld id="{9EE88898-85D7-45AF-B6F3-230B3CF59E47}" type="datetimeFigureOut">
               <a:rPr lang="en-US" smtClean="0"/>
-              <a:t>7/20/2025</a:t>
+              <a:t>7/21/2025</a:t>
             </a:fld>
             <a:endParaRPr lang="en-US"/>
           </a:p>
@@ -2313,7 +2337,7 @@
           <a:p>
             <a:fld id="{8B77D003-7B34-481F-AFEB-BEF1612679CB}" type="slidenum">
               <a:rPr lang="en-US" smtClean="0"/>
-              <a:t>28</a:t>
+              <a:t>29</a:t>
             </a:fld>
             <a:endParaRPr lang="en-US"/>
           </a:p>
@@ -2479,7 +2503,7 @@
           <a:p>
             <a:fld id="{A96D1AFE-3D21-47B6-AAC4-7E75F0B46B27}" type="datetimeFigureOut">
               <a:rPr lang="en-US" smtClean="0"/>
-              <a:t>7/20/2025</a:t>
+              <a:t>7/21/2025</a:t>
             </a:fld>
             <a:endParaRPr lang="en-US"/>
           </a:p>
@@ -2677,7 +2701,7 @@
           <a:p>
             <a:fld id="{A96D1AFE-3D21-47B6-AAC4-7E75F0B46B27}" type="datetimeFigureOut">
               <a:rPr lang="en-US" smtClean="0"/>
-              <a:t>7/20/2025</a:t>
+              <a:t>7/21/2025</a:t>
             </a:fld>
             <a:endParaRPr lang="en-US"/>
           </a:p>
@@ -2885,7 +2909,7 @@
           <a:p>
             <a:fld id="{A96D1AFE-3D21-47B6-AAC4-7E75F0B46B27}" type="datetimeFigureOut">
               <a:rPr lang="en-US" smtClean="0"/>
-              <a:t>7/20/2025</a:t>
+              <a:t>7/21/2025</a:t>
             </a:fld>
             <a:endParaRPr lang="en-US"/>
           </a:p>
@@ -3083,7 +3107,7 @@
           <a:p>
             <a:fld id="{A96D1AFE-3D21-47B6-AAC4-7E75F0B46B27}" type="datetimeFigureOut">
               <a:rPr lang="en-US" smtClean="0"/>
-              <a:t>7/20/2025</a:t>
+              <a:t>7/21/2025</a:t>
             </a:fld>
             <a:endParaRPr lang="en-US"/>
           </a:p>
@@ -3358,7 +3382,7 @@
           <a:p>
             <a:fld id="{A96D1AFE-3D21-47B6-AAC4-7E75F0B46B27}" type="datetimeFigureOut">
               <a:rPr lang="en-US" smtClean="0"/>
-              <a:t>7/20/2025</a:t>
+              <a:t>7/21/2025</a:t>
             </a:fld>
             <a:endParaRPr lang="en-US"/>
           </a:p>
@@ -3623,7 +3647,7 @@
           <a:p>
             <a:fld id="{A96D1AFE-3D21-47B6-AAC4-7E75F0B46B27}" type="datetimeFigureOut">
               <a:rPr lang="en-US" smtClean="0"/>
-              <a:t>7/20/2025</a:t>
+              <a:t>7/21/2025</a:t>
             </a:fld>
             <a:endParaRPr lang="en-US"/>
           </a:p>
@@ -4035,7 +4059,7 @@
           <a:p>
             <a:fld id="{A96D1AFE-3D21-47B6-AAC4-7E75F0B46B27}" type="datetimeFigureOut">
               <a:rPr lang="en-US" smtClean="0"/>
-              <a:t>7/20/2025</a:t>
+              <a:t>7/21/2025</a:t>
             </a:fld>
             <a:endParaRPr lang="en-US"/>
           </a:p>
@@ -4176,7 +4200,7 @@
           <a:p>
             <a:fld id="{A96D1AFE-3D21-47B6-AAC4-7E75F0B46B27}" type="datetimeFigureOut">
               <a:rPr lang="en-US" smtClean="0"/>
-              <a:t>7/20/2025</a:t>
+              <a:t>7/21/2025</a:t>
             </a:fld>
             <a:endParaRPr lang="en-US"/>
           </a:p>
@@ -4289,7 +4313,7 @@
           <a:p>
             <a:fld id="{A96D1AFE-3D21-47B6-AAC4-7E75F0B46B27}" type="datetimeFigureOut">
               <a:rPr lang="en-US" smtClean="0"/>
-              <a:t>7/20/2025</a:t>
+              <a:t>7/21/2025</a:t>
             </a:fld>
             <a:endParaRPr lang="en-US"/>
           </a:p>
@@ -4600,7 +4624,7 @@
           <a:p>
             <a:fld id="{A96D1AFE-3D21-47B6-AAC4-7E75F0B46B27}" type="datetimeFigureOut">
               <a:rPr lang="en-US" smtClean="0"/>
-              <a:t>7/20/2025</a:t>
+              <a:t>7/21/2025</a:t>
             </a:fld>
             <a:endParaRPr lang="en-US"/>
           </a:p>
@@ -4888,7 +4912,7 @@
           <a:p>
             <a:fld id="{A96D1AFE-3D21-47B6-AAC4-7E75F0B46B27}" type="datetimeFigureOut">
               <a:rPr lang="en-US" smtClean="0"/>
-              <a:t>7/20/2025</a:t>
+              <a:t>7/21/2025</a:t>
             </a:fld>
             <a:endParaRPr lang="en-US"/>
           </a:p>
@@ -5129,7 +5153,7 @@
           <a:p>
             <a:fld id="{A96D1AFE-3D21-47B6-AAC4-7E75F0B46B27}" type="datetimeFigureOut">
               <a:rPr lang="en-US" smtClean="0"/>
-              <a:t>7/20/2025</a:t>
+              <a:t>7/21/2025</a:t>
             </a:fld>
             <a:endParaRPr lang="en-US"/>
           </a:p>
@@ -8716,7 +8740,9 @@
           </a:xfrm>
         </p:spPr>
         <p:txBody>
-          <a:bodyPr/>
+          <a:bodyPr>
+            <a:normAutofit/>
+          </a:bodyPr>
           <a:lstStyle/>
           <a:p>
             <a:r>
@@ -8737,13 +8763,8 @@
             </a:r>
             <a:r>
               <a:rPr lang="en-US" dirty="0"/>
-              <a:t> click on ‘Packages’ on the left panel, then “Table of available packages, sorted by name”, then search for </a:t>
-            </a:r>
-            <a:r>
-              <a:rPr lang="en-US"/>
-              <a:t>your package.</a:t>
-            </a:r>
-            <a:endParaRPr lang="en-US" dirty="0"/>
+              <a:t> click on ‘Packages’ on the left panel, then “Table of available packages, sorted by name”, then search for your package.</a:t>
+            </a:r>
           </a:p>
           <a:p>
             <a:r>
@@ -8787,29 +8808,11 @@
             </a:r>
             <a:r>
               <a:rPr lang="en-US" sz="2600" dirty="0" err="1"/>
-              <a:t>NULL,type</a:t>
+              <a:t>NULL,dependencies</a:t>
             </a:r>
             <a:r>
               <a:rPr lang="en-US" sz="2600" dirty="0"/>
-              <a:t>=“source”) </a:t>
-            </a:r>
-          </a:p>
-          <a:p>
-            <a:r>
-              <a:rPr lang="en-US" sz="2600" dirty="0" err="1"/>
-              <a:t>install.packages</a:t>
-            </a:r>
-            <a:r>
-              <a:rPr lang="en-US" sz="2600" dirty="0"/>
-              <a:t>("hybridogram_0.3.2.tar.gz",repos=</a:t>
-            </a:r>
-            <a:r>
-              <a:rPr lang="en-US" sz="2600" dirty="0" err="1"/>
-              <a:t>NULL,type</a:t>
-            </a:r>
-            <a:r>
-              <a:rPr lang="en-US" sz="2600" dirty="0"/>
-              <a:t>="source")</a:t>
+              <a:t>=TRUE type=“source”) </a:t>
             </a:r>
           </a:p>
         </p:txBody>
@@ -8828,6 +8831,551 @@
 </file>
 
 <file path=ppt/slides/slide18.xml><?xml version="1.0" encoding="utf-8"?>
+<p:sld xmlns:a="http://schemas.openxmlformats.org/drawingml/2006/main" xmlns:r="http://schemas.openxmlformats.org/officeDocument/2006/relationships" xmlns:p="http://schemas.openxmlformats.org/presentationml/2006/main">
+  <p:cSld>
+    <p:spTree>
+      <p:nvGrpSpPr>
+        <p:cNvPr id="1" name=""/>
+        <p:cNvGrpSpPr/>
+        <p:nvPr/>
+      </p:nvGrpSpPr>
+      <p:grpSpPr>
+        <a:xfrm>
+          <a:off x="0" y="0"/>
+          <a:ext cx="0" cy="0"/>
+          <a:chOff x="0" y="0"/>
+          <a:chExt cx="0" cy="0"/>
+        </a:xfrm>
+      </p:grpSpPr>
+      <p:sp>
+        <p:nvSpPr>
+          <p:cNvPr id="2" name="Title 1">
+            <a:extLst>
+              <a:ext uri="{FF2B5EF4-FFF2-40B4-BE49-F238E27FC236}">
+                <a16:creationId xmlns:a16="http://schemas.microsoft.com/office/drawing/2014/main" id="{975EE493-2836-2445-384D-ED5A4026AA66}"/>
+              </a:ext>
+            </a:extLst>
+          </p:cNvPr>
+          <p:cNvSpPr>
+            <a:spLocks noGrp="1"/>
+          </p:cNvSpPr>
+          <p:nvPr>
+            <p:ph type="title"/>
+          </p:nvPr>
+        </p:nvSpPr>
+        <p:spPr/>
+        <p:txBody>
+          <a:bodyPr/>
+          <a:lstStyle/>
+          <a:p>
+            <a:pPr algn="ctr"/>
+            <a:r>
+              <a:rPr lang="en-US" dirty="0"/>
+              <a:t>Installing from source</a:t>
+            </a:r>
+          </a:p>
+        </p:txBody>
+      </p:sp>
+      <p:sp>
+        <p:nvSpPr>
+          <p:cNvPr id="3" name="Content Placeholder 2">
+            <a:extLst>
+              <a:ext uri="{FF2B5EF4-FFF2-40B4-BE49-F238E27FC236}">
+                <a16:creationId xmlns:a16="http://schemas.microsoft.com/office/drawing/2014/main" id="{70EF344F-EE24-41C2-7057-54B1ACCD308A}"/>
+              </a:ext>
+            </a:extLst>
+          </p:cNvPr>
+          <p:cNvSpPr>
+            <a:spLocks noGrp="1"/>
+          </p:cNvSpPr>
+          <p:nvPr>
+            <p:ph idx="1"/>
+          </p:nvPr>
+        </p:nvSpPr>
+        <p:spPr/>
+        <p:txBody>
+          <a:bodyPr/>
+          <a:lstStyle/>
+          <a:p>
+            <a:r>
+              <a:rPr lang="en-US" dirty="0" err="1"/>
+              <a:t>install.packages</a:t>
+            </a:r>
+            <a:r>
+              <a:rPr lang="en-US" dirty="0"/>
+              <a:t>(</a:t>
+            </a:r>
+            <a:r>
+              <a:rPr lang="en-US" dirty="0">
+                <a:solidFill>
+                  <a:srgbClr val="FF0000"/>
+                </a:solidFill>
+              </a:rPr>
+              <a:t>"hybridogram_0.3.2.tar.gz"</a:t>
+            </a:r>
+            <a:r>
+              <a:rPr lang="en-US" dirty="0"/>
+              <a:t>,</a:t>
+            </a:r>
+            <a:r>
+              <a:rPr lang="en-US" dirty="0">
+                <a:solidFill>
+                  <a:srgbClr val="00B050"/>
+                </a:solidFill>
+              </a:rPr>
+              <a:t>repos=</a:t>
+            </a:r>
+            <a:r>
+              <a:rPr lang="en-US" dirty="0" err="1">
+                <a:solidFill>
+                  <a:srgbClr val="00B050"/>
+                </a:solidFill>
+              </a:rPr>
+              <a:t>NULL</a:t>
+            </a:r>
+            <a:r>
+              <a:rPr lang="en-US" dirty="0" err="1"/>
+              <a:t>,</a:t>
+            </a:r>
+            <a:r>
+              <a:rPr lang="en-US" dirty="0" err="1">
+                <a:solidFill>
+                  <a:srgbClr val="00B0F0"/>
+                </a:solidFill>
+              </a:rPr>
+              <a:t>dependencies</a:t>
+            </a:r>
+            <a:r>
+              <a:rPr lang="en-US" dirty="0">
+                <a:solidFill>
+                  <a:srgbClr val="00B0F0"/>
+                </a:solidFill>
+              </a:rPr>
+              <a:t>=</a:t>
+            </a:r>
+            <a:r>
+              <a:rPr lang="en-US" dirty="0" err="1">
+                <a:solidFill>
+                  <a:srgbClr val="00B0F0"/>
+                </a:solidFill>
+              </a:rPr>
+              <a:t>TRUE</a:t>
+            </a:r>
+            <a:r>
+              <a:rPr lang="en-US" dirty="0" err="1"/>
+              <a:t>,</a:t>
+            </a:r>
+            <a:r>
+              <a:rPr lang="en-US" dirty="0" err="1">
+                <a:solidFill>
+                  <a:srgbClr val="002060"/>
+                </a:solidFill>
+              </a:rPr>
+              <a:t>type</a:t>
+            </a:r>
+            <a:r>
+              <a:rPr lang="en-US" dirty="0">
+                <a:solidFill>
+                  <a:srgbClr val="002060"/>
+                </a:solidFill>
+              </a:rPr>
+              <a:t>="source"</a:t>
+            </a:r>
+            <a:r>
+              <a:rPr lang="en-US" dirty="0"/>
+              <a:t>)</a:t>
+            </a:r>
+          </a:p>
+          <a:p>
+            <a:r>
+              <a:rPr lang="en-US" dirty="0"/>
+              <a:t>Parameters:</a:t>
+            </a:r>
+          </a:p>
+          <a:p>
+            <a:pPr lvl="1"/>
+            <a:r>
+              <a:rPr lang="en-US" dirty="0">
+                <a:solidFill>
+                  <a:srgbClr val="FF0000"/>
+                </a:solidFill>
+              </a:rPr>
+              <a:t>Archived package file</a:t>
+            </a:r>
+          </a:p>
+          <a:p>
+            <a:pPr lvl="1"/>
+            <a:r>
+              <a:rPr lang="en-US" dirty="0">
+                <a:solidFill>
+                  <a:srgbClr val="00B050"/>
+                </a:solidFill>
+              </a:rPr>
+              <a:t>Repos=NULL: not downloading from online repository</a:t>
+            </a:r>
+          </a:p>
+          <a:p>
+            <a:pPr lvl="1"/>
+            <a:r>
+              <a:rPr lang="en-US" dirty="0">
+                <a:solidFill>
+                  <a:srgbClr val="00B0F0"/>
+                </a:solidFill>
+              </a:rPr>
+              <a:t>Dependencies=TRUE: Installing all dependent packages</a:t>
+            </a:r>
+          </a:p>
+          <a:p>
+            <a:pPr lvl="1"/>
+            <a:r>
+              <a:rPr lang="en-US" dirty="0">
+                <a:solidFill>
+                  <a:srgbClr val="002060"/>
+                </a:solidFill>
+              </a:rPr>
+              <a:t>Type=“source”: installing from source file</a:t>
+            </a:r>
+          </a:p>
+        </p:txBody>
+      </p:sp>
+    </p:spTree>
+    <p:extLst>
+      <p:ext uri="{BB962C8B-B14F-4D97-AF65-F5344CB8AC3E}">
+        <p14:creationId xmlns:p14="http://schemas.microsoft.com/office/powerpoint/2010/main" val="2235066096"/>
+      </p:ext>
+    </p:extLst>
+  </p:cSld>
+  <p:clrMapOvr>
+    <a:masterClrMapping/>
+  </p:clrMapOvr>
+  <p:timing>
+    <p:tnLst>
+      <p:par>
+        <p:cTn id="1" dur="indefinite" restart="never" nodeType="tmRoot">
+          <p:childTnLst>
+            <p:seq concurrent="1" nextAc="seek">
+              <p:cTn id="2" dur="indefinite" nodeType="mainSeq">
+                <p:childTnLst>
+                  <p:par>
+                    <p:cTn id="3" fill="hold">
+                      <p:stCondLst>
+                        <p:cond delay="indefinite"/>
+                      </p:stCondLst>
+                      <p:childTnLst>
+                        <p:par>
+                          <p:cTn id="4" fill="hold">
+                            <p:stCondLst>
+                              <p:cond delay="0"/>
+                            </p:stCondLst>
+                            <p:childTnLst>
+                              <p:par>
+                                <p:cTn id="5" presetID="1" presetClass="entr" presetSubtype="0" fill="hold" nodeType="clickEffect">
+                                  <p:stCondLst>
+                                    <p:cond delay="0"/>
+                                  </p:stCondLst>
+                                  <p:childTnLst>
+                                    <p:set>
+                                      <p:cBhvr>
+                                        <p:cTn id="6" dur="1" fill="hold">
+                                          <p:stCondLst>
+                                            <p:cond delay="0"/>
+                                          </p:stCondLst>
+                                        </p:cTn>
+                                        <p:tgtEl>
+                                          <p:spTgt spid="3">
+                                            <p:txEl>
+                                              <p:pRg st="0" end="0"/>
+                                            </p:txEl>
+                                          </p:spTgt>
+                                        </p:tgtEl>
+                                        <p:attrNameLst>
+                                          <p:attrName>style.visibility</p:attrName>
+                                        </p:attrNameLst>
+                                      </p:cBhvr>
+                                      <p:to>
+                                        <p:strVal val="visible"/>
+                                      </p:to>
+                                    </p:set>
+                                  </p:childTnLst>
+                                </p:cTn>
+                              </p:par>
+                            </p:childTnLst>
+                          </p:cTn>
+                        </p:par>
+                      </p:childTnLst>
+                    </p:cTn>
+                  </p:par>
+                  <p:par>
+                    <p:cTn id="7" fill="hold">
+                      <p:stCondLst>
+                        <p:cond delay="indefinite"/>
+                      </p:stCondLst>
+                      <p:childTnLst>
+                        <p:par>
+                          <p:cTn id="8" fill="hold">
+                            <p:stCondLst>
+                              <p:cond delay="0"/>
+                            </p:stCondLst>
+                            <p:childTnLst>
+                              <p:par>
+                                <p:cTn id="9" presetID="1" presetClass="entr" presetSubtype="0" fill="hold" nodeType="clickEffect">
+                                  <p:stCondLst>
+                                    <p:cond delay="0"/>
+                                  </p:stCondLst>
+                                  <p:childTnLst>
+                                    <p:set>
+                                      <p:cBhvr>
+                                        <p:cTn id="10" dur="1" fill="hold">
+                                          <p:stCondLst>
+                                            <p:cond delay="0"/>
+                                          </p:stCondLst>
+                                        </p:cTn>
+                                        <p:tgtEl>
+                                          <p:spTgt spid="3">
+                                            <p:txEl>
+                                              <p:pRg st="1" end="1"/>
+                                            </p:txEl>
+                                          </p:spTgt>
+                                        </p:tgtEl>
+                                        <p:attrNameLst>
+                                          <p:attrName>style.visibility</p:attrName>
+                                        </p:attrNameLst>
+                                      </p:cBhvr>
+                                      <p:to>
+                                        <p:strVal val="visible"/>
+                                      </p:to>
+                                    </p:set>
+                                  </p:childTnLst>
+                                </p:cTn>
+                              </p:par>
+                            </p:childTnLst>
+                          </p:cTn>
+                        </p:par>
+                      </p:childTnLst>
+                    </p:cTn>
+                  </p:par>
+                  <p:par>
+                    <p:cTn id="11" fill="hold">
+                      <p:stCondLst>
+                        <p:cond delay="indefinite"/>
+                      </p:stCondLst>
+                      <p:childTnLst>
+                        <p:par>
+                          <p:cTn id="12" fill="hold">
+                            <p:stCondLst>
+                              <p:cond delay="0"/>
+                            </p:stCondLst>
+                            <p:childTnLst>
+                              <p:par>
+                                <p:cTn id="13" presetID="1" presetClass="entr" presetSubtype="0" fill="hold" nodeType="clickEffect">
+                                  <p:stCondLst>
+                                    <p:cond delay="0"/>
+                                  </p:stCondLst>
+                                  <p:childTnLst>
+                                    <p:set>
+                                      <p:cBhvr>
+                                        <p:cTn id="14" dur="1" fill="hold">
+                                          <p:stCondLst>
+                                            <p:cond delay="0"/>
+                                          </p:stCondLst>
+                                        </p:cTn>
+                                        <p:tgtEl>
+                                          <p:spTgt spid="3">
+                                            <p:txEl>
+                                              <p:pRg st="2" end="2"/>
+                                            </p:txEl>
+                                          </p:spTgt>
+                                        </p:tgtEl>
+                                        <p:attrNameLst>
+                                          <p:attrName>style.visibility</p:attrName>
+                                        </p:attrNameLst>
+                                      </p:cBhvr>
+                                      <p:to>
+                                        <p:strVal val="visible"/>
+                                      </p:to>
+                                    </p:set>
+                                  </p:childTnLst>
+                                </p:cTn>
+                              </p:par>
+                            </p:childTnLst>
+                          </p:cTn>
+                        </p:par>
+                      </p:childTnLst>
+                    </p:cTn>
+                  </p:par>
+                  <p:par>
+                    <p:cTn id="15" fill="hold">
+                      <p:stCondLst>
+                        <p:cond delay="indefinite"/>
+                      </p:stCondLst>
+                      <p:childTnLst>
+                        <p:par>
+                          <p:cTn id="16" fill="hold">
+                            <p:stCondLst>
+                              <p:cond delay="0"/>
+                            </p:stCondLst>
+                            <p:childTnLst>
+                              <p:par>
+                                <p:cTn id="17" presetID="1" presetClass="entr" presetSubtype="0" fill="hold" nodeType="clickEffect">
+                                  <p:stCondLst>
+                                    <p:cond delay="0"/>
+                                  </p:stCondLst>
+                                  <p:childTnLst>
+                                    <p:set>
+                                      <p:cBhvr>
+                                        <p:cTn id="18" dur="1" fill="hold">
+                                          <p:stCondLst>
+                                            <p:cond delay="0"/>
+                                          </p:stCondLst>
+                                        </p:cTn>
+                                        <p:tgtEl>
+                                          <p:spTgt spid="3">
+                                            <p:txEl>
+                                              <p:pRg st="3" end="3"/>
+                                            </p:txEl>
+                                          </p:spTgt>
+                                        </p:tgtEl>
+                                        <p:attrNameLst>
+                                          <p:attrName>style.visibility</p:attrName>
+                                        </p:attrNameLst>
+                                      </p:cBhvr>
+                                      <p:to>
+                                        <p:strVal val="visible"/>
+                                      </p:to>
+                                    </p:set>
+                                  </p:childTnLst>
+                                </p:cTn>
+                              </p:par>
+                            </p:childTnLst>
+                          </p:cTn>
+                        </p:par>
+                      </p:childTnLst>
+                    </p:cTn>
+                  </p:par>
+                  <p:par>
+                    <p:cTn id="19" fill="hold">
+                      <p:stCondLst>
+                        <p:cond delay="indefinite"/>
+                      </p:stCondLst>
+                      <p:childTnLst>
+                        <p:par>
+                          <p:cTn id="20" fill="hold">
+                            <p:stCondLst>
+                              <p:cond delay="0"/>
+                            </p:stCondLst>
+                            <p:childTnLst>
+                              <p:par>
+                                <p:cTn id="21" presetID="1" presetClass="entr" presetSubtype="0" fill="hold" nodeType="clickEffect">
+                                  <p:stCondLst>
+                                    <p:cond delay="0"/>
+                                  </p:stCondLst>
+                                  <p:childTnLst>
+                                    <p:set>
+                                      <p:cBhvr>
+                                        <p:cTn id="22" dur="1" fill="hold">
+                                          <p:stCondLst>
+                                            <p:cond delay="0"/>
+                                          </p:stCondLst>
+                                        </p:cTn>
+                                        <p:tgtEl>
+                                          <p:spTgt spid="3">
+                                            <p:txEl>
+                                              <p:pRg st="4" end="4"/>
+                                            </p:txEl>
+                                          </p:spTgt>
+                                        </p:tgtEl>
+                                        <p:attrNameLst>
+                                          <p:attrName>style.visibility</p:attrName>
+                                        </p:attrNameLst>
+                                      </p:cBhvr>
+                                      <p:to>
+                                        <p:strVal val="visible"/>
+                                      </p:to>
+                                    </p:set>
+                                  </p:childTnLst>
+                                </p:cTn>
+                              </p:par>
+                            </p:childTnLst>
+                          </p:cTn>
+                        </p:par>
+                      </p:childTnLst>
+                    </p:cTn>
+                  </p:par>
+                  <p:par>
+                    <p:cTn id="23" fill="hold">
+                      <p:stCondLst>
+                        <p:cond delay="indefinite"/>
+                      </p:stCondLst>
+                      <p:childTnLst>
+                        <p:par>
+                          <p:cTn id="24" fill="hold">
+                            <p:stCondLst>
+                              <p:cond delay="0"/>
+                            </p:stCondLst>
+                            <p:childTnLst>
+                              <p:par>
+                                <p:cTn id="25" presetID="1" presetClass="entr" presetSubtype="0" fill="hold" nodeType="clickEffect">
+                                  <p:stCondLst>
+                                    <p:cond delay="0"/>
+                                  </p:stCondLst>
+                                  <p:childTnLst>
+                                    <p:set>
+                                      <p:cBhvr>
+                                        <p:cTn id="26" dur="1" fill="hold">
+                                          <p:stCondLst>
+                                            <p:cond delay="0"/>
+                                          </p:stCondLst>
+                                        </p:cTn>
+                                        <p:tgtEl>
+                                          <p:spTgt spid="3">
+                                            <p:txEl>
+                                              <p:pRg st="5" end="5"/>
+                                            </p:txEl>
+                                          </p:spTgt>
+                                        </p:tgtEl>
+                                        <p:attrNameLst>
+                                          <p:attrName>style.visibility</p:attrName>
+                                        </p:attrNameLst>
+                                      </p:cBhvr>
+                                      <p:to>
+                                        <p:strVal val="visible"/>
+                                      </p:to>
+                                    </p:set>
+                                  </p:childTnLst>
+                                </p:cTn>
+                              </p:par>
+                            </p:childTnLst>
+                          </p:cTn>
+                        </p:par>
+                      </p:childTnLst>
+                    </p:cTn>
+                  </p:par>
+                </p:childTnLst>
+              </p:cTn>
+              <p:prevCondLst>
+                <p:cond evt="onPrev" delay="0">
+                  <p:tgtEl>
+                    <p:sldTgt/>
+                  </p:tgtEl>
+                </p:cond>
+              </p:prevCondLst>
+              <p:nextCondLst>
+                <p:cond evt="onNext" delay="0">
+                  <p:tgtEl>
+                    <p:sldTgt/>
+                  </p:tgtEl>
+                </p:cond>
+              </p:nextCondLst>
+            </p:seq>
+          </p:childTnLst>
+        </p:cTn>
+      </p:par>
+    </p:tnLst>
+  </p:timing>
+</p:sld>
+</file>
+
+<file path=ppt/slides/slide19.xml><?xml version="1.0" encoding="utf-8"?>
 <p:sld xmlns:a="http://schemas.openxmlformats.org/drawingml/2006/main" xmlns:r="http://schemas.openxmlformats.org/officeDocument/2006/relationships" xmlns:p="http://schemas.openxmlformats.org/presentationml/2006/main">
   <p:cSld>
     <p:spTree>
@@ -9184,336 +9732,6 @@
       <p:bldP spid="4" grpId="0" animBg="1"/>
       <p:bldP spid="6" grpId="0"/>
     </p:bldLst>
-  </p:timing>
-</p:sld>
-</file>
-
-<file path=ppt/slides/slide19.xml><?xml version="1.0" encoding="utf-8"?>
-<p:sld xmlns:a="http://schemas.openxmlformats.org/drawingml/2006/main" xmlns:r="http://schemas.openxmlformats.org/officeDocument/2006/relationships" xmlns:p="http://schemas.openxmlformats.org/presentationml/2006/main">
-  <p:cSld>
-    <p:spTree>
-      <p:nvGrpSpPr>
-        <p:cNvPr id="1" name="">
-          <a:extLst>
-            <a:ext uri="{FF2B5EF4-FFF2-40B4-BE49-F238E27FC236}">
-              <a16:creationId xmlns:a16="http://schemas.microsoft.com/office/drawing/2014/main" id="{164D6B80-245B-AAA6-5178-A7FA0C5DEB55}"/>
-            </a:ext>
-          </a:extLst>
-        </p:cNvPr>
-        <p:cNvGrpSpPr/>
-        <p:nvPr/>
-      </p:nvGrpSpPr>
-      <p:grpSpPr>
-        <a:xfrm>
-          <a:off x="0" y="0"/>
-          <a:ext cx="0" cy="0"/>
-          <a:chOff x="0" y="0"/>
-          <a:chExt cx="0" cy="0"/>
-        </a:xfrm>
-      </p:grpSpPr>
-      <p:sp>
-        <p:nvSpPr>
-          <p:cNvPr id="2" name="Title 1">
-            <a:extLst>
-              <a:ext uri="{FF2B5EF4-FFF2-40B4-BE49-F238E27FC236}">
-                <a16:creationId xmlns:a16="http://schemas.microsoft.com/office/drawing/2014/main" id="{9541697F-1BD4-329A-B58F-76C747FE3BD9}"/>
-              </a:ext>
-            </a:extLst>
-          </p:cNvPr>
-          <p:cNvSpPr>
-            <a:spLocks noGrp="1"/>
-          </p:cNvSpPr>
-          <p:nvPr>
-            <p:ph type="title"/>
-          </p:nvPr>
-        </p:nvSpPr>
-        <p:spPr/>
-        <p:txBody>
-          <a:bodyPr/>
-          <a:lstStyle/>
-          <a:p>
-            <a:pPr algn="ctr"/>
-            <a:r>
-              <a:rPr lang="en-US" dirty="0"/>
-              <a:t>Install from </a:t>
-            </a:r>
-            <a:r>
-              <a:rPr lang="en-US" dirty="0" err="1"/>
-              <a:t>github</a:t>
-            </a:r>
-            <a:endParaRPr lang="en-US" dirty="0"/>
-          </a:p>
-        </p:txBody>
-      </p:sp>
-      <p:sp>
-        <p:nvSpPr>
-          <p:cNvPr id="3" name="Content Placeholder 2">
-            <a:extLst>
-              <a:ext uri="{FF2B5EF4-FFF2-40B4-BE49-F238E27FC236}">
-                <a16:creationId xmlns:a16="http://schemas.microsoft.com/office/drawing/2014/main" id="{9F9C409D-076B-0967-8653-92208ACCC4DD}"/>
-              </a:ext>
-            </a:extLst>
-          </p:cNvPr>
-          <p:cNvSpPr>
-            <a:spLocks noGrp="1"/>
-          </p:cNvSpPr>
-          <p:nvPr>
-            <p:ph idx="1"/>
-          </p:nvPr>
-        </p:nvSpPr>
-        <p:spPr/>
-        <p:txBody>
-          <a:bodyPr/>
-          <a:lstStyle/>
-          <a:p>
-            <a:r>
-              <a:rPr lang="en-US" dirty="0"/>
-              <a:t>Some R packages are available on </a:t>
-            </a:r>
-            <a:r>
-              <a:rPr lang="en-US" dirty="0" err="1"/>
-              <a:t>github</a:t>
-            </a:r>
-            <a:r>
-              <a:rPr lang="en-US" dirty="0"/>
-              <a:t> for downloading.</a:t>
-            </a:r>
-          </a:p>
-          <a:p>
-            <a:r>
-              <a:rPr lang="en-US" dirty="0" err="1"/>
-              <a:t>install.packages</a:t>
-            </a:r>
-            <a:r>
-              <a:rPr lang="en-US" dirty="0"/>
-              <a:t>("</a:t>
-            </a:r>
-            <a:r>
-              <a:rPr lang="en-US" dirty="0" err="1"/>
-              <a:t>install_github</a:t>
-            </a:r>
-            <a:r>
-              <a:rPr lang="en-US" dirty="0"/>
-              <a:t>") prior to installing </a:t>
-            </a:r>
-            <a:r>
-              <a:rPr lang="en-US" dirty="0" err="1"/>
-              <a:t>github</a:t>
-            </a:r>
-            <a:r>
-              <a:rPr lang="en-US" dirty="0"/>
-              <a:t> </a:t>
-            </a:r>
-            <a:r>
-              <a:rPr lang="en-US" dirty="0" err="1"/>
-              <a:t>paclages</a:t>
-            </a:r>
-            <a:r>
-              <a:rPr lang="en-US" dirty="0"/>
-              <a:t>.</a:t>
-            </a:r>
-          </a:p>
-          <a:p>
-            <a:r>
-              <a:rPr lang="en-US" dirty="0" err="1"/>
-              <a:t>install_github</a:t>
-            </a:r>
-            <a:r>
-              <a:rPr lang="en-US" dirty="0"/>
-              <a:t>(“user/package")</a:t>
-            </a:r>
-          </a:p>
-          <a:p>
-            <a:endParaRPr lang="en-US" dirty="0"/>
-          </a:p>
-        </p:txBody>
-      </p:sp>
-    </p:spTree>
-    <p:extLst>
-      <p:ext uri="{BB962C8B-B14F-4D97-AF65-F5344CB8AC3E}">
-        <p14:creationId xmlns:p14="http://schemas.microsoft.com/office/powerpoint/2010/main" val="1656888837"/>
-      </p:ext>
-    </p:extLst>
-  </p:cSld>
-  <p:clrMapOvr>
-    <a:masterClrMapping/>
-  </p:clrMapOvr>
-  <p:timing>
-    <p:tnLst>
-      <p:par>
-        <p:cTn id="1" dur="indefinite" restart="never" nodeType="tmRoot">
-          <p:childTnLst>
-            <p:seq concurrent="1" nextAc="seek">
-              <p:cTn id="2" dur="indefinite" nodeType="mainSeq">
-                <p:childTnLst>
-                  <p:par>
-                    <p:cTn id="3" fill="hold">
-                      <p:stCondLst>
-                        <p:cond delay="indefinite"/>
-                      </p:stCondLst>
-                      <p:childTnLst>
-                        <p:par>
-                          <p:cTn id="4" fill="hold">
-                            <p:stCondLst>
-                              <p:cond delay="0"/>
-                            </p:stCondLst>
-                            <p:childTnLst>
-                              <p:par>
-                                <p:cTn id="5" presetID="1" presetClass="entr" presetSubtype="0" fill="hold" nodeType="clickEffect">
-                                  <p:stCondLst>
-                                    <p:cond delay="0"/>
-                                  </p:stCondLst>
-                                  <p:childTnLst>
-                                    <p:set>
-                                      <p:cBhvr>
-                                        <p:cTn id="6" dur="1" fill="hold">
-                                          <p:stCondLst>
-                                            <p:cond delay="0"/>
-                                          </p:stCondLst>
-                                        </p:cTn>
-                                        <p:tgtEl>
-                                          <p:spTgt spid="3">
-                                            <p:txEl>
-                                              <p:pRg st="0" end="0"/>
-                                            </p:txEl>
-                                          </p:spTgt>
-                                        </p:tgtEl>
-                                        <p:attrNameLst>
-                                          <p:attrName>style.visibility</p:attrName>
-                                        </p:attrNameLst>
-                                      </p:cBhvr>
-                                      <p:to>
-                                        <p:strVal val="visible"/>
-                                      </p:to>
-                                    </p:set>
-                                  </p:childTnLst>
-                                </p:cTn>
-                              </p:par>
-                            </p:childTnLst>
-                          </p:cTn>
-                        </p:par>
-                      </p:childTnLst>
-                    </p:cTn>
-                  </p:par>
-                  <p:par>
-                    <p:cTn id="7" fill="hold">
-                      <p:stCondLst>
-                        <p:cond delay="indefinite"/>
-                      </p:stCondLst>
-                      <p:childTnLst>
-                        <p:par>
-                          <p:cTn id="8" fill="hold">
-                            <p:stCondLst>
-                              <p:cond delay="0"/>
-                            </p:stCondLst>
-                            <p:childTnLst>
-                              <p:par>
-                                <p:cTn id="9" presetID="1" presetClass="entr" presetSubtype="0" fill="hold" nodeType="clickEffect">
-                                  <p:stCondLst>
-                                    <p:cond delay="0"/>
-                                  </p:stCondLst>
-                                  <p:childTnLst>
-                                    <p:set>
-                                      <p:cBhvr>
-                                        <p:cTn id="10" dur="1" fill="hold">
-                                          <p:stCondLst>
-                                            <p:cond delay="0"/>
-                                          </p:stCondLst>
-                                        </p:cTn>
-                                        <p:tgtEl>
-                                          <p:spTgt spid="3">
-                                            <p:txEl>
-                                              <p:pRg st="1" end="1"/>
-                                            </p:txEl>
-                                          </p:spTgt>
-                                        </p:tgtEl>
-                                        <p:attrNameLst>
-                                          <p:attrName>style.visibility</p:attrName>
-                                        </p:attrNameLst>
-                                      </p:cBhvr>
-                                      <p:to>
-                                        <p:strVal val="visible"/>
-                                      </p:to>
-                                    </p:set>
-                                  </p:childTnLst>
-                                </p:cTn>
-                              </p:par>
-                            </p:childTnLst>
-                          </p:cTn>
-                        </p:par>
-                      </p:childTnLst>
-                    </p:cTn>
-                  </p:par>
-                  <p:par>
-                    <p:cTn id="11" fill="hold">
-                      <p:stCondLst>
-                        <p:cond delay="indefinite"/>
-                      </p:stCondLst>
-                      <p:childTnLst>
-                        <p:par>
-                          <p:cTn id="12" fill="hold">
-                            <p:stCondLst>
-                              <p:cond delay="0"/>
-                            </p:stCondLst>
-                            <p:childTnLst>
-                              <p:par>
-                                <p:cTn id="13" presetID="1" presetClass="entr" presetSubtype="0" fill="hold" nodeType="clickEffect">
-                                  <p:stCondLst>
-                                    <p:cond delay="0"/>
-                                  </p:stCondLst>
-                                  <p:childTnLst>
-                                    <p:set>
-                                      <p:cBhvr>
-                                        <p:cTn id="14" dur="1" fill="hold">
-                                          <p:stCondLst>
-                                            <p:cond delay="0"/>
-                                          </p:stCondLst>
-                                        </p:cTn>
-                                        <p:tgtEl>
-                                          <p:spTgt spid="3">
-                                            <p:txEl>
-                                              <p:pRg st="2" end="2"/>
-                                            </p:txEl>
-                                          </p:spTgt>
-                                        </p:tgtEl>
-                                        <p:attrNameLst>
-                                          <p:attrName>style.visibility</p:attrName>
-                                        </p:attrNameLst>
-                                      </p:cBhvr>
-                                      <p:to>
-                                        <p:strVal val="visible"/>
-                                      </p:to>
-                                    </p:set>
-                                  </p:childTnLst>
-                                </p:cTn>
-                              </p:par>
-                            </p:childTnLst>
-                          </p:cTn>
-                        </p:par>
-                      </p:childTnLst>
-                    </p:cTn>
-                  </p:par>
-                </p:childTnLst>
-              </p:cTn>
-              <p:prevCondLst>
-                <p:cond evt="onPrev" delay="0">
-                  <p:tgtEl>
-                    <p:sldTgt/>
-                  </p:tgtEl>
-                </p:cond>
-              </p:prevCondLst>
-              <p:nextCondLst>
-                <p:cond evt="onNext" delay="0">
-                  <p:tgtEl>
-                    <p:sldTgt/>
-                  </p:tgtEl>
-                </p:cond>
-              </p:nextCondLst>
-            </p:seq>
-          </p:childTnLst>
-        </p:cTn>
-      </p:par>
-    </p:tnLst>
   </p:timing>
 </p:sld>
 </file>
@@ -9921,6 +10139,336 @@
 </file>
 
 <file path=ppt/slides/slide20.xml><?xml version="1.0" encoding="utf-8"?>
+<p:sld xmlns:a="http://schemas.openxmlformats.org/drawingml/2006/main" xmlns:r="http://schemas.openxmlformats.org/officeDocument/2006/relationships" xmlns:p="http://schemas.openxmlformats.org/presentationml/2006/main">
+  <p:cSld>
+    <p:spTree>
+      <p:nvGrpSpPr>
+        <p:cNvPr id="1" name="">
+          <a:extLst>
+            <a:ext uri="{FF2B5EF4-FFF2-40B4-BE49-F238E27FC236}">
+              <a16:creationId xmlns:a16="http://schemas.microsoft.com/office/drawing/2014/main" id="{164D6B80-245B-AAA6-5178-A7FA0C5DEB55}"/>
+            </a:ext>
+          </a:extLst>
+        </p:cNvPr>
+        <p:cNvGrpSpPr/>
+        <p:nvPr/>
+      </p:nvGrpSpPr>
+      <p:grpSpPr>
+        <a:xfrm>
+          <a:off x="0" y="0"/>
+          <a:ext cx="0" cy="0"/>
+          <a:chOff x="0" y="0"/>
+          <a:chExt cx="0" cy="0"/>
+        </a:xfrm>
+      </p:grpSpPr>
+      <p:sp>
+        <p:nvSpPr>
+          <p:cNvPr id="2" name="Title 1">
+            <a:extLst>
+              <a:ext uri="{FF2B5EF4-FFF2-40B4-BE49-F238E27FC236}">
+                <a16:creationId xmlns:a16="http://schemas.microsoft.com/office/drawing/2014/main" id="{9541697F-1BD4-329A-B58F-76C747FE3BD9}"/>
+              </a:ext>
+            </a:extLst>
+          </p:cNvPr>
+          <p:cNvSpPr>
+            <a:spLocks noGrp="1"/>
+          </p:cNvSpPr>
+          <p:nvPr>
+            <p:ph type="title"/>
+          </p:nvPr>
+        </p:nvSpPr>
+        <p:spPr/>
+        <p:txBody>
+          <a:bodyPr/>
+          <a:lstStyle/>
+          <a:p>
+            <a:pPr algn="ctr"/>
+            <a:r>
+              <a:rPr lang="en-US" dirty="0"/>
+              <a:t>Install from </a:t>
+            </a:r>
+            <a:r>
+              <a:rPr lang="en-US" dirty="0" err="1"/>
+              <a:t>github</a:t>
+            </a:r>
+            <a:endParaRPr lang="en-US" dirty="0"/>
+          </a:p>
+        </p:txBody>
+      </p:sp>
+      <p:sp>
+        <p:nvSpPr>
+          <p:cNvPr id="3" name="Content Placeholder 2">
+            <a:extLst>
+              <a:ext uri="{FF2B5EF4-FFF2-40B4-BE49-F238E27FC236}">
+                <a16:creationId xmlns:a16="http://schemas.microsoft.com/office/drawing/2014/main" id="{9F9C409D-076B-0967-8653-92208ACCC4DD}"/>
+              </a:ext>
+            </a:extLst>
+          </p:cNvPr>
+          <p:cNvSpPr>
+            <a:spLocks noGrp="1"/>
+          </p:cNvSpPr>
+          <p:nvPr>
+            <p:ph idx="1"/>
+          </p:nvPr>
+        </p:nvSpPr>
+        <p:spPr/>
+        <p:txBody>
+          <a:bodyPr/>
+          <a:lstStyle/>
+          <a:p>
+            <a:r>
+              <a:rPr lang="en-US" dirty="0"/>
+              <a:t>Some R packages are available on </a:t>
+            </a:r>
+            <a:r>
+              <a:rPr lang="en-US" dirty="0" err="1"/>
+              <a:t>github</a:t>
+            </a:r>
+            <a:r>
+              <a:rPr lang="en-US" dirty="0"/>
+              <a:t> for downloading.</a:t>
+            </a:r>
+          </a:p>
+          <a:p>
+            <a:r>
+              <a:rPr lang="en-US" dirty="0" err="1"/>
+              <a:t>install.packages</a:t>
+            </a:r>
+            <a:r>
+              <a:rPr lang="en-US" dirty="0"/>
+              <a:t>("</a:t>
+            </a:r>
+            <a:r>
+              <a:rPr lang="en-US" dirty="0" err="1"/>
+              <a:t>install_github</a:t>
+            </a:r>
+            <a:r>
+              <a:rPr lang="en-US" dirty="0"/>
+              <a:t>") prior to installing </a:t>
+            </a:r>
+            <a:r>
+              <a:rPr lang="en-US" dirty="0" err="1"/>
+              <a:t>github</a:t>
+            </a:r>
+            <a:r>
+              <a:rPr lang="en-US" dirty="0"/>
+              <a:t> </a:t>
+            </a:r>
+            <a:r>
+              <a:rPr lang="en-US" dirty="0" err="1"/>
+              <a:t>paclages</a:t>
+            </a:r>
+            <a:r>
+              <a:rPr lang="en-US" dirty="0"/>
+              <a:t>.</a:t>
+            </a:r>
+          </a:p>
+          <a:p>
+            <a:r>
+              <a:rPr lang="en-US" dirty="0" err="1"/>
+              <a:t>install_github</a:t>
+            </a:r>
+            <a:r>
+              <a:rPr lang="en-US" dirty="0"/>
+              <a:t>(“user/package")</a:t>
+            </a:r>
+          </a:p>
+          <a:p>
+            <a:endParaRPr lang="en-US" dirty="0"/>
+          </a:p>
+        </p:txBody>
+      </p:sp>
+    </p:spTree>
+    <p:extLst>
+      <p:ext uri="{BB962C8B-B14F-4D97-AF65-F5344CB8AC3E}">
+        <p14:creationId xmlns:p14="http://schemas.microsoft.com/office/powerpoint/2010/main" val="1656888837"/>
+      </p:ext>
+    </p:extLst>
+  </p:cSld>
+  <p:clrMapOvr>
+    <a:masterClrMapping/>
+  </p:clrMapOvr>
+  <p:timing>
+    <p:tnLst>
+      <p:par>
+        <p:cTn id="1" dur="indefinite" restart="never" nodeType="tmRoot">
+          <p:childTnLst>
+            <p:seq concurrent="1" nextAc="seek">
+              <p:cTn id="2" dur="indefinite" nodeType="mainSeq">
+                <p:childTnLst>
+                  <p:par>
+                    <p:cTn id="3" fill="hold">
+                      <p:stCondLst>
+                        <p:cond delay="indefinite"/>
+                      </p:stCondLst>
+                      <p:childTnLst>
+                        <p:par>
+                          <p:cTn id="4" fill="hold">
+                            <p:stCondLst>
+                              <p:cond delay="0"/>
+                            </p:stCondLst>
+                            <p:childTnLst>
+                              <p:par>
+                                <p:cTn id="5" presetID="1" presetClass="entr" presetSubtype="0" fill="hold" nodeType="clickEffect">
+                                  <p:stCondLst>
+                                    <p:cond delay="0"/>
+                                  </p:stCondLst>
+                                  <p:childTnLst>
+                                    <p:set>
+                                      <p:cBhvr>
+                                        <p:cTn id="6" dur="1" fill="hold">
+                                          <p:stCondLst>
+                                            <p:cond delay="0"/>
+                                          </p:stCondLst>
+                                        </p:cTn>
+                                        <p:tgtEl>
+                                          <p:spTgt spid="3">
+                                            <p:txEl>
+                                              <p:pRg st="0" end="0"/>
+                                            </p:txEl>
+                                          </p:spTgt>
+                                        </p:tgtEl>
+                                        <p:attrNameLst>
+                                          <p:attrName>style.visibility</p:attrName>
+                                        </p:attrNameLst>
+                                      </p:cBhvr>
+                                      <p:to>
+                                        <p:strVal val="visible"/>
+                                      </p:to>
+                                    </p:set>
+                                  </p:childTnLst>
+                                </p:cTn>
+                              </p:par>
+                            </p:childTnLst>
+                          </p:cTn>
+                        </p:par>
+                      </p:childTnLst>
+                    </p:cTn>
+                  </p:par>
+                  <p:par>
+                    <p:cTn id="7" fill="hold">
+                      <p:stCondLst>
+                        <p:cond delay="indefinite"/>
+                      </p:stCondLst>
+                      <p:childTnLst>
+                        <p:par>
+                          <p:cTn id="8" fill="hold">
+                            <p:stCondLst>
+                              <p:cond delay="0"/>
+                            </p:stCondLst>
+                            <p:childTnLst>
+                              <p:par>
+                                <p:cTn id="9" presetID="1" presetClass="entr" presetSubtype="0" fill="hold" nodeType="clickEffect">
+                                  <p:stCondLst>
+                                    <p:cond delay="0"/>
+                                  </p:stCondLst>
+                                  <p:childTnLst>
+                                    <p:set>
+                                      <p:cBhvr>
+                                        <p:cTn id="10" dur="1" fill="hold">
+                                          <p:stCondLst>
+                                            <p:cond delay="0"/>
+                                          </p:stCondLst>
+                                        </p:cTn>
+                                        <p:tgtEl>
+                                          <p:spTgt spid="3">
+                                            <p:txEl>
+                                              <p:pRg st="1" end="1"/>
+                                            </p:txEl>
+                                          </p:spTgt>
+                                        </p:tgtEl>
+                                        <p:attrNameLst>
+                                          <p:attrName>style.visibility</p:attrName>
+                                        </p:attrNameLst>
+                                      </p:cBhvr>
+                                      <p:to>
+                                        <p:strVal val="visible"/>
+                                      </p:to>
+                                    </p:set>
+                                  </p:childTnLst>
+                                </p:cTn>
+                              </p:par>
+                            </p:childTnLst>
+                          </p:cTn>
+                        </p:par>
+                      </p:childTnLst>
+                    </p:cTn>
+                  </p:par>
+                  <p:par>
+                    <p:cTn id="11" fill="hold">
+                      <p:stCondLst>
+                        <p:cond delay="indefinite"/>
+                      </p:stCondLst>
+                      <p:childTnLst>
+                        <p:par>
+                          <p:cTn id="12" fill="hold">
+                            <p:stCondLst>
+                              <p:cond delay="0"/>
+                            </p:stCondLst>
+                            <p:childTnLst>
+                              <p:par>
+                                <p:cTn id="13" presetID="1" presetClass="entr" presetSubtype="0" fill="hold" nodeType="clickEffect">
+                                  <p:stCondLst>
+                                    <p:cond delay="0"/>
+                                  </p:stCondLst>
+                                  <p:childTnLst>
+                                    <p:set>
+                                      <p:cBhvr>
+                                        <p:cTn id="14" dur="1" fill="hold">
+                                          <p:stCondLst>
+                                            <p:cond delay="0"/>
+                                          </p:stCondLst>
+                                        </p:cTn>
+                                        <p:tgtEl>
+                                          <p:spTgt spid="3">
+                                            <p:txEl>
+                                              <p:pRg st="2" end="2"/>
+                                            </p:txEl>
+                                          </p:spTgt>
+                                        </p:tgtEl>
+                                        <p:attrNameLst>
+                                          <p:attrName>style.visibility</p:attrName>
+                                        </p:attrNameLst>
+                                      </p:cBhvr>
+                                      <p:to>
+                                        <p:strVal val="visible"/>
+                                      </p:to>
+                                    </p:set>
+                                  </p:childTnLst>
+                                </p:cTn>
+                              </p:par>
+                            </p:childTnLst>
+                          </p:cTn>
+                        </p:par>
+                      </p:childTnLst>
+                    </p:cTn>
+                  </p:par>
+                </p:childTnLst>
+              </p:cTn>
+              <p:prevCondLst>
+                <p:cond evt="onPrev" delay="0">
+                  <p:tgtEl>
+                    <p:sldTgt/>
+                  </p:tgtEl>
+                </p:cond>
+              </p:prevCondLst>
+              <p:nextCondLst>
+                <p:cond evt="onNext" delay="0">
+                  <p:tgtEl>
+                    <p:sldTgt/>
+                  </p:tgtEl>
+                </p:cond>
+              </p:nextCondLst>
+            </p:seq>
+          </p:childTnLst>
+        </p:cTn>
+      </p:par>
+    </p:tnLst>
+  </p:timing>
+</p:sld>
+</file>
+
+<file path=ppt/slides/slide21.xml><?xml version="1.0" encoding="utf-8"?>
 <p:sld xmlns:a="http://schemas.openxmlformats.org/drawingml/2006/main" xmlns:r="http://schemas.openxmlformats.org/officeDocument/2006/relationships" xmlns:p="http://schemas.openxmlformats.org/presentationml/2006/main">
   <p:cSld>
     <p:spTree>
@@ -10537,7 +11085,7 @@
 </p:sld>
 </file>
 
-<file path=ppt/slides/slide21.xml><?xml version="1.0" encoding="utf-8"?>
+<file path=ppt/slides/slide22.xml><?xml version="1.0" encoding="utf-8"?>
 <p:sld xmlns:a="http://schemas.openxmlformats.org/drawingml/2006/main" xmlns:r="http://schemas.openxmlformats.org/officeDocument/2006/relationships" xmlns:p="http://schemas.openxmlformats.org/presentationml/2006/main">
   <p:cSld>
     <p:spTree>
@@ -10601,7 +11149,7 @@
 </p:sld>
 </file>
 
-<file path=ppt/slides/slide22.xml><?xml version="1.0" encoding="utf-8"?>
+<file path=ppt/slides/slide23.xml><?xml version="1.0" encoding="utf-8"?>
 <p:sld xmlns:a="http://schemas.openxmlformats.org/drawingml/2006/main" xmlns:r="http://schemas.openxmlformats.org/officeDocument/2006/relationships" xmlns:p="http://schemas.openxmlformats.org/presentationml/2006/main">
   <p:cSld>
     <p:spTree>
@@ -11169,7 +11717,7 @@
 </p:sld>
 </file>
 
-<file path=ppt/slides/slide23.xml><?xml version="1.0" encoding="utf-8"?>
+<file path=ppt/slides/slide24.xml><?xml version="1.0" encoding="utf-8"?>
 <p:sld xmlns:a="http://schemas.openxmlformats.org/drawingml/2006/main" xmlns:r="http://schemas.openxmlformats.org/officeDocument/2006/relationships" xmlns:p="http://schemas.openxmlformats.org/presentationml/2006/main">
   <p:cSld>
     <p:spTree>
@@ -11872,7 +12420,7 @@
 </p:sld>
 </file>
 
-<file path=ppt/slides/slide24.xml><?xml version="1.0" encoding="utf-8"?>
+<file path=ppt/slides/slide25.xml><?xml version="1.0" encoding="utf-8"?>
 <p:sld xmlns:a="http://schemas.openxmlformats.org/drawingml/2006/main" xmlns:r="http://schemas.openxmlformats.org/officeDocument/2006/relationships" xmlns:p="http://schemas.openxmlformats.org/presentationml/2006/main">
   <p:cSld>
     <p:spTree>
@@ -11938,7 +12486,7 @@
 </p:sld>
 </file>
 
-<file path=ppt/slides/slide25.xml><?xml version="1.0" encoding="utf-8"?>
+<file path=ppt/slides/slide26.xml><?xml version="1.0" encoding="utf-8"?>
 <p:sld xmlns:a="http://schemas.openxmlformats.org/drawingml/2006/main" xmlns:r="http://schemas.openxmlformats.org/officeDocument/2006/relationships" xmlns:p="http://schemas.openxmlformats.org/presentationml/2006/main">
   <p:cSld>
     <p:spTree>
@@ -12346,7 +12894,7 @@
 </p:sld>
 </file>
 
-<file path=ppt/slides/slide26.xml><?xml version="1.0" encoding="utf-8"?>
+<file path=ppt/slides/slide27.xml><?xml version="1.0" encoding="utf-8"?>
 <p:sld xmlns:a="http://schemas.openxmlformats.org/drawingml/2006/main" xmlns:r="http://schemas.openxmlformats.org/officeDocument/2006/relationships" xmlns:p="http://schemas.openxmlformats.org/presentationml/2006/main">
   <p:cSld>
     <p:spTree>
@@ -17640,7 +18188,7 @@
 </p:sld>
 </file>
 
-<file path=ppt/slides/slide27.xml><?xml version="1.0" encoding="utf-8"?>
+<file path=ppt/slides/slide28.xml><?xml version="1.0" encoding="utf-8"?>
 <p:sld xmlns:a="http://schemas.openxmlformats.org/drawingml/2006/main" xmlns:r="http://schemas.openxmlformats.org/officeDocument/2006/relationships" xmlns:p="http://schemas.openxmlformats.org/presentationml/2006/main">
   <p:cSld>
     <p:spTree>
@@ -18122,7 +18670,7 @@
 </p:sld>
 </file>
 
-<file path=ppt/slides/slide28.xml><?xml version="1.0" encoding="utf-8"?>
+<file path=ppt/slides/slide29.xml><?xml version="1.0" encoding="utf-8"?>
 <p:sld xmlns:a="http://schemas.openxmlformats.org/drawingml/2006/main" xmlns:r="http://schemas.openxmlformats.org/officeDocument/2006/relationships" xmlns:p="http://schemas.openxmlformats.org/presentationml/2006/main">
   <p:cSld>
     <p:spTree>
@@ -18655,72 +19203,6 @@
       </p:par>
     </p:tnLst>
   </p:timing>
-</p:sld>
-</file>
-
-<file path=ppt/slides/slide29.xml><?xml version="1.0" encoding="utf-8"?>
-<p:sld xmlns:a="http://schemas.openxmlformats.org/drawingml/2006/main" xmlns:r="http://schemas.openxmlformats.org/officeDocument/2006/relationships" xmlns:p="http://schemas.openxmlformats.org/presentationml/2006/main">
-  <p:cSld>
-    <p:spTree>
-      <p:nvGrpSpPr>
-        <p:cNvPr id="1" name=""/>
-        <p:cNvGrpSpPr/>
-        <p:nvPr/>
-      </p:nvGrpSpPr>
-      <p:grpSpPr>
-        <a:xfrm>
-          <a:off x="0" y="0"/>
-          <a:ext cx="0" cy="0"/>
-          <a:chOff x="0" y="0"/>
-          <a:chExt cx="0" cy="0"/>
-        </a:xfrm>
-      </p:grpSpPr>
-      <p:pic>
-        <p:nvPicPr>
-          <p:cNvPr id="3" name="Picture 2" descr="A graph with a line&#10;&#10;AI-generated content may be incorrect.">
-            <a:extLst>
-              <a:ext uri="{FF2B5EF4-FFF2-40B4-BE49-F238E27FC236}">
-                <a16:creationId xmlns:a16="http://schemas.microsoft.com/office/drawing/2014/main" id="{4E3D3F8F-8391-C9F4-BC08-8E97EA125552}"/>
-              </a:ext>
-            </a:extLst>
-          </p:cNvPr>
-          <p:cNvPicPr>
-            <a:picLocks noChangeAspect="1"/>
-          </p:cNvPicPr>
-          <p:nvPr/>
-        </p:nvPicPr>
-        <p:blipFill>
-          <a:blip r:embed="rId2">
-            <a:extLst>
-              <a:ext uri="{28A0092B-C50C-407E-A947-70E740481C1C}">
-                <a14:useLocalDpi xmlns:a14="http://schemas.microsoft.com/office/drawing/2010/main" val="0"/>
-              </a:ext>
-            </a:extLst>
-          </a:blip>
-          <a:stretch>
-            <a:fillRect/>
-          </a:stretch>
-        </p:blipFill>
-        <p:spPr>
-          <a:xfrm>
-            <a:off x="2291750" y="1437"/>
-            <a:ext cx="6783238" cy="6783238"/>
-          </a:xfrm>
-          <a:prstGeom prst="rect">
-            <a:avLst/>
-          </a:prstGeom>
-        </p:spPr>
-      </p:pic>
-    </p:spTree>
-    <p:extLst>
-      <p:ext uri="{BB962C8B-B14F-4D97-AF65-F5344CB8AC3E}">
-        <p14:creationId xmlns:p14="http://schemas.microsoft.com/office/powerpoint/2010/main" val="4249583569"/>
-      </p:ext>
-    </p:extLst>
-  </p:cSld>
-  <p:clrMapOvr>
-    <a:masterClrMapping/>
-  </p:clrMapOvr>
 </p:sld>
 </file>
 
@@ -19332,6 +19814,72 @@
           <a:chExt cx="0" cy="0"/>
         </a:xfrm>
       </p:grpSpPr>
+      <p:pic>
+        <p:nvPicPr>
+          <p:cNvPr id="3" name="Picture 2" descr="A graph with a line&#10;&#10;AI-generated content may be incorrect.">
+            <a:extLst>
+              <a:ext uri="{FF2B5EF4-FFF2-40B4-BE49-F238E27FC236}">
+                <a16:creationId xmlns:a16="http://schemas.microsoft.com/office/drawing/2014/main" id="{4E3D3F8F-8391-C9F4-BC08-8E97EA125552}"/>
+              </a:ext>
+            </a:extLst>
+          </p:cNvPr>
+          <p:cNvPicPr>
+            <a:picLocks noChangeAspect="1"/>
+          </p:cNvPicPr>
+          <p:nvPr/>
+        </p:nvPicPr>
+        <p:blipFill>
+          <a:blip r:embed="rId2">
+            <a:extLst>
+              <a:ext uri="{28A0092B-C50C-407E-A947-70E740481C1C}">
+                <a14:useLocalDpi xmlns:a14="http://schemas.microsoft.com/office/drawing/2010/main" val="0"/>
+              </a:ext>
+            </a:extLst>
+          </a:blip>
+          <a:stretch>
+            <a:fillRect/>
+          </a:stretch>
+        </p:blipFill>
+        <p:spPr>
+          <a:xfrm>
+            <a:off x="2291750" y="1437"/>
+            <a:ext cx="6783238" cy="6783238"/>
+          </a:xfrm>
+          <a:prstGeom prst="rect">
+            <a:avLst/>
+          </a:prstGeom>
+        </p:spPr>
+      </p:pic>
+    </p:spTree>
+    <p:extLst>
+      <p:ext uri="{BB962C8B-B14F-4D97-AF65-F5344CB8AC3E}">
+        <p14:creationId xmlns:p14="http://schemas.microsoft.com/office/powerpoint/2010/main" val="4249583569"/>
+      </p:ext>
+    </p:extLst>
+  </p:cSld>
+  <p:clrMapOvr>
+    <a:masterClrMapping/>
+  </p:clrMapOvr>
+</p:sld>
+</file>
+
+<file path=ppt/slides/slide31.xml><?xml version="1.0" encoding="utf-8"?>
+<p:sld xmlns:a="http://schemas.openxmlformats.org/drawingml/2006/main" xmlns:r="http://schemas.openxmlformats.org/officeDocument/2006/relationships" xmlns:p="http://schemas.openxmlformats.org/presentationml/2006/main">
+  <p:cSld>
+    <p:spTree>
+      <p:nvGrpSpPr>
+        <p:cNvPr id="1" name=""/>
+        <p:cNvGrpSpPr/>
+        <p:nvPr/>
+      </p:nvGrpSpPr>
+      <p:grpSpPr>
+        <a:xfrm>
+          <a:off x="0" y="0"/>
+          <a:ext cx="0" cy="0"/>
+          <a:chOff x="0" y="0"/>
+          <a:chExt cx="0" cy="0"/>
+        </a:xfrm>
+      </p:grpSpPr>
       <p:sp>
         <p:nvSpPr>
           <p:cNvPr id="2" name="Title 1">
@@ -19379,7 +19927,7 @@
 </p:sld>
 </file>
 
-<file path=ppt/slides/slide31.xml><?xml version="1.0" encoding="utf-8"?>
+<file path=ppt/slides/slide32.xml><?xml version="1.0" encoding="utf-8"?>
 <p:sld xmlns:a="http://schemas.openxmlformats.org/drawingml/2006/main" xmlns:r="http://schemas.openxmlformats.org/officeDocument/2006/relationships" xmlns:p="http://schemas.openxmlformats.org/presentationml/2006/main">
   <p:cSld>
     <p:spTree>
@@ -19732,7 +20280,7 @@
 </p:sld>
 </file>
 
-<file path=ppt/slides/slide32.xml><?xml version="1.0" encoding="utf-8"?>
+<file path=ppt/slides/slide33.xml><?xml version="1.0" encoding="utf-8"?>
 <p:sld xmlns:a="http://schemas.openxmlformats.org/drawingml/2006/main" xmlns:r="http://schemas.openxmlformats.org/officeDocument/2006/relationships" xmlns:p="http://schemas.openxmlformats.org/presentationml/2006/main">
   <p:cSld>
     <p:spTree>
@@ -20513,7 +21061,7 @@
 </p:sld>
 </file>
 
-<file path=ppt/slides/slide33.xml><?xml version="1.0" encoding="utf-8"?>
+<file path=ppt/slides/slide34.xml><?xml version="1.0" encoding="utf-8"?>
 <p:sld xmlns:a="http://schemas.openxmlformats.org/drawingml/2006/main" xmlns:r="http://schemas.openxmlformats.org/officeDocument/2006/relationships" xmlns:p="http://schemas.openxmlformats.org/presentationml/2006/main">
   <p:cSld>
     <p:spTree>
@@ -20965,7 +21513,7 @@
 </p:sld>
 </file>
 
-<file path=ppt/slides/slide34.xml><?xml version="1.0" encoding="utf-8"?>
+<file path=ppt/slides/slide35.xml><?xml version="1.0" encoding="utf-8"?>
 <p:sld xmlns:a="http://schemas.openxmlformats.org/drawingml/2006/main" xmlns:r="http://schemas.openxmlformats.org/officeDocument/2006/relationships" xmlns:p="http://schemas.openxmlformats.org/presentationml/2006/main">
   <p:cSld>
     <p:spTree>
@@ -21441,7 +21989,7 @@
 </p:sld>
 </file>
 
-<file path=ppt/slides/slide35.xml><?xml version="1.0" encoding="utf-8"?>
+<file path=ppt/slides/slide36.xml><?xml version="1.0" encoding="utf-8"?>
 <p:sld xmlns:a="http://schemas.openxmlformats.org/drawingml/2006/main" xmlns:r="http://schemas.openxmlformats.org/officeDocument/2006/relationships" xmlns:p="http://schemas.openxmlformats.org/presentationml/2006/main">
   <p:cSld>
     <p:spTree>
@@ -21893,7 +22441,7 @@
 </p:sld>
 </file>
 
-<file path=ppt/slides/slide36.xml><?xml version="1.0" encoding="utf-8"?>
+<file path=ppt/slides/slide37.xml><?xml version="1.0" encoding="utf-8"?>
 <p:sld xmlns:a="http://schemas.openxmlformats.org/drawingml/2006/main" xmlns:r="http://schemas.openxmlformats.org/officeDocument/2006/relationships" xmlns:p="http://schemas.openxmlformats.org/presentationml/2006/main">
   <p:cSld>
     <p:spTree>
@@ -22251,7 +22799,7 @@
 </p:sld>
 </file>
 
-<file path=ppt/slides/slide37.xml><?xml version="1.0" encoding="utf-8"?>
+<file path=ppt/slides/slide38.xml><?xml version="1.0" encoding="utf-8"?>
 <p:sld xmlns:a="http://schemas.openxmlformats.org/drawingml/2006/main" xmlns:r="http://schemas.openxmlformats.org/officeDocument/2006/relationships" xmlns:p="http://schemas.openxmlformats.org/presentationml/2006/main">
   <p:cSld>
     <p:spTree>
@@ -22429,7 +22977,7 @@
 </p:sld>
 </file>
 
-<file path=ppt/slides/slide38.xml><?xml version="1.0" encoding="utf-8"?>
+<file path=ppt/slides/slide39.xml><?xml version="1.0" encoding="utf-8"?>
 <p:sld xmlns:a="http://schemas.openxmlformats.org/drawingml/2006/main" xmlns:r="http://schemas.openxmlformats.org/officeDocument/2006/relationships" xmlns:p="http://schemas.openxmlformats.org/presentationml/2006/main">
   <p:cSld>
     <p:spTree>
@@ -22519,108 +23067,6 @@
     <p:extLst>
       <p:ext uri="{BB962C8B-B14F-4D97-AF65-F5344CB8AC3E}">
         <p14:creationId xmlns:p14="http://schemas.microsoft.com/office/powerpoint/2010/main" val="2379730882"/>
-      </p:ext>
-    </p:extLst>
-  </p:cSld>
-  <p:clrMapOvr>
-    <a:masterClrMapping/>
-  </p:clrMapOvr>
-</p:sld>
-</file>
-
-<file path=ppt/slides/slide39.xml><?xml version="1.0" encoding="utf-8"?>
-<p:sld xmlns:a="http://schemas.openxmlformats.org/drawingml/2006/main" xmlns:r="http://schemas.openxmlformats.org/officeDocument/2006/relationships" xmlns:p="http://schemas.openxmlformats.org/presentationml/2006/main">
-  <p:cSld>
-    <p:spTree>
-      <p:nvGrpSpPr>
-        <p:cNvPr id="1" name=""/>
-        <p:cNvGrpSpPr/>
-        <p:nvPr/>
-      </p:nvGrpSpPr>
-      <p:grpSpPr>
-        <a:xfrm>
-          <a:off x="0" y="0"/>
-          <a:ext cx="0" cy="0"/>
-          <a:chOff x="0" y="0"/>
-          <a:chExt cx="0" cy="0"/>
-        </a:xfrm>
-      </p:grpSpPr>
-      <p:pic>
-        <p:nvPicPr>
-          <p:cNvPr id="3" name="Picture 2" descr="A graph of a number of clusters&#10;&#10;AI-generated content may be incorrect.">
-            <a:extLst>
-              <a:ext uri="{FF2B5EF4-FFF2-40B4-BE49-F238E27FC236}">
-                <a16:creationId xmlns:a16="http://schemas.microsoft.com/office/drawing/2014/main" id="{BB2EF879-897C-32CA-6A9A-9ED7D2B3AB1A}"/>
-              </a:ext>
-            </a:extLst>
-          </p:cNvPr>
-          <p:cNvPicPr>
-            <a:picLocks noChangeAspect="1"/>
-          </p:cNvPicPr>
-          <p:nvPr/>
-        </p:nvPicPr>
-        <p:blipFill>
-          <a:blip r:embed="rId2">
-            <a:extLst>
-              <a:ext uri="{28A0092B-C50C-407E-A947-70E740481C1C}">
-                <a14:useLocalDpi xmlns:a14="http://schemas.microsoft.com/office/drawing/2010/main" val="0"/>
-              </a:ext>
-            </a:extLst>
-          </a:blip>
-          <a:stretch>
-            <a:fillRect/>
-          </a:stretch>
-        </p:blipFill>
-        <p:spPr>
-          <a:xfrm>
-            <a:off x="6096000" y="862640"/>
-            <a:ext cx="5706272" cy="5706272"/>
-          </a:xfrm>
-          <a:prstGeom prst="rect">
-            <a:avLst/>
-          </a:prstGeom>
-        </p:spPr>
-      </p:pic>
-      <p:pic>
-        <p:nvPicPr>
-          <p:cNvPr id="2" name="Picture 1" descr="A graph showing different colored bars&#10;&#10;AI-generated content may be incorrect.">
-            <a:extLst>
-              <a:ext uri="{FF2B5EF4-FFF2-40B4-BE49-F238E27FC236}">
-                <a16:creationId xmlns:a16="http://schemas.microsoft.com/office/drawing/2014/main" id="{2CC70248-31C7-8CF7-80EC-CD54835DFF74}"/>
-              </a:ext>
-            </a:extLst>
-          </p:cNvPr>
-          <p:cNvPicPr>
-            <a:picLocks noChangeAspect="1"/>
-          </p:cNvPicPr>
-          <p:nvPr/>
-        </p:nvPicPr>
-        <p:blipFill>
-          <a:blip r:embed="rId3">
-            <a:extLst>
-              <a:ext uri="{28A0092B-C50C-407E-A947-70E740481C1C}">
-                <a14:useLocalDpi xmlns:a14="http://schemas.microsoft.com/office/drawing/2010/main" val="0"/>
-              </a:ext>
-            </a:extLst>
-          </a:blip>
-          <a:stretch>
-            <a:fillRect/>
-          </a:stretch>
-        </p:blipFill>
-        <p:spPr>
-          <a:xfrm>
-            <a:off x="174171" y="647083"/>
-            <a:ext cx="5921829" cy="5921829"/>
-          </a:xfrm>
-          <a:prstGeom prst="rect">
-            <a:avLst/>
-          </a:prstGeom>
-        </p:spPr>
-      </p:pic>
-    </p:spTree>
-    <p:extLst>
-      <p:ext uri="{BB962C8B-B14F-4D97-AF65-F5344CB8AC3E}">
-        <p14:creationId xmlns:p14="http://schemas.microsoft.com/office/powerpoint/2010/main" val="3655243068"/>
       </p:ext>
     </p:extLst>
   </p:cSld>
@@ -23172,6 +23618,108 @@
           <a:chExt cx="0" cy="0"/>
         </a:xfrm>
       </p:grpSpPr>
+      <p:pic>
+        <p:nvPicPr>
+          <p:cNvPr id="3" name="Picture 2" descr="A graph of a number of clusters&#10;&#10;AI-generated content may be incorrect.">
+            <a:extLst>
+              <a:ext uri="{FF2B5EF4-FFF2-40B4-BE49-F238E27FC236}">
+                <a16:creationId xmlns:a16="http://schemas.microsoft.com/office/drawing/2014/main" id="{BB2EF879-897C-32CA-6A9A-9ED7D2B3AB1A}"/>
+              </a:ext>
+            </a:extLst>
+          </p:cNvPr>
+          <p:cNvPicPr>
+            <a:picLocks noChangeAspect="1"/>
+          </p:cNvPicPr>
+          <p:nvPr/>
+        </p:nvPicPr>
+        <p:blipFill>
+          <a:blip r:embed="rId2">
+            <a:extLst>
+              <a:ext uri="{28A0092B-C50C-407E-A947-70E740481C1C}">
+                <a14:useLocalDpi xmlns:a14="http://schemas.microsoft.com/office/drawing/2010/main" val="0"/>
+              </a:ext>
+            </a:extLst>
+          </a:blip>
+          <a:stretch>
+            <a:fillRect/>
+          </a:stretch>
+        </p:blipFill>
+        <p:spPr>
+          <a:xfrm>
+            <a:off x="6096000" y="862640"/>
+            <a:ext cx="5706272" cy="5706272"/>
+          </a:xfrm>
+          <a:prstGeom prst="rect">
+            <a:avLst/>
+          </a:prstGeom>
+        </p:spPr>
+      </p:pic>
+      <p:pic>
+        <p:nvPicPr>
+          <p:cNvPr id="2" name="Picture 1" descr="A graph showing different colored bars&#10;&#10;AI-generated content may be incorrect.">
+            <a:extLst>
+              <a:ext uri="{FF2B5EF4-FFF2-40B4-BE49-F238E27FC236}">
+                <a16:creationId xmlns:a16="http://schemas.microsoft.com/office/drawing/2014/main" id="{2CC70248-31C7-8CF7-80EC-CD54835DFF74}"/>
+              </a:ext>
+            </a:extLst>
+          </p:cNvPr>
+          <p:cNvPicPr>
+            <a:picLocks noChangeAspect="1"/>
+          </p:cNvPicPr>
+          <p:nvPr/>
+        </p:nvPicPr>
+        <p:blipFill>
+          <a:blip r:embed="rId3">
+            <a:extLst>
+              <a:ext uri="{28A0092B-C50C-407E-A947-70E740481C1C}">
+                <a14:useLocalDpi xmlns:a14="http://schemas.microsoft.com/office/drawing/2010/main" val="0"/>
+              </a:ext>
+            </a:extLst>
+          </a:blip>
+          <a:stretch>
+            <a:fillRect/>
+          </a:stretch>
+        </p:blipFill>
+        <p:spPr>
+          <a:xfrm>
+            <a:off x="174171" y="647083"/>
+            <a:ext cx="5921829" cy="5921829"/>
+          </a:xfrm>
+          <a:prstGeom prst="rect">
+            <a:avLst/>
+          </a:prstGeom>
+        </p:spPr>
+      </p:pic>
+    </p:spTree>
+    <p:extLst>
+      <p:ext uri="{BB962C8B-B14F-4D97-AF65-F5344CB8AC3E}">
+        <p14:creationId xmlns:p14="http://schemas.microsoft.com/office/powerpoint/2010/main" val="3655243068"/>
+      </p:ext>
+    </p:extLst>
+  </p:cSld>
+  <p:clrMapOvr>
+    <a:masterClrMapping/>
+  </p:clrMapOvr>
+</p:sld>
+</file>
+
+<file path=ppt/slides/slide41.xml><?xml version="1.0" encoding="utf-8"?>
+<p:sld xmlns:a="http://schemas.openxmlformats.org/drawingml/2006/main" xmlns:r="http://schemas.openxmlformats.org/officeDocument/2006/relationships" xmlns:p="http://schemas.openxmlformats.org/presentationml/2006/main">
+  <p:cSld>
+    <p:spTree>
+      <p:nvGrpSpPr>
+        <p:cNvPr id="1" name=""/>
+        <p:cNvGrpSpPr/>
+        <p:nvPr/>
+      </p:nvGrpSpPr>
+      <p:grpSpPr>
+        <a:xfrm>
+          <a:off x="0" y="0"/>
+          <a:ext cx="0" cy="0"/>
+          <a:chOff x="0" y="0"/>
+          <a:chExt cx="0" cy="0"/>
+        </a:xfrm>
+      </p:grpSpPr>
       <p:sp>
         <p:nvSpPr>
           <p:cNvPr id="2" name="Title 1">
@@ -23601,7 +24149,7 @@
 </p:sld>
 </file>
 
-<file path=ppt/slides/slide41.xml><?xml version="1.0" encoding="utf-8"?>
+<file path=ppt/slides/slide42.xml><?xml version="1.0" encoding="utf-8"?>
 <p:sld xmlns:a="http://schemas.openxmlformats.org/drawingml/2006/main" xmlns:r="http://schemas.openxmlformats.org/officeDocument/2006/relationships" xmlns:p="http://schemas.openxmlformats.org/presentationml/2006/main">
   <p:cSld>
     <p:spTree>

--- a/CRS2025_R_workshop.pptx
+++ b/CRS2025_R_workshop.pptx
@@ -1921,7 +1921,7 @@
           <a:p>
             <a:fld id="{9EE88898-85D7-45AF-B6F3-230B3CF59E47}" type="datetimeFigureOut">
               <a:rPr lang="en-US" smtClean="0"/>
-              <a:t>7/21/2025</a:t>
+              <a:t>7/23/2025</a:t>
             </a:fld>
             <a:endParaRPr lang="en-US"/>
           </a:p>
@@ -2503,7 +2503,7 @@
           <a:p>
             <a:fld id="{A96D1AFE-3D21-47B6-AAC4-7E75F0B46B27}" type="datetimeFigureOut">
               <a:rPr lang="en-US" smtClean="0"/>
-              <a:t>7/21/2025</a:t>
+              <a:t>7/23/2025</a:t>
             </a:fld>
             <a:endParaRPr lang="en-US"/>
           </a:p>
@@ -2701,7 +2701,7 @@
           <a:p>
             <a:fld id="{A96D1AFE-3D21-47B6-AAC4-7E75F0B46B27}" type="datetimeFigureOut">
               <a:rPr lang="en-US" smtClean="0"/>
-              <a:t>7/21/2025</a:t>
+              <a:t>7/23/2025</a:t>
             </a:fld>
             <a:endParaRPr lang="en-US"/>
           </a:p>
@@ -2909,7 +2909,7 @@
           <a:p>
             <a:fld id="{A96D1AFE-3D21-47B6-AAC4-7E75F0B46B27}" type="datetimeFigureOut">
               <a:rPr lang="en-US" smtClean="0"/>
-              <a:t>7/21/2025</a:t>
+              <a:t>7/23/2025</a:t>
             </a:fld>
             <a:endParaRPr lang="en-US"/>
           </a:p>
@@ -3107,7 +3107,7 @@
           <a:p>
             <a:fld id="{A96D1AFE-3D21-47B6-AAC4-7E75F0B46B27}" type="datetimeFigureOut">
               <a:rPr lang="en-US" smtClean="0"/>
-              <a:t>7/21/2025</a:t>
+              <a:t>7/23/2025</a:t>
             </a:fld>
             <a:endParaRPr lang="en-US"/>
           </a:p>
@@ -3382,7 +3382,7 @@
           <a:p>
             <a:fld id="{A96D1AFE-3D21-47B6-AAC4-7E75F0B46B27}" type="datetimeFigureOut">
               <a:rPr lang="en-US" smtClean="0"/>
-              <a:t>7/21/2025</a:t>
+              <a:t>7/23/2025</a:t>
             </a:fld>
             <a:endParaRPr lang="en-US"/>
           </a:p>
@@ -3647,7 +3647,7 @@
           <a:p>
             <a:fld id="{A96D1AFE-3D21-47B6-AAC4-7E75F0B46B27}" type="datetimeFigureOut">
               <a:rPr lang="en-US" smtClean="0"/>
-              <a:t>7/21/2025</a:t>
+              <a:t>7/23/2025</a:t>
             </a:fld>
             <a:endParaRPr lang="en-US"/>
           </a:p>
@@ -4059,7 +4059,7 @@
           <a:p>
             <a:fld id="{A96D1AFE-3D21-47B6-AAC4-7E75F0B46B27}" type="datetimeFigureOut">
               <a:rPr lang="en-US" smtClean="0"/>
-              <a:t>7/21/2025</a:t>
+              <a:t>7/23/2025</a:t>
             </a:fld>
             <a:endParaRPr lang="en-US"/>
           </a:p>
@@ -4200,7 +4200,7 @@
           <a:p>
             <a:fld id="{A96D1AFE-3D21-47B6-AAC4-7E75F0B46B27}" type="datetimeFigureOut">
               <a:rPr lang="en-US" smtClean="0"/>
-              <a:t>7/21/2025</a:t>
+              <a:t>7/23/2025</a:t>
             </a:fld>
             <a:endParaRPr lang="en-US"/>
           </a:p>
@@ -4313,7 +4313,7 @@
           <a:p>
             <a:fld id="{A96D1AFE-3D21-47B6-AAC4-7E75F0B46B27}" type="datetimeFigureOut">
               <a:rPr lang="en-US" smtClean="0"/>
-              <a:t>7/21/2025</a:t>
+              <a:t>7/23/2025</a:t>
             </a:fld>
             <a:endParaRPr lang="en-US"/>
           </a:p>
@@ -4624,7 +4624,7 @@
           <a:p>
             <a:fld id="{A96D1AFE-3D21-47B6-AAC4-7E75F0B46B27}" type="datetimeFigureOut">
               <a:rPr lang="en-US" smtClean="0"/>
-              <a:t>7/21/2025</a:t>
+              <a:t>7/23/2025</a:t>
             </a:fld>
             <a:endParaRPr lang="en-US"/>
           </a:p>
@@ -4912,7 +4912,7 @@
           <a:p>
             <a:fld id="{A96D1AFE-3D21-47B6-AAC4-7E75F0B46B27}" type="datetimeFigureOut">
               <a:rPr lang="en-US" smtClean="0"/>
-              <a:t>7/21/2025</a:t>
+              <a:t>7/23/2025</a:t>
             </a:fld>
             <a:endParaRPr lang="en-US"/>
           </a:p>
@@ -5153,7 +5153,7 @@
           <a:p>
             <a:fld id="{A96D1AFE-3D21-47B6-AAC4-7E75F0B46B27}" type="datetimeFigureOut">
               <a:rPr lang="en-US" smtClean="0"/>
-              <a:t>7/21/2025</a:t>
+              <a:t>7/23/2025</a:t>
             </a:fld>
             <a:endParaRPr lang="en-US"/>
           </a:p>
@@ -6349,6 +6349,13 @@
             </a:r>
           </a:p>
           <a:p>
+            <a:pPr lvl="1"/>
+            <a:r>
+              <a:rPr lang="en-US" dirty="0"/>
+              <a:t>Results shown for each column/row</a:t>
+            </a:r>
+          </a:p>
+          <a:p>
             <a:r>
               <a:rPr lang="en-US" dirty="0"/>
               <a:t>The function can be:</a:t>
@@ -6638,33 +6645,15 @@
                                   </p:childTnLst>
                                 </p:cTn>
                               </p:par>
-                            </p:childTnLst>
-                          </p:cTn>
-                        </p:par>
-                      </p:childTnLst>
-                    </p:cTn>
-                  </p:par>
-                  <p:par>
-                    <p:cTn id="23" fill="hold">
-                      <p:stCondLst>
-                        <p:cond delay="indefinite"/>
-                      </p:stCondLst>
-                      <p:childTnLst>
-                        <p:par>
-                          <p:cTn id="24" fill="hold">
-                            <p:stCondLst>
-                              <p:cond delay="0"/>
-                            </p:stCondLst>
-                            <p:childTnLst>
                               <p:par>
-                                <p:cTn id="25" presetID="1" presetClass="entr" presetSubtype="0" fill="hold" grpId="0" nodeType="clickEffect">
+                                <p:cTn id="23" presetID="1" presetClass="entr" presetSubtype="0" fill="hold" grpId="0" nodeType="withEffect">
                                   <p:stCondLst>
                                     <p:cond delay="0"/>
                                   </p:stCondLst>
                                   <p:childTnLst>
                                     <p:set>
                                       <p:cBhvr>
-                                        <p:cTn id="26" dur="1" fill="hold">
+                                        <p:cTn id="24" dur="1" fill="hold">
                                           <p:stCondLst>
                                             <p:cond delay="0"/>
                                           </p:stCondLst>
@@ -6694,26 +6683,26 @@
                     </p:cTn>
                   </p:par>
                   <p:par>
-                    <p:cTn id="27" fill="hold">
+                    <p:cTn id="25" fill="hold">
                       <p:stCondLst>
                         <p:cond delay="indefinite"/>
                       </p:stCondLst>
                       <p:childTnLst>
                         <p:par>
-                          <p:cTn id="28" fill="hold">
+                          <p:cTn id="26" fill="hold">
                             <p:stCondLst>
                               <p:cond delay="0"/>
                             </p:stCondLst>
                             <p:childTnLst>
                               <p:par>
-                                <p:cTn id="29" presetID="1" presetClass="entr" presetSubtype="0" fill="hold" grpId="0" nodeType="clickEffect">
+                                <p:cTn id="27" presetID="1" presetClass="entr" presetSubtype="0" fill="hold" grpId="0" nodeType="clickEffect">
                                   <p:stCondLst>
                                     <p:cond delay="0"/>
                                   </p:stCondLst>
                                   <p:childTnLst>
                                     <p:set>
                                       <p:cBhvr>
-                                        <p:cTn id="30" dur="1" fill="hold">
+                                        <p:cTn id="28" dur="1" fill="hold">
                                           <p:stCondLst>
                                             <p:cond delay="0"/>
                                           </p:stCondLst>
@@ -6743,26 +6732,26 @@
                     </p:cTn>
                   </p:par>
                   <p:par>
-                    <p:cTn id="31" fill="hold">
+                    <p:cTn id="29" fill="hold">
                       <p:stCondLst>
                         <p:cond delay="indefinite"/>
                       </p:stCondLst>
                       <p:childTnLst>
                         <p:par>
-                          <p:cTn id="32" fill="hold">
+                          <p:cTn id="30" fill="hold">
                             <p:stCondLst>
                               <p:cond delay="0"/>
                             </p:stCondLst>
                             <p:childTnLst>
                               <p:par>
-                                <p:cTn id="33" presetID="1" presetClass="entr" presetSubtype="0" fill="hold" grpId="0" nodeType="clickEffect">
+                                <p:cTn id="31" presetID="1" presetClass="entr" presetSubtype="0" fill="hold" grpId="0" nodeType="clickEffect">
                                   <p:stCondLst>
                                     <p:cond delay="0"/>
                                   </p:stCondLst>
                                   <p:childTnLst>
                                     <p:set>
                                       <p:cBhvr>
-                                        <p:cTn id="34" dur="1" fill="hold">
+                                        <p:cTn id="32" dur="1" fill="hold">
                                           <p:stCondLst>
                                             <p:cond delay="0"/>
                                           </p:stCondLst>
@@ -6792,26 +6781,26 @@
                     </p:cTn>
                   </p:par>
                   <p:par>
-                    <p:cTn id="35" fill="hold">
+                    <p:cTn id="33" fill="hold">
                       <p:stCondLst>
                         <p:cond delay="indefinite"/>
                       </p:stCondLst>
                       <p:childTnLst>
                         <p:par>
-                          <p:cTn id="36" fill="hold">
+                          <p:cTn id="34" fill="hold">
                             <p:stCondLst>
                               <p:cond delay="0"/>
                             </p:stCondLst>
                             <p:childTnLst>
                               <p:par>
-                                <p:cTn id="37" presetID="1" presetClass="entr" presetSubtype="0" fill="hold" grpId="0" nodeType="clickEffect">
+                                <p:cTn id="35" presetID="1" presetClass="entr" presetSubtype="0" fill="hold" grpId="0" nodeType="clickEffect">
                                   <p:stCondLst>
                                     <p:cond delay="0"/>
                                   </p:stCondLst>
                                   <p:childTnLst>
                                     <p:set>
                                       <p:cBhvr>
-                                        <p:cTn id="38" dur="1" fill="hold">
+                                        <p:cTn id="36" dur="1" fill="hold">
                                           <p:stCondLst>
                                             <p:cond delay="0"/>
                                           </p:stCondLst>
@@ -6820,6 +6809,55 @@
                                           <p:spTgt spid="3">
                                             <p:txEl>
                                               <p:pRg st="8" end="8"/>
+                                            </p:txEl>
+                                          </p:spTgt>
+                                        </p:tgtEl>
+                                        <p:attrNameLst>
+                                          <p:attrName>style.visibility</p:attrName>
+                                        </p:attrNameLst>
+                                      </p:cBhvr>
+                                      <p:to>
+                                        <p:strVal val="visible"/>
+                                      </p:to>
+                                    </p:set>
+                                  </p:childTnLst>
+                                </p:cTn>
+                              </p:par>
+                            </p:childTnLst>
+                          </p:cTn>
+                        </p:par>
+                      </p:childTnLst>
+                    </p:cTn>
+                  </p:par>
+                  <p:par>
+                    <p:cTn id="37" fill="hold">
+                      <p:stCondLst>
+                        <p:cond delay="indefinite"/>
+                      </p:stCondLst>
+                      <p:childTnLst>
+                        <p:par>
+                          <p:cTn id="38" fill="hold">
+                            <p:stCondLst>
+                              <p:cond delay="0"/>
+                            </p:stCondLst>
+                            <p:childTnLst>
+                              <p:par>
+                                <p:cTn id="39" presetID="1" presetClass="entr" presetSubtype="0" fill="hold" grpId="0" nodeType="clickEffect">
+                                  <p:stCondLst>
+                                    <p:cond delay="0"/>
+                                  </p:stCondLst>
+                                  <p:childTnLst>
+                                    <p:set>
+                                      <p:cBhvr>
+                                        <p:cTn id="40" dur="1" fill="hold">
+                                          <p:stCondLst>
+                                            <p:cond delay="0"/>
+                                          </p:stCondLst>
+                                        </p:cTn>
+                                        <p:tgtEl>
+                                          <p:spTgt spid="3">
+                                            <p:txEl>
+                                              <p:pRg st="9" end="9"/>
                                             </p:txEl>
                                           </p:spTgt>
                                         </p:tgtEl>
@@ -6972,7 +7010,15 @@
             </a:r>
             <a:r>
               <a:rPr lang="en-US" dirty="0"/>
-              <a:t>’, meaning that the function is executed on all members of a list.</a:t>
+              <a:t>’, meaning that the function is executed on all members of a </a:t>
+            </a:r>
+            <a:r>
+              <a:rPr lang="en-US" b="1" dirty="0"/>
+              <a:t>list</a:t>
+            </a:r>
+            <a:r>
+              <a:rPr lang="en-US" dirty="0"/>
+              <a:t>.</a:t>
             </a:r>
           </a:p>
           <a:p>
@@ -6992,7 +7038,7 @@
             </a:r>
             <a:r>
               <a:rPr lang="en-US" dirty="0"/>
-              <a:t>’ is the exact same thing ad </a:t>
+              <a:t>’ is the exact same thing as </a:t>
             </a:r>
             <a:r>
               <a:rPr lang="en-US" dirty="0" err="1"/>
@@ -7435,6 +7481,18 @@
             </a:r>
           </a:p>
           <a:p>
+            <a:r>
+              <a:rPr lang="en-US" b="1"/>
+              <a:t>Go back </a:t>
+            </a:r>
+            <a:r>
+              <a:rPr lang="en-US" b="1" dirty="0"/>
+              <a:t>to </a:t>
+            </a:r>
+            <a:r>
+              <a:rPr lang="en-US" b="1" dirty="0" err="1"/>
+              <a:t>Bioinfo_R_tutorial.R</a:t>
+            </a:r>
             <a:endParaRPr lang="en-US" dirty="0"/>
           </a:p>
         </p:txBody>
@@ -9841,7 +9899,7 @@
               <a:rPr lang="en-US" dirty="0">
                 <a:sym typeface="Wingdings" panose="05000000000000000000" pitchFamily="2" charset="2"/>
               </a:rPr>
-              <a:t>One of my main languages is R.</a:t>
+              <a:t>One of my main languages is R, besides Python, Linux and MySQL.</a:t>
             </a:r>
             <a:endParaRPr lang="en-US" dirty="0"/>
           </a:p>
@@ -23165,7 +23223,11 @@
             </a:r>
             <a:r>
               <a:rPr lang="en-US" b="1" dirty="0"/>
-              <a:t>many specific functions</a:t>
+              <a:t>many specific functions, </a:t>
+            </a:r>
+            <a:r>
+              <a:rPr lang="en-US" dirty="0"/>
+              <a:t>not hard to learn</a:t>
             </a:r>
           </a:p>
           <a:p>
@@ -25400,7 +25462,7 @@
           <a:p>
             <a:r>
               <a:rPr lang="en-US" dirty="0"/>
-              <a:t>It also supports Python programming.</a:t>
+              <a:t>(It also supports Python programming)</a:t>
             </a:r>
           </a:p>
           <a:p>
@@ -25777,13 +25839,13 @@
           <a:p>
             <a:r>
               <a:rPr lang="en-US" dirty="0"/>
-              <a:t>Data types, NA, Inf, etc.</a:t>
+              <a:t>Data types</a:t>
             </a:r>
           </a:p>
           <a:p>
             <a:r>
               <a:rPr lang="en-US" dirty="0"/>
-              <a:t>Built-in functions</a:t>
+              <a:t>Functions</a:t>
             </a:r>
           </a:p>
           <a:p>

--- a/CRS2025_R_workshop.pptx
+++ b/CRS2025_R_workshop.pptx
@@ -5,7 +5,7 @@
     <p:sldMasterId id="2147483648" r:id="rId1"/>
   </p:sldMasterIdLst>
   <p:notesMasterIdLst>
-    <p:notesMasterId r:id="rId44"/>
+    <p:notesMasterId r:id="rId45"/>
   </p:notesMasterIdLst>
   <p:sldIdLst>
     <p:sldId id="256" r:id="rId2"/>
@@ -13,43 +13,44 @@
     <p:sldId id="257" r:id="rId4"/>
     <p:sldId id="258" r:id="rId5"/>
     <p:sldId id="264" r:id="rId6"/>
-    <p:sldId id="294" r:id="rId7"/>
-    <p:sldId id="265" r:id="rId8"/>
-    <p:sldId id="271" r:id="rId9"/>
-    <p:sldId id="266" r:id="rId10"/>
-    <p:sldId id="267" r:id="rId11"/>
-    <p:sldId id="268" r:id="rId12"/>
-    <p:sldId id="269" r:id="rId13"/>
-    <p:sldId id="270" r:id="rId14"/>
-    <p:sldId id="272" r:id="rId15"/>
-    <p:sldId id="273" r:id="rId16"/>
-    <p:sldId id="274" r:id="rId17"/>
-    <p:sldId id="276" r:id="rId18"/>
-    <p:sldId id="297" r:id="rId19"/>
-    <p:sldId id="296" r:id="rId20"/>
-    <p:sldId id="275" r:id="rId21"/>
-    <p:sldId id="277" r:id="rId22"/>
-    <p:sldId id="259" r:id="rId23"/>
-    <p:sldId id="260" r:id="rId24"/>
-    <p:sldId id="261" r:id="rId25"/>
-    <p:sldId id="262" r:id="rId26"/>
-    <p:sldId id="263" r:id="rId27"/>
-    <p:sldId id="293" r:id="rId28"/>
-    <p:sldId id="278" r:id="rId29"/>
-    <p:sldId id="279" r:id="rId30"/>
-    <p:sldId id="292" r:id="rId31"/>
-    <p:sldId id="280" r:id="rId32"/>
-    <p:sldId id="281" r:id="rId33"/>
-    <p:sldId id="282" r:id="rId34"/>
-    <p:sldId id="283" r:id="rId35"/>
-    <p:sldId id="284" r:id="rId36"/>
-    <p:sldId id="289" r:id="rId37"/>
-    <p:sldId id="285" r:id="rId38"/>
-    <p:sldId id="286" r:id="rId39"/>
-    <p:sldId id="290" r:id="rId40"/>
-    <p:sldId id="291" r:id="rId41"/>
-    <p:sldId id="287" r:id="rId42"/>
-    <p:sldId id="288" r:id="rId43"/>
+    <p:sldId id="298" r:id="rId7"/>
+    <p:sldId id="294" r:id="rId8"/>
+    <p:sldId id="265" r:id="rId9"/>
+    <p:sldId id="271" r:id="rId10"/>
+    <p:sldId id="266" r:id="rId11"/>
+    <p:sldId id="267" r:id="rId12"/>
+    <p:sldId id="268" r:id="rId13"/>
+    <p:sldId id="269" r:id="rId14"/>
+    <p:sldId id="270" r:id="rId15"/>
+    <p:sldId id="272" r:id="rId16"/>
+    <p:sldId id="273" r:id="rId17"/>
+    <p:sldId id="274" r:id="rId18"/>
+    <p:sldId id="276" r:id="rId19"/>
+    <p:sldId id="297" r:id="rId20"/>
+    <p:sldId id="296" r:id="rId21"/>
+    <p:sldId id="275" r:id="rId22"/>
+    <p:sldId id="277" r:id="rId23"/>
+    <p:sldId id="259" r:id="rId24"/>
+    <p:sldId id="260" r:id="rId25"/>
+    <p:sldId id="261" r:id="rId26"/>
+    <p:sldId id="262" r:id="rId27"/>
+    <p:sldId id="263" r:id="rId28"/>
+    <p:sldId id="293" r:id="rId29"/>
+    <p:sldId id="278" r:id="rId30"/>
+    <p:sldId id="279" r:id="rId31"/>
+    <p:sldId id="292" r:id="rId32"/>
+    <p:sldId id="280" r:id="rId33"/>
+    <p:sldId id="281" r:id="rId34"/>
+    <p:sldId id="282" r:id="rId35"/>
+    <p:sldId id="283" r:id="rId36"/>
+    <p:sldId id="284" r:id="rId37"/>
+    <p:sldId id="289" r:id="rId38"/>
+    <p:sldId id="285" r:id="rId39"/>
+    <p:sldId id="286" r:id="rId40"/>
+    <p:sldId id="290" r:id="rId41"/>
+    <p:sldId id="291" r:id="rId42"/>
+    <p:sldId id="287" r:id="rId43"/>
+    <p:sldId id="288" r:id="rId44"/>
   </p:sldIdLst>
   <p:sldSz cx="12192000" cy="6858000"/>
   <p:notesSz cx="6858000" cy="9144000"/>
@@ -2337,7 +2338,7 @@
           <a:p>
             <a:fld id="{8B77D003-7B34-481F-AFEB-BEF1612679CB}" type="slidenum">
               <a:rPr lang="en-US" smtClean="0"/>
-              <a:t>29</a:t>
+              <a:t>30</a:t>
             </a:fld>
             <a:endParaRPr lang="en-US"/>
           </a:p>
@@ -5736,6 +5737,70 @@
 </file>
 
 <file path=ppt/slides/slide10.xml><?xml version="1.0" encoding="utf-8"?>
+<p:sld xmlns:a="http://schemas.openxmlformats.org/drawingml/2006/main" xmlns:r="http://schemas.openxmlformats.org/officeDocument/2006/relationships" xmlns:p="http://schemas.openxmlformats.org/presentationml/2006/main">
+  <p:cSld>
+    <p:spTree>
+      <p:nvGrpSpPr>
+        <p:cNvPr id="1" name=""/>
+        <p:cNvGrpSpPr/>
+        <p:nvPr/>
+      </p:nvGrpSpPr>
+      <p:grpSpPr>
+        <a:xfrm>
+          <a:off x="0" y="0"/>
+          <a:ext cx="0" cy="0"/>
+          <a:chOff x="0" y="0"/>
+          <a:chExt cx="0" cy="0"/>
+        </a:xfrm>
+      </p:grpSpPr>
+      <p:sp>
+        <p:nvSpPr>
+          <p:cNvPr id="2" name="Title 1">
+            <a:extLst>
+              <a:ext uri="{FF2B5EF4-FFF2-40B4-BE49-F238E27FC236}">
+                <a16:creationId xmlns:a16="http://schemas.microsoft.com/office/drawing/2014/main" id="{8C085F05-99AF-B5EE-EE3B-8A0E75BF8299}"/>
+              </a:ext>
+            </a:extLst>
+          </p:cNvPr>
+          <p:cNvSpPr>
+            <a:spLocks noGrp="1"/>
+          </p:cNvSpPr>
+          <p:nvPr>
+            <p:ph type="title"/>
+          </p:nvPr>
+        </p:nvSpPr>
+        <p:spPr>
+          <a:xfrm>
+            <a:off x="993476" y="2469970"/>
+            <a:ext cx="10515600" cy="1325563"/>
+          </a:xfrm>
+        </p:spPr>
+        <p:txBody>
+          <a:bodyPr/>
+          <a:lstStyle/>
+          <a:p>
+            <a:pPr algn="ctr"/>
+            <a:r>
+              <a:rPr lang="en-US" dirty="0"/>
+              <a:t>Applying functions to lists and data frames</a:t>
+            </a:r>
+          </a:p>
+        </p:txBody>
+      </p:sp>
+    </p:spTree>
+    <p:extLst>
+      <p:ext uri="{BB962C8B-B14F-4D97-AF65-F5344CB8AC3E}">
+        <p14:creationId xmlns:p14="http://schemas.microsoft.com/office/powerpoint/2010/main" val="1473990073"/>
+      </p:ext>
+    </p:extLst>
+  </p:cSld>
+  <p:clrMapOvr>
+    <a:masterClrMapping/>
+  </p:clrMapOvr>
+</p:sld>
+</file>
+
+<file path=ppt/slides/slide11.xml><?xml version="1.0" encoding="utf-8"?>
 <p:sld xmlns:a="http://schemas.openxmlformats.org/drawingml/2006/main" xmlns:r="http://schemas.openxmlformats.org/officeDocument/2006/relationships" xmlns:p="http://schemas.openxmlformats.org/presentationml/2006/main">
   <p:cSld>
     <p:spTree>
@@ -6249,7 +6314,7 @@
 </p:sld>
 </file>
 
-<file path=ppt/slides/slide11.xml><?xml version="1.0" encoding="utf-8"?>
+<file path=ppt/slides/slide12.xml><?xml version="1.0" encoding="utf-8"?>
 <p:sld xmlns:a="http://schemas.openxmlformats.org/drawingml/2006/main" xmlns:r="http://schemas.openxmlformats.org/officeDocument/2006/relationships" xmlns:p="http://schemas.openxmlformats.org/presentationml/2006/main">
   <p:cSld>
     <p:spTree>
@@ -6906,7 +6971,7 @@
 </p:sld>
 </file>
 
-<file path=ppt/slides/slide12.xml><?xml version="1.0" encoding="utf-8"?>
+<file path=ppt/slides/slide13.xml><?xml version="1.0" encoding="utf-8"?>
 <p:sld xmlns:a="http://schemas.openxmlformats.org/drawingml/2006/main" xmlns:r="http://schemas.openxmlformats.org/officeDocument/2006/relationships" xmlns:p="http://schemas.openxmlformats.org/presentationml/2006/main">
   <p:cSld>
     <p:spTree>
@@ -7371,7 +7436,7 @@
 </p:sld>
 </file>
 
-<file path=ppt/slides/slide13.xml><?xml version="1.0" encoding="utf-8"?>
+<file path=ppt/slides/slide14.xml><?xml version="1.0" encoding="utf-8"?>
 <p:sld xmlns:a="http://schemas.openxmlformats.org/drawingml/2006/main" xmlns:r="http://schemas.openxmlformats.org/officeDocument/2006/relationships" xmlns:p="http://schemas.openxmlformats.org/presentationml/2006/main">
   <p:cSld>
     <p:spTree>
@@ -7482,12 +7547,8 @@
           </a:p>
           <a:p>
             <a:r>
-              <a:rPr lang="en-US" b="1"/>
-              <a:t>Go back </a:t>
-            </a:r>
-            <a:r>
               <a:rPr lang="en-US" b="1" dirty="0"/>
-              <a:t>to </a:t>
+              <a:t>Go back to </a:t>
             </a:r>
             <a:r>
               <a:rPr lang="en-US" b="1" dirty="0" err="1"/>
@@ -7687,7 +7748,7 @@
 </p:sld>
 </file>
 
-<file path=ppt/slides/slide14.xml><?xml version="1.0" encoding="utf-8"?>
+<file path=ppt/slides/slide15.xml><?xml version="1.0" encoding="utf-8"?>
 <p:sld xmlns:a="http://schemas.openxmlformats.org/drawingml/2006/main" xmlns:r="http://schemas.openxmlformats.org/officeDocument/2006/relationships" xmlns:p="http://schemas.openxmlformats.org/presentationml/2006/main">
   <p:cSld>
     <p:spTree>
@@ -7751,7 +7812,7 @@
 </p:sld>
 </file>
 
-<file path=ppt/slides/slide15.xml><?xml version="1.0" encoding="utf-8"?>
+<file path=ppt/slides/slide16.xml><?xml version="1.0" encoding="utf-8"?>
 <p:sld xmlns:a="http://schemas.openxmlformats.org/drawingml/2006/main" xmlns:r="http://schemas.openxmlformats.org/officeDocument/2006/relationships" xmlns:p="http://schemas.openxmlformats.org/presentationml/2006/main">
   <p:cSld>
     <p:spTree>
@@ -7820,7 +7881,7 @@
           <a:p>
             <a:r>
               <a:rPr lang="en-US" dirty="0"/>
-              <a:t>In R, packages contain pre-written code you can use in your code.</a:t>
+              <a:t>R packages contain pre-written code you can use in your script.</a:t>
             </a:r>
           </a:p>
           <a:p>
@@ -7853,13 +7914,16 @@
             <a:pPr lvl="1"/>
             <a:r>
               <a:rPr lang="en-US" dirty="0"/>
-              <a:t>Using </a:t>
-            </a:r>
-            <a:r>
-              <a:rPr lang="en-US" dirty="0" err="1"/>
+              <a:t>Using the </a:t>
+            </a:r>
+            <a:r>
+              <a:rPr lang="en-US" b="1" dirty="0" err="1"/>
               <a:t>BioConductor</a:t>
             </a:r>
-            <a:endParaRPr lang="en-US" dirty="0"/>
+            <a:r>
+              <a:rPr lang="en-US" dirty="0"/>
+              <a:t> package manager</a:t>
+            </a:r>
           </a:p>
         </p:txBody>
       </p:sp>
@@ -8203,7 +8267,7 @@
 </p:sld>
 </file>
 
-<file path=ppt/slides/slide16.xml><?xml version="1.0" encoding="utf-8"?>
+<file path=ppt/slides/slide17.xml><?xml version="1.0" encoding="utf-8"?>
 <p:sld xmlns:a="http://schemas.openxmlformats.org/drawingml/2006/main" xmlns:r="http://schemas.openxmlformats.org/officeDocument/2006/relationships" xmlns:p="http://schemas.openxmlformats.org/presentationml/2006/main">
   <p:cSld>
     <p:spTree>
@@ -8293,13 +8357,20 @@
           <a:p>
             <a:r>
               <a:rPr lang="en-US" dirty="0"/>
-              <a:t>This will give you a detailed list of all </a:t>
+              <a:t>Multiple </a:t>
             </a:r>
             <a:r>
               <a:rPr lang="en-US"/>
-              <a:t>installed packages.</a:t>
-            </a:r>
-            <a:endParaRPr lang="en-US" dirty="0"/>
+              <a:t>packages: install</a:t>
+            </a:r>
+            <a:r>
+              <a:rPr lang="en-US" dirty="0" err="1"/>
+              <a:t>.packages</a:t>
+            </a:r>
+            <a:r>
+              <a:rPr lang="en-US" dirty="0"/>
+              <a:t>(c(“pkg1”,”pkg2”))</a:t>
+            </a:r>
           </a:p>
           <a:p>
             <a:r>
@@ -8729,7 +8800,7 @@
 </p:sld>
 </file>
 
-<file path=ppt/slides/slide17.xml><?xml version="1.0" encoding="utf-8"?>
+<file path=ppt/slides/slide18.xml><?xml version="1.0" encoding="utf-8"?>
 <p:sld xmlns:a="http://schemas.openxmlformats.org/drawingml/2006/main" xmlns:r="http://schemas.openxmlformats.org/officeDocument/2006/relationships" xmlns:p="http://schemas.openxmlformats.org/presentationml/2006/main">
   <p:cSld>
     <p:spTree>
@@ -8888,7 +8959,7 @@
 </p:sld>
 </file>
 
-<file path=ppt/slides/slide18.xml><?xml version="1.0" encoding="utf-8"?>
+<file path=ppt/slides/slide19.xml><?xml version="1.0" encoding="utf-8"?>
 <p:sld xmlns:a="http://schemas.openxmlformats.org/drawingml/2006/main" xmlns:r="http://schemas.openxmlformats.org/officeDocument/2006/relationships" xmlns:p="http://schemas.openxmlformats.org/presentationml/2006/main">
   <p:cSld>
     <p:spTree>
@@ -9433,367 +9504,6 @@
 </p:sld>
 </file>
 
-<file path=ppt/slides/slide19.xml><?xml version="1.0" encoding="utf-8"?>
-<p:sld xmlns:a="http://schemas.openxmlformats.org/drawingml/2006/main" xmlns:r="http://schemas.openxmlformats.org/officeDocument/2006/relationships" xmlns:p="http://schemas.openxmlformats.org/presentationml/2006/main">
-  <p:cSld>
-    <p:spTree>
-      <p:nvGrpSpPr>
-        <p:cNvPr id="1" name=""/>
-        <p:cNvGrpSpPr/>
-        <p:nvPr/>
-      </p:nvGrpSpPr>
-      <p:grpSpPr>
-        <a:xfrm>
-          <a:off x="0" y="0"/>
-          <a:ext cx="0" cy="0"/>
-          <a:chOff x="0" y="0"/>
-          <a:chExt cx="0" cy="0"/>
-        </a:xfrm>
-      </p:grpSpPr>
-      <p:pic>
-        <p:nvPicPr>
-          <p:cNvPr id="3" name="Picture 2">
-            <a:extLst>
-              <a:ext uri="{FF2B5EF4-FFF2-40B4-BE49-F238E27FC236}">
-                <a16:creationId xmlns:a16="http://schemas.microsoft.com/office/drawing/2014/main" id="{22EE462B-F2BA-6471-3446-98E0AF040144}"/>
-              </a:ext>
-            </a:extLst>
-          </p:cNvPr>
-          <p:cNvPicPr>
-            <a:picLocks noChangeAspect="1"/>
-          </p:cNvPicPr>
-          <p:nvPr/>
-        </p:nvPicPr>
-        <p:blipFill>
-          <a:blip r:embed="rId2"/>
-          <a:srcRect t="6017" b="6393"/>
-          <a:stretch>
-            <a:fillRect/>
-          </a:stretch>
-        </p:blipFill>
-        <p:spPr>
-          <a:xfrm>
-            <a:off x="0" y="414068"/>
-            <a:ext cx="12192000" cy="6003985"/>
-          </a:xfrm>
-          <a:prstGeom prst="rect">
-            <a:avLst/>
-          </a:prstGeom>
-        </p:spPr>
-      </p:pic>
-      <p:sp>
-        <p:nvSpPr>
-          <p:cNvPr id="4" name="Rectangle 3">
-            <a:extLst>
-              <a:ext uri="{FF2B5EF4-FFF2-40B4-BE49-F238E27FC236}">
-                <a16:creationId xmlns:a16="http://schemas.microsoft.com/office/drawing/2014/main" id="{101E42DD-2B99-886F-0BB7-73E088EBB0CB}"/>
-              </a:ext>
-            </a:extLst>
-          </p:cNvPr>
-          <p:cNvSpPr/>
-          <p:nvPr/>
-        </p:nvSpPr>
-        <p:spPr>
-          <a:xfrm>
-            <a:off x="414068" y="4848045"/>
-            <a:ext cx="2881223" cy="241540"/>
-          </a:xfrm>
-          <a:prstGeom prst="rect">
-            <a:avLst/>
-          </a:prstGeom>
-          <a:noFill/>
-        </p:spPr>
-        <p:style>
-          <a:lnRef idx="2">
-            <a:schemeClr val="accent2"/>
-          </a:lnRef>
-          <a:fillRef idx="1">
-            <a:schemeClr val="lt1"/>
-          </a:fillRef>
-          <a:effectRef idx="0">
-            <a:schemeClr val="accent2"/>
-          </a:effectRef>
-          <a:fontRef idx="minor">
-            <a:schemeClr val="dk1"/>
-          </a:fontRef>
-        </p:style>
-        <p:txBody>
-          <a:bodyPr rtlCol="0" anchor="ctr"/>
-          <a:lstStyle/>
-          <a:p>
-            <a:pPr algn="ctr"/>
-            <a:endParaRPr lang="en-US"/>
-          </a:p>
-        </p:txBody>
-      </p:sp>
-      <p:sp>
-        <p:nvSpPr>
-          <p:cNvPr id="5" name="TextBox 4">
-            <a:extLst>
-              <a:ext uri="{FF2B5EF4-FFF2-40B4-BE49-F238E27FC236}">
-                <a16:creationId xmlns:a16="http://schemas.microsoft.com/office/drawing/2014/main" id="{8AE1D577-1B27-32FC-D141-6AA521E6F3E5}"/>
-              </a:ext>
-            </a:extLst>
-          </p:cNvPr>
-          <p:cNvSpPr txBox="1"/>
-          <p:nvPr/>
-        </p:nvSpPr>
-        <p:spPr>
-          <a:xfrm>
-            <a:off x="3312544" y="4478713"/>
-            <a:ext cx="3640347" cy="461665"/>
-          </a:xfrm>
-          <a:prstGeom prst="rect">
-            <a:avLst/>
-          </a:prstGeom>
-          <a:noFill/>
-        </p:spPr>
-        <p:txBody>
-          <a:bodyPr wrap="square" rtlCol="0">
-            <a:spAutoFit/>
-          </a:bodyPr>
-          <a:lstStyle/>
-          <a:p>
-            <a:r>
-              <a:rPr lang="en-US" sz="2400" dirty="0">
-                <a:solidFill>
-                  <a:srgbClr val="FF0000"/>
-                </a:solidFill>
-              </a:rPr>
-              <a:t>hybridogram_0.3.2.tar.gz</a:t>
-            </a:r>
-          </a:p>
-        </p:txBody>
-      </p:sp>
-      <p:sp>
-        <p:nvSpPr>
-          <p:cNvPr id="6" name="TextBox 5">
-            <a:extLst>
-              <a:ext uri="{FF2B5EF4-FFF2-40B4-BE49-F238E27FC236}">
-                <a16:creationId xmlns:a16="http://schemas.microsoft.com/office/drawing/2014/main" id="{FA1ECCAA-9472-5E70-D123-1308B48C7A9D}"/>
-              </a:ext>
-            </a:extLst>
-          </p:cNvPr>
-          <p:cNvSpPr txBox="1"/>
-          <p:nvPr/>
-        </p:nvSpPr>
-        <p:spPr>
-          <a:xfrm>
-            <a:off x="6970144" y="3278384"/>
-            <a:ext cx="5273614" cy="1200329"/>
-          </a:xfrm>
-          <a:prstGeom prst="rect">
-            <a:avLst/>
-          </a:prstGeom>
-          <a:noFill/>
-        </p:spPr>
-        <p:txBody>
-          <a:bodyPr wrap="square" rtlCol="0">
-            <a:spAutoFit/>
-          </a:bodyPr>
-          <a:lstStyle/>
-          <a:p>
-            <a:r>
-              <a:rPr lang="en-US" sz="2400" dirty="0"/>
-              <a:t>Save this file and then copy the absolute path to it on your computer into the </a:t>
-            </a:r>
-            <a:r>
-              <a:rPr lang="en-US" sz="2400" dirty="0" err="1"/>
-              <a:t>install.packages</a:t>
-            </a:r>
-            <a:r>
-              <a:rPr lang="en-US" sz="2400" dirty="0"/>
-              <a:t> command.</a:t>
-            </a:r>
-          </a:p>
-        </p:txBody>
-      </p:sp>
-    </p:spTree>
-    <p:extLst>
-      <p:ext uri="{BB962C8B-B14F-4D97-AF65-F5344CB8AC3E}">
-        <p14:creationId xmlns:p14="http://schemas.microsoft.com/office/powerpoint/2010/main" val="1335183001"/>
-      </p:ext>
-    </p:extLst>
-  </p:cSld>
-  <p:clrMapOvr>
-    <a:masterClrMapping/>
-  </p:clrMapOvr>
-  <p:timing>
-    <p:tnLst>
-      <p:par>
-        <p:cTn id="1" dur="indefinite" restart="never" nodeType="tmRoot">
-          <p:childTnLst>
-            <p:seq concurrent="1" nextAc="seek">
-              <p:cTn id="2" dur="indefinite" nodeType="mainSeq">
-                <p:childTnLst>
-                  <p:par>
-                    <p:cTn id="3" fill="hold">
-                      <p:stCondLst>
-                        <p:cond delay="indefinite"/>
-                      </p:stCondLst>
-                      <p:childTnLst>
-                        <p:par>
-                          <p:cTn id="4" fill="hold">
-                            <p:stCondLst>
-                              <p:cond delay="0"/>
-                            </p:stCondLst>
-                            <p:childTnLst>
-                              <p:par>
-                                <p:cTn id="5" presetID="1" presetClass="entr" presetSubtype="0" fill="hold" grpId="0" nodeType="clickEffect">
-                                  <p:stCondLst>
-                                    <p:cond delay="0"/>
-                                  </p:stCondLst>
-                                  <p:childTnLst>
-                                    <p:set>
-                                      <p:cBhvr>
-                                        <p:cTn id="6" dur="1" fill="hold">
-                                          <p:stCondLst>
-                                            <p:cond delay="0"/>
-                                          </p:stCondLst>
-                                        </p:cTn>
-                                        <p:tgtEl>
-                                          <p:spTgt spid="4"/>
-                                        </p:tgtEl>
-                                        <p:attrNameLst>
-                                          <p:attrName>style.visibility</p:attrName>
-                                        </p:attrNameLst>
-                                      </p:cBhvr>
-                                      <p:to>
-                                        <p:strVal val="visible"/>
-                                      </p:to>
-                                    </p:set>
-                                  </p:childTnLst>
-                                </p:cTn>
-                              </p:par>
-                            </p:childTnLst>
-                          </p:cTn>
-                        </p:par>
-                      </p:childTnLst>
-                    </p:cTn>
-                  </p:par>
-                  <p:par>
-                    <p:cTn id="7" fill="hold">
-                      <p:stCondLst>
-                        <p:cond delay="indefinite"/>
-                      </p:stCondLst>
-                      <p:childTnLst>
-                        <p:par>
-                          <p:cTn id="8" fill="hold">
-                            <p:stCondLst>
-                              <p:cond delay="0"/>
-                            </p:stCondLst>
-                            <p:childTnLst>
-                              <p:par>
-                                <p:cTn id="9" presetID="1" presetClass="entr" presetSubtype="0" fill="hold" nodeType="clickEffect">
-                                  <p:stCondLst>
-                                    <p:cond delay="0"/>
-                                  </p:stCondLst>
-                                  <p:childTnLst>
-                                    <p:set>
-                                      <p:cBhvr>
-                                        <p:cTn id="10" dur="1" fill="hold">
-                                          <p:stCondLst>
-                                            <p:cond delay="0"/>
-                                          </p:stCondLst>
-                                        </p:cTn>
-                                        <p:tgtEl>
-                                          <p:spTgt spid="5">
-                                            <p:txEl>
-                                              <p:pRg st="0" end="0"/>
-                                            </p:txEl>
-                                          </p:spTgt>
-                                        </p:tgtEl>
-                                        <p:attrNameLst>
-                                          <p:attrName>style.visibility</p:attrName>
-                                        </p:attrNameLst>
-                                      </p:cBhvr>
-                                      <p:to>
-                                        <p:strVal val="visible"/>
-                                      </p:to>
-                                    </p:set>
-                                  </p:childTnLst>
-                                </p:cTn>
-                              </p:par>
-                            </p:childTnLst>
-                          </p:cTn>
-                        </p:par>
-                      </p:childTnLst>
-                    </p:cTn>
-                  </p:par>
-                  <p:par>
-                    <p:cTn id="11" fill="hold">
-                      <p:stCondLst>
-                        <p:cond delay="indefinite"/>
-                      </p:stCondLst>
-                      <p:childTnLst>
-                        <p:par>
-                          <p:cTn id="12" fill="hold">
-                            <p:stCondLst>
-                              <p:cond delay="0"/>
-                            </p:stCondLst>
-                            <p:childTnLst>
-                              <p:par>
-                                <p:cTn id="13" presetID="1" presetClass="entr" presetSubtype="0" fill="hold" grpId="0" nodeType="clickEffect">
-                                  <p:stCondLst>
-                                    <p:cond delay="0"/>
-                                  </p:stCondLst>
-                                  <p:childTnLst>
-                                    <p:set>
-                                      <p:cBhvr>
-                                        <p:cTn id="14" dur="1" fill="hold">
-                                          <p:stCondLst>
-                                            <p:cond delay="0"/>
-                                          </p:stCondLst>
-                                        </p:cTn>
-                                        <p:tgtEl>
-                                          <p:spTgt spid="6"/>
-                                        </p:tgtEl>
-                                        <p:attrNameLst>
-                                          <p:attrName>style.visibility</p:attrName>
-                                        </p:attrNameLst>
-                                      </p:cBhvr>
-                                      <p:to>
-                                        <p:strVal val="visible"/>
-                                      </p:to>
-                                    </p:set>
-                                  </p:childTnLst>
-                                </p:cTn>
-                              </p:par>
-                            </p:childTnLst>
-                          </p:cTn>
-                        </p:par>
-                      </p:childTnLst>
-                    </p:cTn>
-                  </p:par>
-                </p:childTnLst>
-              </p:cTn>
-              <p:prevCondLst>
-                <p:cond evt="onPrev" delay="0">
-                  <p:tgtEl>
-                    <p:sldTgt/>
-                  </p:tgtEl>
-                </p:cond>
-              </p:prevCondLst>
-              <p:nextCondLst>
-                <p:cond evt="onNext" delay="0">
-                  <p:tgtEl>
-                    <p:sldTgt/>
-                  </p:tgtEl>
-                </p:cond>
-              </p:nextCondLst>
-            </p:seq>
-          </p:childTnLst>
-        </p:cTn>
-      </p:par>
-    </p:tnLst>
-    <p:bldLst>
-      <p:bldP spid="4" grpId="0" animBg="1"/>
-      <p:bldP spid="6" grpId="0"/>
-    </p:bldLst>
-  </p:timing>
-</p:sld>
-</file>
-
 <file path=ppt/slides/slide2.xml><?xml version="1.0" encoding="utf-8"?>
 <p:sld xmlns:a="http://schemas.openxmlformats.org/drawingml/2006/main" xmlns:r="http://schemas.openxmlformats.org/officeDocument/2006/relationships" xmlns:p="http://schemas.openxmlformats.org/presentationml/2006/main">
   <p:cSld>
@@ -10201,6 +9911,367 @@
   <p:cSld>
     <p:spTree>
       <p:nvGrpSpPr>
+        <p:cNvPr id="1" name=""/>
+        <p:cNvGrpSpPr/>
+        <p:nvPr/>
+      </p:nvGrpSpPr>
+      <p:grpSpPr>
+        <a:xfrm>
+          <a:off x="0" y="0"/>
+          <a:ext cx="0" cy="0"/>
+          <a:chOff x="0" y="0"/>
+          <a:chExt cx="0" cy="0"/>
+        </a:xfrm>
+      </p:grpSpPr>
+      <p:pic>
+        <p:nvPicPr>
+          <p:cNvPr id="3" name="Picture 2">
+            <a:extLst>
+              <a:ext uri="{FF2B5EF4-FFF2-40B4-BE49-F238E27FC236}">
+                <a16:creationId xmlns:a16="http://schemas.microsoft.com/office/drawing/2014/main" id="{22EE462B-F2BA-6471-3446-98E0AF040144}"/>
+              </a:ext>
+            </a:extLst>
+          </p:cNvPr>
+          <p:cNvPicPr>
+            <a:picLocks noChangeAspect="1"/>
+          </p:cNvPicPr>
+          <p:nvPr/>
+        </p:nvPicPr>
+        <p:blipFill>
+          <a:blip r:embed="rId2"/>
+          <a:srcRect t="6017" b="6393"/>
+          <a:stretch>
+            <a:fillRect/>
+          </a:stretch>
+        </p:blipFill>
+        <p:spPr>
+          <a:xfrm>
+            <a:off x="0" y="414068"/>
+            <a:ext cx="12192000" cy="6003985"/>
+          </a:xfrm>
+          <a:prstGeom prst="rect">
+            <a:avLst/>
+          </a:prstGeom>
+        </p:spPr>
+      </p:pic>
+      <p:sp>
+        <p:nvSpPr>
+          <p:cNvPr id="4" name="Rectangle 3">
+            <a:extLst>
+              <a:ext uri="{FF2B5EF4-FFF2-40B4-BE49-F238E27FC236}">
+                <a16:creationId xmlns:a16="http://schemas.microsoft.com/office/drawing/2014/main" id="{101E42DD-2B99-886F-0BB7-73E088EBB0CB}"/>
+              </a:ext>
+            </a:extLst>
+          </p:cNvPr>
+          <p:cNvSpPr/>
+          <p:nvPr/>
+        </p:nvSpPr>
+        <p:spPr>
+          <a:xfrm>
+            <a:off x="414068" y="4848045"/>
+            <a:ext cx="2881223" cy="241540"/>
+          </a:xfrm>
+          <a:prstGeom prst="rect">
+            <a:avLst/>
+          </a:prstGeom>
+          <a:noFill/>
+        </p:spPr>
+        <p:style>
+          <a:lnRef idx="2">
+            <a:schemeClr val="accent2"/>
+          </a:lnRef>
+          <a:fillRef idx="1">
+            <a:schemeClr val="lt1"/>
+          </a:fillRef>
+          <a:effectRef idx="0">
+            <a:schemeClr val="accent2"/>
+          </a:effectRef>
+          <a:fontRef idx="minor">
+            <a:schemeClr val="dk1"/>
+          </a:fontRef>
+        </p:style>
+        <p:txBody>
+          <a:bodyPr rtlCol="0" anchor="ctr"/>
+          <a:lstStyle/>
+          <a:p>
+            <a:pPr algn="ctr"/>
+            <a:endParaRPr lang="en-US"/>
+          </a:p>
+        </p:txBody>
+      </p:sp>
+      <p:sp>
+        <p:nvSpPr>
+          <p:cNvPr id="5" name="TextBox 4">
+            <a:extLst>
+              <a:ext uri="{FF2B5EF4-FFF2-40B4-BE49-F238E27FC236}">
+                <a16:creationId xmlns:a16="http://schemas.microsoft.com/office/drawing/2014/main" id="{8AE1D577-1B27-32FC-D141-6AA521E6F3E5}"/>
+              </a:ext>
+            </a:extLst>
+          </p:cNvPr>
+          <p:cNvSpPr txBox="1"/>
+          <p:nvPr/>
+        </p:nvSpPr>
+        <p:spPr>
+          <a:xfrm>
+            <a:off x="3312544" y="4478713"/>
+            <a:ext cx="3640347" cy="461665"/>
+          </a:xfrm>
+          <a:prstGeom prst="rect">
+            <a:avLst/>
+          </a:prstGeom>
+          <a:noFill/>
+        </p:spPr>
+        <p:txBody>
+          <a:bodyPr wrap="square" rtlCol="0">
+            <a:spAutoFit/>
+          </a:bodyPr>
+          <a:lstStyle/>
+          <a:p>
+            <a:r>
+              <a:rPr lang="en-US" sz="2400" dirty="0">
+                <a:solidFill>
+                  <a:srgbClr val="FF0000"/>
+                </a:solidFill>
+              </a:rPr>
+              <a:t>hybridogram_0.3.2.tar.gz</a:t>
+            </a:r>
+          </a:p>
+        </p:txBody>
+      </p:sp>
+      <p:sp>
+        <p:nvSpPr>
+          <p:cNvPr id="6" name="TextBox 5">
+            <a:extLst>
+              <a:ext uri="{FF2B5EF4-FFF2-40B4-BE49-F238E27FC236}">
+                <a16:creationId xmlns:a16="http://schemas.microsoft.com/office/drawing/2014/main" id="{FA1ECCAA-9472-5E70-D123-1308B48C7A9D}"/>
+              </a:ext>
+            </a:extLst>
+          </p:cNvPr>
+          <p:cNvSpPr txBox="1"/>
+          <p:nvPr/>
+        </p:nvSpPr>
+        <p:spPr>
+          <a:xfrm>
+            <a:off x="6970144" y="3278384"/>
+            <a:ext cx="5273614" cy="1200329"/>
+          </a:xfrm>
+          <a:prstGeom prst="rect">
+            <a:avLst/>
+          </a:prstGeom>
+          <a:noFill/>
+        </p:spPr>
+        <p:txBody>
+          <a:bodyPr wrap="square" rtlCol="0">
+            <a:spAutoFit/>
+          </a:bodyPr>
+          <a:lstStyle/>
+          <a:p>
+            <a:r>
+              <a:rPr lang="en-US" sz="2400" dirty="0"/>
+              <a:t>Save this file and then copy the absolute path to it on your computer into the </a:t>
+            </a:r>
+            <a:r>
+              <a:rPr lang="en-US" sz="2400" dirty="0" err="1"/>
+              <a:t>install.packages</a:t>
+            </a:r>
+            <a:r>
+              <a:rPr lang="en-US" sz="2400" dirty="0"/>
+              <a:t> command.</a:t>
+            </a:r>
+          </a:p>
+        </p:txBody>
+      </p:sp>
+    </p:spTree>
+    <p:extLst>
+      <p:ext uri="{BB962C8B-B14F-4D97-AF65-F5344CB8AC3E}">
+        <p14:creationId xmlns:p14="http://schemas.microsoft.com/office/powerpoint/2010/main" val="1335183001"/>
+      </p:ext>
+    </p:extLst>
+  </p:cSld>
+  <p:clrMapOvr>
+    <a:masterClrMapping/>
+  </p:clrMapOvr>
+  <p:timing>
+    <p:tnLst>
+      <p:par>
+        <p:cTn id="1" dur="indefinite" restart="never" nodeType="tmRoot">
+          <p:childTnLst>
+            <p:seq concurrent="1" nextAc="seek">
+              <p:cTn id="2" dur="indefinite" nodeType="mainSeq">
+                <p:childTnLst>
+                  <p:par>
+                    <p:cTn id="3" fill="hold">
+                      <p:stCondLst>
+                        <p:cond delay="indefinite"/>
+                      </p:stCondLst>
+                      <p:childTnLst>
+                        <p:par>
+                          <p:cTn id="4" fill="hold">
+                            <p:stCondLst>
+                              <p:cond delay="0"/>
+                            </p:stCondLst>
+                            <p:childTnLst>
+                              <p:par>
+                                <p:cTn id="5" presetID="1" presetClass="entr" presetSubtype="0" fill="hold" grpId="0" nodeType="clickEffect">
+                                  <p:stCondLst>
+                                    <p:cond delay="0"/>
+                                  </p:stCondLst>
+                                  <p:childTnLst>
+                                    <p:set>
+                                      <p:cBhvr>
+                                        <p:cTn id="6" dur="1" fill="hold">
+                                          <p:stCondLst>
+                                            <p:cond delay="0"/>
+                                          </p:stCondLst>
+                                        </p:cTn>
+                                        <p:tgtEl>
+                                          <p:spTgt spid="4"/>
+                                        </p:tgtEl>
+                                        <p:attrNameLst>
+                                          <p:attrName>style.visibility</p:attrName>
+                                        </p:attrNameLst>
+                                      </p:cBhvr>
+                                      <p:to>
+                                        <p:strVal val="visible"/>
+                                      </p:to>
+                                    </p:set>
+                                  </p:childTnLst>
+                                </p:cTn>
+                              </p:par>
+                            </p:childTnLst>
+                          </p:cTn>
+                        </p:par>
+                      </p:childTnLst>
+                    </p:cTn>
+                  </p:par>
+                  <p:par>
+                    <p:cTn id="7" fill="hold">
+                      <p:stCondLst>
+                        <p:cond delay="indefinite"/>
+                      </p:stCondLst>
+                      <p:childTnLst>
+                        <p:par>
+                          <p:cTn id="8" fill="hold">
+                            <p:stCondLst>
+                              <p:cond delay="0"/>
+                            </p:stCondLst>
+                            <p:childTnLst>
+                              <p:par>
+                                <p:cTn id="9" presetID="1" presetClass="entr" presetSubtype="0" fill="hold" nodeType="clickEffect">
+                                  <p:stCondLst>
+                                    <p:cond delay="0"/>
+                                  </p:stCondLst>
+                                  <p:childTnLst>
+                                    <p:set>
+                                      <p:cBhvr>
+                                        <p:cTn id="10" dur="1" fill="hold">
+                                          <p:stCondLst>
+                                            <p:cond delay="0"/>
+                                          </p:stCondLst>
+                                        </p:cTn>
+                                        <p:tgtEl>
+                                          <p:spTgt spid="5">
+                                            <p:txEl>
+                                              <p:pRg st="0" end="0"/>
+                                            </p:txEl>
+                                          </p:spTgt>
+                                        </p:tgtEl>
+                                        <p:attrNameLst>
+                                          <p:attrName>style.visibility</p:attrName>
+                                        </p:attrNameLst>
+                                      </p:cBhvr>
+                                      <p:to>
+                                        <p:strVal val="visible"/>
+                                      </p:to>
+                                    </p:set>
+                                  </p:childTnLst>
+                                </p:cTn>
+                              </p:par>
+                            </p:childTnLst>
+                          </p:cTn>
+                        </p:par>
+                      </p:childTnLst>
+                    </p:cTn>
+                  </p:par>
+                  <p:par>
+                    <p:cTn id="11" fill="hold">
+                      <p:stCondLst>
+                        <p:cond delay="indefinite"/>
+                      </p:stCondLst>
+                      <p:childTnLst>
+                        <p:par>
+                          <p:cTn id="12" fill="hold">
+                            <p:stCondLst>
+                              <p:cond delay="0"/>
+                            </p:stCondLst>
+                            <p:childTnLst>
+                              <p:par>
+                                <p:cTn id="13" presetID="1" presetClass="entr" presetSubtype="0" fill="hold" grpId="0" nodeType="clickEffect">
+                                  <p:stCondLst>
+                                    <p:cond delay="0"/>
+                                  </p:stCondLst>
+                                  <p:childTnLst>
+                                    <p:set>
+                                      <p:cBhvr>
+                                        <p:cTn id="14" dur="1" fill="hold">
+                                          <p:stCondLst>
+                                            <p:cond delay="0"/>
+                                          </p:stCondLst>
+                                        </p:cTn>
+                                        <p:tgtEl>
+                                          <p:spTgt spid="6"/>
+                                        </p:tgtEl>
+                                        <p:attrNameLst>
+                                          <p:attrName>style.visibility</p:attrName>
+                                        </p:attrNameLst>
+                                      </p:cBhvr>
+                                      <p:to>
+                                        <p:strVal val="visible"/>
+                                      </p:to>
+                                    </p:set>
+                                  </p:childTnLst>
+                                </p:cTn>
+                              </p:par>
+                            </p:childTnLst>
+                          </p:cTn>
+                        </p:par>
+                      </p:childTnLst>
+                    </p:cTn>
+                  </p:par>
+                </p:childTnLst>
+              </p:cTn>
+              <p:prevCondLst>
+                <p:cond evt="onPrev" delay="0">
+                  <p:tgtEl>
+                    <p:sldTgt/>
+                  </p:tgtEl>
+                </p:cond>
+              </p:prevCondLst>
+              <p:nextCondLst>
+                <p:cond evt="onNext" delay="0">
+                  <p:tgtEl>
+                    <p:sldTgt/>
+                  </p:tgtEl>
+                </p:cond>
+              </p:nextCondLst>
+            </p:seq>
+          </p:childTnLst>
+        </p:cTn>
+      </p:par>
+    </p:tnLst>
+    <p:bldLst>
+      <p:bldP spid="4" grpId="0" animBg="1"/>
+      <p:bldP spid="6" grpId="0"/>
+    </p:bldLst>
+  </p:timing>
+</p:sld>
+</file>
+
+<file path=ppt/slides/slide21.xml><?xml version="1.0" encoding="utf-8"?>
+<p:sld xmlns:a="http://schemas.openxmlformats.org/drawingml/2006/main" xmlns:r="http://schemas.openxmlformats.org/officeDocument/2006/relationships" xmlns:p="http://schemas.openxmlformats.org/presentationml/2006/main">
+  <p:cSld>
+    <p:spTree>
+      <p:nvGrpSpPr>
         <p:cNvPr id="1" name="">
           <a:extLst>
             <a:ext uri="{FF2B5EF4-FFF2-40B4-BE49-F238E27FC236}">
@@ -10526,7 +10597,7 @@
 </p:sld>
 </file>
 
-<file path=ppt/slides/slide21.xml><?xml version="1.0" encoding="utf-8"?>
+<file path=ppt/slides/slide22.xml><?xml version="1.0" encoding="utf-8"?>
 <p:sld xmlns:a="http://schemas.openxmlformats.org/drawingml/2006/main" xmlns:r="http://schemas.openxmlformats.org/officeDocument/2006/relationships" xmlns:p="http://schemas.openxmlformats.org/presentationml/2006/main">
   <p:cSld>
     <p:spTree>
@@ -11143,7 +11214,7 @@
 </p:sld>
 </file>
 
-<file path=ppt/slides/slide22.xml><?xml version="1.0" encoding="utf-8"?>
+<file path=ppt/slides/slide23.xml><?xml version="1.0" encoding="utf-8"?>
 <p:sld xmlns:a="http://schemas.openxmlformats.org/drawingml/2006/main" xmlns:r="http://schemas.openxmlformats.org/officeDocument/2006/relationships" xmlns:p="http://schemas.openxmlformats.org/presentationml/2006/main">
   <p:cSld>
     <p:spTree>
@@ -11207,7 +11278,7 @@
 </p:sld>
 </file>
 
-<file path=ppt/slides/slide23.xml><?xml version="1.0" encoding="utf-8"?>
+<file path=ppt/slides/slide24.xml><?xml version="1.0" encoding="utf-8"?>
 <p:sld xmlns:a="http://schemas.openxmlformats.org/drawingml/2006/main" xmlns:r="http://schemas.openxmlformats.org/officeDocument/2006/relationships" xmlns:p="http://schemas.openxmlformats.org/presentationml/2006/main">
   <p:cSld>
     <p:spTree>
@@ -11332,7 +11403,7 @@
             <a:pPr lvl="1"/>
             <a:r>
               <a:rPr lang="en-US" dirty="0"/>
-              <a:t>Corresponding code</a:t>
+              <a:t>Corresponding code (from first data frame)</a:t>
             </a:r>
           </a:p>
         </p:txBody>
@@ -11775,7 +11846,7 @@
 </p:sld>
 </file>
 
-<file path=ppt/slides/slide24.xml><?xml version="1.0" encoding="utf-8"?>
+<file path=ppt/slides/slide25.xml><?xml version="1.0" encoding="utf-8"?>
 <p:sld xmlns:a="http://schemas.openxmlformats.org/drawingml/2006/main" xmlns:r="http://schemas.openxmlformats.org/officeDocument/2006/relationships" xmlns:p="http://schemas.openxmlformats.org/presentationml/2006/main">
   <p:cSld>
     <p:spTree>
@@ -11869,12 +11940,6 @@
           <a:p>
             <a:r>
               <a:rPr lang="en-US" dirty="0"/>
-              <a:t>Example: hybridization data between four seal species</a:t>
-            </a:r>
-          </a:p>
-          <a:p>
-            <a:r>
-              <a:rPr lang="en-US" dirty="0"/>
               <a:t>Different levels of hybridization:</a:t>
             </a:r>
           </a:p>
@@ -11932,6 +11997,12 @@
             <a:r>
               <a:rPr lang="en-US" dirty="0"/>
               <a:t>Determined either visually or by cluster analysis</a:t>
+            </a:r>
+          </a:p>
+          <a:p>
+            <a:r>
+              <a:rPr lang="en-US" dirty="0"/>
+              <a:t>Example: hybridization data between four seal species</a:t>
             </a:r>
           </a:p>
           <a:p>
@@ -12478,7 +12549,7 @@
 </p:sld>
 </file>
 
-<file path=ppt/slides/slide25.xml><?xml version="1.0" encoding="utf-8"?>
+<file path=ppt/slides/slide26.xml><?xml version="1.0" encoding="utf-8"?>
 <p:sld xmlns:a="http://schemas.openxmlformats.org/drawingml/2006/main" xmlns:r="http://schemas.openxmlformats.org/officeDocument/2006/relationships" xmlns:p="http://schemas.openxmlformats.org/presentationml/2006/main">
   <p:cSld>
     <p:spTree>
@@ -12544,7 +12615,7 @@
 </p:sld>
 </file>
 
-<file path=ppt/slides/slide26.xml><?xml version="1.0" encoding="utf-8"?>
+<file path=ppt/slides/slide27.xml><?xml version="1.0" encoding="utf-8"?>
 <p:sld xmlns:a="http://schemas.openxmlformats.org/drawingml/2006/main" xmlns:r="http://schemas.openxmlformats.org/officeDocument/2006/relationships" xmlns:p="http://schemas.openxmlformats.org/presentationml/2006/main">
   <p:cSld>
     <p:spTree>
@@ -12628,7 +12699,7 @@
           <a:p>
             <a:r>
               <a:rPr lang="en-US" dirty="0"/>
-              <a:t>Provide a cutoff value x, where 0 (0%) &lt; x &lt; 1 (100%) similarity, and those species will belong to the same component which are more than x% similar to one another.</a:t>
+              <a:t>Provide a cutoff value x, where 0 (0%) &lt; x &lt; 1 (100%) similarity, and those species will belong to the same component which are more than x% similar.</a:t>
             </a:r>
           </a:p>
           <a:p>
@@ -12952,7 +13023,7 @@
 </p:sld>
 </file>
 
-<file path=ppt/slides/slide27.xml><?xml version="1.0" encoding="utf-8"?>
+<file path=ppt/slides/slide28.xml><?xml version="1.0" encoding="utf-8"?>
 <p:sld xmlns:a="http://schemas.openxmlformats.org/drawingml/2006/main" xmlns:r="http://schemas.openxmlformats.org/officeDocument/2006/relationships" xmlns:p="http://schemas.openxmlformats.org/presentationml/2006/main">
   <p:cSld>
     <p:spTree>
@@ -18246,7 +18317,7 @@
 </p:sld>
 </file>
 
-<file path=ppt/slides/slide28.xml><?xml version="1.0" encoding="utf-8"?>
+<file path=ppt/slides/slide29.xml><?xml version="1.0" encoding="utf-8"?>
 <p:sld xmlns:a="http://schemas.openxmlformats.org/drawingml/2006/main" xmlns:r="http://schemas.openxmlformats.org/officeDocument/2006/relationships" xmlns:p="http://schemas.openxmlformats.org/presentationml/2006/main">
   <p:cSld>
     <p:spTree>
@@ -18683,542 +18754,6 @@
                                           <p:spTgt spid="3">
                                             <p:txEl>
                                               <p:pRg st="5" end="5"/>
-                                            </p:txEl>
-                                          </p:spTgt>
-                                        </p:tgtEl>
-                                        <p:attrNameLst>
-                                          <p:attrName>style.visibility</p:attrName>
-                                        </p:attrNameLst>
-                                      </p:cBhvr>
-                                      <p:to>
-                                        <p:strVal val="visible"/>
-                                      </p:to>
-                                    </p:set>
-                                  </p:childTnLst>
-                                </p:cTn>
-                              </p:par>
-                            </p:childTnLst>
-                          </p:cTn>
-                        </p:par>
-                      </p:childTnLst>
-                    </p:cTn>
-                  </p:par>
-                </p:childTnLst>
-              </p:cTn>
-              <p:prevCondLst>
-                <p:cond evt="onPrev" delay="0">
-                  <p:tgtEl>
-                    <p:sldTgt/>
-                  </p:tgtEl>
-                </p:cond>
-              </p:prevCondLst>
-              <p:nextCondLst>
-                <p:cond evt="onNext" delay="0">
-                  <p:tgtEl>
-                    <p:sldTgt/>
-                  </p:tgtEl>
-                </p:cond>
-              </p:nextCondLst>
-            </p:seq>
-          </p:childTnLst>
-        </p:cTn>
-      </p:par>
-    </p:tnLst>
-  </p:timing>
-</p:sld>
-</file>
-
-<file path=ppt/slides/slide29.xml><?xml version="1.0" encoding="utf-8"?>
-<p:sld xmlns:a="http://schemas.openxmlformats.org/drawingml/2006/main" xmlns:r="http://schemas.openxmlformats.org/officeDocument/2006/relationships" xmlns:p="http://schemas.openxmlformats.org/presentationml/2006/main">
-  <p:cSld>
-    <p:spTree>
-      <p:nvGrpSpPr>
-        <p:cNvPr id="1" name="">
-          <a:extLst>
-            <a:ext uri="{FF2B5EF4-FFF2-40B4-BE49-F238E27FC236}">
-              <a16:creationId xmlns:a16="http://schemas.microsoft.com/office/drawing/2014/main" id="{31C189A2-3A30-F95B-C626-784F9D38D10C}"/>
-            </a:ext>
-          </a:extLst>
-        </p:cNvPr>
-        <p:cNvGrpSpPr/>
-        <p:nvPr/>
-      </p:nvGrpSpPr>
-      <p:grpSpPr>
-        <a:xfrm>
-          <a:off x="0" y="0"/>
-          <a:ext cx="0" cy="0"/>
-          <a:chOff x="0" y="0"/>
-          <a:chExt cx="0" cy="0"/>
-        </a:xfrm>
-      </p:grpSpPr>
-      <p:sp>
-        <p:nvSpPr>
-          <p:cNvPr id="2" name="Title 1">
-            <a:extLst>
-              <a:ext uri="{FF2B5EF4-FFF2-40B4-BE49-F238E27FC236}">
-                <a16:creationId xmlns:a16="http://schemas.microsoft.com/office/drawing/2014/main" id="{C0019618-EB0B-7495-A9EE-5A2593803C57}"/>
-              </a:ext>
-            </a:extLst>
-          </p:cNvPr>
-          <p:cNvSpPr>
-            <a:spLocks noGrp="1"/>
-          </p:cNvSpPr>
-          <p:nvPr>
-            <p:ph type="title"/>
-          </p:nvPr>
-        </p:nvSpPr>
-        <p:spPr/>
-        <p:txBody>
-          <a:bodyPr/>
-          <a:lstStyle/>
-          <a:p>
-            <a:pPr algn="ctr"/>
-            <a:r>
-              <a:rPr lang="en-US" dirty="0" err="1"/>
-              <a:t>matrixcut</a:t>
-            </a:r>
-            <a:endParaRPr lang="en-US" dirty="0"/>
-          </a:p>
-        </p:txBody>
-      </p:sp>
-      <p:sp>
-        <p:nvSpPr>
-          <p:cNvPr id="3" name="Content Placeholder 2">
-            <a:extLst>
-              <a:ext uri="{FF2B5EF4-FFF2-40B4-BE49-F238E27FC236}">
-                <a16:creationId xmlns:a16="http://schemas.microsoft.com/office/drawing/2014/main" id="{13A2AED8-BA8A-932A-3390-03D22BAEF3F6}"/>
-              </a:ext>
-            </a:extLst>
-          </p:cNvPr>
-          <p:cNvSpPr>
-            <a:spLocks noGrp="1"/>
-          </p:cNvSpPr>
-          <p:nvPr>
-            <p:ph idx="1"/>
-          </p:nvPr>
-        </p:nvSpPr>
-        <p:spPr>
-          <a:xfrm>
-            <a:off x="838200" y="1825625"/>
-            <a:ext cx="10841966" cy="4351338"/>
-          </a:xfrm>
-        </p:spPr>
-        <p:txBody>
-          <a:bodyPr>
-            <a:normAutofit/>
-          </a:bodyPr>
-          <a:lstStyle/>
-          <a:p>
-            <a:r>
-              <a:rPr lang="en-US" u="sng" dirty="0" err="1"/>
-              <a:t>componentplot</a:t>
-            </a:r>
-            <a:r>
-              <a:rPr lang="en-US" u="sng" dirty="0"/>
-              <a:t> function</a:t>
-            </a:r>
-            <a:r>
-              <a:rPr lang="en-US" dirty="0"/>
-              <a:t>:</a:t>
-            </a:r>
-          </a:p>
-          <a:p>
-            <a:r>
-              <a:rPr lang="en-US" dirty="0"/>
-              <a:t>This function creates a plot, where:</a:t>
-            </a:r>
-          </a:p>
-          <a:p>
-            <a:pPr lvl="1"/>
-            <a:r>
-              <a:rPr lang="en-US" dirty="0"/>
-              <a:t>The x-axis is the running cutoff value</a:t>
-            </a:r>
-          </a:p>
-          <a:p>
-            <a:pPr lvl="1"/>
-            <a:r>
-              <a:rPr lang="en-US" dirty="0"/>
-              <a:t>The y-axis shows the corresponding number of components (clusters/kinds)</a:t>
-            </a:r>
-          </a:p>
-          <a:p>
-            <a:r>
-              <a:rPr lang="en-US" dirty="0"/>
-              <a:t>Run: </a:t>
-            </a:r>
-            <a:r>
-              <a:rPr lang="en-US" dirty="0" err="1"/>
-              <a:t>matrixcut</a:t>
-            </a:r>
-            <a:r>
-              <a:rPr lang="en-US" dirty="0"/>
-              <a:t>::</a:t>
-            </a:r>
-            <a:r>
-              <a:rPr lang="en-US" dirty="0" err="1"/>
-              <a:t>componentplot</a:t>
-            </a:r>
-            <a:r>
-              <a:rPr lang="en-US" dirty="0"/>
-              <a:t>(matrix, low, high)</a:t>
-            </a:r>
-          </a:p>
-          <a:p>
-            <a:r>
-              <a:rPr lang="en-US" b="1" dirty="0"/>
-              <a:t>Exercise #5: show the component plot for the 36 primates + opossum between 0 and 100%!</a:t>
-            </a:r>
-          </a:p>
-          <a:p>
-            <a:r>
-              <a:rPr lang="en-US" dirty="0"/>
-              <a:t>Look for the inflection point! (red line)</a:t>
-            </a:r>
-          </a:p>
-        </p:txBody>
-      </p:sp>
-    </p:spTree>
-    <p:extLst>
-      <p:ext uri="{BB962C8B-B14F-4D97-AF65-F5344CB8AC3E}">
-        <p14:creationId xmlns:p14="http://schemas.microsoft.com/office/powerpoint/2010/main" val="976196401"/>
-      </p:ext>
-    </p:extLst>
-  </p:cSld>
-  <p:clrMapOvr>
-    <a:masterClrMapping/>
-  </p:clrMapOvr>
-  <p:timing>
-    <p:tnLst>
-      <p:par>
-        <p:cTn id="1" dur="indefinite" restart="never" nodeType="tmRoot">
-          <p:childTnLst>
-            <p:seq concurrent="1" nextAc="seek">
-              <p:cTn id="2" dur="indefinite" nodeType="mainSeq">
-                <p:childTnLst>
-                  <p:par>
-                    <p:cTn id="3" fill="hold">
-                      <p:stCondLst>
-                        <p:cond delay="indefinite"/>
-                      </p:stCondLst>
-                      <p:childTnLst>
-                        <p:par>
-                          <p:cTn id="4" fill="hold">
-                            <p:stCondLst>
-                              <p:cond delay="0"/>
-                            </p:stCondLst>
-                            <p:childTnLst>
-                              <p:par>
-                                <p:cTn id="5" presetID="1" presetClass="entr" presetSubtype="0" fill="hold" nodeType="clickEffect">
-                                  <p:stCondLst>
-                                    <p:cond delay="0"/>
-                                  </p:stCondLst>
-                                  <p:childTnLst>
-                                    <p:set>
-                                      <p:cBhvr>
-                                        <p:cTn id="6" dur="1" fill="hold">
-                                          <p:stCondLst>
-                                            <p:cond delay="0"/>
-                                          </p:stCondLst>
-                                        </p:cTn>
-                                        <p:tgtEl>
-                                          <p:spTgt spid="3">
-                                            <p:txEl>
-                                              <p:pRg st="0" end="0"/>
-                                            </p:txEl>
-                                          </p:spTgt>
-                                        </p:tgtEl>
-                                        <p:attrNameLst>
-                                          <p:attrName>style.visibility</p:attrName>
-                                        </p:attrNameLst>
-                                      </p:cBhvr>
-                                      <p:to>
-                                        <p:strVal val="visible"/>
-                                      </p:to>
-                                    </p:set>
-                                  </p:childTnLst>
-                                </p:cTn>
-                              </p:par>
-                            </p:childTnLst>
-                          </p:cTn>
-                        </p:par>
-                      </p:childTnLst>
-                    </p:cTn>
-                  </p:par>
-                  <p:par>
-                    <p:cTn id="7" fill="hold">
-                      <p:stCondLst>
-                        <p:cond delay="indefinite"/>
-                      </p:stCondLst>
-                      <p:childTnLst>
-                        <p:par>
-                          <p:cTn id="8" fill="hold">
-                            <p:stCondLst>
-                              <p:cond delay="0"/>
-                            </p:stCondLst>
-                            <p:childTnLst>
-                              <p:par>
-                                <p:cTn id="9" presetID="1" presetClass="entr" presetSubtype="0" fill="hold" nodeType="clickEffect">
-                                  <p:stCondLst>
-                                    <p:cond delay="0"/>
-                                  </p:stCondLst>
-                                  <p:childTnLst>
-                                    <p:set>
-                                      <p:cBhvr>
-                                        <p:cTn id="10" dur="1" fill="hold">
-                                          <p:stCondLst>
-                                            <p:cond delay="0"/>
-                                          </p:stCondLst>
-                                        </p:cTn>
-                                        <p:tgtEl>
-                                          <p:spTgt spid="3">
-                                            <p:txEl>
-                                              <p:pRg st="1" end="1"/>
-                                            </p:txEl>
-                                          </p:spTgt>
-                                        </p:tgtEl>
-                                        <p:attrNameLst>
-                                          <p:attrName>style.visibility</p:attrName>
-                                        </p:attrNameLst>
-                                      </p:cBhvr>
-                                      <p:to>
-                                        <p:strVal val="visible"/>
-                                      </p:to>
-                                    </p:set>
-                                  </p:childTnLst>
-                                </p:cTn>
-                              </p:par>
-                            </p:childTnLst>
-                          </p:cTn>
-                        </p:par>
-                      </p:childTnLst>
-                    </p:cTn>
-                  </p:par>
-                  <p:par>
-                    <p:cTn id="11" fill="hold">
-                      <p:stCondLst>
-                        <p:cond delay="indefinite"/>
-                      </p:stCondLst>
-                      <p:childTnLst>
-                        <p:par>
-                          <p:cTn id="12" fill="hold">
-                            <p:stCondLst>
-                              <p:cond delay="0"/>
-                            </p:stCondLst>
-                            <p:childTnLst>
-                              <p:par>
-                                <p:cTn id="13" presetID="1" presetClass="entr" presetSubtype="0" fill="hold" nodeType="clickEffect">
-                                  <p:stCondLst>
-                                    <p:cond delay="0"/>
-                                  </p:stCondLst>
-                                  <p:childTnLst>
-                                    <p:set>
-                                      <p:cBhvr>
-                                        <p:cTn id="14" dur="1" fill="hold">
-                                          <p:stCondLst>
-                                            <p:cond delay="0"/>
-                                          </p:stCondLst>
-                                        </p:cTn>
-                                        <p:tgtEl>
-                                          <p:spTgt spid="3">
-                                            <p:txEl>
-                                              <p:pRg st="2" end="2"/>
-                                            </p:txEl>
-                                          </p:spTgt>
-                                        </p:tgtEl>
-                                        <p:attrNameLst>
-                                          <p:attrName>style.visibility</p:attrName>
-                                        </p:attrNameLst>
-                                      </p:cBhvr>
-                                      <p:to>
-                                        <p:strVal val="visible"/>
-                                      </p:to>
-                                    </p:set>
-                                  </p:childTnLst>
-                                </p:cTn>
-                              </p:par>
-                            </p:childTnLst>
-                          </p:cTn>
-                        </p:par>
-                      </p:childTnLst>
-                    </p:cTn>
-                  </p:par>
-                  <p:par>
-                    <p:cTn id="15" fill="hold">
-                      <p:stCondLst>
-                        <p:cond delay="indefinite"/>
-                      </p:stCondLst>
-                      <p:childTnLst>
-                        <p:par>
-                          <p:cTn id="16" fill="hold">
-                            <p:stCondLst>
-                              <p:cond delay="0"/>
-                            </p:stCondLst>
-                            <p:childTnLst>
-                              <p:par>
-                                <p:cTn id="17" presetID="1" presetClass="entr" presetSubtype="0" fill="hold" nodeType="clickEffect">
-                                  <p:stCondLst>
-                                    <p:cond delay="0"/>
-                                  </p:stCondLst>
-                                  <p:childTnLst>
-                                    <p:set>
-                                      <p:cBhvr>
-                                        <p:cTn id="18" dur="1" fill="hold">
-                                          <p:stCondLst>
-                                            <p:cond delay="0"/>
-                                          </p:stCondLst>
-                                        </p:cTn>
-                                        <p:tgtEl>
-                                          <p:spTgt spid="3">
-                                            <p:txEl>
-                                              <p:pRg st="3" end="3"/>
-                                            </p:txEl>
-                                          </p:spTgt>
-                                        </p:tgtEl>
-                                        <p:attrNameLst>
-                                          <p:attrName>style.visibility</p:attrName>
-                                        </p:attrNameLst>
-                                      </p:cBhvr>
-                                      <p:to>
-                                        <p:strVal val="visible"/>
-                                      </p:to>
-                                    </p:set>
-                                  </p:childTnLst>
-                                </p:cTn>
-                              </p:par>
-                            </p:childTnLst>
-                          </p:cTn>
-                        </p:par>
-                      </p:childTnLst>
-                    </p:cTn>
-                  </p:par>
-                  <p:par>
-                    <p:cTn id="19" fill="hold">
-                      <p:stCondLst>
-                        <p:cond delay="indefinite"/>
-                      </p:stCondLst>
-                      <p:childTnLst>
-                        <p:par>
-                          <p:cTn id="20" fill="hold">
-                            <p:stCondLst>
-                              <p:cond delay="0"/>
-                            </p:stCondLst>
-                            <p:childTnLst>
-                              <p:par>
-                                <p:cTn id="21" presetID="1" presetClass="entr" presetSubtype="0" fill="hold" nodeType="clickEffect">
-                                  <p:stCondLst>
-                                    <p:cond delay="0"/>
-                                  </p:stCondLst>
-                                  <p:childTnLst>
-                                    <p:set>
-                                      <p:cBhvr>
-                                        <p:cTn id="22" dur="1" fill="hold">
-                                          <p:stCondLst>
-                                            <p:cond delay="0"/>
-                                          </p:stCondLst>
-                                        </p:cTn>
-                                        <p:tgtEl>
-                                          <p:spTgt spid="3">
-                                            <p:txEl>
-                                              <p:pRg st="4" end="4"/>
-                                            </p:txEl>
-                                          </p:spTgt>
-                                        </p:tgtEl>
-                                        <p:attrNameLst>
-                                          <p:attrName>style.visibility</p:attrName>
-                                        </p:attrNameLst>
-                                      </p:cBhvr>
-                                      <p:to>
-                                        <p:strVal val="visible"/>
-                                      </p:to>
-                                    </p:set>
-                                  </p:childTnLst>
-                                </p:cTn>
-                              </p:par>
-                            </p:childTnLst>
-                          </p:cTn>
-                        </p:par>
-                      </p:childTnLst>
-                    </p:cTn>
-                  </p:par>
-                  <p:par>
-                    <p:cTn id="23" fill="hold">
-                      <p:stCondLst>
-                        <p:cond delay="indefinite"/>
-                      </p:stCondLst>
-                      <p:childTnLst>
-                        <p:par>
-                          <p:cTn id="24" fill="hold">
-                            <p:stCondLst>
-                              <p:cond delay="0"/>
-                            </p:stCondLst>
-                            <p:childTnLst>
-                              <p:par>
-                                <p:cTn id="25" presetID="1" presetClass="entr" presetSubtype="0" fill="hold" nodeType="clickEffect">
-                                  <p:stCondLst>
-                                    <p:cond delay="0"/>
-                                  </p:stCondLst>
-                                  <p:childTnLst>
-                                    <p:set>
-                                      <p:cBhvr>
-                                        <p:cTn id="26" dur="1" fill="hold">
-                                          <p:stCondLst>
-                                            <p:cond delay="0"/>
-                                          </p:stCondLst>
-                                        </p:cTn>
-                                        <p:tgtEl>
-                                          <p:spTgt spid="3">
-                                            <p:txEl>
-                                              <p:pRg st="5" end="5"/>
-                                            </p:txEl>
-                                          </p:spTgt>
-                                        </p:tgtEl>
-                                        <p:attrNameLst>
-                                          <p:attrName>style.visibility</p:attrName>
-                                        </p:attrNameLst>
-                                      </p:cBhvr>
-                                      <p:to>
-                                        <p:strVal val="visible"/>
-                                      </p:to>
-                                    </p:set>
-                                  </p:childTnLst>
-                                </p:cTn>
-                              </p:par>
-                            </p:childTnLst>
-                          </p:cTn>
-                        </p:par>
-                      </p:childTnLst>
-                    </p:cTn>
-                  </p:par>
-                  <p:par>
-                    <p:cTn id="27" fill="hold">
-                      <p:stCondLst>
-                        <p:cond delay="indefinite"/>
-                      </p:stCondLst>
-                      <p:childTnLst>
-                        <p:par>
-                          <p:cTn id="28" fill="hold">
-                            <p:stCondLst>
-                              <p:cond delay="0"/>
-                            </p:stCondLst>
-                            <p:childTnLst>
-                              <p:par>
-                                <p:cTn id="29" presetID="1" presetClass="entr" presetSubtype="0" fill="hold" nodeType="clickEffect">
-                                  <p:stCondLst>
-                                    <p:cond delay="0"/>
-                                  </p:stCondLst>
-                                  <p:childTnLst>
-                                    <p:set>
-                                      <p:cBhvr>
-                                        <p:cTn id="30" dur="1" fill="hold">
-                                          <p:stCondLst>
-                                            <p:cond delay="0"/>
-                                          </p:stCondLst>
-                                        </p:cTn>
-                                        <p:tgtEl>
-                                          <p:spTgt spid="3">
-                                            <p:txEl>
-                                              <p:pRg st="6" end="6"/>
                                             </p:txEl>
                                           </p:spTgt>
                                         </p:tgtEl>
@@ -19860,6 +19395,542 @@
   <p:cSld>
     <p:spTree>
       <p:nvGrpSpPr>
+        <p:cNvPr id="1" name="">
+          <a:extLst>
+            <a:ext uri="{FF2B5EF4-FFF2-40B4-BE49-F238E27FC236}">
+              <a16:creationId xmlns:a16="http://schemas.microsoft.com/office/drawing/2014/main" id="{31C189A2-3A30-F95B-C626-784F9D38D10C}"/>
+            </a:ext>
+          </a:extLst>
+        </p:cNvPr>
+        <p:cNvGrpSpPr/>
+        <p:nvPr/>
+      </p:nvGrpSpPr>
+      <p:grpSpPr>
+        <a:xfrm>
+          <a:off x="0" y="0"/>
+          <a:ext cx="0" cy="0"/>
+          <a:chOff x="0" y="0"/>
+          <a:chExt cx="0" cy="0"/>
+        </a:xfrm>
+      </p:grpSpPr>
+      <p:sp>
+        <p:nvSpPr>
+          <p:cNvPr id="2" name="Title 1">
+            <a:extLst>
+              <a:ext uri="{FF2B5EF4-FFF2-40B4-BE49-F238E27FC236}">
+                <a16:creationId xmlns:a16="http://schemas.microsoft.com/office/drawing/2014/main" id="{C0019618-EB0B-7495-A9EE-5A2593803C57}"/>
+              </a:ext>
+            </a:extLst>
+          </p:cNvPr>
+          <p:cNvSpPr>
+            <a:spLocks noGrp="1"/>
+          </p:cNvSpPr>
+          <p:nvPr>
+            <p:ph type="title"/>
+          </p:nvPr>
+        </p:nvSpPr>
+        <p:spPr/>
+        <p:txBody>
+          <a:bodyPr/>
+          <a:lstStyle/>
+          <a:p>
+            <a:pPr algn="ctr"/>
+            <a:r>
+              <a:rPr lang="en-US" dirty="0" err="1"/>
+              <a:t>matrixcut</a:t>
+            </a:r>
+            <a:endParaRPr lang="en-US" dirty="0"/>
+          </a:p>
+        </p:txBody>
+      </p:sp>
+      <p:sp>
+        <p:nvSpPr>
+          <p:cNvPr id="3" name="Content Placeholder 2">
+            <a:extLst>
+              <a:ext uri="{FF2B5EF4-FFF2-40B4-BE49-F238E27FC236}">
+                <a16:creationId xmlns:a16="http://schemas.microsoft.com/office/drawing/2014/main" id="{13A2AED8-BA8A-932A-3390-03D22BAEF3F6}"/>
+              </a:ext>
+            </a:extLst>
+          </p:cNvPr>
+          <p:cNvSpPr>
+            <a:spLocks noGrp="1"/>
+          </p:cNvSpPr>
+          <p:nvPr>
+            <p:ph idx="1"/>
+          </p:nvPr>
+        </p:nvSpPr>
+        <p:spPr>
+          <a:xfrm>
+            <a:off x="838200" y="1825625"/>
+            <a:ext cx="10841966" cy="4351338"/>
+          </a:xfrm>
+        </p:spPr>
+        <p:txBody>
+          <a:bodyPr>
+            <a:normAutofit/>
+          </a:bodyPr>
+          <a:lstStyle/>
+          <a:p>
+            <a:r>
+              <a:rPr lang="en-US" u="sng" dirty="0" err="1"/>
+              <a:t>componentplot</a:t>
+            </a:r>
+            <a:r>
+              <a:rPr lang="en-US" u="sng" dirty="0"/>
+              <a:t> function</a:t>
+            </a:r>
+            <a:r>
+              <a:rPr lang="en-US" dirty="0"/>
+              <a:t>:</a:t>
+            </a:r>
+          </a:p>
+          <a:p>
+            <a:r>
+              <a:rPr lang="en-US" dirty="0"/>
+              <a:t>This function creates a plot, where:</a:t>
+            </a:r>
+          </a:p>
+          <a:p>
+            <a:pPr lvl="1"/>
+            <a:r>
+              <a:rPr lang="en-US" dirty="0"/>
+              <a:t>The x-axis is the running cutoff value</a:t>
+            </a:r>
+          </a:p>
+          <a:p>
+            <a:pPr lvl="1"/>
+            <a:r>
+              <a:rPr lang="en-US" dirty="0"/>
+              <a:t>The y-axis shows the corresponding number of components (clusters/kinds)</a:t>
+            </a:r>
+          </a:p>
+          <a:p>
+            <a:r>
+              <a:rPr lang="en-US" dirty="0"/>
+              <a:t>Run: </a:t>
+            </a:r>
+            <a:r>
+              <a:rPr lang="en-US" dirty="0" err="1"/>
+              <a:t>matrixcut</a:t>
+            </a:r>
+            <a:r>
+              <a:rPr lang="en-US" dirty="0"/>
+              <a:t>::</a:t>
+            </a:r>
+            <a:r>
+              <a:rPr lang="en-US" dirty="0" err="1"/>
+              <a:t>componentplot</a:t>
+            </a:r>
+            <a:r>
+              <a:rPr lang="en-US" dirty="0"/>
+              <a:t>(matrix, low, high)</a:t>
+            </a:r>
+          </a:p>
+          <a:p>
+            <a:r>
+              <a:rPr lang="en-US" b="1" dirty="0"/>
+              <a:t>Exercise #5: show the component plot for the 36 primates + opossum between 0 and 100%!</a:t>
+            </a:r>
+          </a:p>
+          <a:p>
+            <a:r>
+              <a:rPr lang="en-US" dirty="0"/>
+              <a:t>Look for the inflection point! (red line)</a:t>
+            </a:r>
+          </a:p>
+        </p:txBody>
+      </p:sp>
+    </p:spTree>
+    <p:extLst>
+      <p:ext uri="{BB962C8B-B14F-4D97-AF65-F5344CB8AC3E}">
+        <p14:creationId xmlns:p14="http://schemas.microsoft.com/office/powerpoint/2010/main" val="976196401"/>
+      </p:ext>
+    </p:extLst>
+  </p:cSld>
+  <p:clrMapOvr>
+    <a:masterClrMapping/>
+  </p:clrMapOvr>
+  <p:timing>
+    <p:tnLst>
+      <p:par>
+        <p:cTn id="1" dur="indefinite" restart="never" nodeType="tmRoot">
+          <p:childTnLst>
+            <p:seq concurrent="1" nextAc="seek">
+              <p:cTn id="2" dur="indefinite" nodeType="mainSeq">
+                <p:childTnLst>
+                  <p:par>
+                    <p:cTn id="3" fill="hold">
+                      <p:stCondLst>
+                        <p:cond delay="indefinite"/>
+                      </p:stCondLst>
+                      <p:childTnLst>
+                        <p:par>
+                          <p:cTn id="4" fill="hold">
+                            <p:stCondLst>
+                              <p:cond delay="0"/>
+                            </p:stCondLst>
+                            <p:childTnLst>
+                              <p:par>
+                                <p:cTn id="5" presetID="1" presetClass="entr" presetSubtype="0" fill="hold" nodeType="clickEffect">
+                                  <p:stCondLst>
+                                    <p:cond delay="0"/>
+                                  </p:stCondLst>
+                                  <p:childTnLst>
+                                    <p:set>
+                                      <p:cBhvr>
+                                        <p:cTn id="6" dur="1" fill="hold">
+                                          <p:stCondLst>
+                                            <p:cond delay="0"/>
+                                          </p:stCondLst>
+                                        </p:cTn>
+                                        <p:tgtEl>
+                                          <p:spTgt spid="3">
+                                            <p:txEl>
+                                              <p:pRg st="0" end="0"/>
+                                            </p:txEl>
+                                          </p:spTgt>
+                                        </p:tgtEl>
+                                        <p:attrNameLst>
+                                          <p:attrName>style.visibility</p:attrName>
+                                        </p:attrNameLst>
+                                      </p:cBhvr>
+                                      <p:to>
+                                        <p:strVal val="visible"/>
+                                      </p:to>
+                                    </p:set>
+                                  </p:childTnLst>
+                                </p:cTn>
+                              </p:par>
+                            </p:childTnLst>
+                          </p:cTn>
+                        </p:par>
+                      </p:childTnLst>
+                    </p:cTn>
+                  </p:par>
+                  <p:par>
+                    <p:cTn id="7" fill="hold">
+                      <p:stCondLst>
+                        <p:cond delay="indefinite"/>
+                      </p:stCondLst>
+                      <p:childTnLst>
+                        <p:par>
+                          <p:cTn id="8" fill="hold">
+                            <p:stCondLst>
+                              <p:cond delay="0"/>
+                            </p:stCondLst>
+                            <p:childTnLst>
+                              <p:par>
+                                <p:cTn id="9" presetID="1" presetClass="entr" presetSubtype="0" fill="hold" nodeType="clickEffect">
+                                  <p:stCondLst>
+                                    <p:cond delay="0"/>
+                                  </p:stCondLst>
+                                  <p:childTnLst>
+                                    <p:set>
+                                      <p:cBhvr>
+                                        <p:cTn id="10" dur="1" fill="hold">
+                                          <p:stCondLst>
+                                            <p:cond delay="0"/>
+                                          </p:stCondLst>
+                                        </p:cTn>
+                                        <p:tgtEl>
+                                          <p:spTgt spid="3">
+                                            <p:txEl>
+                                              <p:pRg st="1" end="1"/>
+                                            </p:txEl>
+                                          </p:spTgt>
+                                        </p:tgtEl>
+                                        <p:attrNameLst>
+                                          <p:attrName>style.visibility</p:attrName>
+                                        </p:attrNameLst>
+                                      </p:cBhvr>
+                                      <p:to>
+                                        <p:strVal val="visible"/>
+                                      </p:to>
+                                    </p:set>
+                                  </p:childTnLst>
+                                </p:cTn>
+                              </p:par>
+                            </p:childTnLst>
+                          </p:cTn>
+                        </p:par>
+                      </p:childTnLst>
+                    </p:cTn>
+                  </p:par>
+                  <p:par>
+                    <p:cTn id="11" fill="hold">
+                      <p:stCondLst>
+                        <p:cond delay="indefinite"/>
+                      </p:stCondLst>
+                      <p:childTnLst>
+                        <p:par>
+                          <p:cTn id="12" fill="hold">
+                            <p:stCondLst>
+                              <p:cond delay="0"/>
+                            </p:stCondLst>
+                            <p:childTnLst>
+                              <p:par>
+                                <p:cTn id="13" presetID="1" presetClass="entr" presetSubtype="0" fill="hold" nodeType="clickEffect">
+                                  <p:stCondLst>
+                                    <p:cond delay="0"/>
+                                  </p:stCondLst>
+                                  <p:childTnLst>
+                                    <p:set>
+                                      <p:cBhvr>
+                                        <p:cTn id="14" dur="1" fill="hold">
+                                          <p:stCondLst>
+                                            <p:cond delay="0"/>
+                                          </p:stCondLst>
+                                        </p:cTn>
+                                        <p:tgtEl>
+                                          <p:spTgt spid="3">
+                                            <p:txEl>
+                                              <p:pRg st="2" end="2"/>
+                                            </p:txEl>
+                                          </p:spTgt>
+                                        </p:tgtEl>
+                                        <p:attrNameLst>
+                                          <p:attrName>style.visibility</p:attrName>
+                                        </p:attrNameLst>
+                                      </p:cBhvr>
+                                      <p:to>
+                                        <p:strVal val="visible"/>
+                                      </p:to>
+                                    </p:set>
+                                  </p:childTnLst>
+                                </p:cTn>
+                              </p:par>
+                            </p:childTnLst>
+                          </p:cTn>
+                        </p:par>
+                      </p:childTnLst>
+                    </p:cTn>
+                  </p:par>
+                  <p:par>
+                    <p:cTn id="15" fill="hold">
+                      <p:stCondLst>
+                        <p:cond delay="indefinite"/>
+                      </p:stCondLst>
+                      <p:childTnLst>
+                        <p:par>
+                          <p:cTn id="16" fill="hold">
+                            <p:stCondLst>
+                              <p:cond delay="0"/>
+                            </p:stCondLst>
+                            <p:childTnLst>
+                              <p:par>
+                                <p:cTn id="17" presetID="1" presetClass="entr" presetSubtype="0" fill="hold" nodeType="clickEffect">
+                                  <p:stCondLst>
+                                    <p:cond delay="0"/>
+                                  </p:stCondLst>
+                                  <p:childTnLst>
+                                    <p:set>
+                                      <p:cBhvr>
+                                        <p:cTn id="18" dur="1" fill="hold">
+                                          <p:stCondLst>
+                                            <p:cond delay="0"/>
+                                          </p:stCondLst>
+                                        </p:cTn>
+                                        <p:tgtEl>
+                                          <p:spTgt spid="3">
+                                            <p:txEl>
+                                              <p:pRg st="3" end="3"/>
+                                            </p:txEl>
+                                          </p:spTgt>
+                                        </p:tgtEl>
+                                        <p:attrNameLst>
+                                          <p:attrName>style.visibility</p:attrName>
+                                        </p:attrNameLst>
+                                      </p:cBhvr>
+                                      <p:to>
+                                        <p:strVal val="visible"/>
+                                      </p:to>
+                                    </p:set>
+                                  </p:childTnLst>
+                                </p:cTn>
+                              </p:par>
+                            </p:childTnLst>
+                          </p:cTn>
+                        </p:par>
+                      </p:childTnLst>
+                    </p:cTn>
+                  </p:par>
+                  <p:par>
+                    <p:cTn id="19" fill="hold">
+                      <p:stCondLst>
+                        <p:cond delay="indefinite"/>
+                      </p:stCondLst>
+                      <p:childTnLst>
+                        <p:par>
+                          <p:cTn id="20" fill="hold">
+                            <p:stCondLst>
+                              <p:cond delay="0"/>
+                            </p:stCondLst>
+                            <p:childTnLst>
+                              <p:par>
+                                <p:cTn id="21" presetID="1" presetClass="entr" presetSubtype="0" fill="hold" nodeType="clickEffect">
+                                  <p:stCondLst>
+                                    <p:cond delay="0"/>
+                                  </p:stCondLst>
+                                  <p:childTnLst>
+                                    <p:set>
+                                      <p:cBhvr>
+                                        <p:cTn id="22" dur="1" fill="hold">
+                                          <p:stCondLst>
+                                            <p:cond delay="0"/>
+                                          </p:stCondLst>
+                                        </p:cTn>
+                                        <p:tgtEl>
+                                          <p:spTgt spid="3">
+                                            <p:txEl>
+                                              <p:pRg st="4" end="4"/>
+                                            </p:txEl>
+                                          </p:spTgt>
+                                        </p:tgtEl>
+                                        <p:attrNameLst>
+                                          <p:attrName>style.visibility</p:attrName>
+                                        </p:attrNameLst>
+                                      </p:cBhvr>
+                                      <p:to>
+                                        <p:strVal val="visible"/>
+                                      </p:to>
+                                    </p:set>
+                                  </p:childTnLst>
+                                </p:cTn>
+                              </p:par>
+                            </p:childTnLst>
+                          </p:cTn>
+                        </p:par>
+                      </p:childTnLst>
+                    </p:cTn>
+                  </p:par>
+                  <p:par>
+                    <p:cTn id="23" fill="hold">
+                      <p:stCondLst>
+                        <p:cond delay="indefinite"/>
+                      </p:stCondLst>
+                      <p:childTnLst>
+                        <p:par>
+                          <p:cTn id="24" fill="hold">
+                            <p:stCondLst>
+                              <p:cond delay="0"/>
+                            </p:stCondLst>
+                            <p:childTnLst>
+                              <p:par>
+                                <p:cTn id="25" presetID="1" presetClass="entr" presetSubtype="0" fill="hold" nodeType="clickEffect">
+                                  <p:stCondLst>
+                                    <p:cond delay="0"/>
+                                  </p:stCondLst>
+                                  <p:childTnLst>
+                                    <p:set>
+                                      <p:cBhvr>
+                                        <p:cTn id="26" dur="1" fill="hold">
+                                          <p:stCondLst>
+                                            <p:cond delay="0"/>
+                                          </p:stCondLst>
+                                        </p:cTn>
+                                        <p:tgtEl>
+                                          <p:spTgt spid="3">
+                                            <p:txEl>
+                                              <p:pRg st="5" end="5"/>
+                                            </p:txEl>
+                                          </p:spTgt>
+                                        </p:tgtEl>
+                                        <p:attrNameLst>
+                                          <p:attrName>style.visibility</p:attrName>
+                                        </p:attrNameLst>
+                                      </p:cBhvr>
+                                      <p:to>
+                                        <p:strVal val="visible"/>
+                                      </p:to>
+                                    </p:set>
+                                  </p:childTnLst>
+                                </p:cTn>
+                              </p:par>
+                            </p:childTnLst>
+                          </p:cTn>
+                        </p:par>
+                      </p:childTnLst>
+                    </p:cTn>
+                  </p:par>
+                  <p:par>
+                    <p:cTn id="27" fill="hold">
+                      <p:stCondLst>
+                        <p:cond delay="indefinite"/>
+                      </p:stCondLst>
+                      <p:childTnLst>
+                        <p:par>
+                          <p:cTn id="28" fill="hold">
+                            <p:stCondLst>
+                              <p:cond delay="0"/>
+                            </p:stCondLst>
+                            <p:childTnLst>
+                              <p:par>
+                                <p:cTn id="29" presetID="1" presetClass="entr" presetSubtype="0" fill="hold" nodeType="clickEffect">
+                                  <p:stCondLst>
+                                    <p:cond delay="0"/>
+                                  </p:stCondLst>
+                                  <p:childTnLst>
+                                    <p:set>
+                                      <p:cBhvr>
+                                        <p:cTn id="30" dur="1" fill="hold">
+                                          <p:stCondLst>
+                                            <p:cond delay="0"/>
+                                          </p:stCondLst>
+                                        </p:cTn>
+                                        <p:tgtEl>
+                                          <p:spTgt spid="3">
+                                            <p:txEl>
+                                              <p:pRg st="6" end="6"/>
+                                            </p:txEl>
+                                          </p:spTgt>
+                                        </p:tgtEl>
+                                        <p:attrNameLst>
+                                          <p:attrName>style.visibility</p:attrName>
+                                        </p:attrNameLst>
+                                      </p:cBhvr>
+                                      <p:to>
+                                        <p:strVal val="visible"/>
+                                      </p:to>
+                                    </p:set>
+                                  </p:childTnLst>
+                                </p:cTn>
+                              </p:par>
+                            </p:childTnLst>
+                          </p:cTn>
+                        </p:par>
+                      </p:childTnLst>
+                    </p:cTn>
+                  </p:par>
+                </p:childTnLst>
+              </p:cTn>
+              <p:prevCondLst>
+                <p:cond evt="onPrev" delay="0">
+                  <p:tgtEl>
+                    <p:sldTgt/>
+                  </p:tgtEl>
+                </p:cond>
+              </p:prevCondLst>
+              <p:nextCondLst>
+                <p:cond evt="onNext" delay="0">
+                  <p:tgtEl>
+                    <p:sldTgt/>
+                  </p:tgtEl>
+                </p:cond>
+              </p:nextCondLst>
+            </p:seq>
+          </p:childTnLst>
+        </p:cTn>
+      </p:par>
+    </p:tnLst>
+  </p:timing>
+</p:sld>
+</file>
+
+<file path=ppt/slides/slide31.xml><?xml version="1.0" encoding="utf-8"?>
+<p:sld xmlns:a="http://schemas.openxmlformats.org/drawingml/2006/main" xmlns:r="http://schemas.openxmlformats.org/officeDocument/2006/relationships" xmlns:p="http://schemas.openxmlformats.org/presentationml/2006/main">
+  <p:cSld>
+    <p:spTree>
+      <p:nvGrpSpPr>
         <p:cNvPr id="1" name=""/>
         <p:cNvGrpSpPr/>
         <p:nvPr/>
@@ -19921,7 +19992,7 @@
 </p:sld>
 </file>
 
-<file path=ppt/slides/slide31.xml><?xml version="1.0" encoding="utf-8"?>
+<file path=ppt/slides/slide32.xml><?xml version="1.0" encoding="utf-8"?>
 <p:sld xmlns:a="http://schemas.openxmlformats.org/drawingml/2006/main" xmlns:r="http://schemas.openxmlformats.org/officeDocument/2006/relationships" xmlns:p="http://schemas.openxmlformats.org/presentationml/2006/main">
   <p:cSld>
     <p:spTree>
@@ -19985,7 +20056,7 @@
 </p:sld>
 </file>
 
-<file path=ppt/slides/slide32.xml><?xml version="1.0" encoding="utf-8"?>
+<file path=ppt/slides/slide33.xml><?xml version="1.0" encoding="utf-8"?>
 <p:sld xmlns:a="http://schemas.openxmlformats.org/drawingml/2006/main" xmlns:r="http://schemas.openxmlformats.org/officeDocument/2006/relationships" xmlns:p="http://schemas.openxmlformats.org/presentationml/2006/main">
   <p:cSld>
     <p:spTree>
@@ -20088,7 +20159,7 @@
             </a:r>
             <a:r>
               <a:rPr lang="en-US" dirty="0"/>
-              <a:t> is easier to align than chloroplast DNA, which is also very divergent.</a:t>
+              <a:t> is easier to align than chloroplast DNA, which is very divergent.</a:t>
             </a:r>
           </a:p>
           <a:p>
@@ -20338,7 +20409,7 @@
 </p:sld>
 </file>
 
-<file path=ppt/slides/slide33.xml><?xml version="1.0" encoding="utf-8"?>
+<file path=ppt/slides/slide34.xml><?xml version="1.0" encoding="utf-8"?>
 <p:sld xmlns:a="http://schemas.openxmlformats.org/drawingml/2006/main" xmlns:r="http://schemas.openxmlformats.org/officeDocument/2006/relationships" xmlns:p="http://schemas.openxmlformats.org/presentationml/2006/main">
   <p:cSld>
     <p:spTree>
@@ -21119,7 +21190,7 @@
 </p:sld>
 </file>
 
-<file path=ppt/slides/slide34.xml><?xml version="1.0" encoding="utf-8"?>
+<file path=ppt/slides/slide35.xml><?xml version="1.0" encoding="utf-8"?>
 <p:sld xmlns:a="http://schemas.openxmlformats.org/drawingml/2006/main" xmlns:r="http://schemas.openxmlformats.org/officeDocument/2006/relationships" xmlns:p="http://schemas.openxmlformats.org/presentationml/2006/main">
   <p:cSld>
     <p:spTree>
@@ -21571,7 +21642,7 @@
 </p:sld>
 </file>
 
-<file path=ppt/slides/slide35.xml><?xml version="1.0" encoding="utf-8"?>
+<file path=ppt/slides/slide36.xml><?xml version="1.0" encoding="utf-8"?>
 <p:sld xmlns:a="http://schemas.openxmlformats.org/drawingml/2006/main" xmlns:r="http://schemas.openxmlformats.org/officeDocument/2006/relationships" xmlns:p="http://schemas.openxmlformats.org/presentationml/2006/main">
   <p:cSld>
     <p:spTree>
@@ -21699,13 +21770,21 @@
             <a:pPr lvl="1"/>
             <a:r>
               <a:rPr lang="en-US" dirty="0"/>
-              <a:t>MAFFT necessary for chloroplast</a:t>
+              <a:t>MAFFT necessary for chloroplast DNA</a:t>
             </a:r>
           </a:p>
           <a:p>
             <a:r>
               <a:rPr lang="en-US" dirty="0"/>
-              <a:t>The alignment can be transformed into a sequence identity matrix using R code.</a:t>
+              <a:t>The alignment can be transformed into a sequence identity matrix using R code (</a:t>
+            </a:r>
+            <a:r>
+              <a:rPr lang="en-US" b="1" dirty="0"/>
+              <a:t>aln2idmx.R</a:t>
+            </a:r>
+            <a:r>
+              <a:rPr lang="en-US" dirty="0"/>
+              <a:t>).</a:t>
             </a:r>
           </a:p>
         </p:txBody>
@@ -22047,7 +22126,7 @@
 </p:sld>
 </file>
 
-<file path=ppt/slides/slide36.xml><?xml version="1.0" encoding="utf-8"?>
+<file path=ppt/slides/slide37.xml><?xml version="1.0" encoding="utf-8"?>
 <p:sld xmlns:a="http://schemas.openxmlformats.org/drawingml/2006/main" xmlns:r="http://schemas.openxmlformats.org/officeDocument/2006/relationships" xmlns:p="http://schemas.openxmlformats.org/presentationml/2006/main">
   <p:cSld>
     <p:spTree>
@@ -22499,7 +22578,7 @@
 </p:sld>
 </file>
 
-<file path=ppt/slides/slide37.xml><?xml version="1.0" encoding="utf-8"?>
+<file path=ppt/slides/slide38.xml><?xml version="1.0" encoding="utf-8"?>
 <p:sld xmlns:a="http://schemas.openxmlformats.org/drawingml/2006/main" xmlns:r="http://schemas.openxmlformats.org/officeDocument/2006/relationships" xmlns:p="http://schemas.openxmlformats.org/presentationml/2006/main">
   <p:cSld>
     <p:spTree>
@@ -22857,7 +22936,7 @@
 </p:sld>
 </file>
 
-<file path=ppt/slides/slide38.xml><?xml version="1.0" encoding="utf-8"?>
+<file path=ppt/slides/slide39.xml><?xml version="1.0" encoding="utf-8"?>
 <p:sld xmlns:a="http://schemas.openxmlformats.org/drawingml/2006/main" xmlns:r="http://schemas.openxmlformats.org/officeDocument/2006/relationships" xmlns:p="http://schemas.openxmlformats.org/presentationml/2006/main">
   <p:cSld>
     <p:spTree>
@@ -23032,105 +23111,6 @@
       </p:par>
     </p:tnLst>
   </p:timing>
-</p:sld>
-</file>
-
-<file path=ppt/slides/slide39.xml><?xml version="1.0" encoding="utf-8"?>
-<p:sld xmlns:a="http://schemas.openxmlformats.org/drawingml/2006/main" xmlns:r="http://schemas.openxmlformats.org/officeDocument/2006/relationships" xmlns:p="http://schemas.openxmlformats.org/presentationml/2006/main">
-  <p:cSld>
-    <p:spTree>
-      <p:nvGrpSpPr>
-        <p:cNvPr id="1" name=""/>
-        <p:cNvGrpSpPr/>
-        <p:nvPr/>
-      </p:nvGrpSpPr>
-      <p:grpSpPr>
-        <a:xfrm>
-          <a:off x="0" y="0"/>
-          <a:ext cx="0" cy="0"/>
-          <a:chOff x="0" y="0"/>
-          <a:chExt cx="0" cy="0"/>
-        </a:xfrm>
-      </p:grpSpPr>
-      <p:sp>
-        <p:nvSpPr>
-          <p:cNvPr id="2" name="Title 1">
-            <a:extLst>
-              <a:ext uri="{FF2B5EF4-FFF2-40B4-BE49-F238E27FC236}">
-                <a16:creationId xmlns:a16="http://schemas.microsoft.com/office/drawing/2014/main" id="{D8E01D88-8A3F-38F3-403A-921D3E606C54}"/>
-              </a:ext>
-            </a:extLst>
-          </p:cNvPr>
-          <p:cNvSpPr>
-            <a:spLocks noGrp="1"/>
-          </p:cNvSpPr>
-          <p:nvPr>
-            <p:ph type="title"/>
-          </p:nvPr>
-        </p:nvSpPr>
-        <p:spPr/>
-        <p:txBody>
-          <a:bodyPr/>
-          <a:lstStyle/>
-          <a:p>
-            <a:pPr algn="ctr"/>
-            <a:r>
-              <a:rPr lang="en-US" dirty="0"/>
-              <a:t>Silhouette plot</a:t>
-            </a:r>
-          </a:p>
-        </p:txBody>
-      </p:sp>
-      <p:sp>
-        <p:nvSpPr>
-          <p:cNvPr id="3" name="Content Placeholder 2">
-            <a:extLst>
-              <a:ext uri="{FF2B5EF4-FFF2-40B4-BE49-F238E27FC236}">
-                <a16:creationId xmlns:a16="http://schemas.microsoft.com/office/drawing/2014/main" id="{69C309F7-9283-16E0-423D-021309795752}"/>
-              </a:ext>
-            </a:extLst>
-          </p:cNvPr>
-          <p:cNvSpPr>
-            <a:spLocks noGrp="1"/>
-          </p:cNvSpPr>
-          <p:nvPr>
-            <p:ph idx="1"/>
-          </p:nvPr>
-        </p:nvSpPr>
-        <p:spPr/>
-        <p:txBody>
-          <a:bodyPr/>
-          <a:lstStyle/>
-          <a:p>
-            <a:r>
-              <a:rPr lang="en-US" dirty="0"/>
-              <a:t>A visualization used in cluster analysis to assess the quality of clustering results. </a:t>
-            </a:r>
-          </a:p>
-          <a:p>
-            <a:r>
-              <a:rPr lang="en-US" dirty="0"/>
-              <a:t>It displays how well each data point fits into its assigned cluster compared to other clusters. </a:t>
-            </a:r>
-          </a:p>
-          <a:p>
-            <a:r>
-              <a:rPr lang="en-US" dirty="0"/>
-              <a:t>It shows the cohesion within clusters and separation between them, providing a visual representation of cluster "goodness“.</a:t>
-            </a:r>
-          </a:p>
-        </p:txBody>
-      </p:sp>
-    </p:spTree>
-    <p:extLst>
-      <p:ext uri="{BB962C8B-B14F-4D97-AF65-F5344CB8AC3E}">
-        <p14:creationId xmlns:p14="http://schemas.microsoft.com/office/powerpoint/2010/main" val="2379730882"/>
-      </p:ext>
-    </p:extLst>
-  </p:cSld>
-  <p:clrMapOvr>
-    <a:masterClrMapping/>
-  </p:clrMapOvr>
 </p:sld>
 </file>
 
@@ -23680,6 +23660,105 @@
           <a:chExt cx="0" cy="0"/>
         </a:xfrm>
       </p:grpSpPr>
+      <p:sp>
+        <p:nvSpPr>
+          <p:cNvPr id="2" name="Title 1">
+            <a:extLst>
+              <a:ext uri="{FF2B5EF4-FFF2-40B4-BE49-F238E27FC236}">
+                <a16:creationId xmlns:a16="http://schemas.microsoft.com/office/drawing/2014/main" id="{D8E01D88-8A3F-38F3-403A-921D3E606C54}"/>
+              </a:ext>
+            </a:extLst>
+          </p:cNvPr>
+          <p:cNvSpPr>
+            <a:spLocks noGrp="1"/>
+          </p:cNvSpPr>
+          <p:nvPr>
+            <p:ph type="title"/>
+          </p:nvPr>
+        </p:nvSpPr>
+        <p:spPr/>
+        <p:txBody>
+          <a:bodyPr/>
+          <a:lstStyle/>
+          <a:p>
+            <a:pPr algn="ctr"/>
+            <a:r>
+              <a:rPr lang="en-US" dirty="0"/>
+              <a:t>Silhouette plot</a:t>
+            </a:r>
+          </a:p>
+        </p:txBody>
+      </p:sp>
+      <p:sp>
+        <p:nvSpPr>
+          <p:cNvPr id="3" name="Content Placeholder 2">
+            <a:extLst>
+              <a:ext uri="{FF2B5EF4-FFF2-40B4-BE49-F238E27FC236}">
+                <a16:creationId xmlns:a16="http://schemas.microsoft.com/office/drawing/2014/main" id="{69C309F7-9283-16E0-423D-021309795752}"/>
+              </a:ext>
+            </a:extLst>
+          </p:cNvPr>
+          <p:cNvSpPr>
+            <a:spLocks noGrp="1"/>
+          </p:cNvSpPr>
+          <p:nvPr>
+            <p:ph idx="1"/>
+          </p:nvPr>
+        </p:nvSpPr>
+        <p:spPr/>
+        <p:txBody>
+          <a:bodyPr/>
+          <a:lstStyle/>
+          <a:p>
+            <a:r>
+              <a:rPr lang="en-US" dirty="0"/>
+              <a:t>A visualization used in cluster analysis to assess the quality of clustering results. </a:t>
+            </a:r>
+          </a:p>
+          <a:p>
+            <a:r>
+              <a:rPr lang="en-US" dirty="0"/>
+              <a:t>It displays how well each data point fits into its assigned cluster compared to other clusters. </a:t>
+            </a:r>
+          </a:p>
+          <a:p>
+            <a:r>
+              <a:rPr lang="en-US" dirty="0"/>
+              <a:t>It shows the cohesion within clusters and separation between them, providing a visual representation of cluster "goodness“.</a:t>
+            </a:r>
+          </a:p>
+        </p:txBody>
+      </p:sp>
+    </p:spTree>
+    <p:extLst>
+      <p:ext uri="{BB962C8B-B14F-4D97-AF65-F5344CB8AC3E}">
+        <p14:creationId xmlns:p14="http://schemas.microsoft.com/office/powerpoint/2010/main" val="2379730882"/>
+      </p:ext>
+    </p:extLst>
+  </p:cSld>
+  <p:clrMapOvr>
+    <a:masterClrMapping/>
+  </p:clrMapOvr>
+</p:sld>
+</file>
+
+<file path=ppt/slides/slide41.xml><?xml version="1.0" encoding="utf-8"?>
+<p:sld xmlns:a="http://schemas.openxmlformats.org/drawingml/2006/main" xmlns:r="http://schemas.openxmlformats.org/officeDocument/2006/relationships" xmlns:p="http://schemas.openxmlformats.org/presentationml/2006/main">
+  <p:cSld>
+    <p:spTree>
+      <p:nvGrpSpPr>
+        <p:cNvPr id="1" name=""/>
+        <p:cNvGrpSpPr/>
+        <p:nvPr/>
+      </p:nvGrpSpPr>
+      <p:grpSpPr>
+        <a:xfrm>
+          <a:off x="0" y="0"/>
+          <a:ext cx="0" cy="0"/>
+          <a:chOff x="0" y="0"/>
+          <a:chExt cx="0" cy="0"/>
+        </a:xfrm>
+      </p:grpSpPr>
       <p:pic>
         <p:nvPicPr>
           <p:cNvPr id="3" name="Picture 2" descr="A graph of a number of clusters&#10;&#10;AI-generated content may be incorrect.">
@@ -23765,7 +23844,7 @@
 </p:sld>
 </file>
 
-<file path=ppt/slides/slide41.xml><?xml version="1.0" encoding="utf-8"?>
+<file path=ppt/slides/slide42.xml><?xml version="1.0" encoding="utf-8"?>
 <p:sld xmlns:a="http://schemas.openxmlformats.org/drawingml/2006/main" xmlns:r="http://schemas.openxmlformats.org/officeDocument/2006/relationships" xmlns:p="http://schemas.openxmlformats.org/presentationml/2006/main">
   <p:cSld>
     <p:spTree>
@@ -24211,7 +24290,7 @@
 </p:sld>
 </file>
 
-<file path=ppt/slides/slide42.xml><?xml version="1.0" encoding="utf-8"?>
+<file path=ppt/slides/slide43.xml><?xml version="1.0" encoding="utf-8"?>
 <p:sld xmlns:a="http://schemas.openxmlformats.org/drawingml/2006/main" xmlns:r="http://schemas.openxmlformats.org/officeDocument/2006/relationships" xmlns:p="http://schemas.openxmlformats.org/presentationml/2006/main">
   <p:cSld>
     <p:spTree>
@@ -25070,6 +25149,230 @@
           <p:cNvPr id="2" name="Title 1">
             <a:extLst>
               <a:ext uri="{FF2B5EF4-FFF2-40B4-BE49-F238E27FC236}">
+                <a16:creationId xmlns:a16="http://schemas.microsoft.com/office/drawing/2014/main" id="{CE11ABBB-3327-B765-BDC9-5F36CBB3F66E}"/>
+              </a:ext>
+            </a:extLst>
+          </p:cNvPr>
+          <p:cNvSpPr>
+            <a:spLocks noGrp="1"/>
+          </p:cNvSpPr>
+          <p:nvPr>
+            <p:ph type="title"/>
+          </p:nvPr>
+        </p:nvSpPr>
+        <p:spPr>
+          <a:xfrm>
+            <a:off x="838200" y="0"/>
+            <a:ext cx="10515600" cy="928837"/>
+          </a:xfrm>
+        </p:spPr>
+        <p:txBody>
+          <a:bodyPr/>
+          <a:lstStyle/>
+          <a:p>
+            <a:pPr algn="ctr"/>
+            <a:r>
+              <a:rPr lang="en-US" dirty="0"/>
+              <a:t>Download files from </a:t>
+            </a:r>
+            <a:r>
+              <a:rPr lang="en-US" dirty="0" err="1"/>
+              <a:t>github</a:t>
+            </a:r>
+            <a:endParaRPr lang="en-US" dirty="0"/>
+          </a:p>
+        </p:txBody>
+      </p:sp>
+      <p:pic>
+        <p:nvPicPr>
+          <p:cNvPr id="4" name="Picture 3">
+            <a:extLst>
+              <a:ext uri="{FF2B5EF4-FFF2-40B4-BE49-F238E27FC236}">
+                <a16:creationId xmlns:a16="http://schemas.microsoft.com/office/drawing/2014/main" id="{33AE9C21-A600-4F55-3CAE-EA154104D9CD}"/>
+              </a:ext>
+            </a:extLst>
+          </p:cNvPr>
+          <p:cNvPicPr>
+            <a:picLocks noChangeAspect="1"/>
+          </p:cNvPicPr>
+          <p:nvPr/>
+        </p:nvPicPr>
+        <p:blipFill>
+          <a:blip r:embed="rId2"/>
+          <a:srcRect t="6772" b="6394"/>
+          <a:stretch>
+            <a:fillRect/>
+          </a:stretch>
+        </p:blipFill>
+        <p:spPr>
+          <a:xfrm>
+            <a:off x="0" y="905773"/>
+            <a:ext cx="12192000" cy="5952227"/>
+          </a:xfrm>
+          <a:prstGeom prst="rect">
+            <a:avLst/>
+          </a:prstGeom>
+        </p:spPr>
+      </p:pic>
+      <p:sp>
+        <p:nvSpPr>
+          <p:cNvPr id="5" name="Arrow: Left 4">
+            <a:extLst>
+              <a:ext uri="{FF2B5EF4-FFF2-40B4-BE49-F238E27FC236}">
+                <a16:creationId xmlns:a16="http://schemas.microsoft.com/office/drawing/2014/main" id="{03EFD7CC-C607-43D1-EAD5-BA3EE26057A8}"/>
+              </a:ext>
+            </a:extLst>
+          </p:cNvPr>
+          <p:cNvSpPr/>
+          <p:nvPr/>
+        </p:nvSpPr>
+        <p:spPr>
+          <a:xfrm>
+            <a:off x="8074323" y="3444844"/>
+            <a:ext cx="569343" cy="448574"/>
+          </a:xfrm>
+          <a:prstGeom prst="leftArrow">
+            <a:avLst/>
+          </a:prstGeom>
+        </p:spPr>
+        <p:style>
+          <a:lnRef idx="2">
+            <a:schemeClr val="accent2">
+              <a:shade val="15000"/>
+            </a:schemeClr>
+          </a:lnRef>
+          <a:fillRef idx="1">
+            <a:schemeClr val="accent2"/>
+          </a:fillRef>
+          <a:effectRef idx="0">
+            <a:schemeClr val="accent2"/>
+          </a:effectRef>
+          <a:fontRef idx="minor">
+            <a:schemeClr val="lt1"/>
+          </a:fontRef>
+        </p:style>
+        <p:txBody>
+          <a:bodyPr rtlCol="0" anchor="ctr"/>
+          <a:lstStyle/>
+          <a:p>
+            <a:pPr algn="ctr"/>
+            <a:endParaRPr lang="en-US"/>
+          </a:p>
+        </p:txBody>
+      </p:sp>
+    </p:spTree>
+    <p:extLst>
+      <p:ext uri="{BB962C8B-B14F-4D97-AF65-F5344CB8AC3E}">
+        <p14:creationId xmlns:p14="http://schemas.microsoft.com/office/powerpoint/2010/main" val="2180324056"/>
+      </p:ext>
+    </p:extLst>
+  </p:cSld>
+  <p:clrMapOvr>
+    <a:masterClrMapping/>
+  </p:clrMapOvr>
+  <p:timing>
+    <p:tnLst>
+      <p:par>
+        <p:cTn id="1" dur="indefinite" restart="never" nodeType="tmRoot">
+          <p:childTnLst>
+            <p:seq concurrent="1" nextAc="seek">
+              <p:cTn id="2" dur="indefinite" nodeType="mainSeq">
+                <p:childTnLst>
+                  <p:par>
+                    <p:cTn id="3" fill="hold">
+                      <p:stCondLst>
+                        <p:cond delay="indefinite"/>
+                      </p:stCondLst>
+                      <p:childTnLst>
+                        <p:par>
+                          <p:cTn id="4" fill="hold">
+                            <p:stCondLst>
+                              <p:cond delay="0"/>
+                            </p:stCondLst>
+                            <p:childTnLst>
+                              <p:par>
+                                <p:cTn id="5" presetID="1" presetClass="entr" presetSubtype="0" fill="hold" grpId="0" nodeType="clickEffect">
+                                  <p:stCondLst>
+                                    <p:cond delay="0"/>
+                                  </p:stCondLst>
+                                  <p:childTnLst>
+                                    <p:set>
+                                      <p:cBhvr>
+                                        <p:cTn id="6" dur="1" fill="hold">
+                                          <p:stCondLst>
+                                            <p:cond delay="0"/>
+                                          </p:stCondLst>
+                                        </p:cTn>
+                                        <p:tgtEl>
+                                          <p:spTgt spid="5"/>
+                                        </p:tgtEl>
+                                        <p:attrNameLst>
+                                          <p:attrName>style.visibility</p:attrName>
+                                        </p:attrNameLst>
+                                      </p:cBhvr>
+                                      <p:to>
+                                        <p:strVal val="visible"/>
+                                      </p:to>
+                                    </p:set>
+                                  </p:childTnLst>
+                                </p:cTn>
+                              </p:par>
+                            </p:childTnLst>
+                          </p:cTn>
+                        </p:par>
+                      </p:childTnLst>
+                    </p:cTn>
+                  </p:par>
+                </p:childTnLst>
+              </p:cTn>
+              <p:prevCondLst>
+                <p:cond evt="onPrev" delay="0">
+                  <p:tgtEl>
+                    <p:sldTgt/>
+                  </p:tgtEl>
+                </p:cond>
+              </p:prevCondLst>
+              <p:nextCondLst>
+                <p:cond evt="onNext" delay="0">
+                  <p:tgtEl>
+                    <p:sldTgt/>
+                  </p:tgtEl>
+                </p:cond>
+              </p:nextCondLst>
+            </p:seq>
+          </p:childTnLst>
+        </p:cTn>
+      </p:par>
+    </p:tnLst>
+    <p:bldLst>
+      <p:bldP spid="5" grpId="0" animBg="1"/>
+    </p:bldLst>
+  </p:timing>
+</p:sld>
+</file>
+
+<file path=ppt/slides/slide7.xml><?xml version="1.0" encoding="utf-8"?>
+<p:sld xmlns:a="http://schemas.openxmlformats.org/drawingml/2006/main" xmlns:r="http://schemas.openxmlformats.org/officeDocument/2006/relationships" xmlns:p="http://schemas.openxmlformats.org/presentationml/2006/main">
+  <p:cSld>
+    <p:spTree>
+      <p:nvGrpSpPr>
+        <p:cNvPr id="1" name=""/>
+        <p:cNvGrpSpPr/>
+        <p:nvPr/>
+      </p:nvGrpSpPr>
+      <p:grpSpPr>
+        <a:xfrm>
+          <a:off x="0" y="0"/>
+          <a:ext cx="0" cy="0"/>
+          <a:chOff x="0" y="0"/>
+          <a:chExt cx="0" cy="0"/>
+        </a:xfrm>
+      </p:grpSpPr>
+      <p:sp>
+        <p:nvSpPr>
+          <p:cNvPr id="2" name="Title 1">
+            <a:extLst>
+              <a:ext uri="{FF2B5EF4-FFF2-40B4-BE49-F238E27FC236}">
                 <a16:creationId xmlns:a16="http://schemas.microsoft.com/office/drawing/2014/main" id="{4B86195F-C452-F0B2-9BFA-8630D84263DC}"/>
               </a:ext>
             </a:extLst>
@@ -25373,7 +25676,7 @@
 </p:sld>
 </file>
 
-<file path=ppt/slides/slide7.xml><?xml version="1.0" encoding="utf-8"?>
+<file path=ppt/slides/slide8.xml><?xml version="1.0" encoding="utf-8"?>
 <p:sld xmlns:a="http://schemas.openxmlformats.org/drawingml/2006/main" xmlns:r="http://schemas.openxmlformats.org/officeDocument/2006/relationships" xmlns:p="http://schemas.openxmlformats.org/presentationml/2006/main">
   <p:cSld>
     <p:spTree>
@@ -25751,7 +26054,7 @@
 </p:sld>
 </file>
 
-<file path=ppt/slides/slide8.xml><?xml version="1.0" encoding="utf-8"?>
+<file path=ppt/slides/slide9.xml><?xml version="1.0" encoding="utf-8"?>
 <p:sld xmlns:a="http://schemas.openxmlformats.org/drawingml/2006/main" xmlns:r="http://schemas.openxmlformats.org/officeDocument/2006/relationships" xmlns:p="http://schemas.openxmlformats.org/presentationml/2006/main">
   <p:cSld>
     <p:spTree>
@@ -26366,70 +26669,6 @@
       </p:par>
     </p:tnLst>
   </p:timing>
-</p:sld>
-</file>
-
-<file path=ppt/slides/slide9.xml><?xml version="1.0" encoding="utf-8"?>
-<p:sld xmlns:a="http://schemas.openxmlformats.org/drawingml/2006/main" xmlns:r="http://schemas.openxmlformats.org/officeDocument/2006/relationships" xmlns:p="http://schemas.openxmlformats.org/presentationml/2006/main">
-  <p:cSld>
-    <p:spTree>
-      <p:nvGrpSpPr>
-        <p:cNvPr id="1" name=""/>
-        <p:cNvGrpSpPr/>
-        <p:nvPr/>
-      </p:nvGrpSpPr>
-      <p:grpSpPr>
-        <a:xfrm>
-          <a:off x="0" y="0"/>
-          <a:ext cx="0" cy="0"/>
-          <a:chOff x="0" y="0"/>
-          <a:chExt cx="0" cy="0"/>
-        </a:xfrm>
-      </p:grpSpPr>
-      <p:sp>
-        <p:nvSpPr>
-          <p:cNvPr id="2" name="Title 1">
-            <a:extLst>
-              <a:ext uri="{FF2B5EF4-FFF2-40B4-BE49-F238E27FC236}">
-                <a16:creationId xmlns:a16="http://schemas.microsoft.com/office/drawing/2014/main" id="{8C085F05-99AF-B5EE-EE3B-8A0E75BF8299}"/>
-              </a:ext>
-            </a:extLst>
-          </p:cNvPr>
-          <p:cNvSpPr>
-            <a:spLocks noGrp="1"/>
-          </p:cNvSpPr>
-          <p:nvPr>
-            <p:ph type="title"/>
-          </p:nvPr>
-        </p:nvSpPr>
-        <p:spPr>
-          <a:xfrm>
-            <a:off x="993476" y="2469970"/>
-            <a:ext cx="10515600" cy="1325563"/>
-          </a:xfrm>
-        </p:spPr>
-        <p:txBody>
-          <a:bodyPr/>
-          <a:lstStyle/>
-          <a:p>
-            <a:pPr algn="ctr"/>
-            <a:r>
-              <a:rPr lang="en-US" dirty="0"/>
-              <a:t>Applying functions to lists and data frames</a:t>
-            </a:r>
-          </a:p>
-        </p:txBody>
-      </p:sp>
-    </p:spTree>
-    <p:extLst>
-      <p:ext uri="{BB962C8B-B14F-4D97-AF65-F5344CB8AC3E}">
-        <p14:creationId xmlns:p14="http://schemas.microsoft.com/office/powerpoint/2010/main" val="1473990073"/>
-      </p:ext>
-    </p:extLst>
-  </p:cSld>
-  <p:clrMapOvr>
-    <a:masterClrMapping/>
-  </p:clrMapOvr>
 </p:sld>
 </file>
 

--- a/CRS2025_R_workshop.pptx
+++ b/CRS2025_R_workshop.pptx
@@ -8357,15 +8357,11 @@
           <a:p>
             <a:r>
               <a:rPr lang="en-US" dirty="0"/>
-              <a:t>Multiple </a:t>
-            </a:r>
-            <a:r>
-              <a:rPr lang="en-US"/>
-              <a:t>packages: install</a:t>
+              <a:t>Multiple packages: </a:t>
             </a:r>
             <a:r>
               <a:rPr lang="en-US" dirty="0" err="1"/>
-              <a:t>.packages</a:t>
+              <a:t>install.packages</a:t>
             </a:r>
             <a:r>
               <a:rPr lang="en-US" dirty="0"/>
@@ -22688,8 +22684,12 @@
               <a:t>holobaramins</a:t>
             </a:r>
             <a:r>
+              <a:rPr lang="en-US" b="1"/>
+              <a:t> (kinds) </a:t>
+            </a:r>
+            <a:r>
               <a:rPr lang="en-US" b="1" dirty="0"/>
-              <a:t> in the data.</a:t>
+              <a:t>in the data.</a:t>
             </a:r>
           </a:p>
         </p:txBody>

--- a/CRS2025_R_workshop.pptx
+++ b/CRS2025_R_workshop.pptx
@@ -160,7 +160,7 @@
 <file path=ppt/revisionInfo.xml><?xml version="1.0" encoding="utf-8"?>
 <p1510:revInfo xmlns:a="http://schemas.openxmlformats.org/drawingml/2006/main" xmlns:r="http://schemas.openxmlformats.org/officeDocument/2006/relationships" xmlns:p1510="http://schemas.microsoft.com/office/powerpoint/2015/10/main">
   <p1510:revLst>
-    <p1510:client id="{C72B12E2-8B72-408E-9488-1053D10929C0}" v="7610" dt="2025-07-21T14:42:41.452"/>
+    <p1510:client id="{C72B12E2-8B72-408E-9488-1053D10929C0}" v="7677" dt="2025-07-24T12:44:50.782"/>
   </p1510:revLst>
 </p1510:revInfo>
 </file>
@@ -170,12 +170,12 @@
   <pc:docChgLst>
     <pc:chgData name="Matthew Cserhati" userId="6030ab49dea5dda3" providerId="LiveId" clId="{C72B12E2-8B72-408E-9488-1053D10929C0}"/>
     <pc:docChg chg="undo custSel addSld delSld modSld sldOrd">
-      <pc:chgData name="Matthew Cserhati" userId="6030ab49dea5dda3" providerId="LiveId" clId="{C72B12E2-8B72-408E-9488-1053D10929C0}" dt="2025-07-21T14:42:41.452" v="11572"/>
+      <pc:chgData name="Matthew Cserhati" userId="6030ab49dea5dda3" providerId="LiveId" clId="{C72B12E2-8B72-408E-9488-1053D10929C0}" dt="2025-07-24T12:44:50.782" v="11646" actId="20577"/>
       <pc:docMkLst>
         <pc:docMk/>
       </pc:docMkLst>
       <pc:sldChg chg="addSp modSp new mod">
-        <pc:chgData name="Matthew Cserhati" userId="6030ab49dea5dda3" providerId="LiveId" clId="{C72B12E2-8B72-408E-9488-1053D10929C0}" dt="2025-07-17T17:08:58.929" v="10378" actId="20577"/>
+        <pc:chgData name="Matthew Cserhati" userId="6030ab49dea5dda3" providerId="LiveId" clId="{C72B12E2-8B72-408E-9488-1053D10929C0}" dt="2025-07-24T12:34:52.388" v="11574" actId="20577"/>
         <pc:sldMkLst>
           <pc:docMk/>
           <pc:sldMk cId="1227214514" sldId="256"/>
@@ -189,7 +189,7 @@
           </ac:spMkLst>
         </pc:spChg>
         <pc:spChg chg="mod">
-          <ac:chgData name="Matthew Cserhati" userId="6030ab49dea5dda3" providerId="LiveId" clId="{C72B12E2-8B72-408E-9488-1053D10929C0}" dt="2025-07-17T17:08:58.929" v="10378" actId="20577"/>
+          <ac:chgData name="Matthew Cserhati" userId="6030ab49dea5dda3" providerId="LiveId" clId="{C72B12E2-8B72-408E-9488-1053D10929C0}" dt="2025-07-24T12:34:52.388" v="11574" actId="20577"/>
           <ac:spMkLst>
             <pc:docMk/>
             <pc:sldMk cId="1227214514" sldId="256"/>
@@ -214,7 +214,7 @@
         </pc:picChg>
       </pc:sldChg>
       <pc:sldChg chg="modSp new mod modAnim">
-        <pc:chgData name="Matthew Cserhati" userId="6030ab49dea5dda3" providerId="LiveId" clId="{C72B12E2-8B72-408E-9488-1053D10929C0}" dt="2025-07-17T17:13:04.476" v="10780" actId="20577"/>
+        <pc:chgData name="Matthew Cserhati" userId="6030ab49dea5dda3" providerId="LiveId" clId="{C72B12E2-8B72-408E-9488-1053D10929C0}" dt="2025-07-24T12:35:35.269" v="11575" actId="20577"/>
         <pc:sldMkLst>
           <pc:docMk/>
           <pc:sldMk cId="791580756" sldId="257"/>
@@ -228,7 +228,7 @@
           </ac:spMkLst>
         </pc:spChg>
         <pc:spChg chg="mod">
-          <ac:chgData name="Matthew Cserhati" userId="6030ab49dea5dda3" providerId="LiveId" clId="{C72B12E2-8B72-408E-9488-1053D10929C0}" dt="2025-07-17T17:13:04.476" v="10780" actId="20577"/>
+          <ac:chgData name="Matthew Cserhati" userId="6030ab49dea5dda3" providerId="LiveId" clId="{C72B12E2-8B72-408E-9488-1053D10929C0}" dt="2025-07-24T12:35:35.269" v="11575" actId="20577"/>
           <ac:spMkLst>
             <pc:docMk/>
             <pc:sldMk cId="791580756" sldId="257"/>
@@ -398,13 +398,13 @@
         </pc:picChg>
       </pc:sldChg>
       <pc:sldChg chg="addSp modSp new mod modAnim">
-        <pc:chgData name="Matthew Cserhati" userId="6030ab49dea5dda3" providerId="LiveId" clId="{C72B12E2-8B72-408E-9488-1053D10929C0}" dt="2025-07-17T17:14:44.181" v="10794" actId="20577"/>
+        <pc:chgData name="Matthew Cserhati" userId="6030ab49dea5dda3" providerId="LiveId" clId="{C72B12E2-8B72-408E-9488-1053D10929C0}" dt="2025-07-24T12:44:50.782" v="11646" actId="20577"/>
         <pc:sldMkLst>
           <pc:docMk/>
           <pc:sldMk cId="3417793990" sldId="265"/>
         </pc:sldMkLst>
         <pc:spChg chg="mod">
-          <ac:chgData name="Matthew Cserhati" userId="6030ab49dea5dda3" providerId="LiveId" clId="{C72B12E2-8B72-408E-9488-1053D10929C0}" dt="2025-06-30T17:54:42.355" v="1671" actId="20577"/>
+          <ac:chgData name="Matthew Cserhati" userId="6030ab49dea5dda3" providerId="LiveId" clId="{C72B12E2-8B72-408E-9488-1053D10929C0}" dt="2025-07-24T12:44:34.004" v="11585" actId="14100"/>
           <ac:spMkLst>
             <pc:docMk/>
             <pc:sldMk cId="3417793990" sldId="265"/>
@@ -412,7 +412,7 @@
           </ac:spMkLst>
         </pc:spChg>
         <pc:spChg chg="mod">
-          <ac:chgData name="Matthew Cserhati" userId="6030ab49dea5dda3" providerId="LiveId" clId="{C72B12E2-8B72-408E-9488-1053D10929C0}" dt="2025-07-17T17:14:44.181" v="10794" actId="20577"/>
+          <ac:chgData name="Matthew Cserhati" userId="6030ab49dea5dda3" providerId="LiveId" clId="{C72B12E2-8B72-408E-9488-1053D10929C0}" dt="2025-07-24T12:44:50.782" v="11646" actId="20577"/>
           <ac:spMkLst>
             <pc:docMk/>
             <pc:sldMk cId="3417793990" sldId="265"/>
@@ -536,7 +536,7 @@
         </pc:spChg>
       </pc:sldChg>
       <pc:sldChg chg="modSp new mod modAnim">
-        <pc:chgData name="Matthew Cserhati" userId="6030ab49dea5dda3" providerId="LiveId" clId="{C72B12E2-8B72-408E-9488-1053D10929C0}" dt="2025-07-17T17:15:39.074" v="10814" actId="113"/>
+        <pc:chgData name="Matthew Cserhati" userId="6030ab49dea5dda3" providerId="LiveId" clId="{C72B12E2-8B72-408E-9488-1053D10929C0}" dt="2025-07-24T12:43:15.681" v="11584" actId="27636"/>
         <pc:sldMkLst>
           <pc:docMk/>
           <pc:sldMk cId="402216120" sldId="271"/>
@@ -550,7 +550,7 @@
           </ac:spMkLst>
         </pc:spChg>
         <pc:spChg chg="mod">
-          <ac:chgData name="Matthew Cserhati" userId="6030ab49dea5dda3" providerId="LiveId" clId="{C72B12E2-8B72-408E-9488-1053D10929C0}" dt="2025-07-17T17:15:39.074" v="10814" actId="113"/>
+          <ac:chgData name="Matthew Cserhati" userId="6030ab49dea5dda3" providerId="LiveId" clId="{C72B12E2-8B72-408E-9488-1053D10929C0}" dt="2025-07-24T12:43:15.681" v="11584" actId="27636"/>
           <ac:spMkLst>
             <pc:docMk/>
             <pc:sldMk cId="402216120" sldId="271"/>
@@ -1922,7 +1922,7 @@
           <a:p>
             <a:fld id="{9EE88898-85D7-45AF-B6F3-230B3CF59E47}" type="datetimeFigureOut">
               <a:rPr lang="en-US" smtClean="0"/>
-              <a:t>7/23/2025</a:t>
+              <a:t>7/24/2025</a:t>
             </a:fld>
             <a:endParaRPr lang="en-US"/>
           </a:p>
@@ -2504,7 +2504,7 @@
           <a:p>
             <a:fld id="{A96D1AFE-3D21-47B6-AAC4-7E75F0B46B27}" type="datetimeFigureOut">
               <a:rPr lang="en-US" smtClean="0"/>
-              <a:t>7/23/2025</a:t>
+              <a:t>7/24/2025</a:t>
             </a:fld>
             <a:endParaRPr lang="en-US"/>
           </a:p>
@@ -2702,7 +2702,7 @@
           <a:p>
             <a:fld id="{A96D1AFE-3D21-47B6-AAC4-7E75F0B46B27}" type="datetimeFigureOut">
               <a:rPr lang="en-US" smtClean="0"/>
-              <a:t>7/23/2025</a:t>
+              <a:t>7/24/2025</a:t>
             </a:fld>
             <a:endParaRPr lang="en-US"/>
           </a:p>
@@ -2910,7 +2910,7 @@
           <a:p>
             <a:fld id="{A96D1AFE-3D21-47B6-AAC4-7E75F0B46B27}" type="datetimeFigureOut">
               <a:rPr lang="en-US" smtClean="0"/>
-              <a:t>7/23/2025</a:t>
+              <a:t>7/24/2025</a:t>
             </a:fld>
             <a:endParaRPr lang="en-US"/>
           </a:p>
@@ -3108,7 +3108,7 @@
           <a:p>
             <a:fld id="{A96D1AFE-3D21-47B6-AAC4-7E75F0B46B27}" type="datetimeFigureOut">
               <a:rPr lang="en-US" smtClean="0"/>
-              <a:t>7/23/2025</a:t>
+              <a:t>7/24/2025</a:t>
             </a:fld>
             <a:endParaRPr lang="en-US"/>
           </a:p>
@@ -3383,7 +3383,7 @@
           <a:p>
             <a:fld id="{A96D1AFE-3D21-47B6-AAC4-7E75F0B46B27}" type="datetimeFigureOut">
               <a:rPr lang="en-US" smtClean="0"/>
-              <a:t>7/23/2025</a:t>
+              <a:t>7/24/2025</a:t>
             </a:fld>
             <a:endParaRPr lang="en-US"/>
           </a:p>
@@ -3648,7 +3648,7 @@
           <a:p>
             <a:fld id="{A96D1AFE-3D21-47B6-AAC4-7E75F0B46B27}" type="datetimeFigureOut">
               <a:rPr lang="en-US" smtClean="0"/>
-              <a:t>7/23/2025</a:t>
+              <a:t>7/24/2025</a:t>
             </a:fld>
             <a:endParaRPr lang="en-US"/>
           </a:p>
@@ -4060,7 +4060,7 @@
           <a:p>
             <a:fld id="{A96D1AFE-3D21-47B6-AAC4-7E75F0B46B27}" type="datetimeFigureOut">
               <a:rPr lang="en-US" smtClean="0"/>
-              <a:t>7/23/2025</a:t>
+              <a:t>7/24/2025</a:t>
             </a:fld>
             <a:endParaRPr lang="en-US"/>
           </a:p>
@@ -4201,7 +4201,7 @@
           <a:p>
             <a:fld id="{A96D1AFE-3D21-47B6-AAC4-7E75F0B46B27}" type="datetimeFigureOut">
               <a:rPr lang="en-US" smtClean="0"/>
-              <a:t>7/23/2025</a:t>
+              <a:t>7/24/2025</a:t>
             </a:fld>
             <a:endParaRPr lang="en-US"/>
           </a:p>
@@ -4314,7 +4314,7 @@
           <a:p>
             <a:fld id="{A96D1AFE-3D21-47B6-AAC4-7E75F0B46B27}" type="datetimeFigureOut">
               <a:rPr lang="en-US" smtClean="0"/>
-              <a:t>7/23/2025</a:t>
+              <a:t>7/24/2025</a:t>
             </a:fld>
             <a:endParaRPr lang="en-US"/>
           </a:p>
@@ -4625,7 +4625,7 @@
           <a:p>
             <a:fld id="{A96D1AFE-3D21-47B6-AAC4-7E75F0B46B27}" type="datetimeFigureOut">
               <a:rPr lang="en-US" smtClean="0"/>
-              <a:t>7/23/2025</a:t>
+              <a:t>7/24/2025</a:t>
             </a:fld>
             <a:endParaRPr lang="en-US"/>
           </a:p>
@@ -4913,7 +4913,7 @@
           <a:p>
             <a:fld id="{A96D1AFE-3D21-47B6-AAC4-7E75F0B46B27}" type="datetimeFigureOut">
               <a:rPr lang="en-US" smtClean="0"/>
-              <a:t>7/23/2025</a:t>
+              <a:t>7/24/2025</a:t>
             </a:fld>
             <a:endParaRPr lang="en-US"/>
           </a:p>
@@ -5154,7 +5154,7 @@
           <a:p>
             <a:fld id="{A96D1AFE-3D21-47B6-AAC4-7E75F0B46B27}" type="datetimeFigureOut">
               <a:rPr lang="en-US" smtClean="0"/>
-              <a:t>7/23/2025</a:t>
+              <a:t>7/24/2025</a:t>
             </a:fld>
             <a:endParaRPr lang="en-US"/>
           </a:p>
@@ -5646,7 +5646,7 @@
           <a:p>
             <a:r>
               <a:rPr lang="en-US" dirty="0"/>
-              <a:t>July 23, 2025</a:t>
+              <a:t>July 24, 2025</a:t>
             </a:r>
           </a:p>
         </p:txBody>
@@ -18892,7 +18892,7 @@
           <a:p>
             <a:r>
               <a:rPr lang="en-US" dirty="0"/>
-              <a:t>R programming Basics, comparison with other languages</a:t>
+              <a:t>R programming Basics</a:t>
             </a:r>
           </a:p>
           <a:p>
@@ -25709,7 +25709,12 @@
             <p:ph type="title"/>
           </p:nvPr>
         </p:nvSpPr>
-        <p:spPr/>
+        <p:spPr>
+          <a:xfrm>
+            <a:off x="838200" y="365126"/>
+            <a:ext cx="10515600" cy="911584"/>
+          </a:xfrm>
+        </p:spPr>
         <p:txBody>
           <a:bodyPr/>
           <a:lstStyle/>
@@ -25738,7 +25743,12 @@
             <p:ph idx="1"/>
           </p:nvPr>
         </p:nvSpPr>
-        <p:spPr/>
+        <p:spPr>
+          <a:xfrm>
+            <a:off x="838200" y="1535502"/>
+            <a:ext cx="10515600" cy="4641461"/>
+          </a:xfrm>
+        </p:spPr>
         <p:txBody>
           <a:bodyPr/>
           <a:lstStyle/>
@@ -25751,7 +25761,15 @@
           <a:p>
             <a:r>
               <a:rPr lang="en-US" dirty="0"/>
-              <a:t>If you work in R on a team, try out Posit Cloud (posit.co), which is an </a:t>
+              <a:t>If you work in R on a team, try out Posit Cloud (</a:t>
+            </a:r>
+            <a:r>
+              <a:rPr lang="en-US" dirty="0" err="1"/>
+              <a:t>posit.cloud</a:t>
+            </a:r>
+            <a:r>
+              <a:rPr lang="en-US" dirty="0"/>
+              <a:t>), which is an </a:t>
             </a:r>
             <a:r>
               <a:rPr lang="en-US" b="1" dirty="0"/>
@@ -25773,6 +25791,17 @@
               <a:rPr lang="en-US" dirty="0"/>
               <a:t>Save your code, data, result files online for others to use.</a:t>
             </a:r>
+          </a:p>
+          <a:p>
+            <a:r>
+              <a:rPr lang="en-US" dirty="0"/>
+              <a:t>(Mac users! If installing R Studio doesn’t work, </a:t>
+            </a:r>
+            <a:r>
+              <a:rPr lang="en-US"/>
+              <a:t>use this)</a:t>
+            </a:r>
+            <a:endParaRPr lang="en-US" dirty="0"/>
           </a:p>
         </p:txBody>
       </p:sp>
@@ -26026,6 +26055,55 @@
                       </p:childTnLst>
                     </p:cTn>
                   </p:par>
+                  <p:par>
+                    <p:cTn id="19" fill="hold">
+                      <p:stCondLst>
+                        <p:cond delay="indefinite"/>
+                      </p:stCondLst>
+                      <p:childTnLst>
+                        <p:par>
+                          <p:cTn id="20" fill="hold">
+                            <p:stCondLst>
+                              <p:cond delay="0"/>
+                            </p:stCondLst>
+                            <p:childTnLst>
+                              <p:par>
+                                <p:cTn id="21" presetID="1" presetClass="entr" presetSubtype="0" fill="hold" grpId="0" nodeType="clickEffect">
+                                  <p:stCondLst>
+                                    <p:cond delay="0"/>
+                                  </p:stCondLst>
+                                  <p:childTnLst>
+                                    <p:set>
+                                      <p:cBhvr>
+                                        <p:cTn id="22" dur="1" fill="hold">
+                                          <p:stCondLst>
+                                            <p:cond delay="0"/>
+                                          </p:stCondLst>
+                                        </p:cTn>
+                                        <p:tgtEl>
+                                          <p:spTgt spid="3">
+                                            <p:txEl>
+                                              <p:pRg st="4" end="4"/>
+                                            </p:txEl>
+                                          </p:spTgt>
+                                        </p:tgtEl>
+                                        <p:attrNameLst>
+                                          <p:attrName>style.visibility</p:attrName>
+                                        </p:attrNameLst>
+                                      </p:cBhvr>
+                                      <p:to>
+                                        <p:strVal val="visible"/>
+                                      </p:to>
+                                    </p:set>
+                                  </p:childTnLst>
+                                </p:cTn>
+                              </p:par>
+                            </p:childTnLst>
+                          </p:cTn>
+                        </p:par>
+                      </p:childTnLst>
+                    </p:cTn>
+                  </p:par>
                 </p:childTnLst>
               </p:cTn>
               <p:prevCondLst>
@@ -26130,12 +26208,6 @@
           <a:p>
             <a:r>
               <a:rPr lang="en-US" dirty="0"/>
-              <a:t>Variables, variable assignment</a:t>
-            </a:r>
-          </a:p>
-          <a:p>
-            <a:r>
-              <a:rPr lang="en-US" dirty="0"/>
               <a:t>Math operators</a:t>
             </a:r>
           </a:p>
@@ -26143,6 +26215,12 @@
             <a:r>
               <a:rPr lang="en-US" dirty="0"/>
               <a:t>Data types</a:t>
+            </a:r>
+          </a:p>
+          <a:p>
+            <a:r>
+              <a:rPr lang="en-US" dirty="0"/>
+              <a:t>Variables, variable assignment</a:t>
             </a:r>
           </a:p>
           <a:p>
@@ -26332,7 +26410,7 @@
                                         <p:tgtEl>
                                           <p:spTgt spid="3">
                                             <p:txEl>
-                                              <p:pRg st="2" end="2"/>
+                                              <p:pRg st="3" end="3"/>
                                             </p:txEl>
                                           </p:spTgt>
                                         </p:tgtEl>
@@ -26381,7 +26459,7 @@
                                         <p:tgtEl>
                                           <p:spTgt spid="3">
                                             <p:txEl>
-                                              <p:pRg st="3" end="3"/>
+                                              <p:pRg st="2" end="2"/>
                                             </p:txEl>
                                           </p:spTgt>
                                         </p:tgtEl>

--- a/CRS2025_R_workshop.pptx
+++ b/CRS2025_R_workshop.pptx
@@ -160,7 +160,7 @@
 <file path=ppt/revisionInfo.xml><?xml version="1.0" encoding="utf-8"?>
 <p1510:revInfo xmlns:a="http://schemas.openxmlformats.org/drawingml/2006/main" xmlns:r="http://schemas.openxmlformats.org/officeDocument/2006/relationships" xmlns:p1510="http://schemas.microsoft.com/office/powerpoint/2015/10/main">
   <p1510:revLst>
-    <p1510:client id="{C72B12E2-8B72-408E-9488-1053D10929C0}" v="7677" dt="2025-07-24T12:44:50.782"/>
+    <p1510:client id="{C72B12E2-8B72-408E-9488-1053D10929C0}" v="7804" dt="2025-07-24T13:26:39.132"/>
   </p1510:revLst>
 </p1510:revInfo>
 </file>
@@ -170,7 +170,7 @@
   <pc:docChgLst>
     <pc:chgData name="Matthew Cserhati" userId="6030ab49dea5dda3" providerId="LiveId" clId="{C72B12E2-8B72-408E-9488-1053D10929C0}"/>
     <pc:docChg chg="undo custSel addSld delSld modSld sldOrd">
-      <pc:chgData name="Matthew Cserhati" userId="6030ab49dea5dda3" providerId="LiveId" clId="{C72B12E2-8B72-408E-9488-1053D10929C0}" dt="2025-07-24T12:44:50.782" v="11646" actId="20577"/>
+      <pc:chgData name="Matthew Cserhati" userId="6030ab49dea5dda3" providerId="LiveId" clId="{C72B12E2-8B72-408E-9488-1053D10929C0}" dt="2025-07-24T13:26:39.132" v="11773" actId="20577"/>
       <pc:docMkLst>
         <pc:docMk/>
       </pc:docMkLst>
@@ -581,7 +581,7 @@
         </pc:spChg>
       </pc:sldChg>
       <pc:sldChg chg="modSp new mod modAnim">
-        <pc:chgData name="Matthew Cserhati" userId="6030ab49dea5dda3" providerId="LiveId" clId="{C72B12E2-8B72-408E-9488-1053D10929C0}" dt="2025-07-16T23:22:00.210" v="9042"/>
+        <pc:chgData name="Matthew Cserhati" userId="6030ab49dea5dda3" providerId="LiveId" clId="{C72B12E2-8B72-408E-9488-1053D10929C0}" dt="2025-07-24T13:24:37.408" v="11743"/>
         <pc:sldMkLst>
           <pc:docMk/>
           <pc:sldMk cId="365574372" sldId="273"/>
@@ -595,7 +595,7 @@
           </ac:spMkLst>
         </pc:spChg>
         <pc:spChg chg="mod">
-          <ac:chgData name="Matthew Cserhati" userId="6030ab49dea5dda3" providerId="LiveId" clId="{C72B12E2-8B72-408E-9488-1053D10929C0}" dt="2025-07-16T23:21:54.900" v="9041" actId="15"/>
+          <ac:chgData name="Matthew Cserhati" userId="6030ab49dea5dda3" providerId="LiveId" clId="{C72B12E2-8B72-408E-9488-1053D10929C0}" dt="2025-07-24T13:24:33.326" v="11742" actId="20577"/>
           <ac:spMkLst>
             <pc:docMk/>
             <pc:sldMk cId="365574372" sldId="273"/>
@@ -604,7 +604,7 @@
         </pc:spChg>
       </pc:sldChg>
       <pc:sldChg chg="modSp new mod modAnim">
-        <pc:chgData name="Matthew Cserhati" userId="6030ab49dea5dda3" providerId="LiveId" clId="{C72B12E2-8B72-408E-9488-1053D10929C0}" dt="2025-07-17T17:25:32.062" v="10999" actId="20577"/>
+        <pc:chgData name="Matthew Cserhati" userId="6030ab49dea5dda3" providerId="LiveId" clId="{C72B12E2-8B72-408E-9488-1053D10929C0}" dt="2025-07-24T13:25:12.146" v="11746" actId="20577"/>
         <pc:sldMkLst>
           <pc:docMk/>
           <pc:sldMk cId="2265684530" sldId="274"/>
@@ -618,7 +618,7 @@
           </ac:spMkLst>
         </pc:spChg>
         <pc:spChg chg="mod">
-          <ac:chgData name="Matthew Cserhati" userId="6030ab49dea5dda3" providerId="LiveId" clId="{C72B12E2-8B72-408E-9488-1053D10929C0}" dt="2025-07-17T17:25:32.062" v="10999" actId="20577"/>
+          <ac:chgData name="Matthew Cserhati" userId="6030ab49dea5dda3" providerId="LiveId" clId="{C72B12E2-8B72-408E-9488-1053D10929C0}" dt="2025-07-24T13:25:12.146" v="11746" actId="20577"/>
           <ac:spMkLst>
             <pc:docMk/>
             <pc:sldMk cId="2265684530" sldId="274"/>
@@ -627,7 +627,7 @@
         </pc:spChg>
       </pc:sldChg>
       <pc:sldChg chg="modSp add mod modAnim">
-        <pc:chgData name="Matthew Cserhati" userId="6030ab49dea5dda3" providerId="LiveId" clId="{C72B12E2-8B72-408E-9488-1053D10929C0}" dt="2025-07-01T00:16:51.977" v="4678" actId="20577"/>
+        <pc:chgData name="Matthew Cserhati" userId="6030ab49dea5dda3" providerId="LiveId" clId="{C72B12E2-8B72-408E-9488-1053D10929C0}" dt="2025-07-24T13:26:39.132" v="11773" actId="20577"/>
         <pc:sldMkLst>
           <pc:docMk/>
           <pc:sldMk cId="1656888837" sldId="275"/>
@@ -641,7 +641,7 @@
           </ac:spMkLst>
         </pc:spChg>
         <pc:spChg chg="mod">
-          <ac:chgData name="Matthew Cserhati" userId="6030ab49dea5dda3" providerId="LiveId" clId="{C72B12E2-8B72-408E-9488-1053D10929C0}" dt="2025-07-01T00:16:51.977" v="4678" actId="20577"/>
+          <ac:chgData name="Matthew Cserhati" userId="6030ab49dea5dda3" providerId="LiveId" clId="{C72B12E2-8B72-408E-9488-1053D10929C0}" dt="2025-07-24T13:26:39.132" v="11773" actId="20577"/>
           <ac:spMkLst>
             <pc:docMk/>
             <pc:sldMk cId="1656888837" sldId="275"/>
@@ -1751,7 +1751,7 @@
         </pc:picChg>
       </pc:sldChg>
       <pc:sldChg chg="modSp new mod modAnim">
-        <pc:chgData name="Matthew Cserhati" userId="6030ab49dea5dda3" providerId="LiveId" clId="{C72B12E2-8B72-408E-9488-1053D10929C0}" dt="2025-07-17T17:12:30.240" v="10762" actId="20577"/>
+        <pc:chgData name="Matthew Cserhati" userId="6030ab49dea5dda3" providerId="LiveId" clId="{C72B12E2-8B72-408E-9488-1053D10929C0}" dt="2025-07-24T13:23:29.832" v="11699" actId="313"/>
         <pc:sldMkLst>
           <pc:docMk/>
           <pc:sldMk cId="2737517908" sldId="295"/>
@@ -1765,7 +1765,7 @@
           </ac:spMkLst>
         </pc:spChg>
         <pc:spChg chg="mod">
-          <ac:chgData name="Matthew Cserhati" userId="6030ab49dea5dda3" providerId="LiveId" clId="{C72B12E2-8B72-408E-9488-1053D10929C0}" dt="2025-07-17T17:12:30.240" v="10762" actId="20577"/>
+          <ac:chgData name="Matthew Cserhati" userId="6030ab49dea5dda3" providerId="LiveId" clId="{C72B12E2-8B72-408E-9488-1053D10929C0}" dt="2025-07-24T13:23:29.832" v="11699" actId="313"/>
           <ac:spMkLst>
             <pc:docMk/>
             <pc:sldMk cId="2737517908" sldId="295"/>
@@ -7914,6 +7914,18 @@
             <a:pPr lvl="1"/>
             <a:r>
               <a:rPr lang="en-US" dirty="0"/>
+              <a:t>From </a:t>
+            </a:r>
+            <a:r>
+              <a:rPr lang="en-US" dirty="0" err="1"/>
+              <a:t>github</a:t>
+            </a:r>
+            <a:endParaRPr lang="en-US" dirty="0"/>
+          </a:p>
+          <a:p>
+            <a:pPr lvl="1"/>
+            <a:r>
+              <a:rPr lang="en-US" dirty="0"/>
               <a:t>Using the </a:t>
             </a:r>
             <a:r>
@@ -8239,6 +8251,55 @@
                       </p:childTnLst>
                     </p:cTn>
                   </p:par>
+                  <p:par>
+                    <p:cTn id="27" fill="hold">
+                      <p:stCondLst>
+                        <p:cond delay="indefinite"/>
+                      </p:stCondLst>
+                      <p:childTnLst>
+                        <p:par>
+                          <p:cTn id="28" fill="hold">
+                            <p:stCondLst>
+                              <p:cond delay="0"/>
+                            </p:stCondLst>
+                            <p:childTnLst>
+                              <p:par>
+                                <p:cTn id="29" presetID="1" presetClass="entr" presetSubtype="0" fill="hold" grpId="0" nodeType="clickEffect">
+                                  <p:stCondLst>
+                                    <p:cond delay="0"/>
+                                  </p:stCondLst>
+                                  <p:childTnLst>
+                                    <p:set>
+                                      <p:cBhvr>
+                                        <p:cTn id="30" dur="1" fill="hold">
+                                          <p:stCondLst>
+                                            <p:cond delay="0"/>
+                                          </p:stCondLst>
+                                        </p:cTn>
+                                        <p:tgtEl>
+                                          <p:spTgt spid="3">
+                                            <p:txEl>
+                                              <p:pRg st="6" end="6"/>
+                                            </p:txEl>
+                                          </p:spTgt>
+                                        </p:tgtEl>
+                                        <p:attrNameLst>
+                                          <p:attrName>style.visibility</p:attrName>
+                                        </p:attrNameLst>
+                                      </p:cBhvr>
+                                      <p:to>
+                                        <p:strVal val="visible"/>
+                                      </p:to>
+                                    </p:set>
+                                  </p:childTnLst>
+                                </p:cTn>
+                              </p:par>
+                            </p:childTnLst>
+                          </p:cTn>
+                        </p:par>
+                      </p:childTnLst>
+                    </p:cTn>
+                  </p:par>
                 </p:childTnLst>
               </p:cTn>
               <p:prevCondLst>
@@ -8357,7 +8418,7 @@
           <a:p>
             <a:r>
               <a:rPr lang="en-US" dirty="0"/>
-              <a:t>Multiple packages: </a:t>
+              <a:t>(Multiple packages: </a:t>
             </a:r>
             <a:r>
               <a:rPr lang="en-US" dirty="0" err="1"/>
@@ -8365,7 +8426,7 @@
             </a:r>
             <a:r>
               <a:rPr lang="en-US" dirty="0"/>
-              <a:t>(c(“pkg1”,”pkg2”))</a:t>
+              <a:t>(c(“pkg1”,”pkg2”)) )</a:t>
             </a:r>
           </a:p>
           <a:p>
@@ -9569,6 +9630,12 @@
           <a:p>
             <a:r>
               <a:rPr lang="en-US" dirty="0"/>
+              <a:t>My last name is pronounced “chair – hat – tea”</a:t>
+            </a:r>
+          </a:p>
+          <a:p>
+            <a:r>
+              <a:rPr lang="en-US" dirty="0"/>
               <a:t>Taught computer science at Concordia University Irvine for two years (Introduction to Bioinformatics).</a:t>
             </a:r>
           </a:p>
@@ -9874,6 +9941,55 @@
                       </p:childTnLst>
                     </p:cTn>
                   </p:par>
+                  <p:par>
+                    <p:cTn id="23" fill="hold">
+                      <p:stCondLst>
+                        <p:cond delay="indefinite"/>
+                      </p:stCondLst>
+                      <p:childTnLst>
+                        <p:par>
+                          <p:cTn id="24" fill="hold">
+                            <p:stCondLst>
+                              <p:cond delay="0"/>
+                            </p:stCondLst>
+                            <p:childTnLst>
+                              <p:par>
+                                <p:cTn id="25" presetID="1" presetClass="entr" presetSubtype="0" fill="hold" grpId="0" nodeType="clickEffect">
+                                  <p:stCondLst>
+                                    <p:cond delay="0"/>
+                                  </p:stCondLst>
+                                  <p:childTnLst>
+                                    <p:set>
+                                      <p:cBhvr>
+                                        <p:cTn id="26" dur="1" fill="hold">
+                                          <p:stCondLst>
+                                            <p:cond delay="0"/>
+                                          </p:stCondLst>
+                                        </p:cTn>
+                                        <p:tgtEl>
+                                          <p:spTgt spid="3">
+                                            <p:txEl>
+                                              <p:pRg st="5" end="5"/>
+                                            </p:txEl>
+                                          </p:spTgt>
+                                        </p:tgtEl>
+                                        <p:attrNameLst>
+                                          <p:attrName>style.visibility</p:attrName>
+                                        </p:attrNameLst>
+                                      </p:cBhvr>
+                                      <p:to>
+                                        <p:strVal val="visible"/>
+                                      </p:to>
+                                    </p:set>
+                                  </p:childTnLst>
+                                </p:cTn>
+                              </p:par>
+                            </p:childTnLst>
+                          </p:cTn>
+                        </p:par>
+                      </p:childTnLst>
+                    </p:cTn>
+                  </p:par>
                 </p:childTnLst>
               </p:cTn>
               <p:prevCondLst>
@@ -10369,7 +10485,7 @@
             </a:r>
             <a:r>
               <a:rPr lang="en-US" dirty="0"/>
-              <a:t>") prior to installing </a:t>
+              <a:t>") prior to installing a package on </a:t>
             </a:r>
             <a:r>
               <a:rPr lang="en-US" dirty="0" err="1"/>
@@ -10377,14 +10493,6 @@
             </a:r>
             <a:r>
               <a:rPr lang="en-US" dirty="0"/>
-              <a:t> </a:t>
-            </a:r>
-            <a:r>
-              <a:rPr lang="en-US" dirty="0" err="1"/>
-              <a:t>paclages</a:t>
-            </a:r>
-            <a:r>
-              <a:rPr lang="en-US" dirty="0"/>
               <a:t>.</a:t>
             </a:r>
           </a:p>
@@ -10394,8 +10502,12 @@
               <a:t>install_github</a:t>
             </a:r>
             <a:r>
+              <a:rPr lang="en-US"/>
+              <a:t>(“package</a:t>
+            </a:r>
+            <a:r>
               <a:rPr lang="en-US" dirty="0"/>
-              <a:t>(“user/package")</a:t>
+              <a:t>")</a:t>
             </a:r>
           </a:p>
           <a:p>
